--- a/Lectures/CSE 599V Lecture 2- Modeling Essentials.pptx
+++ b/Lectures/CSE 599V Lecture 2- Modeling Essentials.pptx
@@ -5,15 +5,16 @@
     <p:sldMasterId id="2147483648" r:id="rId1"/>
   </p:sldMasterIdLst>
   <p:notesMasterIdLst>
-    <p:notesMasterId r:id="rId5"/>
+    <p:notesMasterId r:id="rId6"/>
   </p:notesMasterIdLst>
   <p:handoutMasterIdLst>
-    <p:handoutMasterId r:id="rId6"/>
+    <p:handoutMasterId r:id="rId7"/>
   </p:handoutMasterIdLst>
   <p:sldIdLst>
     <p:sldId id="347" r:id="rId2"/>
     <p:sldId id="353" r:id="rId3"/>
     <p:sldId id="354" r:id="rId4"/>
+    <p:sldId id="355" r:id="rId5"/>
   </p:sldIdLst>
   <p:sldSz cx="9144000" cy="6858000" type="screen4x3"/>
   <p:notesSz cx="6858000" cy="9144000"/>
@@ -5382,11 +5383,7 @@
           <a:p>
             <a:r>
               <a:rPr lang="en-US" dirty="0"/>
-              <a:t>What are </a:t>
-            </a:r>
-            <a:r>
-              <a:rPr lang="en-US"/>
-              <a:t>we modeling?</a:t>
+              <a:t>What are we modeling?</a:t>
             </a:r>
           </a:p>
         </p:txBody>
@@ -5430,6 +5427,228 @@
     <p:extLst>
       <p:ext uri="{BB962C8B-B14F-4D97-AF65-F5344CB8AC3E}">
         <p14:creationId xmlns:p14="http://schemas.microsoft.com/office/powerpoint/2010/main" val="56348138"/>
+      </p:ext>
+    </p:extLst>
+  </p:cSld>
+  <p:clrMapOvr>
+    <a:masterClrMapping/>
+  </p:clrMapOvr>
+</p:sld>
+</file>
+
+<file path=ppt/slides/slide4.xml><?xml version="1.0" encoding="utf-8"?>
+<p:sld xmlns:a="http://schemas.openxmlformats.org/drawingml/2006/main" xmlns:r="http://schemas.openxmlformats.org/officeDocument/2006/relationships" xmlns:p="http://schemas.openxmlformats.org/presentationml/2006/main">
+  <p:cSld>
+    <p:spTree>
+      <p:nvGrpSpPr>
+        <p:cNvPr id="1" name=""/>
+        <p:cNvGrpSpPr/>
+        <p:nvPr/>
+      </p:nvGrpSpPr>
+      <p:grpSpPr>
+        <a:xfrm>
+          <a:off x="0" y="0"/>
+          <a:ext cx="0" cy="0"/>
+          <a:chOff x="0" y="0"/>
+          <a:chExt cx="0" cy="0"/>
+        </a:xfrm>
+      </p:grpSpPr>
+      <p:sp>
+        <p:nvSpPr>
+          <p:cNvPr id="5" name="Title 4">
+            <a:extLst>
+              <a:ext uri="{FF2B5EF4-FFF2-40B4-BE49-F238E27FC236}">
+                <a16:creationId xmlns:a16="http://schemas.microsoft.com/office/drawing/2014/main" id="{426B483E-2F08-134B-BDCE-7EE383A5210F}"/>
+              </a:ext>
+            </a:extLst>
+          </p:cNvPr>
+          <p:cNvSpPr>
+            <a:spLocks noGrp="1"/>
+          </p:cNvSpPr>
+          <p:nvPr>
+            <p:ph type="title"/>
+          </p:nvPr>
+        </p:nvSpPr>
+        <p:spPr/>
+        <p:txBody>
+          <a:bodyPr/>
+          <a:lstStyle/>
+          <a:p>
+            <a:endParaRPr lang="en-US"/>
+          </a:p>
+        </p:txBody>
+      </p:sp>
+      <p:sp>
+        <p:nvSpPr>
+          <p:cNvPr id="4" name="Slide Number Placeholder 3">
+            <a:extLst>
+              <a:ext uri="{FF2B5EF4-FFF2-40B4-BE49-F238E27FC236}">
+                <a16:creationId xmlns:a16="http://schemas.microsoft.com/office/drawing/2014/main" id="{A113FFE1-B004-E540-8C94-331FC54F0960}"/>
+              </a:ext>
+            </a:extLst>
+          </p:cNvPr>
+          <p:cNvSpPr>
+            <a:spLocks noGrp="1"/>
+          </p:cNvSpPr>
+          <p:nvPr>
+            <p:ph type="sldNum" sz="quarter" idx="11"/>
+          </p:nvPr>
+        </p:nvSpPr>
+        <p:spPr/>
+        <p:txBody>
+          <a:bodyPr/>
+          <a:lstStyle/>
+          <a:p>
+            <a:pPr>
+              <a:defRPr/>
+            </a:pPr>
+            <a:fld id="{3EF4E9CC-9D91-476E-91FD-5BEEC1642931}" type="slidenum">
+              <a:rPr lang="en-US" altLang="x-none" smtClean="0"/>
+              <a:pPr>
+                <a:defRPr/>
+              </a:pPr>
+              <a:t>4</a:t>
+            </a:fld>
+            <a:endParaRPr lang="en-US" altLang="x-none"/>
+          </a:p>
+        </p:txBody>
+      </p:sp>
+      <p:grpSp>
+        <p:nvGrpSpPr>
+          <p:cNvPr id="24" name="Group 23">
+            <a:extLst>
+              <a:ext uri="{FF2B5EF4-FFF2-40B4-BE49-F238E27FC236}">
+                <a16:creationId xmlns:a16="http://schemas.microsoft.com/office/drawing/2014/main" id="{648064F9-99C1-3C49-BC96-BD954443D5BB}"/>
+              </a:ext>
+            </a:extLst>
+          </p:cNvPr>
+          <p:cNvGrpSpPr/>
+          <p:nvPr/>
+        </p:nvGrpSpPr>
+        <p:grpSpPr>
+          <a:xfrm>
+            <a:off x="4526280" y="2486978"/>
+            <a:ext cx="2819400" cy="1122045"/>
+            <a:chOff x="4191000" y="1591310"/>
+            <a:chExt cx="2819400" cy="1122045"/>
+          </a:xfrm>
+        </p:grpSpPr>
+        <p:pic>
+          <p:nvPicPr>
+            <p:cNvPr id="22" name="Picture 21">
+              <a:extLst>
+                <a:ext uri="{FF2B5EF4-FFF2-40B4-BE49-F238E27FC236}">
+                  <a16:creationId xmlns:a16="http://schemas.microsoft.com/office/drawing/2014/main" id="{F24DF85A-7F1A-5048-B30E-CA5695DE4DA8}"/>
+                </a:ext>
+              </a:extLst>
+            </p:cNvPr>
+            <p:cNvPicPr>
+              <a:picLocks noChangeAspect="1"/>
+            </p:cNvPicPr>
+            <p:nvPr/>
+          </p:nvPicPr>
+          <p:blipFill>
+            <a:blip r:embed="rId2"/>
+            <a:stretch>
+              <a:fillRect/>
+            </a:stretch>
+          </p:blipFill>
+          <p:spPr>
+            <a:xfrm>
+              <a:off x="4191000" y="1591310"/>
+              <a:ext cx="2819400" cy="1092200"/>
+            </a:xfrm>
+            <a:prstGeom prst="rect">
+              <a:avLst/>
+            </a:prstGeom>
+          </p:spPr>
+        </p:pic>
+        <p:sp>
+          <p:nvSpPr>
+            <p:cNvPr id="23" name="Rectangle 22">
+              <a:extLst>
+                <a:ext uri="{FF2B5EF4-FFF2-40B4-BE49-F238E27FC236}">
+                  <a16:creationId xmlns:a16="http://schemas.microsoft.com/office/drawing/2014/main" id="{8777B665-64BA-FD46-B129-6F55BEADD485}"/>
+                </a:ext>
+              </a:extLst>
+            </p:cNvPr>
+            <p:cNvSpPr/>
+            <p:nvPr/>
+          </p:nvSpPr>
+          <p:spPr>
+            <a:xfrm>
+              <a:off x="4850130" y="2256155"/>
+              <a:ext cx="2160270" cy="457200"/>
+            </a:xfrm>
+            <a:prstGeom prst="rect">
+              <a:avLst/>
+            </a:prstGeom>
+            <a:solidFill>
+              <a:schemeClr val="bg1"/>
+            </a:solidFill>
+            <a:ln>
+              <a:noFill/>
+            </a:ln>
+            <a:effectLst/>
+          </p:spPr>
+          <p:style>
+            <a:lnRef idx="1">
+              <a:schemeClr val="accent1"/>
+            </a:lnRef>
+            <a:fillRef idx="3">
+              <a:schemeClr val="accent1"/>
+            </a:fillRef>
+            <a:effectRef idx="2">
+              <a:schemeClr val="accent1"/>
+            </a:effectRef>
+            <a:fontRef idx="minor">
+              <a:schemeClr val="lt1"/>
+            </a:fontRef>
+          </p:style>
+          <p:txBody>
+            <a:bodyPr rtlCol="0" anchor="ctr"/>
+            <a:lstStyle/>
+            <a:p>
+              <a:pPr algn="ctr"/>
+              <a:endParaRPr lang="en-US"/>
+            </a:p>
+          </p:txBody>
+        </p:sp>
+      </p:grpSp>
+      <p:pic>
+        <p:nvPicPr>
+          <p:cNvPr id="25" name="Picture 24">
+            <a:extLst>
+              <a:ext uri="{FF2B5EF4-FFF2-40B4-BE49-F238E27FC236}">
+                <a16:creationId xmlns:a16="http://schemas.microsoft.com/office/drawing/2014/main" id="{4128A9F4-743C-AA4B-AC24-081E34387C6B}"/>
+              </a:ext>
+            </a:extLst>
+          </p:cNvPr>
+          <p:cNvPicPr>
+            <a:picLocks noChangeAspect="1"/>
+          </p:cNvPicPr>
+          <p:nvPr/>
+        </p:nvPicPr>
+        <p:blipFill>
+          <a:blip r:embed="rId3"/>
+          <a:stretch>
+            <a:fillRect/>
+          </a:stretch>
+        </p:blipFill>
+        <p:spPr>
+          <a:xfrm>
+            <a:off x="4038600" y="3575368"/>
+            <a:ext cx="1295400" cy="1562100"/>
+          </a:xfrm>
+          <a:prstGeom prst="rect">
+            <a:avLst/>
+          </a:prstGeom>
+        </p:spPr>
+      </p:pic>
+    </p:spTree>
+    <p:extLst>
+      <p:ext uri="{BB962C8B-B14F-4D97-AF65-F5344CB8AC3E}">
+        <p14:creationId xmlns:p14="http://schemas.microsoft.com/office/powerpoint/2010/main" val="2851440819"/>
       </p:ext>
     </p:extLst>
   </p:cSld>

--- a/Lectures/CSE 599V Lecture 2- Modeling Essentials.pptx
+++ b/Lectures/CSE 599V Lecture 2- Modeling Essentials.pptx
@@ -5,16 +5,19 @@
     <p:sldMasterId id="2147483648" r:id="rId1"/>
   </p:sldMasterIdLst>
   <p:notesMasterIdLst>
-    <p:notesMasterId r:id="rId6"/>
+    <p:notesMasterId r:id="rId9"/>
   </p:notesMasterIdLst>
   <p:handoutMasterIdLst>
-    <p:handoutMasterId r:id="rId7"/>
+    <p:handoutMasterId r:id="rId10"/>
   </p:handoutMasterIdLst>
   <p:sldIdLst>
     <p:sldId id="347" r:id="rId2"/>
     <p:sldId id="353" r:id="rId3"/>
     <p:sldId id="354" r:id="rId4"/>
-    <p:sldId id="355" r:id="rId5"/>
+    <p:sldId id="356" r:id="rId5"/>
+    <p:sldId id="355" r:id="rId6"/>
+    <p:sldId id="357" r:id="rId7"/>
+    <p:sldId id="358" r:id="rId8"/>
   </p:sldIdLst>
   <p:sldSz cx="9144000" cy="6858000" type="screen4x3"/>
   <p:notesSz cx="6858000" cy="9144000"/>
@@ -903,6 +906,96 @@
 </p:notes>
 </file>
 
+<file path=ppt/notesSlides/notesSlide2.xml><?xml version="1.0" encoding="utf-8"?>
+<p:notes xmlns:a="http://schemas.openxmlformats.org/drawingml/2006/main" xmlns:r="http://schemas.openxmlformats.org/officeDocument/2006/relationships" xmlns:p="http://schemas.openxmlformats.org/presentationml/2006/main">
+  <p:cSld>
+    <p:spTree>
+      <p:nvGrpSpPr>
+        <p:cNvPr id="1" name=""/>
+        <p:cNvGrpSpPr/>
+        <p:nvPr/>
+      </p:nvGrpSpPr>
+      <p:grpSpPr>
+        <a:xfrm>
+          <a:off x="0" y="0"/>
+          <a:ext cx="0" cy="0"/>
+          <a:chOff x="0" y="0"/>
+          <a:chExt cx="0" cy="0"/>
+        </a:xfrm>
+      </p:grpSpPr>
+      <p:sp>
+        <p:nvSpPr>
+          <p:cNvPr id="2" name="Slide Image Placeholder 1"/>
+          <p:cNvSpPr>
+            <a:spLocks noGrp="1" noRot="1" noChangeAspect="1"/>
+          </p:cNvSpPr>
+          <p:nvPr>
+            <p:ph type="sldImg"/>
+          </p:nvPr>
+        </p:nvSpPr>
+        <p:spPr/>
+      </p:sp>
+      <p:sp>
+        <p:nvSpPr>
+          <p:cNvPr id="3" name="Notes Placeholder 2"/>
+          <p:cNvSpPr>
+            <a:spLocks noGrp="1"/>
+          </p:cNvSpPr>
+          <p:nvPr>
+            <p:ph type="body" idx="1"/>
+          </p:nvPr>
+        </p:nvSpPr>
+        <p:spPr/>
+        <p:txBody>
+          <a:bodyPr/>
+          <a:lstStyle/>
+          <a:p>
+            <a:endParaRPr lang="en-US" dirty="0"/>
+          </a:p>
+        </p:txBody>
+      </p:sp>
+      <p:sp>
+        <p:nvSpPr>
+          <p:cNvPr id="4" name="Slide Number Placeholder 3"/>
+          <p:cNvSpPr>
+            <a:spLocks noGrp="1"/>
+          </p:cNvSpPr>
+          <p:nvPr>
+            <p:ph type="sldNum" sz="quarter" idx="10"/>
+          </p:nvPr>
+        </p:nvSpPr>
+        <p:spPr/>
+        <p:txBody>
+          <a:bodyPr/>
+          <a:lstStyle/>
+          <a:p>
+            <a:pPr>
+              <a:defRPr/>
+            </a:pPr>
+            <a:fld id="{1E3608CA-DBCA-4E8F-8DAB-6E1AFAF19782}" type="slidenum">
+              <a:rPr lang="en-US" altLang="x-none" smtClean="0"/>
+              <a:pPr>
+                <a:defRPr/>
+              </a:pPr>
+              <a:t>7</a:t>
+            </a:fld>
+            <a:endParaRPr lang="en-US" altLang="x-none"/>
+          </a:p>
+        </p:txBody>
+      </p:sp>
+    </p:spTree>
+    <p:extLst>
+      <p:ext uri="{BB962C8B-B14F-4D97-AF65-F5344CB8AC3E}">
+        <p14:creationId xmlns:p14="http://schemas.microsoft.com/office/powerpoint/2010/main" val="2406026637"/>
+      </p:ext>
+    </p:extLst>
+  </p:cSld>
+  <p:clrMapOvr>
+    <a:masterClrMapping/>
+  </p:clrMapOvr>
+</p:notes>
+</file>
+
 <file path=ppt/slideLayouts/slideLayout1.xml><?xml version="1.0" encoding="utf-8"?>
 <p:sldLayout xmlns:a="http://schemas.openxmlformats.org/drawingml/2006/main" xmlns:r="http://schemas.openxmlformats.org/officeDocument/2006/relationships" xmlns:p="http://schemas.openxmlformats.org/presentationml/2006/main" type="title" preserve="1">
   <p:cSld name="Title Slide">
@@ -3360,8 +3453,20 @@
               <a:defRPr/>
             </a:pPr>
             <a:r>
-              <a:rPr lang="en-US"/>
-              <a:t>Hellerstein &amp; Parekh, 2017</a:t>
+              <a:rPr lang="en-US" dirty="0" err="1"/>
+              <a:t>Hellerstein</a:t>
+            </a:r>
+            <a:r>
+              <a:rPr lang="en-US" dirty="0"/>
+              <a:t> &amp; </a:t>
+            </a:r>
+            <a:r>
+              <a:rPr lang="en-US" dirty="0" err="1"/>
+              <a:t>Sauro</a:t>
+            </a:r>
+            <a:r>
+              <a:rPr lang="en-US" dirty="0"/>
+              <a:t>, 2018</a:t>
             </a:r>
           </a:p>
         </p:txBody>
@@ -3378,8 +3483,8 @@
         </p:nvSpPr>
         <p:spPr>
           <a:xfrm>
-            <a:off x="6324600" y="6324600"/>
-            <a:ext cx="1752600" cy="365125"/>
+            <a:off x="7696200" y="6324600"/>
+            <a:ext cx="533400" cy="365125"/>
           </a:xfrm>
         </p:spPr>
         <p:txBody>
@@ -5455,6 +5560,161 @@
       </p:grpSpPr>
       <p:sp>
         <p:nvSpPr>
+          <p:cNvPr id="2" name="Title 1">
+            <a:extLst>
+              <a:ext uri="{FF2B5EF4-FFF2-40B4-BE49-F238E27FC236}">
+                <a16:creationId xmlns:a16="http://schemas.microsoft.com/office/drawing/2014/main" id="{FB916CA3-04BE-6640-9488-801C5C9C169C}"/>
+              </a:ext>
+            </a:extLst>
+          </p:cNvPr>
+          <p:cNvSpPr>
+            <a:spLocks noGrp="1"/>
+          </p:cNvSpPr>
+          <p:nvPr>
+            <p:ph type="title"/>
+          </p:nvPr>
+        </p:nvSpPr>
+        <p:spPr/>
+        <p:txBody>
+          <a:bodyPr/>
+          <a:lstStyle/>
+          <a:p>
+            <a:r>
+              <a:rPr lang="en-US" dirty="0"/>
+              <a:t>Notes on Example</a:t>
+            </a:r>
+          </a:p>
+        </p:txBody>
+      </p:sp>
+      <p:sp>
+        <p:nvSpPr>
+          <p:cNvPr id="3" name="Content Placeholder 2">
+            <a:extLst>
+              <a:ext uri="{FF2B5EF4-FFF2-40B4-BE49-F238E27FC236}">
+                <a16:creationId xmlns:a16="http://schemas.microsoft.com/office/drawing/2014/main" id="{535FA1B5-B10F-3448-A2FB-BD328961A207}"/>
+              </a:ext>
+            </a:extLst>
+          </p:cNvPr>
+          <p:cNvSpPr>
+            <a:spLocks noGrp="1"/>
+          </p:cNvSpPr>
+          <p:nvPr>
+            <p:ph idx="1"/>
+          </p:nvPr>
+        </p:nvSpPr>
+        <p:spPr/>
+        <p:txBody>
+          <a:bodyPr/>
+          <a:lstStyle/>
+          <a:p>
+            <a:r>
+              <a:rPr lang="en-US" sz="2800" dirty="0"/>
+              <a:t>Water level management for lakes</a:t>
+            </a:r>
+          </a:p>
+          <a:p>
+            <a:pPr lvl="1"/>
+            <a:r>
+              <a:rPr lang="en-US" sz="2400" dirty="0"/>
+              <a:t>Lower lake provides constant flow output to supply water</a:t>
+            </a:r>
+          </a:p>
+          <a:p>
+            <a:pPr lvl="1"/>
+            <a:r>
+              <a:rPr lang="en-US" sz="2400" dirty="0"/>
+              <a:t>Upper lake is for recreation and emergency resupply</a:t>
+            </a:r>
+          </a:p>
+          <a:p>
+            <a:pPr lvl="1"/>
+            <a:r>
+              <a:rPr lang="en-US" sz="2400" dirty="0"/>
+              <a:t>Both have springs that feed them</a:t>
+            </a:r>
+          </a:p>
+          <a:p>
+            <a:pPr lvl="1"/>
+            <a:r>
+              <a:rPr lang="en-US" sz="2400" dirty="0"/>
+              <a:t>Upper level can feed lower level</a:t>
+            </a:r>
+          </a:p>
+          <a:p>
+            <a:r>
+              <a:rPr lang="en-US" sz="2800" dirty="0"/>
+              <a:t>Objective: Maximize level of upper lake subject to constraint on level in lower lake.</a:t>
+            </a:r>
+          </a:p>
+        </p:txBody>
+      </p:sp>
+      <p:sp>
+        <p:nvSpPr>
+          <p:cNvPr id="4" name="Slide Number Placeholder 3">
+            <a:extLst>
+              <a:ext uri="{FF2B5EF4-FFF2-40B4-BE49-F238E27FC236}">
+                <a16:creationId xmlns:a16="http://schemas.microsoft.com/office/drawing/2014/main" id="{9B6E5AE1-7D1C-B34B-9D6C-738BF60F0B5F}"/>
+              </a:ext>
+            </a:extLst>
+          </p:cNvPr>
+          <p:cNvSpPr>
+            <a:spLocks noGrp="1"/>
+          </p:cNvSpPr>
+          <p:nvPr>
+            <p:ph type="sldNum" sz="quarter" idx="11"/>
+          </p:nvPr>
+        </p:nvSpPr>
+        <p:spPr/>
+        <p:txBody>
+          <a:bodyPr/>
+          <a:lstStyle/>
+          <a:p>
+            <a:pPr>
+              <a:defRPr/>
+            </a:pPr>
+            <a:fld id="{3EF4E9CC-9D91-476E-91FD-5BEEC1642931}" type="slidenum">
+              <a:rPr lang="en-US" altLang="x-none" smtClean="0"/>
+              <a:pPr>
+                <a:defRPr/>
+              </a:pPr>
+              <a:t>4</a:t>
+            </a:fld>
+            <a:endParaRPr lang="en-US" altLang="x-none"/>
+          </a:p>
+        </p:txBody>
+      </p:sp>
+    </p:spTree>
+    <p:extLst>
+      <p:ext uri="{BB962C8B-B14F-4D97-AF65-F5344CB8AC3E}">
+        <p14:creationId xmlns:p14="http://schemas.microsoft.com/office/powerpoint/2010/main" val="2553460119"/>
+      </p:ext>
+    </p:extLst>
+  </p:cSld>
+  <p:clrMapOvr>
+    <a:masterClrMapping/>
+  </p:clrMapOvr>
+</p:sld>
+</file>
+
+<file path=ppt/slides/slide5.xml><?xml version="1.0" encoding="utf-8"?>
+<p:sld xmlns:a="http://schemas.openxmlformats.org/drawingml/2006/main" xmlns:r="http://schemas.openxmlformats.org/officeDocument/2006/relationships" xmlns:p="http://schemas.openxmlformats.org/presentationml/2006/main">
+  <p:cSld>
+    <p:spTree>
+      <p:nvGrpSpPr>
+        <p:cNvPr id="1" name=""/>
+        <p:cNvGrpSpPr/>
+        <p:nvPr/>
+      </p:nvGrpSpPr>
+      <p:grpSpPr>
+        <a:xfrm>
+          <a:off x="0" y="0"/>
+          <a:ext cx="0" cy="0"/>
+          <a:chOff x="0" y="0"/>
+          <a:chExt cx="0" cy="0"/>
+        </a:xfrm>
+      </p:grpSpPr>
+      <p:sp>
+        <p:nvSpPr>
           <p:cNvPr id="5" name="Title 4">
             <a:extLst>
               <a:ext uri="{FF2B5EF4-FFF2-40B4-BE49-F238E27FC236}">
@@ -5469,12 +5729,20 @@
             <p:ph type="title"/>
           </p:nvPr>
         </p:nvSpPr>
-        <p:spPr/>
+        <p:spPr>
+          <a:xfrm>
+            <a:off x="228600" y="228600"/>
+            <a:ext cx="8458200" cy="838200"/>
+          </a:xfrm>
+        </p:spPr>
         <p:txBody>
           <a:bodyPr/>
           <a:lstStyle/>
           <a:p>
-            <a:endParaRPr lang="en-US"/>
+            <a:r>
+              <a:rPr lang="en-US" dirty="0"/>
+              <a:t>Running Example: Public Water Hydraulics</a:t>
+            </a:r>
           </a:p>
         </p:txBody>
       </p:sp>
@@ -5507,18 +5775,601 @@
               <a:pPr>
                 <a:defRPr/>
               </a:pPr>
-              <a:t>4</a:t>
+              <a:t>5</a:t>
             </a:fld>
             <a:endParaRPr lang="en-US" altLang="x-none"/>
           </a:p>
         </p:txBody>
       </p:sp>
+      <p:pic>
+        <p:nvPicPr>
+          <p:cNvPr id="26" name="Picture 25">
+            <a:extLst>
+              <a:ext uri="{FF2B5EF4-FFF2-40B4-BE49-F238E27FC236}">
+                <a16:creationId xmlns:a16="http://schemas.microsoft.com/office/drawing/2014/main" id="{FBA8CE82-1968-C745-8978-732A2FF3BF01}"/>
+              </a:ext>
+            </a:extLst>
+          </p:cNvPr>
+          <p:cNvPicPr>
+            <a:picLocks noChangeAspect="1"/>
+          </p:cNvPicPr>
+          <p:nvPr/>
+        </p:nvPicPr>
+        <p:blipFill>
+          <a:blip r:embed="rId2"/>
+          <a:stretch>
+            <a:fillRect/>
+          </a:stretch>
+        </p:blipFill>
+        <p:spPr>
+          <a:xfrm>
+            <a:off x="3429000" y="4051300"/>
+            <a:ext cx="2630091" cy="1962453"/>
+          </a:xfrm>
+          <a:prstGeom prst="rect">
+            <a:avLst/>
+          </a:prstGeom>
+        </p:spPr>
+      </p:pic>
+      <p:pic>
+        <p:nvPicPr>
+          <p:cNvPr id="28" name="Picture 27">
+            <a:extLst>
+              <a:ext uri="{FF2B5EF4-FFF2-40B4-BE49-F238E27FC236}">
+                <a16:creationId xmlns:a16="http://schemas.microsoft.com/office/drawing/2014/main" id="{505DBFBA-6355-7A49-9762-30CC3933A16D}"/>
+              </a:ext>
+            </a:extLst>
+          </p:cNvPr>
+          <p:cNvPicPr>
+            <a:picLocks noChangeAspect="1"/>
+          </p:cNvPicPr>
+          <p:nvPr/>
+        </p:nvPicPr>
+        <p:blipFill>
+          <a:blip r:embed="rId3"/>
+          <a:stretch>
+            <a:fillRect/>
+          </a:stretch>
+        </p:blipFill>
+        <p:spPr>
+          <a:xfrm>
+            <a:off x="4768512" y="2819400"/>
+            <a:ext cx="553047" cy="1231900"/>
+          </a:xfrm>
+          <a:prstGeom prst="rect">
+            <a:avLst/>
+          </a:prstGeom>
+        </p:spPr>
+      </p:pic>
+      <p:pic>
+        <p:nvPicPr>
+          <p:cNvPr id="29" name="Picture 28">
+            <a:extLst>
+              <a:ext uri="{FF2B5EF4-FFF2-40B4-BE49-F238E27FC236}">
+                <a16:creationId xmlns:a16="http://schemas.microsoft.com/office/drawing/2014/main" id="{AF0D924D-092A-AB4A-8921-9AAEF6BF848B}"/>
+              </a:ext>
+            </a:extLst>
+          </p:cNvPr>
+          <p:cNvPicPr>
+            <a:picLocks noChangeAspect="1"/>
+          </p:cNvPicPr>
+          <p:nvPr/>
+        </p:nvPicPr>
+        <p:blipFill>
+          <a:blip r:embed="rId4"/>
+          <a:stretch>
+            <a:fillRect/>
+          </a:stretch>
+        </p:blipFill>
+        <p:spPr>
+          <a:xfrm>
+            <a:off x="609601" y="1066801"/>
+            <a:ext cx="914400" cy="714931"/>
+          </a:xfrm>
+          <a:prstGeom prst="rect">
+            <a:avLst/>
+          </a:prstGeom>
+        </p:spPr>
+      </p:pic>
+      <p:pic>
+        <p:nvPicPr>
+          <p:cNvPr id="30" name="Picture 29">
+            <a:extLst>
+              <a:ext uri="{FF2B5EF4-FFF2-40B4-BE49-F238E27FC236}">
+                <a16:creationId xmlns:a16="http://schemas.microsoft.com/office/drawing/2014/main" id="{FDC834B4-B21A-C44B-8BFB-1BB294769ED1}"/>
+              </a:ext>
+            </a:extLst>
+          </p:cNvPr>
+          <p:cNvPicPr>
+            <a:picLocks noChangeAspect="1"/>
+          </p:cNvPicPr>
+          <p:nvPr/>
+        </p:nvPicPr>
+        <p:blipFill>
+          <a:blip r:embed="rId5"/>
+          <a:stretch>
+            <a:fillRect/>
+          </a:stretch>
+        </p:blipFill>
+        <p:spPr>
+          <a:xfrm>
+            <a:off x="381000" y="1781731"/>
+            <a:ext cx="2450705" cy="1361283"/>
+          </a:xfrm>
+          <a:prstGeom prst="rect">
+            <a:avLst/>
+          </a:prstGeom>
+        </p:spPr>
+      </p:pic>
+      <p:pic>
+        <p:nvPicPr>
+          <p:cNvPr id="31" name="Picture 30">
+            <a:extLst>
+              <a:ext uri="{FF2B5EF4-FFF2-40B4-BE49-F238E27FC236}">
+                <a16:creationId xmlns:a16="http://schemas.microsoft.com/office/drawing/2014/main" id="{FA23013D-EDF8-6841-AD98-0DFE7A5B34A1}"/>
+              </a:ext>
+            </a:extLst>
+          </p:cNvPr>
+          <p:cNvPicPr>
+            <a:picLocks noChangeAspect="1"/>
+          </p:cNvPicPr>
+          <p:nvPr/>
+        </p:nvPicPr>
+        <p:blipFill>
+          <a:blip r:embed="rId3"/>
+          <a:stretch>
+            <a:fillRect/>
+          </a:stretch>
+        </p:blipFill>
+        <p:spPr>
+          <a:xfrm>
+            <a:off x="5429845" y="2819400"/>
+            <a:ext cx="553047" cy="1231900"/>
+          </a:xfrm>
+          <a:prstGeom prst="rect">
+            <a:avLst/>
+          </a:prstGeom>
+        </p:spPr>
+      </p:pic>
+      <p:pic>
+        <p:nvPicPr>
+          <p:cNvPr id="32" name="Picture 31">
+            <a:extLst>
+              <a:ext uri="{FF2B5EF4-FFF2-40B4-BE49-F238E27FC236}">
+                <a16:creationId xmlns:a16="http://schemas.microsoft.com/office/drawing/2014/main" id="{9D081F26-E7AE-2847-992B-9FD9F6DAAAF4}"/>
+              </a:ext>
+            </a:extLst>
+          </p:cNvPr>
+          <p:cNvPicPr>
+            <a:picLocks noChangeAspect="1"/>
+          </p:cNvPicPr>
+          <p:nvPr/>
+        </p:nvPicPr>
+        <p:blipFill>
+          <a:blip r:embed="rId3"/>
+          <a:stretch>
+            <a:fillRect/>
+          </a:stretch>
+        </p:blipFill>
+        <p:spPr>
+          <a:xfrm>
+            <a:off x="4134445" y="2819400"/>
+            <a:ext cx="553047" cy="1231900"/>
+          </a:xfrm>
+          <a:prstGeom prst="rect">
+            <a:avLst/>
+          </a:prstGeom>
+        </p:spPr>
+      </p:pic>
+      <p:pic>
+        <p:nvPicPr>
+          <p:cNvPr id="33" name="Picture 32">
+            <a:extLst>
+              <a:ext uri="{FF2B5EF4-FFF2-40B4-BE49-F238E27FC236}">
+                <a16:creationId xmlns:a16="http://schemas.microsoft.com/office/drawing/2014/main" id="{47C99A78-29D9-E243-A205-AFB35148E4C0}"/>
+              </a:ext>
+            </a:extLst>
+          </p:cNvPr>
+          <p:cNvPicPr>
+            <a:picLocks noChangeAspect="1"/>
+          </p:cNvPicPr>
+          <p:nvPr/>
+        </p:nvPicPr>
+        <p:blipFill>
+          <a:blip r:embed="rId4"/>
+          <a:stretch>
+            <a:fillRect/>
+          </a:stretch>
+        </p:blipFill>
+        <p:spPr>
+          <a:xfrm>
+            <a:off x="1676400" y="1066800"/>
+            <a:ext cx="914400" cy="714931"/>
+          </a:xfrm>
+          <a:prstGeom prst="rect">
+            <a:avLst/>
+          </a:prstGeom>
+        </p:spPr>
+      </p:pic>
+      <p:pic>
+        <p:nvPicPr>
+          <p:cNvPr id="34" name="Picture 33">
+            <a:extLst>
+              <a:ext uri="{FF2B5EF4-FFF2-40B4-BE49-F238E27FC236}">
+                <a16:creationId xmlns:a16="http://schemas.microsoft.com/office/drawing/2014/main" id="{44DD90E9-3D57-FE4A-9869-3F0FA575BB04}"/>
+              </a:ext>
+            </a:extLst>
+          </p:cNvPr>
+          <p:cNvPicPr>
+            <a:picLocks noChangeAspect="1"/>
+          </p:cNvPicPr>
+          <p:nvPr/>
+        </p:nvPicPr>
+        <p:blipFill>
+          <a:blip r:embed="rId6"/>
+          <a:stretch>
+            <a:fillRect/>
+          </a:stretch>
+        </p:blipFill>
+        <p:spPr>
+          <a:xfrm flipH="1">
+            <a:off x="1777605" y="3143014"/>
+            <a:ext cx="2108200" cy="952500"/>
+          </a:xfrm>
+          <a:prstGeom prst="rect">
+            <a:avLst/>
+          </a:prstGeom>
+        </p:spPr>
+      </p:pic>
+      <p:sp>
+        <p:nvSpPr>
+          <p:cNvPr id="35" name="TextBox 34">
+            <a:extLst>
+              <a:ext uri="{FF2B5EF4-FFF2-40B4-BE49-F238E27FC236}">
+                <a16:creationId xmlns:a16="http://schemas.microsoft.com/office/drawing/2014/main" id="{EA1026F4-85F5-A845-A7F8-5A69D529D5EC}"/>
+              </a:ext>
+            </a:extLst>
+          </p:cNvPr>
+          <p:cNvSpPr txBox="1"/>
+          <p:nvPr/>
+        </p:nvSpPr>
+        <p:spPr>
+          <a:xfrm>
+            <a:off x="6172200" y="4397625"/>
+            <a:ext cx="2514600" cy="1323439"/>
+          </a:xfrm>
+          <a:prstGeom prst="rect">
+            <a:avLst/>
+          </a:prstGeom>
+          <a:noFill/>
+        </p:spPr>
+        <p:txBody>
+          <a:bodyPr wrap="square" rtlCol="0">
+            <a:spAutoFit/>
+          </a:bodyPr>
+          <a:lstStyle/>
+          <a:p>
+            <a:r>
+              <a:rPr lang="en-US" sz="2000" dirty="0"/>
+              <a:t>Reservoir provides public water</a:t>
+            </a:r>
+          </a:p>
+          <a:p>
+            <a:pPr marL="285750" indent="-285750">
+              <a:buFont typeface="Arial" panose="020B0604020202020204" pitchFamily="34" charset="0"/>
+              <a:buChar char="•"/>
+            </a:pPr>
+            <a:r>
+              <a:rPr lang="en-US" sz="2000" dirty="0"/>
+              <a:t>Water level</a:t>
+            </a:r>
+          </a:p>
+          <a:p>
+            <a:pPr marL="285750" indent="-285750">
+              <a:buFont typeface="Arial" panose="020B0604020202020204" pitchFamily="34" charset="0"/>
+              <a:buChar char="•"/>
+            </a:pPr>
+            <a:r>
+              <a:rPr lang="en-US" sz="2000" dirty="0"/>
+              <a:t>Flow rate</a:t>
+            </a:r>
+          </a:p>
+        </p:txBody>
+      </p:sp>
+      <p:sp>
+        <p:nvSpPr>
+          <p:cNvPr id="36" name="TextBox 35">
+            <a:extLst>
+              <a:ext uri="{FF2B5EF4-FFF2-40B4-BE49-F238E27FC236}">
+                <a16:creationId xmlns:a16="http://schemas.microsoft.com/office/drawing/2014/main" id="{8FCB524B-1565-CA4B-9F59-196F44EBAA85}"/>
+              </a:ext>
+            </a:extLst>
+          </p:cNvPr>
+          <p:cNvSpPr txBox="1"/>
+          <p:nvPr/>
+        </p:nvSpPr>
+        <p:spPr>
+          <a:xfrm>
+            <a:off x="6096000" y="2741595"/>
+            <a:ext cx="2514600" cy="707886"/>
+          </a:xfrm>
+          <a:prstGeom prst="rect">
+            <a:avLst/>
+          </a:prstGeom>
+          <a:noFill/>
+        </p:spPr>
+        <p:txBody>
+          <a:bodyPr wrap="square" rtlCol="0">
+            <a:spAutoFit/>
+          </a:bodyPr>
+          <a:lstStyle/>
+          <a:p>
+            <a:r>
+              <a:rPr lang="en-US" sz="2000" dirty="0"/>
+              <a:t>Streams fill reservoir</a:t>
+            </a:r>
+          </a:p>
+          <a:p>
+            <a:pPr marL="342900" indent="-342900">
+              <a:buFont typeface="Arial" panose="020B0604020202020204" pitchFamily="34" charset="0"/>
+              <a:buChar char="•"/>
+            </a:pPr>
+            <a:r>
+              <a:rPr lang="en-US" sz="2000" dirty="0"/>
+              <a:t>Flow rate</a:t>
+            </a:r>
+          </a:p>
+        </p:txBody>
+      </p:sp>
+      <p:sp>
+        <p:nvSpPr>
+          <p:cNvPr id="37" name="TextBox 36">
+            <a:extLst>
+              <a:ext uri="{FF2B5EF4-FFF2-40B4-BE49-F238E27FC236}">
+                <a16:creationId xmlns:a16="http://schemas.microsoft.com/office/drawing/2014/main" id="{737A50FC-A00E-F041-8024-227B4AF7D71B}"/>
+              </a:ext>
+            </a:extLst>
+          </p:cNvPr>
+          <p:cNvSpPr txBox="1"/>
+          <p:nvPr/>
+        </p:nvSpPr>
+        <p:spPr>
+          <a:xfrm>
+            <a:off x="2930484" y="1752600"/>
+            <a:ext cx="3052407" cy="1015663"/>
+          </a:xfrm>
+          <a:prstGeom prst="rect">
+            <a:avLst/>
+          </a:prstGeom>
+          <a:noFill/>
+        </p:spPr>
+        <p:txBody>
+          <a:bodyPr wrap="square" rtlCol="0">
+            <a:spAutoFit/>
+          </a:bodyPr>
+          <a:lstStyle/>
+          <a:p>
+            <a:r>
+              <a:rPr lang="en-US" sz="2000" dirty="0"/>
+              <a:t>Lake provides recreation</a:t>
+            </a:r>
+          </a:p>
+          <a:p>
+            <a:pPr marL="342900" indent="-342900">
+              <a:buFont typeface="Arial" panose="020B0604020202020204" pitchFamily="34" charset="0"/>
+              <a:buChar char="•"/>
+            </a:pPr>
+            <a:r>
+              <a:rPr lang="en-US" sz="2000" dirty="0"/>
+              <a:t>Water level</a:t>
+            </a:r>
+          </a:p>
+          <a:p>
+            <a:pPr marL="342900" indent="-342900">
+              <a:buFont typeface="Arial" panose="020B0604020202020204" pitchFamily="34" charset="0"/>
+              <a:buChar char="•"/>
+            </a:pPr>
+            <a:r>
+              <a:rPr lang="en-US" sz="2000" dirty="0"/>
+              <a:t>Flow rate</a:t>
+            </a:r>
+          </a:p>
+        </p:txBody>
+      </p:sp>
+      <p:sp>
+        <p:nvSpPr>
+          <p:cNvPr id="38" name="TextBox 37">
+            <a:extLst>
+              <a:ext uri="{FF2B5EF4-FFF2-40B4-BE49-F238E27FC236}">
+                <a16:creationId xmlns:a16="http://schemas.microsoft.com/office/drawing/2014/main" id="{ECBC6359-E1F1-1C45-8223-845435068E8B}"/>
+              </a:ext>
+            </a:extLst>
+          </p:cNvPr>
+          <p:cNvSpPr txBox="1"/>
+          <p:nvPr/>
+        </p:nvSpPr>
+        <p:spPr>
+          <a:xfrm>
+            <a:off x="2743200" y="942727"/>
+            <a:ext cx="2514600" cy="707886"/>
+          </a:xfrm>
+          <a:prstGeom prst="rect">
+            <a:avLst/>
+          </a:prstGeom>
+          <a:noFill/>
+        </p:spPr>
+        <p:txBody>
+          <a:bodyPr wrap="square" rtlCol="0">
+            <a:spAutoFit/>
+          </a:bodyPr>
+          <a:lstStyle/>
+          <a:p>
+            <a:r>
+              <a:rPr lang="en-US" sz="2000" dirty="0"/>
+              <a:t>Streams fill lake</a:t>
+            </a:r>
+          </a:p>
+          <a:p>
+            <a:pPr marL="342900" indent="-342900">
+              <a:buFont typeface="Arial" panose="020B0604020202020204" pitchFamily="34" charset="0"/>
+              <a:buChar char="•"/>
+            </a:pPr>
+            <a:r>
+              <a:rPr lang="en-US" sz="2000" dirty="0"/>
+              <a:t>Flow rate</a:t>
+            </a:r>
+          </a:p>
+        </p:txBody>
+      </p:sp>
+      <p:sp>
+        <p:nvSpPr>
+          <p:cNvPr id="39" name="TextBox 38">
+            <a:extLst>
+              <a:ext uri="{FF2B5EF4-FFF2-40B4-BE49-F238E27FC236}">
+                <a16:creationId xmlns:a16="http://schemas.microsoft.com/office/drawing/2014/main" id="{B4138F32-C7DD-B447-8F27-765066009010}"/>
+              </a:ext>
+            </a:extLst>
+          </p:cNvPr>
+          <p:cNvSpPr txBox="1"/>
+          <p:nvPr/>
+        </p:nvSpPr>
+        <p:spPr>
+          <a:xfrm>
+            <a:off x="457200" y="3906721"/>
+            <a:ext cx="2514600" cy="1015663"/>
+          </a:xfrm>
+          <a:prstGeom prst="rect">
+            <a:avLst/>
+          </a:prstGeom>
+          <a:noFill/>
+        </p:spPr>
+        <p:txBody>
+          <a:bodyPr wrap="square" rtlCol="0">
+            <a:spAutoFit/>
+          </a:bodyPr>
+          <a:lstStyle/>
+          <a:p>
+            <a:r>
+              <a:rPr lang="en-US" sz="2000" dirty="0"/>
+              <a:t>Pipe provides lake water to reservoir</a:t>
+            </a:r>
+          </a:p>
+          <a:p>
+            <a:pPr marL="342900" indent="-342900">
+              <a:buFont typeface="Arial" panose="020B0604020202020204" pitchFamily="34" charset="0"/>
+              <a:buChar char="•"/>
+            </a:pPr>
+            <a:r>
+              <a:rPr lang="en-US" sz="2000" dirty="0"/>
+              <a:t>Flow rate</a:t>
+            </a:r>
+          </a:p>
+        </p:txBody>
+      </p:sp>
+    </p:spTree>
+    <p:extLst>
+      <p:ext uri="{BB962C8B-B14F-4D97-AF65-F5344CB8AC3E}">
+        <p14:creationId xmlns:p14="http://schemas.microsoft.com/office/powerpoint/2010/main" val="2851440819"/>
+      </p:ext>
+    </p:extLst>
+  </p:cSld>
+  <p:clrMapOvr>
+    <a:masterClrMapping/>
+  </p:clrMapOvr>
+</p:sld>
+</file>
+
+<file path=ppt/slides/slide6.xml><?xml version="1.0" encoding="utf-8"?>
+<p:sld xmlns:a="http://schemas.openxmlformats.org/drawingml/2006/main" xmlns:r="http://schemas.openxmlformats.org/officeDocument/2006/relationships" xmlns:p="http://schemas.openxmlformats.org/presentationml/2006/main">
+  <p:cSld>
+    <p:spTree>
+      <p:nvGrpSpPr>
+        <p:cNvPr id="1" name=""/>
+        <p:cNvGrpSpPr/>
+        <p:nvPr/>
+      </p:nvGrpSpPr>
+      <p:grpSpPr>
+        <a:xfrm>
+          <a:off x="0" y="0"/>
+          <a:ext cx="0" cy="0"/>
+          <a:chOff x="0" y="0"/>
+          <a:chExt cx="0" cy="0"/>
+        </a:xfrm>
+      </p:grpSpPr>
+      <p:sp>
+        <p:nvSpPr>
+          <p:cNvPr id="5" name="Title 4">
+            <a:extLst>
+              <a:ext uri="{FF2B5EF4-FFF2-40B4-BE49-F238E27FC236}">
+                <a16:creationId xmlns:a16="http://schemas.microsoft.com/office/drawing/2014/main" id="{426B483E-2F08-134B-BDCE-7EE383A5210F}"/>
+              </a:ext>
+            </a:extLst>
+          </p:cNvPr>
+          <p:cNvSpPr>
+            <a:spLocks noGrp="1"/>
+          </p:cNvSpPr>
+          <p:nvPr>
+            <p:ph type="title"/>
+          </p:nvPr>
+        </p:nvSpPr>
+        <p:spPr>
+          <a:xfrm>
+            <a:off x="457200" y="228600"/>
+            <a:ext cx="4724400" cy="838200"/>
+          </a:xfrm>
+        </p:spPr>
+        <p:txBody>
+          <a:bodyPr/>
+          <a:lstStyle/>
+          <a:p>
+            <a:r>
+              <a:rPr lang="en-US" dirty="0"/>
+              <a:t>The Hydraulics Problem</a:t>
+            </a:r>
+          </a:p>
+        </p:txBody>
+      </p:sp>
+      <p:sp>
+        <p:nvSpPr>
+          <p:cNvPr id="4" name="Slide Number Placeholder 3">
+            <a:extLst>
+              <a:ext uri="{FF2B5EF4-FFF2-40B4-BE49-F238E27FC236}">
+                <a16:creationId xmlns:a16="http://schemas.microsoft.com/office/drawing/2014/main" id="{A113FFE1-B004-E540-8C94-331FC54F0960}"/>
+              </a:ext>
+            </a:extLst>
+          </p:cNvPr>
+          <p:cNvSpPr>
+            <a:spLocks noGrp="1"/>
+          </p:cNvSpPr>
+          <p:nvPr>
+            <p:ph type="sldNum" sz="quarter" idx="11"/>
+          </p:nvPr>
+        </p:nvSpPr>
+        <p:spPr/>
+        <p:txBody>
+          <a:bodyPr/>
+          <a:lstStyle/>
+          <a:p>
+            <a:pPr>
+              <a:defRPr/>
+            </a:pPr>
+            <a:fld id="{3EF4E9CC-9D91-476E-91FD-5BEEC1642931}" type="slidenum">
+              <a:rPr lang="en-US" altLang="x-none" smtClean="0"/>
+              <a:pPr>
+                <a:defRPr/>
+              </a:pPr>
+              <a:t>6</a:t>
+            </a:fld>
+            <a:endParaRPr lang="en-US" altLang="x-none"/>
+          </a:p>
+        </p:txBody>
+      </p:sp>
       <p:grpSp>
         <p:nvGrpSpPr>
-          <p:cNvPr id="24" name="Group 23">
+          <p:cNvPr id="2" name="Group 1">
             <a:extLst>
               <a:ext uri="{FF2B5EF4-FFF2-40B4-BE49-F238E27FC236}">
-                <a16:creationId xmlns:a16="http://schemas.microsoft.com/office/drawing/2014/main" id="{648064F9-99C1-3C49-BC96-BD954443D5BB}"/>
+                <a16:creationId xmlns:a16="http://schemas.microsoft.com/office/drawing/2014/main" id="{A46D4BA3-1734-6B49-9145-5CE2DA20AAC3}"/>
               </a:ext>
             </a:extLst>
           </p:cNvPr>
@@ -5527,18 +6378,18 @@
         </p:nvGrpSpPr>
         <p:grpSpPr>
           <a:xfrm>
-            <a:off x="4526280" y="2486978"/>
-            <a:ext cx="2819400" cy="1122045"/>
-            <a:chOff x="4191000" y="1591310"/>
-            <a:chExt cx="2819400" cy="1122045"/>
+            <a:off x="1600200" y="1230844"/>
+            <a:ext cx="4953000" cy="3200400"/>
+            <a:chOff x="381000" y="1066800"/>
+            <a:chExt cx="5678091" cy="4946953"/>
           </a:xfrm>
         </p:grpSpPr>
         <p:pic>
           <p:nvPicPr>
-            <p:cNvPr id="22" name="Picture 21">
+            <p:cNvPr id="26" name="Picture 25">
               <a:extLst>
                 <a:ext uri="{FF2B5EF4-FFF2-40B4-BE49-F238E27FC236}">
-                  <a16:creationId xmlns:a16="http://schemas.microsoft.com/office/drawing/2014/main" id="{F24DF85A-7F1A-5048-B30E-CA5695DE4DA8}"/>
+                  <a16:creationId xmlns:a16="http://schemas.microsoft.com/office/drawing/2014/main" id="{FBA8CE82-1968-C745-8978-732A2FF3BF01}"/>
                 </a:ext>
               </a:extLst>
             </p:cNvPr>
@@ -5555,72 +6406,1531 @@
           </p:blipFill>
           <p:spPr>
             <a:xfrm>
-              <a:off x="4191000" y="1591310"/>
-              <a:ext cx="2819400" cy="1092200"/>
+              <a:off x="3429000" y="4051300"/>
+              <a:ext cx="2630091" cy="1962453"/>
             </a:xfrm>
             <a:prstGeom prst="rect">
               <a:avLst/>
             </a:prstGeom>
           </p:spPr>
         </p:pic>
-        <p:sp>
-          <p:nvSpPr>
-            <p:cNvPr id="23" name="Rectangle 22">
+        <p:pic>
+          <p:nvPicPr>
+            <p:cNvPr id="28" name="Picture 27">
               <a:extLst>
                 <a:ext uri="{FF2B5EF4-FFF2-40B4-BE49-F238E27FC236}">
-                  <a16:creationId xmlns:a16="http://schemas.microsoft.com/office/drawing/2014/main" id="{8777B665-64BA-FD46-B129-6F55BEADD485}"/>
+                  <a16:creationId xmlns:a16="http://schemas.microsoft.com/office/drawing/2014/main" id="{505DBFBA-6355-7A49-9762-30CC3933A16D}"/>
                 </a:ext>
               </a:extLst>
             </p:cNvPr>
-            <p:cNvSpPr/>
+            <p:cNvPicPr>
+              <a:picLocks noChangeAspect="1"/>
+            </p:cNvPicPr>
             <p:nvPr/>
-          </p:nvSpPr>
+          </p:nvPicPr>
+          <p:blipFill>
+            <a:blip r:embed="rId3"/>
+            <a:stretch>
+              <a:fillRect/>
+            </a:stretch>
+          </p:blipFill>
           <p:spPr>
             <a:xfrm>
-              <a:off x="4850130" y="2256155"/>
-              <a:ext cx="2160270" cy="457200"/>
+              <a:off x="4768512" y="2819400"/>
+              <a:ext cx="553047" cy="1231900"/>
             </a:xfrm>
             <a:prstGeom prst="rect">
               <a:avLst/>
             </a:prstGeom>
-            <a:solidFill>
-              <a:schemeClr val="bg1"/>
-            </a:solidFill>
-            <a:ln>
-              <a:noFill/>
-            </a:ln>
-            <a:effectLst/>
           </p:spPr>
-          <p:style>
-            <a:lnRef idx="1">
-              <a:schemeClr val="accent1"/>
-            </a:lnRef>
-            <a:fillRef idx="3">
-              <a:schemeClr val="accent1"/>
-            </a:fillRef>
-            <a:effectRef idx="2">
-              <a:schemeClr val="accent1"/>
-            </a:effectRef>
-            <a:fontRef idx="minor">
-              <a:schemeClr val="lt1"/>
-            </a:fontRef>
-          </p:style>
-          <p:txBody>
-            <a:bodyPr rtlCol="0" anchor="ctr"/>
-            <a:lstStyle/>
-            <a:p>
-              <a:pPr algn="ctr"/>
-              <a:endParaRPr lang="en-US"/>
-            </a:p>
-          </p:txBody>
-        </p:sp>
+        </p:pic>
+        <p:pic>
+          <p:nvPicPr>
+            <p:cNvPr id="29" name="Picture 28">
+              <a:extLst>
+                <a:ext uri="{FF2B5EF4-FFF2-40B4-BE49-F238E27FC236}">
+                  <a16:creationId xmlns:a16="http://schemas.microsoft.com/office/drawing/2014/main" id="{AF0D924D-092A-AB4A-8921-9AAEF6BF848B}"/>
+                </a:ext>
+              </a:extLst>
+            </p:cNvPr>
+            <p:cNvPicPr>
+              <a:picLocks noChangeAspect="1"/>
+            </p:cNvPicPr>
+            <p:nvPr/>
+          </p:nvPicPr>
+          <p:blipFill>
+            <a:blip r:embed="rId4"/>
+            <a:stretch>
+              <a:fillRect/>
+            </a:stretch>
+          </p:blipFill>
+          <p:spPr>
+            <a:xfrm>
+              <a:off x="609601" y="1066801"/>
+              <a:ext cx="914400" cy="714931"/>
+            </a:xfrm>
+            <a:prstGeom prst="rect">
+              <a:avLst/>
+            </a:prstGeom>
+          </p:spPr>
+        </p:pic>
+        <p:pic>
+          <p:nvPicPr>
+            <p:cNvPr id="30" name="Picture 29">
+              <a:extLst>
+                <a:ext uri="{FF2B5EF4-FFF2-40B4-BE49-F238E27FC236}">
+                  <a16:creationId xmlns:a16="http://schemas.microsoft.com/office/drawing/2014/main" id="{FDC834B4-B21A-C44B-8BFB-1BB294769ED1}"/>
+                </a:ext>
+              </a:extLst>
+            </p:cNvPr>
+            <p:cNvPicPr>
+              <a:picLocks noChangeAspect="1"/>
+            </p:cNvPicPr>
+            <p:nvPr/>
+          </p:nvPicPr>
+          <p:blipFill>
+            <a:blip r:embed="rId5"/>
+            <a:stretch>
+              <a:fillRect/>
+            </a:stretch>
+          </p:blipFill>
+          <p:spPr>
+            <a:xfrm>
+              <a:off x="381000" y="1781731"/>
+              <a:ext cx="2450705" cy="1361283"/>
+            </a:xfrm>
+            <a:prstGeom prst="rect">
+              <a:avLst/>
+            </a:prstGeom>
+          </p:spPr>
+        </p:pic>
+        <p:pic>
+          <p:nvPicPr>
+            <p:cNvPr id="31" name="Picture 30">
+              <a:extLst>
+                <a:ext uri="{FF2B5EF4-FFF2-40B4-BE49-F238E27FC236}">
+                  <a16:creationId xmlns:a16="http://schemas.microsoft.com/office/drawing/2014/main" id="{FA23013D-EDF8-6841-AD98-0DFE7A5B34A1}"/>
+                </a:ext>
+              </a:extLst>
+            </p:cNvPr>
+            <p:cNvPicPr>
+              <a:picLocks noChangeAspect="1"/>
+            </p:cNvPicPr>
+            <p:nvPr/>
+          </p:nvPicPr>
+          <p:blipFill>
+            <a:blip r:embed="rId3"/>
+            <a:stretch>
+              <a:fillRect/>
+            </a:stretch>
+          </p:blipFill>
+          <p:spPr>
+            <a:xfrm>
+              <a:off x="5429845" y="2819400"/>
+              <a:ext cx="553047" cy="1231900"/>
+            </a:xfrm>
+            <a:prstGeom prst="rect">
+              <a:avLst/>
+            </a:prstGeom>
+          </p:spPr>
+        </p:pic>
+        <p:pic>
+          <p:nvPicPr>
+            <p:cNvPr id="32" name="Picture 31">
+              <a:extLst>
+                <a:ext uri="{FF2B5EF4-FFF2-40B4-BE49-F238E27FC236}">
+                  <a16:creationId xmlns:a16="http://schemas.microsoft.com/office/drawing/2014/main" id="{9D081F26-E7AE-2847-992B-9FD9F6DAAAF4}"/>
+                </a:ext>
+              </a:extLst>
+            </p:cNvPr>
+            <p:cNvPicPr>
+              <a:picLocks noChangeAspect="1"/>
+            </p:cNvPicPr>
+            <p:nvPr/>
+          </p:nvPicPr>
+          <p:blipFill>
+            <a:blip r:embed="rId3"/>
+            <a:stretch>
+              <a:fillRect/>
+            </a:stretch>
+          </p:blipFill>
+          <p:spPr>
+            <a:xfrm>
+              <a:off x="4134445" y="2819400"/>
+              <a:ext cx="553047" cy="1231900"/>
+            </a:xfrm>
+            <a:prstGeom prst="rect">
+              <a:avLst/>
+            </a:prstGeom>
+          </p:spPr>
+        </p:pic>
+        <p:pic>
+          <p:nvPicPr>
+            <p:cNvPr id="33" name="Picture 32">
+              <a:extLst>
+                <a:ext uri="{FF2B5EF4-FFF2-40B4-BE49-F238E27FC236}">
+                  <a16:creationId xmlns:a16="http://schemas.microsoft.com/office/drawing/2014/main" id="{47C99A78-29D9-E243-A205-AFB35148E4C0}"/>
+                </a:ext>
+              </a:extLst>
+            </p:cNvPr>
+            <p:cNvPicPr>
+              <a:picLocks noChangeAspect="1"/>
+            </p:cNvPicPr>
+            <p:nvPr/>
+          </p:nvPicPr>
+          <p:blipFill>
+            <a:blip r:embed="rId4"/>
+            <a:stretch>
+              <a:fillRect/>
+            </a:stretch>
+          </p:blipFill>
+          <p:spPr>
+            <a:xfrm>
+              <a:off x="1676400" y="1066800"/>
+              <a:ext cx="914400" cy="714931"/>
+            </a:xfrm>
+            <a:prstGeom prst="rect">
+              <a:avLst/>
+            </a:prstGeom>
+          </p:spPr>
+        </p:pic>
+        <p:pic>
+          <p:nvPicPr>
+            <p:cNvPr id="34" name="Picture 33">
+              <a:extLst>
+                <a:ext uri="{FF2B5EF4-FFF2-40B4-BE49-F238E27FC236}">
+                  <a16:creationId xmlns:a16="http://schemas.microsoft.com/office/drawing/2014/main" id="{44DD90E9-3D57-FE4A-9869-3F0FA575BB04}"/>
+                </a:ext>
+              </a:extLst>
+            </p:cNvPr>
+            <p:cNvPicPr>
+              <a:picLocks noChangeAspect="1"/>
+            </p:cNvPicPr>
+            <p:nvPr/>
+          </p:nvPicPr>
+          <p:blipFill>
+            <a:blip r:embed="rId6"/>
+            <a:stretch>
+              <a:fillRect/>
+            </a:stretch>
+          </p:blipFill>
+          <p:spPr>
+            <a:xfrm flipH="1">
+              <a:off x="1777605" y="3143014"/>
+              <a:ext cx="2108200" cy="952500"/>
+            </a:xfrm>
+            <a:prstGeom prst="rect">
+              <a:avLst/>
+            </a:prstGeom>
+          </p:spPr>
+        </p:pic>
       </p:grpSp>
+      <p:sp>
+        <p:nvSpPr>
+          <p:cNvPr id="3" name="TextBox 2">
+            <a:extLst>
+              <a:ext uri="{FF2B5EF4-FFF2-40B4-BE49-F238E27FC236}">
+                <a16:creationId xmlns:a16="http://schemas.microsoft.com/office/drawing/2014/main" id="{05B52B33-E74A-564A-AF51-B6AE2B16D5F3}"/>
+              </a:ext>
+            </a:extLst>
+          </p:cNvPr>
+          <p:cNvSpPr txBox="1"/>
+          <p:nvPr/>
+        </p:nvSpPr>
+        <p:spPr>
+          <a:xfrm>
+            <a:off x="1371600" y="4716840"/>
+            <a:ext cx="7616190" cy="1569660"/>
+          </a:xfrm>
+          <a:prstGeom prst="rect">
+            <a:avLst/>
+          </a:prstGeom>
+          <a:noFill/>
+        </p:spPr>
+        <p:txBody>
+          <a:bodyPr wrap="square" rtlCol="0">
+            <a:spAutoFit/>
+          </a:bodyPr>
+          <a:lstStyle/>
+          <a:p>
+            <a:r>
+              <a:rPr lang="en-US" sz="2400" b="1" dirty="0"/>
+              <a:t>Maximize the level of the lake subject to a minimum level of the reservoir.</a:t>
+            </a:r>
+          </a:p>
+          <a:p>
+            <a:pPr marL="342900" indent="-342900">
+              <a:buFont typeface="Arial" panose="020B0604020202020204" pitchFamily="34" charset="0"/>
+              <a:buChar char="•"/>
+            </a:pPr>
+            <a:r>
+              <a:rPr lang="en-US" sz="2400" dirty="0"/>
+              <a:t>Most recreational benefit to public</a:t>
+            </a:r>
+          </a:p>
+          <a:p>
+            <a:pPr marL="342900" indent="-342900">
+              <a:buFont typeface="Arial" panose="020B0604020202020204" pitchFamily="34" charset="0"/>
+              <a:buChar char="•"/>
+            </a:pPr>
+            <a:r>
+              <a:rPr lang="en-US" sz="2400" dirty="0"/>
+              <a:t>Ensure delivery of quality water to public</a:t>
+            </a:r>
+          </a:p>
+        </p:txBody>
+      </p:sp>
+      <p:cxnSp>
+        <p:nvCxnSpPr>
+          <p:cNvPr id="8" name="Straight Arrow Connector 7">
+            <a:extLst>
+              <a:ext uri="{FF2B5EF4-FFF2-40B4-BE49-F238E27FC236}">
+                <a16:creationId xmlns:a16="http://schemas.microsoft.com/office/drawing/2014/main" id="{D5D0F913-F228-2A4A-840B-9744C4CDAEB8}"/>
+              </a:ext>
+            </a:extLst>
+          </p:cNvPr>
+          <p:cNvCxnSpPr/>
+          <p:nvPr/>
+        </p:nvCxnSpPr>
+        <p:spPr>
+          <a:xfrm>
+            <a:off x="3962400" y="2066603"/>
+            <a:ext cx="0" cy="440437"/>
+          </a:xfrm>
+          <a:prstGeom prst="straightConnector1">
+            <a:avLst/>
+          </a:prstGeom>
+          <a:ln w="28575">
+            <a:headEnd type="triangle"/>
+            <a:tailEnd type="triangle"/>
+          </a:ln>
+        </p:spPr>
+        <p:style>
+          <a:lnRef idx="2">
+            <a:schemeClr val="accent1"/>
+          </a:lnRef>
+          <a:fillRef idx="0">
+            <a:schemeClr val="accent1"/>
+          </a:fillRef>
+          <a:effectRef idx="1">
+            <a:schemeClr val="accent1"/>
+          </a:effectRef>
+          <a:fontRef idx="minor">
+            <a:schemeClr val="tx1"/>
+          </a:fontRef>
+        </p:style>
+      </p:cxnSp>
+      <p:cxnSp>
+        <p:nvCxnSpPr>
+          <p:cNvPr id="10" name="Straight Connector 9">
+            <a:extLst>
+              <a:ext uri="{FF2B5EF4-FFF2-40B4-BE49-F238E27FC236}">
+                <a16:creationId xmlns:a16="http://schemas.microsoft.com/office/drawing/2014/main" id="{F0B08809-8397-674B-A16E-3B3CB1A479F6}"/>
+              </a:ext>
+            </a:extLst>
+          </p:cNvPr>
+          <p:cNvCxnSpPr>
+            <a:cxnSpLocks/>
+          </p:cNvCxnSpPr>
+          <p:nvPr/>
+        </p:nvCxnSpPr>
+        <p:spPr>
+          <a:xfrm flipV="1">
+            <a:off x="3737950" y="2049840"/>
+            <a:ext cx="376850" cy="101"/>
+          </a:xfrm>
+          <a:prstGeom prst="line">
+            <a:avLst/>
+          </a:prstGeom>
+        </p:spPr>
+        <p:style>
+          <a:lnRef idx="2">
+            <a:schemeClr val="accent1"/>
+          </a:lnRef>
+          <a:fillRef idx="0">
+            <a:schemeClr val="accent1"/>
+          </a:fillRef>
+          <a:effectRef idx="1">
+            <a:schemeClr val="accent1"/>
+          </a:effectRef>
+          <a:fontRef idx="minor">
+            <a:schemeClr val="tx1"/>
+          </a:fontRef>
+        </p:style>
+      </p:cxnSp>
+      <p:cxnSp>
+        <p:nvCxnSpPr>
+          <p:cNvPr id="40" name="Straight Connector 39">
+            <a:extLst>
+              <a:ext uri="{FF2B5EF4-FFF2-40B4-BE49-F238E27FC236}">
+                <a16:creationId xmlns:a16="http://schemas.microsoft.com/office/drawing/2014/main" id="{68FDE81B-5921-744E-AF4F-DCDC308A81B2}"/>
+              </a:ext>
+            </a:extLst>
+          </p:cNvPr>
+          <p:cNvCxnSpPr/>
+          <p:nvPr/>
+        </p:nvCxnSpPr>
+        <p:spPr>
+          <a:xfrm flipV="1">
+            <a:off x="3733800" y="2507040"/>
+            <a:ext cx="376850" cy="101"/>
+          </a:xfrm>
+          <a:prstGeom prst="line">
+            <a:avLst/>
+          </a:prstGeom>
+        </p:spPr>
+        <p:style>
+          <a:lnRef idx="2">
+            <a:schemeClr val="accent1"/>
+          </a:lnRef>
+          <a:fillRef idx="0">
+            <a:schemeClr val="accent1"/>
+          </a:fillRef>
+          <a:effectRef idx="1">
+            <a:schemeClr val="accent1"/>
+          </a:effectRef>
+          <a:fontRef idx="minor">
+            <a:schemeClr val="tx1"/>
+          </a:fontRef>
+        </p:style>
+      </p:cxnSp>
+      <p:sp>
+        <p:nvSpPr>
+          <p:cNvPr id="11" name="TextBox 10">
+            <a:extLst>
+              <a:ext uri="{FF2B5EF4-FFF2-40B4-BE49-F238E27FC236}">
+                <a16:creationId xmlns:a16="http://schemas.microsoft.com/office/drawing/2014/main" id="{92E61262-DF4E-A64D-AC3A-2CA7BEB79315}"/>
+              </a:ext>
+            </a:extLst>
+          </p:cNvPr>
+          <p:cNvSpPr txBox="1"/>
+          <p:nvPr/>
+        </p:nvSpPr>
+        <p:spPr>
+          <a:xfrm>
+            <a:off x="4142579" y="1991954"/>
+            <a:ext cx="518091" cy="523220"/>
+          </a:xfrm>
+          <a:prstGeom prst="rect">
+            <a:avLst/>
+          </a:prstGeom>
+          <a:noFill/>
+        </p:spPr>
+        <p:txBody>
+          <a:bodyPr wrap="none" rtlCol="0">
+            <a:spAutoFit/>
+          </a:bodyPr>
+          <a:lstStyle/>
+          <a:p>
+            <a:r>
+              <a:rPr lang="en-US" sz="2800" i="1" dirty="0" err="1"/>
+              <a:t>h</a:t>
+            </a:r>
+            <a:r>
+              <a:rPr lang="en-US" sz="2800" i="1" baseline="-25000" dirty="0" err="1"/>
+              <a:t>L</a:t>
+            </a:r>
+            <a:endParaRPr lang="en-US" sz="2800" i="1" baseline="-25000" dirty="0"/>
+          </a:p>
+        </p:txBody>
+      </p:sp>
+      <p:cxnSp>
+        <p:nvCxnSpPr>
+          <p:cNvPr id="41" name="Straight Arrow Connector 40">
+            <a:extLst>
+              <a:ext uri="{FF2B5EF4-FFF2-40B4-BE49-F238E27FC236}">
+                <a16:creationId xmlns:a16="http://schemas.microsoft.com/office/drawing/2014/main" id="{A23AC45E-4CE8-0A4F-91BD-F0298F566417}"/>
+              </a:ext>
+            </a:extLst>
+          </p:cNvPr>
+          <p:cNvCxnSpPr>
+            <a:cxnSpLocks/>
+          </p:cNvCxnSpPr>
+          <p:nvPr/>
+        </p:nvCxnSpPr>
+        <p:spPr>
+          <a:xfrm>
+            <a:off x="6781800" y="3732249"/>
+            <a:ext cx="0" cy="679690"/>
+          </a:xfrm>
+          <a:prstGeom prst="straightConnector1">
+            <a:avLst/>
+          </a:prstGeom>
+          <a:ln w="28575">
+            <a:headEnd type="triangle"/>
+            <a:tailEnd type="triangle"/>
+          </a:ln>
+        </p:spPr>
+        <p:style>
+          <a:lnRef idx="2">
+            <a:schemeClr val="accent1"/>
+          </a:lnRef>
+          <a:fillRef idx="0">
+            <a:schemeClr val="accent1"/>
+          </a:fillRef>
+          <a:effectRef idx="1">
+            <a:schemeClr val="accent1"/>
+          </a:effectRef>
+          <a:fontRef idx="minor">
+            <a:schemeClr val="tx1"/>
+          </a:fontRef>
+        </p:style>
+      </p:cxnSp>
+      <p:cxnSp>
+        <p:nvCxnSpPr>
+          <p:cNvPr id="42" name="Straight Connector 41">
+            <a:extLst>
+              <a:ext uri="{FF2B5EF4-FFF2-40B4-BE49-F238E27FC236}">
+                <a16:creationId xmlns:a16="http://schemas.microsoft.com/office/drawing/2014/main" id="{8F0E4F40-9C14-3F4A-BE24-21457E949D06}"/>
+              </a:ext>
+            </a:extLst>
+          </p:cNvPr>
+          <p:cNvCxnSpPr>
+            <a:cxnSpLocks/>
+          </p:cNvCxnSpPr>
+          <p:nvPr/>
+        </p:nvCxnSpPr>
+        <p:spPr>
+          <a:xfrm flipV="1">
+            <a:off x="6557350" y="3715486"/>
+            <a:ext cx="376850" cy="101"/>
+          </a:xfrm>
+          <a:prstGeom prst="line">
+            <a:avLst/>
+          </a:prstGeom>
+        </p:spPr>
+        <p:style>
+          <a:lnRef idx="2">
+            <a:schemeClr val="accent1"/>
+          </a:lnRef>
+          <a:fillRef idx="0">
+            <a:schemeClr val="accent1"/>
+          </a:fillRef>
+          <a:effectRef idx="1">
+            <a:schemeClr val="accent1"/>
+          </a:effectRef>
+          <a:fontRef idx="minor">
+            <a:schemeClr val="tx1"/>
+          </a:fontRef>
+        </p:style>
+      </p:cxnSp>
+      <p:cxnSp>
+        <p:nvCxnSpPr>
+          <p:cNvPr id="43" name="Straight Connector 42">
+            <a:extLst>
+              <a:ext uri="{FF2B5EF4-FFF2-40B4-BE49-F238E27FC236}">
+                <a16:creationId xmlns:a16="http://schemas.microsoft.com/office/drawing/2014/main" id="{83F99CE6-ADAB-6E4D-AE8D-F2C943F7A18F}"/>
+              </a:ext>
+            </a:extLst>
+          </p:cNvPr>
+          <p:cNvCxnSpPr/>
+          <p:nvPr/>
+        </p:nvCxnSpPr>
+        <p:spPr>
+          <a:xfrm flipV="1">
+            <a:off x="6553200" y="4411939"/>
+            <a:ext cx="376850" cy="101"/>
+          </a:xfrm>
+          <a:prstGeom prst="line">
+            <a:avLst/>
+          </a:prstGeom>
+        </p:spPr>
+        <p:style>
+          <a:lnRef idx="2">
+            <a:schemeClr val="accent1"/>
+          </a:lnRef>
+          <a:fillRef idx="0">
+            <a:schemeClr val="accent1"/>
+          </a:fillRef>
+          <a:effectRef idx="1">
+            <a:schemeClr val="accent1"/>
+          </a:effectRef>
+          <a:fontRef idx="minor">
+            <a:schemeClr val="tx1"/>
+          </a:fontRef>
+        </p:style>
+      </p:cxnSp>
+      <p:sp>
+        <p:nvSpPr>
+          <p:cNvPr id="44" name="TextBox 43">
+            <a:extLst>
+              <a:ext uri="{FF2B5EF4-FFF2-40B4-BE49-F238E27FC236}">
+                <a16:creationId xmlns:a16="http://schemas.microsoft.com/office/drawing/2014/main" id="{7548746D-5D03-7B49-AA0A-CEB048CD4E25}"/>
+              </a:ext>
+            </a:extLst>
+          </p:cNvPr>
+          <p:cNvSpPr txBox="1"/>
+          <p:nvPr/>
+        </p:nvSpPr>
+        <p:spPr>
+          <a:xfrm>
+            <a:off x="6858000" y="3820180"/>
+            <a:ext cx="558166" cy="523220"/>
+          </a:xfrm>
+          <a:prstGeom prst="rect">
+            <a:avLst/>
+          </a:prstGeom>
+          <a:noFill/>
+        </p:spPr>
+        <p:txBody>
+          <a:bodyPr wrap="none" rtlCol="0">
+            <a:spAutoFit/>
+          </a:bodyPr>
+          <a:lstStyle/>
+          <a:p>
+            <a:r>
+              <a:rPr lang="en-US" sz="2800" i="1" dirty="0" err="1"/>
+              <a:t>h</a:t>
+            </a:r>
+            <a:r>
+              <a:rPr lang="en-US" sz="2800" i="1" baseline="-25000" dirty="0" err="1"/>
+              <a:t>R</a:t>
+            </a:r>
+            <a:endParaRPr lang="en-US" sz="2800" i="1" baseline="-25000" dirty="0"/>
+          </a:p>
+        </p:txBody>
+      </p:sp>
+    </p:spTree>
+    <p:extLst>
+      <p:ext uri="{BB962C8B-B14F-4D97-AF65-F5344CB8AC3E}">
+        <p14:creationId xmlns:p14="http://schemas.microsoft.com/office/powerpoint/2010/main" val="3992427947"/>
+      </p:ext>
+    </p:extLst>
+  </p:cSld>
+  <p:clrMapOvr>
+    <a:masterClrMapping/>
+  </p:clrMapOvr>
+  <p:timing>
+    <p:tnLst>
+      <p:par>
+        <p:cTn id="1" dur="indefinite" restart="never" nodeType="tmRoot">
+          <p:childTnLst>
+            <p:seq concurrent="1" nextAc="seek">
+              <p:cTn id="2" dur="indefinite" nodeType="mainSeq">
+                <p:childTnLst>
+                  <p:par>
+                    <p:cTn id="3" fill="hold">
+                      <p:stCondLst>
+                        <p:cond delay="indefinite"/>
+                      </p:stCondLst>
+                      <p:childTnLst>
+                        <p:par>
+                          <p:cTn id="4" fill="hold">
+                            <p:stCondLst>
+                              <p:cond delay="0"/>
+                            </p:stCondLst>
+                            <p:childTnLst>
+                              <p:par>
+                                <p:cTn id="5" presetID="1" presetClass="entr" presetSubtype="0" fill="hold" nodeType="clickEffect">
+                                  <p:stCondLst>
+                                    <p:cond delay="0"/>
+                                  </p:stCondLst>
+                                  <p:childTnLst>
+                                    <p:set>
+                                      <p:cBhvr>
+                                        <p:cTn id="6" dur="1" fill="hold">
+                                          <p:stCondLst>
+                                            <p:cond delay="0"/>
+                                          </p:stCondLst>
+                                        </p:cTn>
+                                        <p:tgtEl>
+                                          <p:spTgt spid="8"/>
+                                        </p:tgtEl>
+                                        <p:attrNameLst>
+                                          <p:attrName>style.visibility</p:attrName>
+                                        </p:attrNameLst>
+                                      </p:cBhvr>
+                                      <p:to>
+                                        <p:strVal val="visible"/>
+                                      </p:to>
+                                    </p:set>
+                                  </p:childTnLst>
+                                </p:cTn>
+                              </p:par>
+                              <p:par>
+                                <p:cTn id="7" presetID="1" presetClass="entr" presetSubtype="0" fill="hold" nodeType="withEffect">
+                                  <p:stCondLst>
+                                    <p:cond delay="0"/>
+                                  </p:stCondLst>
+                                  <p:childTnLst>
+                                    <p:set>
+                                      <p:cBhvr>
+                                        <p:cTn id="8" dur="1" fill="hold">
+                                          <p:stCondLst>
+                                            <p:cond delay="0"/>
+                                          </p:stCondLst>
+                                        </p:cTn>
+                                        <p:tgtEl>
+                                          <p:spTgt spid="10"/>
+                                        </p:tgtEl>
+                                        <p:attrNameLst>
+                                          <p:attrName>style.visibility</p:attrName>
+                                        </p:attrNameLst>
+                                      </p:cBhvr>
+                                      <p:to>
+                                        <p:strVal val="visible"/>
+                                      </p:to>
+                                    </p:set>
+                                  </p:childTnLst>
+                                </p:cTn>
+                              </p:par>
+                              <p:par>
+                                <p:cTn id="9" presetID="1" presetClass="entr" presetSubtype="0" fill="hold" nodeType="withEffect">
+                                  <p:stCondLst>
+                                    <p:cond delay="0"/>
+                                  </p:stCondLst>
+                                  <p:childTnLst>
+                                    <p:set>
+                                      <p:cBhvr>
+                                        <p:cTn id="10" dur="1" fill="hold">
+                                          <p:stCondLst>
+                                            <p:cond delay="0"/>
+                                          </p:stCondLst>
+                                        </p:cTn>
+                                        <p:tgtEl>
+                                          <p:spTgt spid="40"/>
+                                        </p:tgtEl>
+                                        <p:attrNameLst>
+                                          <p:attrName>style.visibility</p:attrName>
+                                        </p:attrNameLst>
+                                      </p:cBhvr>
+                                      <p:to>
+                                        <p:strVal val="visible"/>
+                                      </p:to>
+                                    </p:set>
+                                  </p:childTnLst>
+                                </p:cTn>
+                              </p:par>
+                              <p:par>
+                                <p:cTn id="11" presetID="1" presetClass="entr" presetSubtype="0" fill="hold" nodeType="withEffect">
+                                  <p:stCondLst>
+                                    <p:cond delay="0"/>
+                                  </p:stCondLst>
+                                  <p:childTnLst>
+                                    <p:set>
+                                      <p:cBhvr>
+                                        <p:cTn id="12" dur="1" fill="hold">
+                                          <p:stCondLst>
+                                            <p:cond delay="0"/>
+                                          </p:stCondLst>
+                                        </p:cTn>
+                                        <p:tgtEl>
+                                          <p:spTgt spid="41"/>
+                                        </p:tgtEl>
+                                        <p:attrNameLst>
+                                          <p:attrName>style.visibility</p:attrName>
+                                        </p:attrNameLst>
+                                      </p:cBhvr>
+                                      <p:to>
+                                        <p:strVal val="visible"/>
+                                      </p:to>
+                                    </p:set>
+                                  </p:childTnLst>
+                                </p:cTn>
+                              </p:par>
+                              <p:par>
+                                <p:cTn id="13" presetID="1" presetClass="entr" presetSubtype="0" fill="hold" nodeType="withEffect">
+                                  <p:stCondLst>
+                                    <p:cond delay="0"/>
+                                  </p:stCondLst>
+                                  <p:childTnLst>
+                                    <p:set>
+                                      <p:cBhvr>
+                                        <p:cTn id="14" dur="1" fill="hold">
+                                          <p:stCondLst>
+                                            <p:cond delay="0"/>
+                                          </p:stCondLst>
+                                        </p:cTn>
+                                        <p:tgtEl>
+                                          <p:spTgt spid="42"/>
+                                        </p:tgtEl>
+                                        <p:attrNameLst>
+                                          <p:attrName>style.visibility</p:attrName>
+                                        </p:attrNameLst>
+                                      </p:cBhvr>
+                                      <p:to>
+                                        <p:strVal val="visible"/>
+                                      </p:to>
+                                    </p:set>
+                                  </p:childTnLst>
+                                </p:cTn>
+                              </p:par>
+                              <p:par>
+                                <p:cTn id="15" presetID="1" presetClass="entr" presetSubtype="0" fill="hold" nodeType="withEffect">
+                                  <p:stCondLst>
+                                    <p:cond delay="0"/>
+                                  </p:stCondLst>
+                                  <p:childTnLst>
+                                    <p:set>
+                                      <p:cBhvr>
+                                        <p:cTn id="16" dur="1" fill="hold">
+                                          <p:stCondLst>
+                                            <p:cond delay="0"/>
+                                          </p:stCondLst>
+                                        </p:cTn>
+                                        <p:tgtEl>
+                                          <p:spTgt spid="43"/>
+                                        </p:tgtEl>
+                                        <p:attrNameLst>
+                                          <p:attrName>style.visibility</p:attrName>
+                                        </p:attrNameLst>
+                                      </p:cBhvr>
+                                      <p:to>
+                                        <p:strVal val="visible"/>
+                                      </p:to>
+                                    </p:set>
+                                  </p:childTnLst>
+                                </p:cTn>
+                              </p:par>
+                              <p:par>
+                                <p:cTn id="17" presetID="1" presetClass="entr" presetSubtype="0" fill="hold" grpId="0" nodeType="withEffect">
+                                  <p:stCondLst>
+                                    <p:cond delay="0"/>
+                                  </p:stCondLst>
+                                  <p:childTnLst>
+                                    <p:set>
+                                      <p:cBhvr>
+                                        <p:cTn id="18" dur="1" fill="hold">
+                                          <p:stCondLst>
+                                            <p:cond delay="0"/>
+                                          </p:stCondLst>
+                                        </p:cTn>
+                                        <p:tgtEl>
+                                          <p:spTgt spid="11"/>
+                                        </p:tgtEl>
+                                        <p:attrNameLst>
+                                          <p:attrName>style.visibility</p:attrName>
+                                        </p:attrNameLst>
+                                      </p:cBhvr>
+                                      <p:to>
+                                        <p:strVal val="visible"/>
+                                      </p:to>
+                                    </p:set>
+                                  </p:childTnLst>
+                                </p:cTn>
+                              </p:par>
+                              <p:par>
+                                <p:cTn id="19" presetID="1" presetClass="entr" presetSubtype="0" fill="hold" grpId="0" nodeType="withEffect">
+                                  <p:stCondLst>
+                                    <p:cond delay="0"/>
+                                  </p:stCondLst>
+                                  <p:childTnLst>
+                                    <p:set>
+                                      <p:cBhvr>
+                                        <p:cTn id="20" dur="1" fill="hold">
+                                          <p:stCondLst>
+                                            <p:cond delay="0"/>
+                                          </p:stCondLst>
+                                        </p:cTn>
+                                        <p:tgtEl>
+                                          <p:spTgt spid="44"/>
+                                        </p:tgtEl>
+                                        <p:attrNameLst>
+                                          <p:attrName>style.visibility</p:attrName>
+                                        </p:attrNameLst>
+                                      </p:cBhvr>
+                                      <p:to>
+                                        <p:strVal val="visible"/>
+                                      </p:to>
+                                    </p:set>
+                                  </p:childTnLst>
+                                </p:cTn>
+                              </p:par>
+                              <p:par>
+                                <p:cTn id="21" presetID="1" presetClass="entr" presetSubtype="0" fill="hold" grpId="0" nodeType="withEffect">
+                                  <p:stCondLst>
+                                    <p:cond delay="0"/>
+                                  </p:stCondLst>
+                                  <p:childTnLst>
+                                    <p:set>
+                                      <p:cBhvr>
+                                        <p:cTn id="22" dur="1" fill="hold">
+                                          <p:stCondLst>
+                                            <p:cond delay="0"/>
+                                          </p:stCondLst>
+                                        </p:cTn>
+                                        <p:tgtEl>
+                                          <p:spTgt spid="3">
+                                            <p:txEl>
+                                              <p:pRg st="0" end="0"/>
+                                            </p:txEl>
+                                          </p:spTgt>
+                                        </p:tgtEl>
+                                        <p:attrNameLst>
+                                          <p:attrName>style.visibility</p:attrName>
+                                        </p:attrNameLst>
+                                      </p:cBhvr>
+                                      <p:to>
+                                        <p:strVal val="visible"/>
+                                      </p:to>
+                                    </p:set>
+                                  </p:childTnLst>
+                                </p:cTn>
+                              </p:par>
+                            </p:childTnLst>
+                          </p:cTn>
+                        </p:par>
+                      </p:childTnLst>
+                    </p:cTn>
+                  </p:par>
+                  <p:par>
+                    <p:cTn id="23" fill="hold">
+                      <p:stCondLst>
+                        <p:cond delay="indefinite"/>
+                      </p:stCondLst>
+                      <p:childTnLst>
+                        <p:par>
+                          <p:cTn id="24" fill="hold">
+                            <p:stCondLst>
+                              <p:cond delay="0"/>
+                            </p:stCondLst>
+                            <p:childTnLst>
+                              <p:par>
+                                <p:cTn id="25" presetID="1" presetClass="entr" presetSubtype="0" fill="hold" grpId="0" nodeType="clickEffect">
+                                  <p:stCondLst>
+                                    <p:cond delay="0"/>
+                                  </p:stCondLst>
+                                  <p:childTnLst>
+                                    <p:set>
+                                      <p:cBhvr>
+                                        <p:cTn id="26" dur="1" fill="hold">
+                                          <p:stCondLst>
+                                            <p:cond delay="0"/>
+                                          </p:stCondLst>
+                                        </p:cTn>
+                                        <p:tgtEl>
+                                          <p:spTgt spid="3">
+                                            <p:txEl>
+                                              <p:pRg st="1" end="1"/>
+                                            </p:txEl>
+                                          </p:spTgt>
+                                        </p:tgtEl>
+                                        <p:attrNameLst>
+                                          <p:attrName>style.visibility</p:attrName>
+                                        </p:attrNameLst>
+                                      </p:cBhvr>
+                                      <p:to>
+                                        <p:strVal val="visible"/>
+                                      </p:to>
+                                    </p:set>
+                                  </p:childTnLst>
+                                </p:cTn>
+                              </p:par>
+                            </p:childTnLst>
+                          </p:cTn>
+                        </p:par>
+                      </p:childTnLst>
+                    </p:cTn>
+                  </p:par>
+                  <p:par>
+                    <p:cTn id="27" fill="hold">
+                      <p:stCondLst>
+                        <p:cond delay="indefinite"/>
+                      </p:stCondLst>
+                      <p:childTnLst>
+                        <p:par>
+                          <p:cTn id="28" fill="hold">
+                            <p:stCondLst>
+                              <p:cond delay="0"/>
+                            </p:stCondLst>
+                            <p:childTnLst>
+                              <p:par>
+                                <p:cTn id="29" presetID="1" presetClass="entr" presetSubtype="0" fill="hold" grpId="0" nodeType="clickEffect">
+                                  <p:stCondLst>
+                                    <p:cond delay="0"/>
+                                  </p:stCondLst>
+                                  <p:childTnLst>
+                                    <p:set>
+                                      <p:cBhvr>
+                                        <p:cTn id="30" dur="1" fill="hold">
+                                          <p:stCondLst>
+                                            <p:cond delay="0"/>
+                                          </p:stCondLst>
+                                        </p:cTn>
+                                        <p:tgtEl>
+                                          <p:spTgt spid="3">
+                                            <p:txEl>
+                                              <p:pRg st="2" end="2"/>
+                                            </p:txEl>
+                                          </p:spTgt>
+                                        </p:tgtEl>
+                                        <p:attrNameLst>
+                                          <p:attrName>style.visibility</p:attrName>
+                                        </p:attrNameLst>
+                                      </p:cBhvr>
+                                      <p:to>
+                                        <p:strVal val="visible"/>
+                                      </p:to>
+                                    </p:set>
+                                  </p:childTnLst>
+                                </p:cTn>
+                              </p:par>
+                            </p:childTnLst>
+                          </p:cTn>
+                        </p:par>
+                      </p:childTnLst>
+                    </p:cTn>
+                  </p:par>
+                </p:childTnLst>
+              </p:cTn>
+              <p:prevCondLst>
+                <p:cond evt="onPrev" delay="0">
+                  <p:tgtEl>
+                    <p:sldTgt/>
+                  </p:tgtEl>
+                </p:cond>
+              </p:prevCondLst>
+              <p:nextCondLst>
+                <p:cond evt="onNext" delay="0">
+                  <p:tgtEl>
+                    <p:sldTgt/>
+                  </p:tgtEl>
+                </p:cond>
+              </p:nextCondLst>
+            </p:seq>
+          </p:childTnLst>
+        </p:cTn>
+      </p:par>
+    </p:tnLst>
+    <p:bldLst>
+      <p:bldP spid="3" grpId="0" build="p"/>
+      <p:bldP spid="11" grpId="0"/>
+      <p:bldP spid="44" grpId="0"/>
+    </p:bldLst>
+  </p:timing>
+</p:sld>
+</file>
+
+<file path=ppt/slides/slide7.xml><?xml version="1.0" encoding="utf-8"?>
+<p:sld xmlns:a="http://schemas.openxmlformats.org/drawingml/2006/main" xmlns:r="http://schemas.openxmlformats.org/officeDocument/2006/relationships" xmlns:p="http://schemas.openxmlformats.org/presentationml/2006/main">
+  <p:cSld>
+    <p:spTree>
+      <p:nvGrpSpPr>
+        <p:cNvPr id="1" name=""/>
+        <p:cNvGrpSpPr/>
+        <p:nvPr/>
+      </p:nvGrpSpPr>
+      <p:grpSpPr>
+        <a:xfrm>
+          <a:off x="0" y="0"/>
+          <a:ext cx="0" cy="0"/>
+          <a:chOff x="0" y="0"/>
+          <a:chExt cx="0" cy="0"/>
+        </a:xfrm>
+      </p:grpSpPr>
+      <p:sp>
+        <p:nvSpPr>
+          <p:cNvPr id="5" name="Title 4">
+            <a:extLst>
+              <a:ext uri="{FF2B5EF4-FFF2-40B4-BE49-F238E27FC236}">
+                <a16:creationId xmlns:a16="http://schemas.microsoft.com/office/drawing/2014/main" id="{426B483E-2F08-134B-BDCE-7EE383A5210F}"/>
+              </a:ext>
+            </a:extLst>
+          </p:cNvPr>
+          <p:cNvSpPr>
+            <a:spLocks noGrp="1"/>
+          </p:cNvSpPr>
+          <p:nvPr>
+            <p:ph type="title"/>
+          </p:nvPr>
+        </p:nvSpPr>
+        <p:spPr>
+          <a:xfrm>
+            <a:off x="457200" y="228600"/>
+            <a:ext cx="4724400" cy="838200"/>
+          </a:xfrm>
+        </p:spPr>
+        <p:txBody>
+          <a:bodyPr/>
+          <a:lstStyle/>
+          <a:p>
+            <a:r>
+              <a:rPr lang="en-US" dirty="0"/>
+              <a:t>System Elements</a:t>
+            </a:r>
+          </a:p>
+        </p:txBody>
+      </p:sp>
+      <p:sp>
+        <p:nvSpPr>
+          <p:cNvPr id="4" name="Slide Number Placeholder 3">
+            <a:extLst>
+              <a:ext uri="{FF2B5EF4-FFF2-40B4-BE49-F238E27FC236}">
+                <a16:creationId xmlns:a16="http://schemas.microsoft.com/office/drawing/2014/main" id="{A113FFE1-B004-E540-8C94-331FC54F0960}"/>
+              </a:ext>
+            </a:extLst>
+          </p:cNvPr>
+          <p:cNvSpPr>
+            <a:spLocks noGrp="1"/>
+          </p:cNvSpPr>
+          <p:nvPr>
+            <p:ph type="sldNum" sz="quarter" idx="11"/>
+          </p:nvPr>
+        </p:nvSpPr>
+        <p:spPr/>
+        <p:txBody>
+          <a:bodyPr/>
+          <a:lstStyle/>
+          <a:p>
+            <a:pPr>
+              <a:defRPr/>
+            </a:pPr>
+            <a:fld id="{3EF4E9CC-9D91-476E-91FD-5BEEC1642931}" type="slidenum">
+              <a:rPr lang="en-US" altLang="x-none" smtClean="0"/>
+              <a:pPr>
+                <a:defRPr/>
+              </a:pPr>
+              <a:t>7</a:t>
+            </a:fld>
+            <a:endParaRPr lang="en-US" altLang="x-none"/>
+          </a:p>
+        </p:txBody>
+      </p:sp>
+      <p:grpSp>
+        <p:nvGrpSpPr>
+          <p:cNvPr id="2" name="Group 1">
+            <a:extLst>
+              <a:ext uri="{FF2B5EF4-FFF2-40B4-BE49-F238E27FC236}">
+                <a16:creationId xmlns:a16="http://schemas.microsoft.com/office/drawing/2014/main" id="{A46D4BA3-1734-6B49-9145-5CE2DA20AAC3}"/>
+              </a:ext>
+            </a:extLst>
+          </p:cNvPr>
+          <p:cNvGrpSpPr/>
+          <p:nvPr/>
+        </p:nvGrpSpPr>
+        <p:grpSpPr>
+          <a:xfrm>
+            <a:off x="7162801" y="381000"/>
+            <a:ext cx="1600200" cy="911377"/>
+            <a:chOff x="381000" y="1066800"/>
+            <a:chExt cx="5678091" cy="4946953"/>
+          </a:xfrm>
+        </p:grpSpPr>
+        <p:pic>
+          <p:nvPicPr>
+            <p:cNvPr id="26" name="Picture 25">
+              <a:extLst>
+                <a:ext uri="{FF2B5EF4-FFF2-40B4-BE49-F238E27FC236}">
+                  <a16:creationId xmlns:a16="http://schemas.microsoft.com/office/drawing/2014/main" id="{FBA8CE82-1968-C745-8978-732A2FF3BF01}"/>
+                </a:ext>
+              </a:extLst>
+            </p:cNvPr>
+            <p:cNvPicPr>
+              <a:picLocks noChangeAspect="1"/>
+            </p:cNvPicPr>
+            <p:nvPr/>
+          </p:nvPicPr>
+          <p:blipFill>
+            <a:blip r:embed="rId3"/>
+            <a:stretch>
+              <a:fillRect/>
+            </a:stretch>
+          </p:blipFill>
+          <p:spPr>
+            <a:xfrm>
+              <a:off x="3429000" y="4051300"/>
+              <a:ext cx="2630091" cy="1962453"/>
+            </a:xfrm>
+            <a:prstGeom prst="rect">
+              <a:avLst/>
+            </a:prstGeom>
+          </p:spPr>
+        </p:pic>
+        <p:pic>
+          <p:nvPicPr>
+            <p:cNvPr id="28" name="Picture 27">
+              <a:extLst>
+                <a:ext uri="{FF2B5EF4-FFF2-40B4-BE49-F238E27FC236}">
+                  <a16:creationId xmlns:a16="http://schemas.microsoft.com/office/drawing/2014/main" id="{505DBFBA-6355-7A49-9762-30CC3933A16D}"/>
+                </a:ext>
+              </a:extLst>
+            </p:cNvPr>
+            <p:cNvPicPr>
+              <a:picLocks noChangeAspect="1"/>
+            </p:cNvPicPr>
+            <p:nvPr/>
+          </p:nvPicPr>
+          <p:blipFill>
+            <a:blip r:embed="rId4"/>
+            <a:stretch>
+              <a:fillRect/>
+            </a:stretch>
+          </p:blipFill>
+          <p:spPr>
+            <a:xfrm>
+              <a:off x="4768512" y="2819400"/>
+              <a:ext cx="553047" cy="1231900"/>
+            </a:xfrm>
+            <a:prstGeom prst="rect">
+              <a:avLst/>
+            </a:prstGeom>
+          </p:spPr>
+        </p:pic>
+        <p:pic>
+          <p:nvPicPr>
+            <p:cNvPr id="29" name="Picture 28">
+              <a:extLst>
+                <a:ext uri="{FF2B5EF4-FFF2-40B4-BE49-F238E27FC236}">
+                  <a16:creationId xmlns:a16="http://schemas.microsoft.com/office/drawing/2014/main" id="{AF0D924D-092A-AB4A-8921-9AAEF6BF848B}"/>
+                </a:ext>
+              </a:extLst>
+            </p:cNvPr>
+            <p:cNvPicPr>
+              <a:picLocks noChangeAspect="1"/>
+            </p:cNvPicPr>
+            <p:nvPr/>
+          </p:nvPicPr>
+          <p:blipFill>
+            <a:blip r:embed="rId5"/>
+            <a:stretch>
+              <a:fillRect/>
+            </a:stretch>
+          </p:blipFill>
+          <p:spPr>
+            <a:xfrm>
+              <a:off x="609601" y="1066801"/>
+              <a:ext cx="914400" cy="714931"/>
+            </a:xfrm>
+            <a:prstGeom prst="rect">
+              <a:avLst/>
+            </a:prstGeom>
+          </p:spPr>
+        </p:pic>
+        <p:pic>
+          <p:nvPicPr>
+            <p:cNvPr id="30" name="Picture 29">
+              <a:extLst>
+                <a:ext uri="{FF2B5EF4-FFF2-40B4-BE49-F238E27FC236}">
+                  <a16:creationId xmlns:a16="http://schemas.microsoft.com/office/drawing/2014/main" id="{FDC834B4-B21A-C44B-8BFB-1BB294769ED1}"/>
+                </a:ext>
+              </a:extLst>
+            </p:cNvPr>
+            <p:cNvPicPr>
+              <a:picLocks noChangeAspect="1"/>
+            </p:cNvPicPr>
+            <p:nvPr/>
+          </p:nvPicPr>
+          <p:blipFill>
+            <a:blip r:embed="rId6"/>
+            <a:stretch>
+              <a:fillRect/>
+            </a:stretch>
+          </p:blipFill>
+          <p:spPr>
+            <a:xfrm>
+              <a:off x="381000" y="1781731"/>
+              <a:ext cx="2450705" cy="1361283"/>
+            </a:xfrm>
+            <a:prstGeom prst="rect">
+              <a:avLst/>
+            </a:prstGeom>
+          </p:spPr>
+        </p:pic>
+        <p:pic>
+          <p:nvPicPr>
+            <p:cNvPr id="31" name="Picture 30">
+              <a:extLst>
+                <a:ext uri="{FF2B5EF4-FFF2-40B4-BE49-F238E27FC236}">
+                  <a16:creationId xmlns:a16="http://schemas.microsoft.com/office/drawing/2014/main" id="{FA23013D-EDF8-6841-AD98-0DFE7A5B34A1}"/>
+                </a:ext>
+              </a:extLst>
+            </p:cNvPr>
+            <p:cNvPicPr>
+              <a:picLocks noChangeAspect="1"/>
+            </p:cNvPicPr>
+            <p:nvPr/>
+          </p:nvPicPr>
+          <p:blipFill>
+            <a:blip r:embed="rId4"/>
+            <a:stretch>
+              <a:fillRect/>
+            </a:stretch>
+          </p:blipFill>
+          <p:spPr>
+            <a:xfrm>
+              <a:off x="5429845" y="2819400"/>
+              <a:ext cx="553047" cy="1231900"/>
+            </a:xfrm>
+            <a:prstGeom prst="rect">
+              <a:avLst/>
+            </a:prstGeom>
+          </p:spPr>
+        </p:pic>
+        <p:pic>
+          <p:nvPicPr>
+            <p:cNvPr id="32" name="Picture 31">
+              <a:extLst>
+                <a:ext uri="{FF2B5EF4-FFF2-40B4-BE49-F238E27FC236}">
+                  <a16:creationId xmlns:a16="http://schemas.microsoft.com/office/drawing/2014/main" id="{9D081F26-E7AE-2847-992B-9FD9F6DAAAF4}"/>
+                </a:ext>
+              </a:extLst>
+            </p:cNvPr>
+            <p:cNvPicPr>
+              <a:picLocks noChangeAspect="1"/>
+            </p:cNvPicPr>
+            <p:nvPr/>
+          </p:nvPicPr>
+          <p:blipFill>
+            <a:blip r:embed="rId4"/>
+            <a:stretch>
+              <a:fillRect/>
+            </a:stretch>
+          </p:blipFill>
+          <p:spPr>
+            <a:xfrm>
+              <a:off x="4134445" y="2819400"/>
+              <a:ext cx="553047" cy="1231900"/>
+            </a:xfrm>
+            <a:prstGeom prst="rect">
+              <a:avLst/>
+            </a:prstGeom>
+          </p:spPr>
+        </p:pic>
+        <p:pic>
+          <p:nvPicPr>
+            <p:cNvPr id="33" name="Picture 32">
+              <a:extLst>
+                <a:ext uri="{FF2B5EF4-FFF2-40B4-BE49-F238E27FC236}">
+                  <a16:creationId xmlns:a16="http://schemas.microsoft.com/office/drawing/2014/main" id="{47C99A78-29D9-E243-A205-AFB35148E4C0}"/>
+                </a:ext>
+              </a:extLst>
+            </p:cNvPr>
+            <p:cNvPicPr>
+              <a:picLocks noChangeAspect="1"/>
+            </p:cNvPicPr>
+            <p:nvPr/>
+          </p:nvPicPr>
+          <p:blipFill>
+            <a:blip r:embed="rId5"/>
+            <a:stretch>
+              <a:fillRect/>
+            </a:stretch>
+          </p:blipFill>
+          <p:spPr>
+            <a:xfrm>
+              <a:off x="1676400" y="1066800"/>
+              <a:ext cx="914400" cy="714931"/>
+            </a:xfrm>
+            <a:prstGeom prst="rect">
+              <a:avLst/>
+            </a:prstGeom>
+          </p:spPr>
+        </p:pic>
+        <p:pic>
+          <p:nvPicPr>
+            <p:cNvPr id="34" name="Picture 33">
+              <a:extLst>
+                <a:ext uri="{FF2B5EF4-FFF2-40B4-BE49-F238E27FC236}">
+                  <a16:creationId xmlns:a16="http://schemas.microsoft.com/office/drawing/2014/main" id="{44DD90E9-3D57-FE4A-9869-3F0FA575BB04}"/>
+                </a:ext>
+              </a:extLst>
+            </p:cNvPr>
+            <p:cNvPicPr>
+              <a:picLocks noChangeAspect="1"/>
+            </p:cNvPicPr>
+            <p:nvPr/>
+          </p:nvPicPr>
+          <p:blipFill>
+            <a:blip r:embed="rId7"/>
+            <a:stretch>
+              <a:fillRect/>
+            </a:stretch>
+          </p:blipFill>
+          <p:spPr>
+            <a:xfrm flipH="1">
+              <a:off x="1777605" y="3143014"/>
+              <a:ext cx="2108200" cy="952500"/>
+            </a:xfrm>
+            <a:prstGeom prst="rect">
+              <a:avLst/>
+            </a:prstGeom>
+          </p:spPr>
+        </p:pic>
+      </p:grpSp>
+      <p:sp>
+        <p:nvSpPr>
+          <p:cNvPr id="3" name="TextBox 2">
+            <a:extLst>
+              <a:ext uri="{FF2B5EF4-FFF2-40B4-BE49-F238E27FC236}">
+                <a16:creationId xmlns:a16="http://schemas.microsoft.com/office/drawing/2014/main" id="{05B52B33-E74A-564A-AF51-B6AE2B16D5F3}"/>
+              </a:ext>
+            </a:extLst>
+          </p:cNvPr>
+          <p:cNvSpPr txBox="1"/>
+          <p:nvPr/>
+        </p:nvSpPr>
+        <p:spPr>
+          <a:xfrm>
+            <a:off x="228601" y="1295400"/>
+            <a:ext cx="8534400" cy="830997"/>
+          </a:xfrm>
+          <a:prstGeom prst="rect">
+            <a:avLst/>
+          </a:prstGeom>
+          <a:noFill/>
+        </p:spPr>
+        <p:txBody>
+          <a:bodyPr wrap="square" rtlCol="0">
+            <a:spAutoFit/>
+          </a:bodyPr>
+          <a:lstStyle/>
+          <a:p>
+            <a:r>
+              <a:rPr lang="en-US" sz="2400" b="1" dirty="0"/>
+              <a:t>Element Abstractions: </a:t>
+            </a:r>
+            <a:r>
+              <a:rPr lang="en-US" sz="2400" dirty="0"/>
+              <a:t>Simplified representation of components</a:t>
+            </a:r>
+            <a:endParaRPr lang="en-US" sz="2400" b="1" dirty="0"/>
+          </a:p>
+        </p:txBody>
+      </p:sp>
       <p:pic>
         <p:nvPicPr>
-          <p:cNvPr id="25" name="Picture 24">
+          <p:cNvPr id="19" name="Picture 18">
             <a:extLst>
               <a:ext uri="{FF2B5EF4-FFF2-40B4-BE49-F238E27FC236}">
-                <a16:creationId xmlns:a16="http://schemas.microsoft.com/office/drawing/2014/main" id="{4128A9F4-743C-AA4B-AC24-081E34387C6B}"/>
+                <a16:creationId xmlns:a16="http://schemas.microsoft.com/office/drawing/2014/main" id="{AF8A3F6C-DC1B-2446-A5F9-4D14FA89F1FD}"/>
+              </a:ext>
+            </a:extLst>
+          </p:cNvPr>
+          <p:cNvPicPr>
+            <a:picLocks noChangeAspect="1"/>
+          </p:cNvPicPr>
+          <p:nvPr/>
+        </p:nvPicPr>
+        <p:blipFill>
+          <a:blip r:embed="rId5"/>
+          <a:stretch>
+            <a:fillRect/>
+          </a:stretch>
+        </p:blipFill>
+        <p:spPr>
+          <a:xfrm>
+            <a:off x="2514600" y="2782234"/>
+            <a:ext cx="914400" cy="714931"/>
+          </a:xfrm>
+          <a:prstGeom prst="rect">
+            <a:avLst/>
+          </a:prstGeom>
+        </p:spPr>
+      </p:pic>
+      <p:pic>
+        <p:nvPicPr>
+          <p:cNvPr id="20" name="Picture 19">
+            <a:extLst>
+              <a:ext uri="{FF2B5EF4-FFF2-40B4-BE49-F238E27FC236}">
+                <a16:creationId xmlns:a16="http://schemas.microsoft.com/office/drawing/2014/main" id="{324DEA68-10A2-A648-B85B-8D329D853B4B}"/>
+              </a:ext>
+            </a:extLst>
+          </p:cNvPr>
+          <p:cNvPicPr>
+            <a:picLocks noChangeAspect="1"/>
+          </p:cNvPicPr>
+          <p:nvPr/>
+        </p:nvPicPr>
+        <p:blipFill>
+          <a:blip r:embed="rId4"/>
+          <a:stretch>
+            <a:fillRect/>
+          </a:stretch>
+        </p:blipFill>
+        <p:spPr>
+          <a:xfrm>
+            <a:off x="3581400" y="2793157"/>
+            <a:ext cx="553047" cy="1231900"/>
+          </a:xfrm>
+          <a:prstGeom prst="rect">
+            <a:avLst/>
+          </a:prstGeom>
+        </p:spPr>
+      </p:pic>
+      <p:sp>
+        <p:nvSpPr>
+          <p:cNvPr id="6" name="TextBox 5">
+            <a:extLst>
+              <a:ext uri="{FF2B5EF4-FFF2-40B4-BE49-F238E27FC236}">
+                <a16:creationId xmlns:a16="http://schemas.microsoft.com/office/drawing/2014/main" id="{3CF87D43-2174-8F4A-9314-A6B2F97E8F9A}"/>
+              </a:ext>
+            </a:extLst>
+          </p:cNvPr>
+          <p:cNvSpPr txBox="1"/>
+          <p:nvPr/>
+        </p:nvSpPr>
+        <p:spPr>
+          <a:xfrm>
+            <a:off x="152400" y="2793157"/>
+            <a:ext cx="2005806" cy="400110"/>
+          </a:xfrm>
+          <a:prstGeom prst="rect">
+            <a:avLst/>
+          </a:prstGeom>
+          <a:noFill/>
+        </p:spPr>
+        <p:txBody>
+          <a:bodyPr wrap="none" rtlCol="0">
+            <a:spAutoFit/>
+          </a:bodyPr>
+          <a:lstStyle/>
+          <a:p>
+            <a:r>
+              <a:rPr lang="en-US" sz="2000" b="1" dirty="0"/>
+              <a:t>Water sources</a:t>
+            </a:r>
+            <a:r>
+              <a:rPr lang="en-US" dirty="0"/>
+              <a:t>:</a:t>
+            </a:r>
+          </a:p>
+        </p:txBody>
+      </p:sp>
+      <p:sp>
+        <p:nvSpPr>
+          <p:cNvPr id="22" name="TextBox 21">
+            <a:extLst>
+              <a:ext uri="{FF2B5EF4-FFF2-40B4-BE49-F238E27FC236}">
+                <a16:creationId xmlns:a16="http://schemas.microsoft.com/office/drawing/2014/main" id="{2293B3C0-9683-EB4C-B7CD-61CD482ADCEC}"/>
+              </a:ext>
+            </a:extLst>
+          </p:cNvPr>
+          <p:cNvSpPr txBox="1"/>
+          <p:nvPr/>
+        </p:nvSpPr>
+        <p:spPr>
+          <a:xfrm>
+            <a:off x="167640" y="4450657"/>
+            <a:ext cx="2318392" cy="400110"/>
+          </a:xfrm>
+          <a:prstGeom prst="rect">
+            <a:avLst/>
+          </a:prstGeom>
+          <a:noFill/>
+        </p:spPr>
+        <p:txBody>
+          <a:bodyPr wrap="none" rtlCol="0">
+            <a:spAutoFit/>
+          </a:bodyPr>
+          <a:lstStyle/>
+          <a:p>
+            <a:r>
+              <a:rPr lang="en-US" sz="2000" b="1" dirty="0"/>
+              <a:t>Water containers</a:t>
+            </a:r>
+            <a:r>
+              <a:rPr lang="en-US" dirty="0"/>
+              <a:t>:</a:t>
+            </a:r>
+          </a:p>
+        </p:txBody>
+      </p:sp>
+      <p:pic>
+        <p:nvPicPr>
+          <p:cNvPr id="23" name="Picture 22">
+            <a:extLst>
+              <a:ext uri="{FF2B5EF4-FFF2-40B4-BE49-F238E27FC236}">
+                <a16:creationId xmlns:a16="http://schemas.microsoft.com/office/drawing/2014/main" id="{B2DA8BBB-1470-8147-BC6C-29A44B9B312B}"/>
               </a:ext>
             </a:extLst>
           </p:cNvPr>
@@ -5637,18 +7947,657 @@
         </p:blipFill>
         <p:spPr>
           <a:xfrm>
-            <a:off x="4038600" y="3575368"/>
-            <a:ext cx="1295400" cy="1562100"/>
+            <a:off x="3505200" y="4450657"/>
+            <a:ext cx="877491" cy="654743"/>
           </a:xfrm>
           <a:prstGeom prst="rect">
             <a:avLst/>
           </a:prstGeom>
         </p:spPr>
       </p:pic>
+      <p:pic>
+        <p:nvPicPr>
+          <p:cNvPr id="24" name="Picture 23">
+            <a:extLst>
+              <a:ext uri="{FF2B5EF4-FFF2-40B4-BE49-F238E27FC236}">
+                <a16:creationId xmlns:a16="http://schemas.microsoft.com/office/drawing/2014/main" id="{BD002C37-DA50-6E49-8977-F8EC89BF1A30}"/>
+              </a:ext>
+            </a:extLst>
+          </p:cNvPr>
+          <p:cNvPicPr>
+            <a:picLocks noChangeAspect="1"/>
+          </p:cNvPicPr>
+          <p:nvPr/>
+        </p:nvPicPr>
+        <p:blipFill>
+          <a:blip r:embed="rId6"/>
+          <a:stretch>
+            <a:fillRect/>
+          </a:stretch>
+        </p:blipFill>
+        <p:spPr>
+          <a:xfrm>
+            <a:off x="2438400" y="4450657"/>
+            <a:ext cx="926705" cy="514753"/>
+          </a:xfrm>
+          <a:prstGeom prst="rect">
+            <a:avLst/>
+          </a:prstGeom>
+        </p:spPr>
+      </p:pic>
+      <p:sp>
+        <p:nvSpPr>
+          <p:cNvPr id="25" name="TextBox 24">
+            <a:extLst>
+              <a:ext uri="{FF2B5EF4-FFF2-40B4-BE49-F238E27FC236}">
+                <a16:creationId xmlns:a16="http://schemas.microsoft.com/office/drawing/2014/main" id="{C16BB900-545E-064C-911C-A1B1AC01B4E1}"/>
+              </a:ext>
+            </a:extLst>
+          </p:cNvPr>
+          <p:cNvSpPr txBox="1"/>
+          <p:nvPr/>
+        </p:nvSpPr>
+        <p:spPr>
+          <a:xfrm>
+            <a:off x="167640" y="5424604"/>
+            <a:ext cx="2084225" cy="400110"/>
+          </a:xfrm>
+          <a:prstGeom prst="rect">
+            <a:avLst/>
+          </a:prstGeom>
+          <a:noFill/>
+        </p:spPr>
+        <p:txBody>
+          <a:bodyPr wrap="none" rtlCol="0">
+            <a:spAutoFit/>
+          </a:bodyPr>
+          <a:lstStyle/>
+          <a:p>
+            <a:r>
+              <a:rPr lang="en-US" sz="2000" b="1" dirty="0"/>
+              <a:t>Pipe with valve</a:t>
+            </a:r>
+            <a:r>
+              <a:rPr lang="en-US" dirty="0"/>
+              <a:t>:</a:t>
+            </a:r>
+          </a:p>
+        </p:txBody>
+      </p:sp>
+      <p:pic>
+        <p:nvPicPr>
+          <p:cNvPr id="27" name="Picture 26">
+            <a:extLst>
+              <a:ext uri="{FF2B5EF4-FFF2-40B4-BE49-F238E27FC236}">
+                <a16:creationId xmlns:a16="http://schemas.microsoft.com/office/drawing/2014/main" id="{FEB7B91A-7E38-D846-97E6-6CC9482838CB}"/>
+              </a:ext>
+            </a:extLst>
+          </p:cNvPr>
+          <p:cNvPicPr>
+            <a:picLocks noChangeAspect="1"/>
+          </p:cNvPicPr>
+          <p:nvPr/>
+        </p:nvPicPr>
+        <p:blipFill>
+          <a:blip r:embed="rId7"/>
+          <a:stretch>
+            <a:fillRect/>
+          </a:stretch>
+        </p:blipFill>
+        <p:spPr>
+          <a:xfrm flipH="1">
+            <a:off x="2541538" y="5424604"/>
+            <a:ext cx="1486023" cy="671396"/>
+          </a:xfrm>
+          <a:prstGeom prst="rect">
+            <a:avLst/>
+          </a:prstGeom>
+        </p:spPr>
+      </p:pic>
+      <p:sp>
+        <p:nvSpPr>
+          <p:cNvPr id="35" name="TextBox 34">
+            <a:extLst>
+              <a:ext uri="{FF2B5EF4-FFF2-40B4-BE49-F238E27FC236}">
+                <a16:creationId xmlns:a16="http://schemas.microsoft.com/office/drawing/2014/main" id="{FB605517-F10F-6149-B590-E555E50451C0}"/>
+              </a:ext>
+            </a:extLst>
+          </p:cNvPr>
+          <p:cNvSpPr txBox="1"/>
+          <p:nvPr/>
+        </p:nvSpPr>
+        <p:spPr>
+          <a:xfrm>
+            <a:off x="4800600" y="2154942"/>
+            <a:ext cx="1310230" cy="400110"/>
+          </a:xfrm>
+          <a:prstGeom prst="rect">
+            <a:avLst/>
+          </a:prstGeom>
+          <a:noFill/>
+        </p:spPr>
+        <p:txBody>
+          <a:bodyPr wrap="none" rtlCol="0">
+            <a:spAutoFit/>
+          </a:bodyPr>
+          <a:lstStyle/>
+          <a:p>
+            <a:r>
+              <a:rPr lang="en-US" sz="2000" b="1" dirty="0"/>
+              <a:t>Variables</a:t>
+            </a:r>
+            <a:endParaRPr lang="en-US" dirty="0"/>
+          </a:p>
+        </p:txBody>
+      </p:sp>
+      <p:sp>
+        <p:nvSpPr>
+          <p:cNvPr id="36" name="TextBox 35">
+            <a:extLst>
+              <a:ext uri="{FF2B5EF4-FFF2-40B4-BE49-F238E27FC236}">
+                <a16:creationId xmlns:a16="http://schemas.microsoft.com/office/drawing/2014/main" id="{84D7A28D-9909-7F45-B45A-CA24FA41B48F}"/>
+              </a:ext>
+            </a:extLst>
+          </p:cNvPr>
+          <p:cNvSpPr txBox="1"/>
+          <p:nvPr/>
+        </p:nvSpPr>
+        <p:spPr>
+          <a:xfrm>
+            <a:off x="7098933" y="2154942"/>
+            <a:ext cx="825867" cy="400110"/>
+          </a:xfrm>
+          <a:prstGeom prst="rect">
+            <a:avLst/>
+          </a:prstGeom>
+          <a:noFill/>
+        </p:spPr>
+        <p:txBody>
+          <a:bodyPr wrap="none" rtlCol="0">
+            <a:spAutoFit/>
+          </a:bodyPr>
+          <a:lstStyle/>
+          <a:p>
+            <a:r>
+              <a:rPr lang="en-US" sz="2000" b="1" dirty="0"/>
+              <a:t>Units</a:t>
+            </a:r>
+            <a:endParaRPr lang="en-US" dirty="0"/>
+          </a:p>
+        </p:txBody>
+      </p:sp>
+      <p:sp>
+        <p:nvSpPr>
+          <p:cNvPr id="7" name="TextBox 6">
+            <a:extLst>
+              <a:ext uri="{FF2B5EF4-FFF2-40B4-BE49-F238E27FC236}">
+                <a16:creationId xmlns:a16="http://schemas.microsoft.com/office/drawing/2014/main" id="{26877121-6479-D24A-ABF2-B77774556255}"/>
+              </a:ext>
+            </a:extLst>
+          </p:cNvPr>
+          <p:cNvSpPr txBox="1"/>
+          <p:nvPr/>
+        </p:nvSpPr>
+        <p:spPr>
+          <a:xfrm>
+            <a:off x="4648200" y="2819400"/>
+            <a:ext cx="1561646" cy="400110"/>
+          </a:xfrm>
+          <a:prstGeom prst="rect">
+            <a:avLst/>
+          </a:prstGeom>
+          <a:noFill/>
+        </p:spPr>
+        <p:txBody>
+          <a:bodyPr wrap="none" rtlCol="0">
+            <a:spAutoFit/>
+          </a:bodyPr>
+          <a:lstStyle/>
+          <a:p>
+            <a:r>
+              <a:rPr lang="en-US" sz="2000" i="1" dirty="0" err="1"/>
+              <a:t>f</a:t>
+            </a:r>
+            <a:r>
+              <a:rPr lang="en-US" sz="2000" i="1" baseline="-25000" dirty="0" err="1"/>
+              <a:t>O</a:t>
+            </a:r>
+            <a:r>
+              <a:rPr lang="en-US" sz="2000" i="1" dirty="0"/>
+              <a:t> = </a:t>
+            </a:r>
+            <a:r>
+              <a:rPr lang="en-US" sz="2000" dirty="0"/>
+              <a:t>flow out</a:t>
+            </a:r>
+            <a:endParaRPr lang="en-US" sz="2000" i="1" dirty="0"/>
+          </a:p>
+        </p:txBody>
+      </p:sp>
+      <p:sp>
+        <p:nvSpPr>
+          <p:cNvPr id="38" name="TextBox 37">
+            <a:extLst>
+              <a:ext uri="{FF2B5EF4-FFF2-40B4-BE49-F238E27FC236}">
+                <a16:creationId xmlns:a16="http://schemas.microsoft.com/office/drawing/2014/main" id="{21DA3EB8-2E8A-3443-8B76-53FCB5CD8B05}"/>
+              </a:ext>
+            </a:extLst>
+          </p:cNvPr>
+          <p:cNvSpPr txBox="1"/>
+          <p:nvPr/>
+        </p:nvSpPr>
+        <p:spPr>
+          <a:xfrm>
+            <a:off x="4663913" y="4114800"/>
+            <a:ext cx="1391728" cy="400110"/>
+          </a:xfrm>
+          <a:prstGeom prst="rect">
+            <a:avLst/>
+          </a:prstGeom>
+          <a:noFill/>
+        </p:spPr>
+        <p:txBody>
+          <a:bodyPr wrap="none" rtlCol="0">
+            <a:spAutoFit/>
+          </a:bodyPr>
+          <a:lstStyle/>
+          <a:p>
+            <a:r>
+              <a:rPr lang="en-US" sz="2000" i="1" dirty="0" err="1"/>
+              <a:t>f</a:t>
+            </a:r>
+            <a:r>
+              <a:rPr lang="en-US" sz="2000" i="1" baseline="-25000" dirty="0" err="1"/>
+              <a:t>I</a:t>
+            </a:r>
+            <a:r>
+              <a:rPr lang="en-US" sz="2000" i="1" dirty="0"/>
+              <a:t> = </a:t>
+            </a:r>
+            <a:r>
+              <a:rPr lang="en-US" sz="2000" dirty="0"/>
+              <a:t>flow </a:t>
+            </a:r>
+            <a:r>
+              <a:rPr lang="en-US" sz="2000" dirty="0" err="1"/>
+              <a:t>int</a:t>
+            </a:r>
+            <a:endParaRPr lang="en-US" sz="2000" i="1" dirty="0"/>
+          </a:p>
+        </p:txBody>
+      </p:sp>
+      <p:sp>
+        <p:nvSpPr>
+          <p:cNvPr id="39" name="TextBox 38">
+            <a:extLst>
+              <a:ext uri="{FF2B5EF4-FFF2-40B4-BE49-F238E27FC236}">
+                <a16:creationId xmlns:a16="http://schemas.microsoft.com/office/drawing/2014/main" id="{88ACF1BF-770B-B441-B1EA-22AD84A4319E}"/>
+              </a:ext>
+            </a:extLst>
+          </p:cNvPr>
+          <p:cNvSpPr txBox="1"/>
+          <p:nvPr/>
+        </p:nvSpPr>
+        <p:spPr>
+          <a:xfrm>
+            <a:off x="4663913" y="4572000"/>
+            <a:ext cx="1561646" cy="400110"/>
+          </a:xfrm>
+          <a:prstGeom prst="rect">
+            <a:avLst/>
+          </a:prstGeom>
+          <a:noFill/>
+        </p:spPr>
+        <p:txBody>
+          <a:bodyPr wrap="none" rtlCol="0">
+            <a:spAutoFit/>
+          </a:bodyPr>
+          <a:lstStyle/>
+          <a:p>
+            <a:r>
+              <a:rPr lang="en-US" sz="2000" i="1" dirty="0" err="1"/>
+              <a:t>f</a:t>
+            </a:r>
+            <a:r>
+              <a:rPr lang="en-US" sz="2000" i="1" baseline="-25000" dirty="0" err="1"/>
+              <a:t>O</a:t>
+            </a:r>
+            <a:r>
+              <a:rPr lang="en-US" sz="2000" i="1" dirty="0"/>
+              <a:t> = </a:t>
+            </a:r>
+            <a:r>
+              <a:rPr lang="en-US" sz="2000" dirty="0"/>
+              <a:t>flow out</a:t>
+            </a:r>
+            <a:endParaRPr lang="en-US" sz="2000" i="1" dirty="0"/>
+          </a:p>
+        </p:txBody>
+      </p:sp>
+      <p:sp>
+        <p:nvSpPr>
+          <p:cNvPr id="40" name="TextBox 39">
+            <a:extLst>
+              <a:ext uri="{FF2B5EF4-FFF2-40B4-BE49-F238E27FC236}">
+                <a16:creationId xmlns:a16="http://schemas.microsoft.com/office/drawing/2014/main" id="{41C00973-0069-4E44-9035-5A1C86CDA886}"/>
+              </a:ext>
+            </a:extLst>
+          </p:cNvPr>
+          <p:cNvSpPr txBox="1"/>
+          <p:nvPr/>
+        </p:nvSpPr>
+        <p:spPr>
+          <a:xfrm>
+            <a:off x="4663913" y="4957465"/>
+            <a:ext cx="1316386" cy="400110"/>
+          </a:xfrm>
+          <a:prstGeom prst="rect">
+            <a:avLst/>
+          </a:prstGeom>
+          <a:noFill/>
+        </p:spPr>
+        <p:txBody>
+          <a:bodyPr wrap="none" rtlCol="0">
+            <a:spAutoFit/>
+          </a:bodyPr>
+          <a:lstStyle/>
+          <a:p>
+            <a:r>
+              <a:rPr lang="en-US" sz="2000" i="1" dirty="0"/>
+              <a:t>h = </a:t>
+            </a:r>
+            <a:r>
+              <a:rPr lang="en-US" sz="2000" dirty="0"/>
+              <a:t>height</a:t>
+            </a:r>
+            <a:endParaRPr lang="en-US" sz="2000" i="1" dirty="0"/>
+          </a:p>
+        </p:txBody>
+      </p:sp>
+      <p:sp>
+        <p:nvSpPr>
+          <p:cNvPr id="41" name="TextBox 40">
+            <a:extLst>
+              <a:ext uri="{FF2B5EF4-FFF2-40B4-BE49-F238E27FC236}">
+                <a16:creationId xmlns:a16="http://schemas.microsoft.com/office/drawing/2014/main" id="{22A511D9-1F4A-AC43-BB84-B44AB35F7FBA}"/>
+              </a:ext>
+            </a:extLst>
+          </p:cNvPr>
+          <p:cNvSpPr txBox="1"/>
+          <p:nvPr/>
+        </p:nvSpPr>
+        <p:spPr>
+          <a:xfrm>
+            <a:off x="4648200" y="5772090"/>
+            <a:ext cx="1571264" cy="400110"/>
+          </a:xfrm>
+          <a:prstGeom prst="rect">
+            <a:avLst/>
+          </a:prstGeom>
+          <a:noFill/>
+        </p:spPr>
+        <p:txBody>
+          <a:bodyPr wrap="none" rtlCol="0">
+            <a:spAutoFit/>
+          </a:bodyPr>
+          <a:lstStyle/>
+          <a:p>
+            <a:r>
+              <a:rPr lang="en-US" sz="2000" i="1" dirty="0" err="1"/>
+              <a:t>f</a:t>
+            </a:r>
+            <a:r>
+              <a:rPr lang="en-US" sz="2000" i="1" baseline="-25000" dirty="0" err="1"/>
+              <a:t>S</a:t>
+            </a:r>
+            <a:r>
+              <a:rPr lang="en-US" sz="2000" i="1" dirty="0"/>
+              <a:t> = </a:t>
+            </a:r>
+            <a:r>
+              <a:rPr lang="en-US" sz="2000" dirty="0"/>
+              <a:t>Set flow</a:t>
+            </a:r>
+            <a:endParaRPr lang="en-US" sz="2000" i="1" dirty="0"/>
+          </a:p>
+        </p:txBody>
+      </p:sp>
+      <p:sp>
+        <p:nvSpPr>
+          <p:cNvPr id="8" name="TextBox 7">
+            <a:extLst>
+              <a:ext uri="{FF2B5EF4-FFF2-40B4-BE49-F238E27FC236}">
+                <a16:creationId xmlns:a16="http://schemas.microsoft.com/office/drawing/2014/main" id="{E752C51B-C4FB-314D-B73C-80D999D91103}"/>
+              </a:ext>
+            </a:extLst>
+          </p:cNvPr>
+          <p:cNvSpPr txBox="1"/>
+          <p:nvPr/>
+        </p:nvSpPr>
+        <p:spPr>
+          <a:xfrm>
+            <a:off x="6451893" y="4953000"/>
+            <a:ext cx="1470274" cy="400110"/>
+          </a:xfrm>
+          <a:prstGeom prst="rect">
+            <a:avLst/>
+          </a:prstGeom>
+          <a:noFill/>
+        </p:spPr>
+        <p:txBody>
+          <a:bodyPr wrap="none" rtlCol="0">
+            <a:spAutoFit/>
+          </a:bodyPr>
+          <a:lstStyle/>
+          <a:p>
+            <a:r>
+              <a:rPr lang="en-US" sz="2000" i="1" dirty="0"/>
+              <a:t>m = </a:t>
+            </a:r>
+            <a:r>
+              <a:rPr lang="en-US" sz="2000" dirty="0"/>
+              <a:t>meters</a:t>
+            </a:r>
+            <a:endParaRPr lang="en-US" sz="2000" i="1" dirty="0"/>
+          </a:p>
+        </p:txBody>
+      </p:sp>
+      <p:sp>
+        <p:nvSpPr>
+          <p:cNvPr id="42" name="TextBox 41">
+            <a:extLst>
+              <a:ext uri="{FF2B5EF4-FFF2-40B4-BE49-F238E27FC236}">
+                <a16:creationId xmlns:a16="http://schemas.microsoft.com/office/drawing/2014/main" id="{D659CE20-4B9F-5C4E-891A-FB55693D7C62}"/>
+              </a:ext>
+            </a:extLst>
+          </p:cNvPr>
+          <p:cNvSpPr txBox="1"/>
+          <p:nvPr/>
+        </p:nvSpPr>
+        <p:spPr>
+          <a:xfrm>
+            <a:off x="6451893" y="2814935"/>
+            <a:ext cx="2234907" cy="400110"/>
+          </a:xfrm>
+          <a:prstGeom prst="rect">
+            <a:avLst/>
+          </a:prstGeom>
+          <a:noFill/>
+        </p:spPr>
+        <p:txBody>
+          <a:bodyPr wrap="none" rtlCol="0">
+            <a:spAutoFit/>
+          </a:bodyPr>
+          <a:lstStyle/>
+          <a:p>
+            <a:r>
+              <a:rPr lang="en-US" sz="2000" i="1" dirty="0"/>
+              <a:t>m</a:t>
+            </a:r>
+            <a:r>
+              <a:rPr lang="en-US" sz="2000" i="1" baseline="30000" dirty="0"/>
+              <a:t>3</a:t>
+            </a:r>
+            <a:r>
+              <a:rPr lang="en-US" sz="2000" i="1" dirty="0"/>
+              <a:t> = </a:t>
+            </a:r>
+            <a:r>
+              <a:rPr lang="en-US" sz="2000" dirty="0"/>
+              <a:t>cubic meters</a:t>
+            </a:r>
+            <a:endParaRPr lang="en-US" sz="2000" i="1" dirty="0"/>
+          </a:p>
+        </p:txBody>
+      </p:sp>
+      <p:sp>
+        <p:nvSpPr>
+          <p:cNvPr id="43" name="TextBox 42">
+            <a:extLst>
+              <a:ext uri="{FF2B5EF4-FFF2-40B4-BE49-F238E27FC236}">
+                <a16:creationId xmlns:a16="http://schemas.microsoft.com/office/drawing/2014/main" id="{B53A95AB-A7C2-CD47-9DCC-1F4293D86CE8}"/>
+              </a:ext>
+            </a:extLst>
+          </p:cNvPr>
+          <p:cNvSpPr txBox="1"/>
+          <p:nvPr/>
+        </p:nvSpPr>
+        <p:spPr>
+          <a:xfrm>
+            <a:off x="6451893" y="4095690"/>
+            <a:ext cx="2234907" cy="400110"/>
+          </a:xfrm>
+          <a:prstGeom prst="rect">
+            <a:avLst/>
+          </a:prstGeom>
+          <a:noFill/>
+        </p:spPr>
+        <p:txBody>
+          <a:bodyPr wrap="none" rtlCol="0">
+            <a:spAutoFit/>
+          </a:bodyPr>
+          <a:lstStyle/>
+          <a:p>
+            <a:r>
+              <a:rPr lang="en-US" sz="2000" i="1" dirty="0"/>
+              <a:t>m</a:t>
+            </a:r>
+            <a:r>
+              <a:rPr lang="en-US" sz="2000" i="1" baseline="30000" dirty="0"/>
+              <a:t>3</a:t>
+            </a:r>
+            <a:r>
+              <a:rPr lang="en-US" sz="2000" i="1" dirty="0"/>
+              <a:t> = </a:t>
+            </a:r>
+            <a:r>
+              <a:rPr lang="en-US" sz="2000" dirty="0"/>
+              <a:t>cubic meters</a:t>
+            </a:r>
+            <a:endParaRPr lang="en-US" sz="2000" i="1" dirty="0"/>
+          </a:p>
+        </p:txBody>
+      </p:sp>
+      <p:sp>
+        <p:nvSpPr>
+          <p:cNvPr id="44" name="TextBox 43">
+            <a:extLst>
+              <a:ext uri="{FF2B5EF4-FFF2-40B4-BE49-F238E27FC236}">
+                <a16:creationId xmlns:a16="http://schemas.microsoft.com/office/drawing/2014/main" id="{3DC157A2-EE64-FF4F-8713-81E95A96AB2A}"/>
+              </a:ext>
+            </a:extLst>
+          </p:cNvPr>
+          <p:cNvSpPr txBox="1"/>
+          <p:nvPr/>
+        </p:nvSpPr>
+        <p:spPr>
+          <a:xfrm>
+            <a:off x="6451893" y="4552890"/>
+            <a:ext cx="2234907" cy="400110"/>
+          </a:xfrm>
+          <a:prstGeom prst="rect">
+            <a:avLst/>
+          </a:prstGeom>
+          <a:noFill/>
+        </p:spPr>
+        <p:txBody>
+          <a:bodyPr wrap="none" rtlCol="0">
+            <a:spAutoFit/>
+          </a:bodyPr>
+          <a:lstStyle/>
+          <a:p>
+            <a:r>
+              <a:rPr lang="en-US" sz="2000" i="1" dirty="0"/>
+              <a:t>m</a:t>
+            </a:r>
+            <a:r>
+              <a:rPr lang="en-US" sz="2000" i="1" baseline="30000" dirty="0"/>
+              <a:t>3</a:t>
+            </a:r>
+            <a:r>
+              <a:rPr lang="en-US" sz="2000" i="1" dirty="0"/>
+              <a:t> = </a:t>
+            </a:r>
+            <a:r>
+              <a:rPr lang="en-US" sz="2000" dirty="0"/>
+              <a:t>cubic meters</a:t>
+            </a:r>
+            <a:endParaRPr lang="en-US" sz="2000" i="1" dirty="0"/>
+          </a:p>
+        </p:txBody>
+      </p:sp>
+      <p:sp>
+        <p:nvSpPr>
+          <p:cNvPr id="45" name="TextBox 44">
+            <a:extLst>
+              <a:ext uri="{FF2B5EF4-FFF2-40B4-BE49-F238E27FC236}">
+                <a16:creationId xmlns:a16="http://schemas.microsoft.com/office/drawing/2014/main" id="{42099944-9660-EB43-A1E4-61E932405681}"/>
+              </a:ext>
+            </a:extLst>
+          </p:cNvPr>
+          <p:cNvSpPr txBox="1"/>
+          <p:nvPr/>
+        </p:nvSpPr>
+        <p:spPr>
+          <a:xfrm>
+            <a:off x="6451893" y="5752980"/>
+            <a:ext cx="2234907" cy="400110"/>
+          </a:xfrm>
+          <a:prstGeom prst="rect">
+            <a:avLst/>
+          </a:prstGeom>
+          <a:noFill/>
+        </p:spPr>
+        <p:txBody>
+          <a:bodyPr wrap="none" rtlCol="0">
+            <a:spAutoFit/>
+          </a:bodyPr>
+          <a:lstStyle/>
+          <a:p>
+            <a:r>
+              <a:rPr lang="en-US" sz="2000" i="1" dirty="0"/>
+              <a:t>m</a:t>
+            </a:r>
+            <a:r>
+              <a:rPr lang="en-US" sz="2000" i="1" baseline="30000" dirty="0"/>
+              <a:t>3</a:t>
+            </a:r>
+            <a:r>
+              <a:rPr lang="en-US" sz="2000" i="1" dirty="0"/>
+              <a:t> = </a:t>
+            </a:r>
+            <a:r>
+              <a:rPr lang="en-US" sz="2000" dirty="0"/>
+              <a:t>cubic meters</a:t>
+            </a:r>
+            <a:endParaRPr lang="en-US" sz="2000" i="1" dirty="0"/>
+          </a:p>
+        </p:txBody>
+      </p:sp>
     </p:spTree>
     <p:extLst>
       <p:ext uri="{BB962C8B-B14F-4D97-AF65-F5344CB8AC3E}">
-        <p14:creationId xmlns:p14="http://schemas.microsoft.com/office/powerpoint/2010/main" val="2851440819"/>
+        <p14:creationId xmlns:p14="http://schemas.microsoft.com/office/powerpoint/2010/main" val="3881872036"/>
       </p:ext>
     </p:extLst>
   </p:cSld>

--- a/Lectures/CSE 599V Lecture 2- Modeling Essentials.pptx
+++ b/Lectures/CSE 599V Lecture 2- Modeling Essentials.pptx
@@ -5,19 +5,22 @@
     <p:sldMasterId id="2147483648" r:id="rId1"/>
   </p:sldMasterIdLst>
   <p:notesMasterIdLst>
-    <p:notesMasterId r:id="rId9"/>
+    <p:notesMasterId r:id="rId12"/>
   </p:notesMasterIdLst>
   <p:handoutMasterIdLst>
-    <p:handoutMasterId r:id="rId10"/>
+    <p:handoutMasterId r:id="rId13"/>
   </p:handoutMasterIdLst>
   <p:sldIdLst>
     <p:sldId id="347" r:id="rId2"/>
-    <p:sldId id="353" r:id="rId3"/>
-    <p:sldId id="354" r:id="rId4"/>
-    <p:sldId id="356" r:id="rId5"/>
+    <p:sldId id="362" r:id="rId3"/>
+    <p:sldId id="353" r:id="rId4"/>
+    <p:sldId id="354" r:id="rId5"/>
     <p:sldId id="355" r:id="rId6"/>
     <p:sldId id="357" r:id="rId7"/>
     <p:sldId id="358" r:id="rId8"/>
+    <p:sldId id="359" r:id="rId9"/>
+    <p:sldId id="360" r:id="rId10"/>
+    <p:sldId id="361" r:id="rId11"/>
   </p:sldIdLst>
   <p:sldSz cx="9144000" cy="6858000" type="screen4x3"/>
   <p:notesSz cx="6858000" cy="9144000"/>
@@ -987,6 +990,96 @@
     <p:extLst>
       <p:ext uri="{BB962C8B-B14F-4D97-AF65-F5344CB8AC3E}">
         <p14:creationId xmlns:p14="http://schemas.microsoft.com/office/powerpoint/2010/main" val="2406026637"/>
+      </p:ext>
+    </p:extLst>
+  </p:cSld>
+  <p:clrMapOvr>
+    <a:masterClrMapping/>
+  </p:clrMapOvr>
+</p:notes>
+</file>
+
+<file path=ppt/notesSlides/notesSlide3.xml><?xml version="1.0" encoding="utf-8"?>
+<p:notes xmlns:a="http://schemas.openxmlformats.org/drawingml/2006/main" xmlns:r="http://schemas.openxmlformats.org/officeDocument/2006/relationships" xmlns:p="http://schemas.openxmlformats.org/presentationml/2006/main">
+  <p:cSld>
+    <p:spTree>
+      <p:nvGrpSpPr>
+        <p:cNvPr id="1" name=""/>
+        <p:cNvGrpSpPr/>
+        <p:nvPr/>
+      </p:nvGrpSpPr>
+      <p:grpSpPr>
+        <a:xfrm>
+          <a:off x="0" y="0"/>
+          <a:ext cx="0" cy="0"/>
+          <a:chOff x="0" y="0"/>
+          <a:chExt cx="0" cy="0"/>
+        </a:xfrm>
+      </p:grpSpPr>
+      <p:sp>
+        <p:nvSpPr>
+          <p:cNvPr id="2" name="Slide Image Placeholder 1"/>
+          <p:cNvSpPr>
+            <a:spLocks noGrp="1" noRot="1" noChangeAspect="1"/>
+          </p:cNvSpPr>
+          <p:nvPr>
+            <p:ph type="sldImg"/>
+          </p:nvPr>
+        </p:nvSpPr>
+        <p:spPr/>
+      </p:sp>
+      <p:sp>
+        <p:nvSpPr>
+          <p:cNvPr id="3" name="Notes Placeholder 2"/>
+          <p:cNvSpPr>
+            <a:spLocks noGrp="1"/>
+          </p:cNvSpPr>
+          <p:nvPr>
+            <p:ph type="body" idx="1"/>
+          </p:nvPr>
+        </p:nvSpPr>
+        <p:spPr/>
+        <p:txBody>
+          <a:bodyPr/>
+          <a:lstStyle/>
+          <a:p>
+            <a:endParaRPr lang="en-US" dirty="0"/>
+          </a:p>
+        </p:txBody>
+      </p:sp>
+      <p:sp>
+        <p:nvSpPr>
+          <p:cNvPr id="4" name="Slide Number Placeholder 3"/>
+          <p:cNvSpPr>
+            <a:spLocks noGrp="1"/>
+          </p:cNvSpPr>
+          <p:nvPr>
+            <p:ph type="sldNum" sz="quarter" idx="10"/>
+          </p:nvPr>
+        </p:nvSpPr>
+        <p:spPr/>
+        <p:txBody>
+          <a:bodyPr/>
+          <a:lstStyle/>
+          <a:p>
+            <a:pPr>
+              <a:defRPr/>
+            </a:pPr>
+            <a:fld id="{1E3608CA-DBCA-4E8F-8DAB-6E1AFAF19782}" type="slidenum">
+              <a:rPr lang="en-US" altLang="x-none" smtClean="0"/>
+              <a:pPr>
+                <a:defRPr/>
+              </a:pPr>
+              <a:t>8</a:t>
+            </a:fld>
+            <a:endParaRPr lang="en-US" altLang="x-none"/>
+          </a:p>
+        </p:txBody>
+      </p:sp>
+    </p:spTree>
+    <p:extLst>
+      <p:ext uri="{BB962C8B-B14F-4D97-AF65-F5344CB8AC3E}">
+        <p14:creationId xmlns:p14="http://schemas.microsoft.com/office/powerpoint/2010/main" val="3575085374"/>
       </p:ext>
     </p:extLst>
   </p:cSld>
@@ -5274,6 +5367,142 @@
 </p:sld>
 </file>
 
+<file path=ppt/slides/slide10.xml><?xml version="1.0" encoding="utf-8"?>
+<p:sld xmlns:a="http://schemas.openxmlformats.org/drawingml/2006/main" xmlns:r="http://schemas.openxmlformats.org/officeDocument/2006/relationships" xmlns:p="http://schemas.openxmlformats.org/presentationml/2006/main">
+  <p:cSld>
+    <p:spTree>
+      <p:nvGrpSpPr>
+        <p:cNvPr id="1" name=""/>
+        <p:cNvGrpSpPr/>
+        <p:nvPr/>
+      </p:nvGrpSpPr>
+      <p:grpSpPr>
+        <a:xfrm>
+          <a:off x="0" y="0"/>
+          <a:ext cx="0" cy="0"/>
+          <a:chOff x="0" y="0"/>
+          <a:chExt cx="0" cy="0"/>
+        </a:xfrm>
+      </p:grpSpPr>
+      <p:sp>
+        <p:nvSpPr>
+          <p:cNvPr id="4" name="Title 3">
+            <a:extLst>
+              <a:ext uri="{FF2B5EF4-FFF2-40B4-BE49-F238E27FC236}">
+                <a16:creationId xmlns:a16="http://schemas.microsoft.com/office/drawing/2014/main" id="{A67EB126-252F-5F47-B175-E4DF9167E696}"/>
+              </a:ext>
+            </a:extLst>
+          </p:cNvPr>
+          <p:cNvSpPr>
+            <a:spLocks noGrp="1"/>
+          </p:cNvSpPr>
+          <p:nvPr>
+            <p:ph type="title"/>
+          </p:nvPr>
+        </p:nvSpPr>
+        <p:spPr/>
+        <p:txBody>
+          <a:bodyPr/>
+          <a:lstStyle/>
+          <a:p>
+            <a:r>
+              <a:rPr lang="en-US" dirty="0"/>
+              <a:t>Learn Objectives</a:t>
+            </a:r>
+          </a:p>
+        </p:txBody>
+      </p:sp>
+      <p:sp>
+        <p:nvSpPr>
+          <p:cNvPr id="5" name="Content Placeholder 4">
+            <a:extLst>
+              <a:ext uri="{FF2B5EF4-FFF2-40B4-BE49-F238E27FC236}">
+                <a16:creationId xmlns:a16="http://schemas.microsoft.com/office/drawing/2014/main" id="{2E2F6CC9-4396-9C43-83BA-475D1FE46A50}"/>
+              </a:ext>
+            </a:extLst>
+          </p:cNvPr>
+          <p:cNvSpPr>
+            <a:spLocks noGrp="1"/>
+          </p:cNvSpPr>
+          <p:nvPr>
+            <p:ph idx="1"/>
+          </p:nvPr>
+        </p:nvSpPr>
+        <p:spPr/>
+        <p:txBody>
+          <a:bodyPr/>
+          <a:lstStyle/>
+          <a:p>
+            <a:r>
+              <a:rPr lang="en-US" dirty="0"/>
+              <a:t>Conceptual models</a:t>
+            </a:r>
+          </a:p>
+          <a:p>
+            <a:pPr lvl="1"/>
+            <a:r>
+              <a:rPr lang="en-US" dirty="0"/>
+              <a:t>Construct </a:t>
+            </a:r>
+            <a:r>
+              <a:rPr lang="en-US" dirty="0" err="1"/>
+              <a:t>appropraite</a:t>
+            </a:r>
+            <a:r>
+              <a:rPr lang="en-US" dirty="0"/>
+              <a:t> element abstractions of a system, their variables, and the relationships between variables</a:t>
+            </a:r>
+          </a:p>
+        </p:txBody>
+      </p:sp>
+      <p:sp>
+        <p:nvSpPr>
+          <p:cNvPr id="3" name="Slide Number Placeholder 2">
+            <a:extLst>
+              <a:ext uri="{FF2B5EF4-FFF2-40B4-BE49-F238E27FC236}">
+                <a16:creationId xmlns:a16="http://schemas.microsoft.com/office/drawing/2014/main" id="{69DA70AD-1B8C-D04B-9645-9E5FFEFD053A}"/>
+              </a:ext>
+            </a:extLst>
+          </p:cNvPr>
+          <p:cNvSpPr>
+            <a:spLocks noGrp="1"/>
+          </p:cNvSpPr>
+          <p:nvPr>
+            <p:ph type="sldNum" sz="quarter" idx="11"/>
+          </p:nvPr>
+        </p:nvSpPr>
+        <p:spPr/>
+        <p:txBody>
+          <a:bodyPr/>
+          <a:lstStyle/>
+          <a:p>
+            <a:pPr>
+              <a:defRPr/>
+            </a:pPr>
+            <a:fld id="{2E4304A7-0FB2-4094-BC1E-DB17183AD0C1}" type="slidenum">
+              <a:rPr lang="en-US" altLang="x-none" smtClean="0"/>
+              <a:pPr>
+                <a:defRPr/>
+              </a:pPr>
+              <a:t>10</a:t>
+            </a:fld>
+            <a:endParaRPr lang="en-US" altLang="x-none"/>
+          </a:p>
+        </p:txBody>
+      </p:sp>
+    </p:spTree>
+    <p:extLst>
+      <p:ext uri="{BB962C8B-B14F-4D97-AF65-F5344CB8AC3E}">
+        <p14:creationId xmlns:p14="http://schemas.microsoft.com/office/powerpoint/2010/main" val="3729206484"/>
+      </p:ext>
+    </p:extLst>
+  </p:cSld>
+  <p:clrMapOvr>
+    <a:masterClrMapping/>
+  </p:clrMapOvr>
+</p:sld>
+</file>
+
 <file path=ppt/slides/slide2.xml><?xml version="1.0" encoding="utf-8"?>
 <p:sld xmlns:a="http://schemas.openxmlformats.org/drawingml/2006/main" xmlns:r="http://schemas.openxmlformats.org/officeDocument/2006/relationships" xmlns:p="http://schemas.openxmlformats.org/presentationml/2006/main">
   <p:cSld>
@@ -5293,10 +5522,10 @@
       </p:grpSpPr>
       <p:sp>
         <p:nvSpPr>
-          <p:cNvPr id="2" name="Title 1">
+          <p:cNvPr id="6" name="Title 5">
             <a:extLst>
               <a:ext uri="{FF2B5EF4-FFF2-40B4-BE49-F238E27FC236}">
-                <a16:creationId xmlns:a16="http://schemas.microsoft.com/office/drawing/2014/main" id="{22943ACA-9C2E-4C42-85A9-72405EDFDCA8}"/>
+                <a16:creationId xmlns:a16="http://schemas.microsoft.com/office/drawing/2014/main" id="{80F0ABEA-2151-DB44-87EA-3FC997EC0141}"/>
               </a:ext>
             </a:extLst>
           </p:cNvPr>
@@ -5307,67 +5536,19 @@
             <p:ph type="title"/>
           </p:nvPr>
         </p:nvSpPr>
-        <p:spPr/>
+        <p:spPr>
+          <a:xfrm>
+            <a:off x="457200" y="457200"/>
+            <a:ext cx="8229600" cy="838200"/>
+          </a:xfrm>
+        </p:spPr>
         <p:txBody>
           <a:bodyPr/>
           <a:lstStyle/>
           <a:p>
             <a:r>
               <a:rPr lang="en-US" dirty="0"/>
-              <a:t>Agenda</a:t>
-            </a:r>
-          </a:p>
-        </p:txBody>
-      </p:sp>
-      <p:sp>
-        <p:nvSpPr>
-          <p:cNvPr id="3" name="Content Placeholder 2">
-            <a:extLst>
-              <a:ext uri="{FF2B5EF4-FFF2-40B4-BE49-F238E27FC236}">
-                <a16:creationId xmlns:a16="http://schemas.microsoft.com/office/drawing/2014/main" id="{C77DA19E-296D-C043-843B-0791DD000353}"/>
-              </a:ext>
-            </a:extLst>
-          </p:cNvPr>
-          <p:cNvSpPr>
-            <a:spLocks noGrp="1"/>
-          </p:cNvSpPr>
-          <p:nvPr>
-            <p:ph idx="1"/>
-          </p:nvPr>
-        </p:nvSpPr>
-        <p:spPr/>
-        <p:txBody>
-          <a:bodyPr/>
-          <a:lstStyle/>
-          <a:p>
-            <a:r>
-              <a:rPr lang="en-US" dirty="0"/>
-              <a:t>Conceptual models</a:t>
-            </a:r>
-          </a:p>
-          <a:p>
-            <a:pPr lvl="1"/>
-            <a:r>
-              <a:rPr lang="en-US" dirty="0"/>
-              <a:t>Variable types, units, relationships</a:t>
-            </a:r>
-          </a:p>
-          <a:p>
-            <a:r>
-              <a:rPr lang="en-US" dirty="0"/>
-              <a:t>Dimensional analysis</a:t>
-            </a:r>
-          </a:p>
-          <a:p>
-            <a:r>
-              <a:rPr lang="en-US" dirty="0"/>
-              <a:t>Deterministic time course models</a:t>
-            </a:r>
-          </a:p>
-          <a:p>
-            <a:r>
-              <a:rPr lang="en-US" dirty="0"/>
-              <a:t>Stochastic time course models</a:t>
+              <a:t>G.P.E. Box (Famous Statistician)</a:t>
             </a:r>
           </a:p>
         </p:txBody>
@@ -5377,7 +5558,7 @@
           <p:cNvPr id="4" name="Slide Number Placeholder 3">
             <a:extLst>
               <a:ext uri="{FF2B5EF4-FFF2-40B4-BE49-F238E27FC236}">
-                <a16:creationId xmlns:a16="http://schemas.microsoft.com/office/drawing/2014/main" id="{397ECAA7-CF6B-A946-ADEF-F4CA089C141D}"/>
+                <a16:creationId xmlns:a16="http://schemas.microsoft.com/office/drawing/2014/main" id="{AF1239C5-E3EC-E048-9302-8AC3195CD21F}"/>
               </a:ext>
             </a:extLst>
           </p:cNvPr>
@@ -5407,16 +5588,136 @@
           </a:p>
         </p:txBody>
       </p:sp>
+      <p:sp>
+        <p:nvSpPr>
+          <p:cNvPr id="5" name="TextBox 4">
+            <a:extLst>
+              <a:ext uri="{FF2B5EF4-FFF2-40B4-BE49-F238E27FC236}">
+                <a16:creationId xmlns:a16="http://schemas.microsoft.com/office/drawing/2014/main" id="{EE3FCB56-1487-AF4C-8A6F-80E77F5C2E69}"/>
+              </a:ext>
+            </a:extLst>
+          </p:cNvPr>
+          <p:cNvSpPr txBox="1"/>
+          <p:nvPr/>
+        </p:nvSpPr>
+        <p:spPr>
+          <a:xfrm>
+            <a:off x="304800" y="2316540"/>
+            <a:ext cx="8576387" cy="1569660"/>
+          </a:xfrm>
+          <a:prstGeom prst="rect">
+            <a:avLst/>
+          </a:prstGeom>
+          <a:noFill/>
+        </p:spPr>
+        <p:txBody>
+          <a:bodyPr wrap="none" rtlCol="0">
+            <a:spAutoFit/>
+          </a:bodyPr>
+          <a:lstStyle/>
+          <a:p>
+            <a:r>
+              <a:rPr lang="en-US" sz="4800" b="1" dirty="0"/>
+              <a:t>All models are wrong.</a:t>
+            </a:r>
+          </a:p>
+          <a:p>
+            <a:r>
+              <a:rPr lang="en-US" sz="4800" b="1" dirty="0"/>
+              <a:t>But some models are useful.</a:t>
+            </a:r>
+          </a:p>
+        </p:txBody>
+      </p:sp>
     </p:spTree>
     <p:extLst>
       <p:ext uri="{BB962C8B-B14F-4D97-AF65-F5344CB8AC3E}">
-        <p14:creationId xmlns:p14="http://schemas.microsoft.com/office/powerpoint/2010/main" val="2165151436"/>
+        <p14:creationId xmlns:p14="http://schemas.microsoft.com/office/powerpoint/2010/main" val="3148095331"/>
       </p:ext>
     </p:extLst>
   </p:cSld>
   <p:clrMapOvr>
     <a:masterClrMapping/>
   </p:clrMapOvr>
+  <p:timing>
+    <p:tnLst>
+      <p:par>
+        <p:cTn id="1" dur="indefinite" restart="never" nodeType="tmRoot">
+          <p:childTnLst>
+            <p:seq concurrent="1" nextAc="seek">
+              <p:cTn id="2" dur="indefinite" nodeType="mainSeq">
+                <p:childTnLst>
+                  <p:par>
+                    <p:cTn id="3" fill="hold">
+                      <p:stCondLst>
+                        <p:cond delay="indefinite"/>
+                      </p:stCondLst>
+                      <p:childTnLst>
+                        <p:par>
+                          <p:cTn id="4" fill="hold">
+                            <p:stCondLst>
+                              <p:cond delay="0"/>
+                            </p:stCondLst>
+                            <p:childTnLst>
+                              <p:par>
+                                <p:cTn id="5" presetID="1" presetClass="entr" presetSubtype="0" fill="hold" nodeType="clickEffect">
+                                  <p:stCondLst>
+                                    <p:cond delay="0"/>
+                                  </p:stCondLst>
+                                  <p:childTnLst>
+                                    <p:set>
+                                      <p:cBhvr>
+                                        <p:cTn id="6" dur="1" fill="hold">
+                                          <p:stCondLst>
+                                            <p:cond delay="0"/>
+                                          </p:stCondLst>
+                                        </p:cTn>
+                                        <p:tgtEl>
+                                          <p:spTgt spid="5">
+                                            <p:txEl>
+                                              <p:pRg st="1" end="1"/>
+                                            </p:txEl>
+                                          </p:spTgt>
+                                        </p:tgtEl>
+                                        <p:attrNameLst>
+                                          <p:attrName>style.visibility</p:attrName>
+                                        </p:attrNameLst>
+                                      </p:cBhvr>
+                                      <p:to>
+                                        <p:strVal val="visible"/>
+                                      </p:to>
+                                    </p:set>
+                                  </p:childTnLst>
+                                </p:cTn>
+                              </p:par>
+                            </p:childTnLst>
+                          </p:cTn>
+                        </p:par>
+                      </p:childTnLst>
+                    </p:cTn>
+                  </p:par>
+                </p:childTnLst>
+              </p:cTn>
+              <p:prevCondLst>
+                <p:cond evt="onPrev" delay="0">
+                  <p:tgtEl>
+                    <p:sldTgt/>
+                  </p:tgtEl>
+                </p:cond>
+              </p:prevCondLst>
+              <p:nextCondLst>
+                <p:cond evt="onNext" delay="0">
+                  <p:tgtEl>
+                    <p:sldTgt/>
+                  </p:tgtEl>
+                </p:cond>
+              </p:nextCondLst>
+            </p:seq>
+          </p:childTnLst>
+        </p:cTn>
+      </p:par>
+    </p:tnLst>
+  </p:timing>
 </p:sld>
 </file>
 
@@ -5442,7 +5743,7 @@
           <p:cNvPr id="2" name="Title 1">
             <a:extLst>
               <a:ext uri="{FF2B5EF4-FFF2-40B4-BE49-F238E27FC236}">
-                <a16:creationId xmlns:a16="http://schemas.microsoft.com/office/drawing/2014/main" id="{06D53802-342F-D74C-80D1-11A5D81B8CC2}"/>
+                <a16:creationId xmlns:a16="http://schemas.microsoft.com/office/drawing/2014/main" id="{22943ACA-9C2E-4C42-85A9-72405EDFDCA8}"/>
               </a:ext>
             </a:extLst>
           </p:cNvPr>
@@ -5460,7 +5761,7 @@
           <a:p>
             <a:r>
               <a:rPr lang="en-US" dirty="0"/>
-              <a:t>Refresher</a:t>
+              <a:t>Agenda</a:t>
             </a:r>
           </a:p>
         </p:txBody>
@@ -5470,7 +5771,7 @@
           <p:cNvPr id="3" name="Content Placeholder 2">
             <a:extLst>
               <a:ext uri="{FF2B5EF4-FFF2-40B4-BE49-F238E27FC236}">
-                <a16:creationId xmlns:a16="http://schemas.microsoft.com/office/drawing/2014/main" id="{A4834FA0-7E01-4847-B6FE-C05A5C0E539D}"/>
+                <a16:creationId xmlns:a16="http://schemas.microsoft.com/office/drawing/2014/main" id="{C77DA19E-296D-C043-843B-0791DD000353}"/>
               </a:ext>
             </a:extLst>
           </p:cNvPr>
@@ -5488,7 +5789,32 @@
           <a:p>
             <a:r>
               <a:rPr lang="en-US" dirty="0"/>
-              <a:t>What are we modeling?</a:t>
+              <a:t>Conceptual models</a:t>
+            </a:r>
+          </a:p>
+          <a:p>
+            <a:pPr lvl="1"/>
+            <a:r>
+              <a:rPr lang="en-US" dirty="0"/>
+              <a:t>Variable types, units, relationships</a:t>
+            </a:r>
+          </a:p>
+          <a:p>
+            <a:r>
+              <a:rPr lang="en-US" dirty="0"/>
+              <a:t>Dimensional analysis</a:t>
+            </a:r>
+          </a:p>
+          <a:p>
+            <a:r>
+              <a:rPr lang="en-US" dirty="0"/>
+              <a:t>Deterministic time course models</a:t>
+            </a:r>
+          </a:p>
+          <a:p>
+            <a:r>
+              <a:rPr lang="en-US" dirty="0"/>
+              <a:t>Stochastic time course models</a:t>
             </a:r>
           </a:p>
         </p:txBody>
@@ -5498,7 +5824,7 @@
           <p:cNvPr id="4" name="Slide Number Placeholder 3">
             <a:extLst>
               <a:ext uri="{FF2B5EF4-FFF2-40B4-BE49-F238E27FC236}">
-                <a16:creationId xmlns:a16="http://schemas.microsoft.com/office/drawing/2014/main" id="{F11EF28C-DBBE-6042-8B35-E05C06061405}"/>
+                <a16:creationId xmlns:a16="http://schemas.microsoft.com/office/drawing/2014/main" id="{397ECAA7-CF6B-A946-ADEF-F4CA089C141D}"/>
               </a:ext>
             </a:extLst>
           </p:cNvPr>
@@ -5531,7 +5857,7 @@
     </p:spTree>
     <p:extLst>
       <p:ext uri="{BB962C8B-B14F-4D97-AF65-F5344CB8AC3E}">
-        <p14:creationId xmlns:p14="http://schemas.microsoft.com/office/powerpoint/2010/main" val="56348138"/>
+        <p14:creationId xmlns:p14="http://schemas.microsoft.com/office/powerpoint/2010/main" val="2165151436"/>
       </p:ext>
     </p:extLst>
   </p:cSld>
@@ -5563,7 +5889,7 @@
           <p:cNvPr id="2" name="Title 1">
             <a:extLst>
               <a:ext uri="{FF2B5EF4-FFF2-40B4-BE49-F238E27FC236}">
-                <a16:creationId xmlns:a16="http://schemas.microsoft.com/office/drawing/2014/main" id="{FB916CA3-04BE-6640-9488-801C5C9C169C}"/>
+                <a16:creationId xmlns:a16="http://schemas.microsoft.com/office/drawing/2014/main" id="{06D53802-342F-D74C-80D1-11A5D81B8CC2}"/>
               </a:ext>
             </a:extLst>
           </p:cNvPr>
@@ -5581,7 +5907,7 @@
           <a:p>
             <a:r>
               <a:rPr lang="en-US" dirty="0"/>
-              <a:t>Notes on Example</a:t>
+              <a:t>Refresher</a:t>
             </a:r>
           </a:p>
         </p:txBody>
@@ -5591,7 +5917,7 @@
           <p:cNvPr id="3" name="Content Placeholder 2">
             <a:extLst>
               <a:ext uri="{FF2B5EF4-FFF2-40B4-BE49-F238E27FC236}">
-                <a16:creationId xmlns:a16="http://schemas.microsoft.com/office/drawing/2014/main" id="{535FA1B5-B10F-3448-A2FB-BD328961A207}"/>
+                <a16:creationId xmlns:a16="http://schemas.microsoft.com/office/drawing/2014/main" id="{A4834FA0-7E01-4847-B6FE-C05A5C0E539D}"/>
               </a:ext>
             </a:extLst>
           </p:cNvPr>
@@ -5608,42 +5934,8 @@
           <a:lstStyle/>
           <a:p>
             <a:r>
-              <a:rPr lang="en-US" sz="2800" dirty="0"/>
-              <a:t>Water level management for lakes</a:t>
-            </a:r>
-          </a:p>
-          <a:p>
-            <a:pPr lvl="1"/>
-            <a:r>
-              <a:rPr lang="en-US" sz="2400" dirty="0"/>
-              <a:t>Lower lake provides constant flow output to supply water</a:t>
-            </a:r>
-          </a:p>
-          <a:p>
-            <a:pPr lvl="1"/>
-            <a:r>
-              <a:rPr lang="en-US" sz="2400" dirty="0"/>
-              <a:t>Upper lake is for recreation and emergency resupply</a:t>
-            </a:r>
-          </a:p>
-          <a:p>
-            <a:pPr lvl="1"/>
-            <a:r>
-              <a:rPr lang="en-US" sz="2400" dirty="0"/>
-              <a:t>Both have springs that feed them</a:t>
-            </a:r>
-          </a:p>
-          <a:p>
-            <a:pPr lvl="1"/>
-            <a:r>
-              <a:rPr lang="en-US" sz="2400" dirty="0"/>
-              <a:t>Upper level can feed lower level</a:t>
-            </a:r>
-          </a:p>
-          <a:p>
-            <a:r>
-              <a:rPr lang="en-US" sz="2800" dirty="0"/>
-              <a:t>Objective: Maximize level of upper lake subject to constraint on level in lower lake.</a:t>
+              <a:rPr lang="en-US" dirty="0"/>
+              <a:t>What are we modeling?</a:t>
             </a:r>
           </a:p>
         </p:txBody>
@@ -5653,7 +5945,7 @@
           <p:cNvPr id="4" name="Slide Number Placeholder 3">
             <a:extLst>
               <a:ext uri="{FF2B5EF4-FFF2-40B4-BE49-F238E27FC236}">
-                <a16:creationId xmlns:a16="http://schemas.microsoft.com/office/drawing/2014/main" id="{9B6E5AE1-7D1C-B34B-9D6C-738BF60F0B5F}"/>
+                <a16:creationId xmlns:a16="http://schemas.microsoft.com/office/drawing/2014/main" id="{F11EF28C-DBBE-6042-8B35-E05C06061405}"/>
               </a:ext>
             </a:extLst>
           </p:cNvPr>
@@ -5686,7 +5978,7 @@
     </p:spTree>
     <p:extLst>
       <p:ext uri="{BB962C8B-B14F-4D97-AF65-F5344CB8AC3E}">
-        <p14:creationId xmlns:p14="http://schemas.microsoft.com/office/powerpoint/2010/main" val="2553460119"/>
+        <p14:creationId xmlns:p14="http://schemas.microsoft.com/office/powerpoint/2010/main" val="56348138"/>
       </p:ext>
     </p:extLst>
   </p:cSld>
@@ -7436,7 +7728,7 @@
         </p:nvSpPr>
         <p:spPr>
           <a:xfrm>
-            <a:off x="457200" y="228600"/>
+            <a:off x="914400" y="381000"/>
             <a:ext cx="4724400" cy="838200"/>
           </a:xfrm>
         </p:spPr>
@@ -7446,7 +7738,7 @@
           <a:p>
             <a:r>
               <a:rPr lang="en-US" dirty="0"/>
-              <a:t>System Elements</a:t>
+              <a:t>Element</a:t>
             </a:r>
           </a:p>
         </p:txBody>
@@ -7761,7 +8053,7 @@
         </p:nvSpPr>
         <p:spPr>
           <a:xfrm>
-            <a:off x="228601" y="1295400"/>
+            <a:off x="228601" y="1302603"/>
             <a:ext cx="8534400" cy="830997"/>
           </a:xfrm>
           <a:prstGeom prst="rect">
@@ -7776,12 +8068,8 @@
           <a:lstStyle/>
           <a:p>
             <a:r>
-              <a:rPr lang="en-US" sz="2400" b="1" dirty="0"/>
-              <a:t>Element Abstractions: </a:t>
-            </a:r>
-            <a:r>
               <a:rPr lang="en-US" sz="2400" dirty="0"/>
-              <a:t>Simplified representation of components</a:t>
+              <a:t>Abstraction of a system component as a collection of related variables.</a:t>
             </a:r>
             <a:endParaRPr lang="en-US" sz="2400" b="1" dirty="0"/>
           </a:p>
@@ -7809,8 +8097,8 @@
         </p:blipFill>
         <p:spPr>
           <a:xfrm>
-            <a:off x="2514600" y="2782234"/>
-            <a:ext cx="914400" cy="714931"/>
+            <a:off x="1447799" y="2782235"/>
+            <a:ext cx="778691" cy="608826"/>
           </a:xfrm>
           <a:prstGeom prst="rect">
             <a:avLst/>
@@ -7839,8 +8127,8 @@
         </p:blipFill>
         <p:spPr>
           <a:xfrm>
-            <a:off x="3581400" y="2793157"/>
-            <a:ext cx="553047" cy="1231900"/>
+            <a:off x="2286000" y="2793157"/>
+            <a:ext cx="456500" cy="1016843"/>
           </a:xfrm>
           <a:prstGeom prst="rect">
             <a:avLst/>
@@ -7862,7 +8150,7 @@
         <p:spPr>
           <a:xfrm>
             <a:off x="152400" y="2793157"/>
-            <a:ext cx="2005806" cy="400110"/>
+            <a:ext cx="832279" cy="400110"/>
           </a:xfrm>
           <a:prstGeom prst="rect">
             <a:avLst/>
@@ -7877,7 +8165,7 @@
           <a:p>
             <a:r>
               <a:rPr lang="en-US" sz="2000" b="1" dirty="0"/>
-              <a:t>Water sources</a:t>
+              <a:t>Flow</a:t>
             </a:r>
             <a:r>
               <a:rPr lang="en-US" dirty="0"/>
@@ -7901,7 +8189,7 @@
         <p:spPr>
           <a:xfrm>
             <a:off x="167640" y="4450657"/>
-            <a:ext cx="2318392" cy="400110"/>
+            <a:ext cx="1047338" cy="400110"/>
           </a:xfrm>
           <a:prstGeom prst="rect">
             <a:avLst/>
@@ -7916,7 +8204,7 @@
           <a:p>
             <a:r>
               <a:rPr lang="en-US" sz="2000" b="1" dirty="0"/>
-              <a:t>Water containers</a:t>
+              <a:t>Vessel</a:t>
             </a:r>
             <a:r>
               <a:rPr lang="en-US" dirty="0"/>
@@ -7947,8 +8235,8 @@
         </p:blipFill>
         <p:spPr>
           <a:xfrm>
-            <a:off x="3505200" y="4450657"/>
-            <a:ext cx="877491" cy="654743"/>
+            <a:off x="2209799" y="4450657"/>
+            <a:ext cx="673243" cy="502343"/>
           </a:xfrm>
           <a:prstGeom prst="rect">
             <a:avLst/>
@@ -7977,8 +8265,8 @@
         </p:blipFill>
         <p:spPr>
           <a:xfrm>
-            <a:off x="2438400" y="4450657"/>
-            <a:ext cx="926705" cy="514753"/>
+            <a:off x="1371600" y="4450658"/>
+            <a:ext cx="720314" cy="400110"/>
           </a:xfrm>
           <a:prstGeom prst="rect">
             <a:avLst/>
@@ -8000,7 +8288,7 @@
         <p:spPr>
           <a:xfrm>
             <a:off x="167640" y="5424604"/>
-            <a:ext cx="2084225" cy="400110"/>
+            <a:ext cx="1218603" cy="400110"/>
           </a:xfrm>
           <a:prstGeom prst="rect">
             <a:avLst/>
@@ -8015,7 +8303,7 @@
           <a:p>
             <a:r>
               <a:rPr lang="en-US" sz="2000" b="1" dirty="0"/>
-              <a:t>Pipe with valve</a:t>
+              <a:t>Conduit</a:t>
             </a:r>
             <a:r>
               <a:rPr lang="en-US" dirty="0"/>
@@ -8046,8 +8334,8 @@
         </p:blipFill>
         <p:spPr>
           <a:xfrm flipH="1">
-            <a:off x="2541538" y="5424604"/>
-            <a:ext cx="1486023" cy="671396"/>
+            <a:off x="1474736" y="5424604"/>
+            <a:ext cx="1264633" cy="571370"/>
           </a:xfrm>
           <a:prstGeom prst="rect">
             <a:avLst/>
@@ -8068,7 +8356,7 @@
         </p:nvSpPr>
         <p:spPr>
           <a:xfrm>
-            <a:off x="4800600" y="2154942"/>
+            <a:off x="3606445" y="2154942"/>
             <a:ext cx="1310230" cy="400110"/>
           </a:xfrm>
           <a:prstGeom prst="rect">
@@ -8104,7 +8392,7 @@
         </p:nvSpPr>
         <p:spPr>
           <a:xfrm>
-            <a:off x="7098933" y="2154942"/>
+            <a:off x="6870333" y="2154942"/>
             <a:ext cx="825867" cy="400110"/>
           </a:xfrm>
           <a:prstGeom prst="rect">
@@ -8140,8 +8428,8 @@
         </p:nvSpPr>
         <p:spPr>
           <a:xfrm>
-            <a:off x="4648200" y="2819400"/>
-            <a:ext cx="1561646" cy="400110"/>
+            <a:off x="3454045" y="2819400"/>
+            <a:ext cx="1819729" cy="400110"/>
           </a:xfrm>
           <a:prstGeom prst="rect">
             <a:avLst/>
@@ -8155,12 +8443,11 @@
           <a:lstStyle/>
           <a:p>
             <a:r>
-              <a:rPr lang="en-US" sz="2000" i="1" dirty="0" err="1"/>
-              <a:t>f</a:t>
-            </a:r>
-            <a:r>
-              <a:rPr lang="en-US" sz="2000" i="1" baseline="-25000" dirty="0" err="1"/>
-              <a:t>O</a:t>
+              <a:rPr lang="en-US" sz="2000" dirty="0">
+                <a:latin typeface="Courier New" panose="02070309020205020404" pitchFamily="49" charset="0"/>
+                <a:cs typeface="Courier New" panose="02070309020205020404" pitchFamily="49" charset="0"/>
+              </a:rPr>
+              <a:t>out</a:t>
             </a:r>
             <a:r>
               <a:rPr lang="en-US" sz="2000" i="1" dirty="0"/>
@@ -8188,8 +8475,8 @@
         </p:nvSpPr>
         <p:spPr>
           <a:xfrm>
-            <a:off x="4663913" y="4114800"/>
-            <a:ext cx="1391728" cy="400110"/>
+            <a:off x="3454045" y="4248090"/>
+            <a:ext cx="1510350" cy="400110"/>
           </a:xfrm>
           <a:prstGeom prst="rect">
             <a:avLst/>
@@ -8203,24 +8490,23 @@
           <a:lstStyle/>
           <a:p>
             <a:r>
-              <a:rPr lang="en-US" sz="2000" i="1" dirty="0" err="1"/>
-              <a:t>f</a:t>
-            </a:r>
-            <a:r>
-              <a:rPr lang="en-US" sz="2000" i="1" baseline="-25000" dirty="0" err="1"/>
-              <a:t>I</a:t>
+              <a:rPr lang="en-US" sz="2000" dirty="0">
+                <a:latin typeface="Courier New" panose="02070309020205020404" pitchFamily="49" charset="0"/>
+                <a:cs typeface="Courier New" panose="02070309020205020404" pitchFamily="49" charset="0"/>
+              </a:rPr>
+              <a:t>in</a:t>
+            </a:r>
+            <a:r>
+              <a:rPr lang="en-US" sz="2000" dirty="0"/>
+              <a:t> </a:t>
             </a:r>
             <a:r>
               <a:rPr lang="en-US" sz="2000" i="1" dirty="0"/>
-              <a:t> = </a:t>
+              <a:t>= </a:t>
             </a:r>
             <a:r>
               <a:rPr lang="en-US" sz="2000" dirty="0"/>
-              <a:t>flow </a:t>
-            </a:r>
-            <a:r>
-              <a:rPr lang="en-US" sz="2000" dirty="0" err="1"/>
-              <a:t>int</a:t>
+              <a:t>flow in</a:t>
             </a:r>
             <a:endParaRPr lang="en-US" sz="2000" i="1" dirty="0"/>
           </a:p>
@@ -8240,8 +8526,8 @@
         </p:nvSpPr>
         <p:spPr>
           <a:xfrm>
-            <a:off x="4663913" y="4572000"/>
-            <a:ext cx="1561646" cy="400110"/>
+            <a:off x="3454045" y="4572000"/>
+            <a:ext cx="1819729" cy="400110"/>
           </a:xfrm>
           <a:prstGeom prst="rect">
             <a:avLst/>
@@ -8255,16 +8541,19 @@
           <a:lstStyle/>
           <a:p>
             <a:r>
-              <a:rPr lang="en-US" sz="2000" i="1" dirty="0" err="1"/>
-              <a:t>f</a:t>
-            </a:r>
-            <a:r>
-              <a:rPr lang="en-US" sz="2000" i="1" baseline="-25000" dirty="0" err="1"/>
-              <a:t>O</a:t>
+              <a:rPr lang="en-US" sz="2000" dirty="0">
+                <a:latin typeface="Courier New" panose="02070309020205020404" pitchFamily="49" charset="0"/>
+                <a:cs typeface="Courier New" panose="02070309020205020404" pitchFamily="49" charset="0"/>
+              </a:rPr>
+              <a:t>out</a:t>
+            </a:r>
+            <a:r>
+              <a:rPr lang="en-US" sz="2000" dirty="0"/>
+              <a:t> </a:t>
             </a:r>
             <a:r>
               <a:rPr lang="en-US" sz="2000" i="1" dirty="0"/>
-              <a:t> = </a:t>
+              <a:t>= </a:t>
             </a:r>
             <a:r>
               <a:rPr lang="en-US" sz="2000" dirty="0"/>
@@ -8288,8 +8577,8 @@
         </p:nvSpPr>
         <p:spPr>
           <a:xfrm>
-            <a:off x="4663913" y="4957465"/>
-            <a:ext cx="1316386" cy="400110"/>
+            <a:off x="3454045" y="4876800"/>
+            <a:ext cx="2794355" cy="400110"/>
           </a:xfrm>
           <a:prstGeom prst="rect">
             <a:avLst/>
@@ -8303,8 +8592,23 @@
           <a:lstStyle/>
           <a:p>
             <a:r>
+              <a:rPr lang="en-US" sz="2000" dirty="0">
+                <a:latin typeface="Courier New" panose="02070309020205020404" pitchFamily="49" charset="0"/>
+                <a:cs typeface="Courier New" panose="02070309020205020404" pitchFamily="49" charset="0"/>
+              </a:rPr>
+              <a:t>height</a:t>
+            </a:r>
+            <a:r>
               <a:rPr lang="en-US" sz="2000" i="1" dirty="0"/>
-              <a:t>h = </a:t>
+              <a:t> = </a:t>
+            </a:r>
+            <a:r>
+              <a:rPr lang="en-US" sz="2000" dirty="0"/>
+              <a:t>water</a:t>
+            </a:r>
+            <a:r>
+              <a:rPr lang="en-US" sz="2000" i="1" dirty="0"/>
+              <a:t> </a:t>
             </a:r>
             <a:r>
               <a:rPr lang="en-US" sz="2000" dirty="0"/>
@@ -8328,8 +8632,8 @@
         </p:nvSpPr>
         <p:spPr>
           <a:xfrm>
-            <a:off x="4648200" y="5772090"/>
-            <a:ext cx="1571264" cy="400110"/>
+            <a:off x="3454045" y="6076890"/>
+            <a:ext cx="3106941" cy="400110"/>
           </a:xfrm>
           <a:prstGeom prst="rect">
             <a:avLst/>
@@ -8343,12 +8647,11 @@
           <a:lstStyle/>
           <a:p>
             <a:r>
-              <a:rPr lang="en-US" sz="2000" i="1" dirty="0" err="1"/>
-              <a:t>f</a:t>
-            </a:r>
-            <a:r>
-              <a:rPr lang="en-US" sz="2000" i="1" baseline="-25000" dirty="0" err="1"/>
-              <a:t>S</a:t>
+              <a:rPr lang="en-US" sz="2000" dirty="0">
+                <a:latin typeface="Courier New" panose="02070309020205020404" pitchFamily="49" charset="0"/>
+                <a:cs typeface="Courier New" panose="02070309020205020404" pitchFamily="49" charset="0"/>
+              </a:rPr>
+              <a:t>setting</a:t>
             </a:r>
             <a:r>
               <a:rPr lang="en-US" sz="2000" i="1" dirty="0"/>
@@ -8356,7 +8659,7 @@
             </a:r>
             <a:r>
               <a:rPr lang="en-US" sz="2000" dirty="0"/>
-              <a:t>Set flow</a:t>
+              <a:t>valve position</a:t>
             </a:r>
             <a:endParaRPr lang="en-US" sz="2000" i="1" dirty="0"/>
           </a:p>
@@ -8560,7 +8863,7 @@
         </p:nvSpPr>
         <p:spPr>
           <a:xfrm>
-            <a:off x="6451893" y="5752980"/>
+            <a:off x="6451893" y="5695890"/>
             <a:ext cx="2234907" cy="400110"/>
           </a:xfrm>
           <a:prstGeom prst="rect">
@@ -8594,10 +8897,3974 @@
           </a:p>
         </p:txBody>
       </p:sp>
+      <p:sp>
+        <p:nvSpPr>
+          <p:cNvPr id="46" name="TextBox 45">
+            <a:extLst>
+              <a:ext uri="{FF2B5EF4-FFF2-40B4-BE49-F238E27FC236}">
+                <a16:creationId xmlns:a16="http://schemas.microsoft.com/office/drawing/2014/main" id="{1186715B-F512-D54A-8032-012FB8737A10}"/>
+              </a:ext>
+            </a:extLst>
+          </p:cNvPr>
+          <p:cNvSpPr txBox="1"/>
+          <p:nvPr/>
+        </p:nvSpPr>
+        <p:spPr>
+          <a:xfrm>
+            <a:off x="3454045" y="5467290"/>
+            <a:ext cx="1510350" cy="400110"/>
+          </a:xfrm>
+          <a:prstGeom prst="rect">
+            <a:avLst/>
+          </a:prstGeom>
+          <a:noFill/>
+        </p:spPr>
+        <p:txBody>
+          <a:bodyPr wrap="none" rtlCol="0">
+            <a:spAutoFit/>
+          </a:bodyPr>
+          <a:lstStyle/>
+          <a:p>
+            <a:r>
+              <a:rPr lang="en-US" sz="2000" dirty="0">
+                <a:latin typeface="Courier New" panose="02070309020205020404" pitchFamily="49" charset="0"/>
+                <a:cs typeface="Courier New" panose="02070309020205020404" pitchFamily="49" charset="0"/>
+              </a:rPr>
+              <a:t>in</a:t>
+            </a:r>
+            <a:r>
+              <a:rPr lang="en-US" sz="2000" dirty="0"/>
+              <a:t> </a:t>
+            </a:r>
+            <a:r>
+              <a:rPr lang="en-US" sz="2000" i="1" dirty="0"/>
+              <a:t>= </a:t>
+            </a:r>
+            <a:r>
+              <a:rPr lang="en-US" sz="2000" dirty="0"/>
+              <a:t>flow in</a:t>
+            </a:r>
+            <a:endParaRPr lang="en-US" sz="2000" i="1" dirty="0"/>
+          </a:p>
+        </p:txBody>
+      </p:sp>
+      <p:sp>
+        <p:nvSpPr>
+          <p:cNvPr id="47" name="TextBox 46">
+            <a:extLst>
+              <a:ext uri="{FF2B5EF4-FFF2-40B4-BE49-F238E27FC236}">
+                <a16:creationId xmlns:a16="http://schemas.microsoft.com/office/drawing/2014/main" id="{E32F62A5-F93B-8441-8E18-5446B7870259}"/>
+              </a:ext>
+            </a:extLst>
+          </p:cNvPr>
+          <p:cNvSpPr txBox="1"/>
+          <p:nvPr/>
+        </p:nvSpPr>
+        <p:spPr>
+          <a:xfrm>
+            <a:off x="3454045" y="5772090"/>
+            <a:ext cx="1819729" cy="400110"/>
+          </a:xfrm>
+          <a:prstGeom prst="rect">
+            <a:avLst/>
+          </a:prstGeom>
+          <a:noFill/>
+        </p:spPr>
+        <p:txBody>
+          <a:bodyPr wrap="none" rtlCol="0">
+            <a:spAutoFit/>
+          </a:bodyPr>
+          <a:lstStyle/>
+          <a:p>
+            <a:r>
+              <a:rPr lang="en-US" sz="2000" dirty="0">
+                <a:latin typeface="Courier New" panose="02070309020205020404" pitchFamily="49" charset="0"/>
+                <a:cs typeface="Courier New" panose="02070309020205020404" pitchFamily="49" charset="0"/>
+              </a:rPr>
+              <a:t>out</a:t>
+            </a:r>
+            <a:r>
+              <a:rPr lang="en-US" sz="2000" dirty="0"/>
+              <a:t> </a:t>
+            </a:r>
+            <a:r>
+              <a:rPr lang="en-US" sz="2000" i="1" dirty="0"/>
+              <a:t>= </a:t>
+            </a:r>
+            <a:r>
+              <a:rPr lang="en-US" sz="2000" dirty="0"/>
+              <a:t>flow out</a:t>
+            </a:r>
+            <a:endParaRPr lang="en-US" sz="2000" i="1" dirty="0"/>
+          </a:p>
+        </p:txBody>
+      </p:sp>
+      <p:sp>
+        <p:nvSpPr>
+          <p:cNvPr id="9" name="TextBox 8">
+            <a:extLst>
+              <a:ext uri="{FF2B5EF4-FFF2-40B4-BE49-F238E27FC236}">
+                <a16:creationId xmlns:a16="http://schemas.microsoft.com/office/drawing/2014/main" id="{453FA0EB-0330-A747-A9B3-BB52E1A17F90}"/>
+              </a:ext>
+            </a:extLst>
+          </p:cNvPr>
+          <p:cNvSpPr txBox="1"/>
+          <p:nvPr/>
+        </p:nvSpPr>
+        <p:spPr>
+          <a:xfrm>
+            <a:off x="1918077" y="2438400"/>
+            <a:ext cx="748923" cy="369332"/>
+          </a:xfrm>
+          <a:prstGeom prst="rect">
+            <a:avLst/>
+          </a:prstGeom>
+          <a:noFill/>
+        </p:spPr>
+        <p:txBody>
+          <a:bodyPr wrap="none" rtlCol="0">
+            <a:spAutoFit/>
+          </a:bodyPr>
+          <a:lstStyle/>
+          <a:p>
+            <a:r>
+              <a:rPr lang="en-US" dirty="0"/>
+              <a:t>rivers</a:t>
+            </a:r>
+          </a:p>
+        </p:txBody>
+      </p:sp>
+      <p:sp>
+        <p:nvSpPr>
+          <p:cNvPr id="48" name="TextBox 47">
+            <a:extLst>
+              <a:ext uri="{FF2B5EF4-FFF2-40B4-BE49-F238E27FC236}">
+                <a16:creationId xmlns:a16="http://schemas.microsoft.com/office/drawing/2014/main" id="{AFE5BBFF-C5E0-C449-B2F0-426515ACF7FA}"/>
+              </a:ext>
+            </a:extLst>
+          </p:cNvPr>
+          <p:cNvSpPr txBox="1"/>
+          <p:nvPr/>
+        </p:nvSpPr>
+        <p:spPr>
+          <a:xfrm>
+            <a:off x="1371600" y="4126468"/>
+            <a:ext cx="607859" cy="369332"/>
+          </a:xfrm>
+          <a:prstGeom prst="rect">
+            <a:avLst/>
+          </a:prstGeom>
+          <a:noFill/>
+        </p:spPr>
+        <p:txBody>
+          <a:bodyPr wrap="none" rtlCol="0">
+            <a:spAutoFit/>
+          </a:bodyPr>
+          <a:lstStyle/>
+          <a:p>
+            <a:r>
+              <a:rPr lang="en-US" dirty="0"/>
+              <a:t>lake</a:t>
+            </a:r>
+          </a:p>
+        </p:txBody>
+      </p:sp>
+      <p:sp>
+        <p:nvSpPr>
+          <p:cNvPr id="49" name="TextBox 48">
+            <a:extLst>
+              <a:ext uri="{FF2B5EF4-FFF2-40B4-BE49-F238E27FC236}">
+                <a16:creationId xmlns:a16="http://schemas.microsoft.com/office/drawing/2014/main" id="{E3B58FFE-58E0-3E49-A732-E3EC76D3017E}"/>
+              </a:ext>
+            </a:extLst>
+          </p:cNvPr>
+          <p:cNvSpPr txBox="1"/>
+          <p:nvPr/>
+        </p:nvSpPr>
+        <p:spPr>
+          <a:xfrm>
+            <a:off x="2209800" y="4126468"/>
+            <a:ext cx="633507" cy="369332"/>
+          </a:xfrm>
+          <a:prstGeom prst="rect">
+            <a:avLst/>
+          </a:prstGeom>
+          <a:noFill/>
+        </p:spPr>
+        <p:txBody>
+          <a:bodyPr wrap="none" rtlCol="0">
+            <a:spAutoFit/>
+          </a:bodyPr>
+          <a:lstStyle/>
+          <a:p>
+            <a:r>
+              <a:rPr lang="en-US" dirty="0"/>
+              <a:t>dam</a:t>
+            </a:r>
+          </a:p>
+        </p:txBody>
+      </p:sp>
+      <p:sp>
+        <p:nvSpPr>
+          <p:cNvPr id="50" name="TextBox 49">
+            <a:extLst>
+              <a:ext uri="{FF2B5EF4-FFF2-40B4-BE49-F238E27FC236}">
+                <a16:creationId xmlns:a16="http://schemas.microsoft.com/office/drawing/2014/main" id="{219476D6-591C-CC4A-AA0D-804FC52E6442}"/>
+              </a:ext>
+            </a:extLst>
+          </p:cNvPr>
+          <p:cNvSpPr txBox="1"/>
+          <p:nvPr/>
+        </p:nvSpPr>
+        <p:spPr>
+          <a:xfrm>
+            <a:off x="1731757" y="5055272"/>
+            <a:ext cx="620683" cy="369332"/>
+          </a:xfrm>
+          <a:prstGeom prst="rect">
+            <a:avLst/>
+          </a:prstGeom>
+          <a:noFill/>
+        </p:spPr>
+        <p:txBody>
+          <a:bodyPr wrap="none" rtlCol="0">
+            <a:spAutoFit/>
+          </a:bodyPr>
+          <a:lstStyle/>
+          <a:p>
+            <a:r>
+              <a:rPr lang="en-US" dirty="0"/>
+              <a:t>pipe</a:t>
+            </a:r>
+          </a:p>
+        </p:txBody>
+      </p:sp>
+      <p:sp>
+        <p:nvSpPr>
+          <p:cNvPr id="51" name="TextBox 50">
+            <a:extLst>
+              <a:ext uri="{FF2B5EF4-FFF2-40B4-BE49-F238E27FC236}">
+                <a16:creationId xmlns:a16="http://schemas.microsoft.com/office/drawing/2014/main" id="{34257216-BB5C-2A4F-B628-833941B4BDB6}"/>
+              </a:ext>
+            </a:extLst>
+          </p:cNvPr>
+          <p:cNvSpPr txBox="1"/>
+          <p:nvPr/>
+        </p:nvSpPr>
+        <p:spPr>
+          <a:xfrm>
+            <a:off x="6451893" y="5410200"/>
+            <a:ext cx="2234907" cy="400110"/>
+          </a:xfrm>
+          <a:prstGeom prst="rect">
+            <a:avLst/>
+          </a:prstGeom>
+          <a:noFill/>
+        </p:spPr>
+        <p:txBody>
+          <a:bodyPr wrap="none" rtlCol="0">
+            <a:spAutoFit/>
+          </a:bodyPr>
+          <a:lstStyle/>
+          <a:p>
+            <a:r>
+              <a:rPr lang="en-US" sz="2000" i="1" dirty="0"/>
+              <a:t>m</a:t>
+            </a:r>
+            <a:r>
+              <a:rPr lang="en-US" sz="2000" i="1" baseline="30000" dirty="0"/>
+              <a:t>3</a:t>
+            </a:r>
+            <a:r>
+              <a:rPr lang="en-US" sz="2000" i="1" dirty="0"/>
+              <a:t> = </a:t>
+            </a:r>
+            <a:r>
+              <a:rPr lang="en-US" sz="2000" dirty="0"/>
+              <a:t>cubic meters</a:t>
+            </a:r>
+            <a:endParaRPr lang="en-US" sz="2000" i="1" dirty="0"/>
+          </a:p>
+        </p:txBody>
+      </p:sp>
+      <mc:AlternateContent xmlns:mc="http://schemas.openxmlformats.org/markup-compatibility/2006">
+        <mc:Choice xmlns:a14="http://schemas.microsoft.com/office/drawing/2010/main" Requires="a14">
+          <p:sp>
+            <p:nvSpPr>
+              <p:cNvPr id="52" name="TextBox 51">
+                <a:extLst>
+                  <a:ext uri="{FF2B5EF4-FFF2-40B4-BE49-F238E27FC236}">
+                    <a16:creationId xmlns:a16="http://schemas.microsoft.com/office/drawing/2014/main" id="{98BB6B28-B939-1943-8D2B-7FD332A238B5}"/>
+                  </a:ext>
+                </a:extLst>
+              </p:cNvPr>
+              <p:cNvSpPr txBox="1"/>
+              <p:nvPr/>
+            </p:nvSpPr>
+            <p:spPr>
+              <a:xfrm>
+                <a:off x="6451893" y="6019800"/>
+                <a:ext cx="1576072" cy="400110"/>
+              </a:xfrm>
+              <a:prstGeom prst="rect">
+                <a:avLst/>
+              </a:prstGeom>
+              <a:noFill/>
+            </p:spPr>
+            <p:txBody>
+              <a:bodyPr wrap="none" rtlCol="0">
+                <a:spAutoFit/>
+              </a:bodyPr>
+              <a:lstStyle/>
+              <a:p>
+                <a:r>
+                  <a:rPr lang="en-US" sz="2000" i="1" dirty="0"/>
+                  <a:t> </a:t>
+                </a:r>
+                <a14:m>
+                  <m:oMath xmlns:m="http://schemas.openxmlformats.org/officeDocument/2006/math">
+                    <m:r>
+                      <a:rPr lang="en-US" sz="2000" b="0" i="1" smtClean="0">
+                        <a:latin typeface="Cambria Math" panose="02040503050406030204" pitchFamily="18" charset="0"/>
+                      </a:rPr>
+                      <m:t>∅</m:t>
+                    </m:r>
+                  </m:oMath>
+                </a14:m>
+                <a:r>
+                  <a:rPr lang="en-US" sz="2000" i="1" dirty="0"/>
+                  <a:t> = </a:t>
+                </a:r>
+                <a:r>
+                  <a:rPr lang="en-US" sz="2000" dirty="0" err="1"/>
+                  <a:t>unitless</a:t>
+                </a:r>
+                <a:endParaRPr lang="en-US" sz="2000" i="1" dirty="0"/>
+              </a:p>
+            </p:txBody>
+          </p:sp>
+        </mc:Choice>
+        <mc:Fallback>
+          <p:sp>
+            <p:nvSpPr>
+              <p:cNvPr id="52" name="TextBox 51">
+                <a:extLst>
+                  <a:ext uri="{FF2B5EF4-FFF2-40B4-BE49-F238E27FC236}">
+                    <a16:creationId xmlns:a16="http://schemas.microsoft.com/office/drawing/2014/main" id="{98BB6B28-B939-1943-8D2B-7FD332A238B5}"/>
+                  </a:ext>
+                </a:extLst>
+              </p:cNvPr>
+              <p:cNvSpPr txBox="1">
+                <a:spLocks noRot="1" noChangeAspect="1" noMove="1" noResize="1" noEditPoints="1" noAdjustHandles="1" noChangeArrowheads="1" noChangeShapeType="1" noTextEdit="1"/>
+              </p:cNvSpPr>
+              <p:nvPr/>
+            </p:nvSpPr>
+            <p:spPr>
+              <a:xfrm>
+                <a:off x="6451893" y="6019800"/>
+                <a:ext cx="1576072" cy="400110"/>
+              </a:xfrm>
+              <a:prstGeom prst="rect">
+                <a:avLst/>
+              </a:prstGeom>
+              <a:blipFill>
+                <a:blip r:embed="rId8"/>
+                <a:stretch>
+                  <a:fillRect t="-6061" r="-3200" b="-21212"/>
+                </a:stretch>
+              </a:blipFill>
+            </p:spPr>
+            <p:txBody>
+              <a:bodyPr/>
+              <a:lstStyle/>
+              <a:p>
+                <a:r>
+                  <a:rPr lang="en-US">
+                    <a:noFill/>
+                  </a:rPr>
+                  <a:t> </a:t>
+                </a:r>
+              </a:p>
+            </p:txBody>
+          </p:sp>
+        </mc:Fallback>
+      </mc:AlternateContent>
     </p:spTree>
     <p:extLst>
       <p:ext uri="{BB962C8B-B14F-4D97-AF65-F5344CB8AC3E}">
         <p14:creationId xmlns:p14="http://schemas.microsoft.com/office/powerpoint/2010/main" val="3881872036"/>
+      </p:ext>
+    </p:extLst>
+  </p:cSld>
+  <p:clrMapOvr>
+    <a:masterClrMapping/>
+  </p:clrMapOvr>
+  <p:timing>
+    <p:tnLst>
+      <p:par>
+        <p:cTn id="1" dur="indefinite" restart="never" nodeType="tmRoot">
+          <p:childTnLst>
+            <p:seq concurrent="1" nextAc="seek">
+              <p:cTn id="2" dur="indefinite" nodeType="mainSeq">
+                <p:childTnLst>
+                  <p:par>
+                    <p:cTn id="3" fill="hold">
+                      <p:stCondLst>
+                        <p:cond delay="indefinite"/>
+                      </p:stCondLst>
+                      <p:childTnLst>
+                        <p:par>
+                          <p:cTn id="4" fill="hold">
+                            <p:stCondLst>
+                              <p:cond delay="0"/>
+                            </p:stCondLst>
+                            <p:childTnLst>
+                              <p:par>
+                                <p:cTn id="5" presetID="1" presetClass="entr" presetSubtype="0" fill="hold" nodeType="clickEffect">
+                                  <p:stCondLst>
+                                    <p:cond delay="0"/>
+                                  </p:stCondLst>
+                                  <p:childTnLst>
+                                    <p:set>
+                                      <p:cBhvr>
+                                        <p:cTn id="6" dur="1" fill="hold">
+                                          <p:stCondLst>
+                                            <p:cond delay="0"/>
+                                          </p:stCondLst>
+                                        </p:cTn>
+                                        <p:tgtEl>
+                                          <p:spTgt spid="19"/>
+                                        </p:tgtEl>
+                                        <p:attrNameLst>
+                                          <p:attrName>style.visibility</p:attrName>
+                                        </p:attrNameLst>
+                                      </p:cBhvr>
+                                      <p:to>
+                                        <p:strVal val="visible"/>
+                                      </p:to>
+                                    </p:set>
+                                  </p:childTnLst>
+                                </p:cTn>
+                              </p:par>
+                              <p:par>
+                                <p:cTn id="7" presetID="1" presetClass="entr" presetSubtype="0" fill="hold" nodeType="withEffect">
+                                  <p:stCondLst>
+                                    <p:cond delay="0"/>
+                                  </p:stCondLst>
+                                  <p:childTnLst>
+                                    <p:set>
+                                      <p:cBhvr>
+                                        <p:cTn id="8" dur="1" fill="hold">
+                                          <p:stCondLst>
+                                            <p:cond delay="0"/>
+                                          </p:stCondLst>
+                                        </p:cTn>
+                                        <p:tgtEl>
+                                          <p:spTgt spid="20"/>
+                                        </p:tgtEl>
+                                        <p:attrNameLst>
+                                          <p:attrName>style.visibility</p:attrName>
+                                        </p:attrNameLst>
+                                      </p:cBhvr>
+                                      <p:to>
+                                        <p:strVal val="visible"/>
+                                      </p:to>
+                                    </p:set>
+                                  </p:childTnLst>
+                                </p:cTn>
+                              </p:par>
+                              <p:par>
+                                <p:cTn id="9" presetID="1" presetClass="entr" presetSubtype="0" fill="hold" grpId="0" nodeType="withEffect">
+                                  <p:stCondLst>
+                                    <p:cond delay="0"/>
+                                  </p:stCondLst>
+                                  <p:childTnLst>
+                                    <p:set>
+                                      <p:cBhvr>
+                                        <p:cTn id="10" dur="1" fill="hold">
+                                          <p:stCondLst>
+                                            <p:cond delay="0"/>
+                                          </p:stCondLst>
+                                        </p:cTn>
+                                        <p:tgtEl>
+                                          <p:spTgt spid="6"/>
+                                        </p:tgtEl>
+                                        <p:attrNameLst>
+                                          <p:attrName>style.visibility</p:attrName>
+                                        </p:attrNameLst>
+                                      </p:cBhvr>
+                                      <p:to>
+                                        <p:strVal val="visible"/>
+                                      </p:to>
+                                    </p:set>
+                                  </p:childTnLst>
+                                </p:cTn>
+                              </p:par>
+                              <p:par>
+                                <p:cTn id="11" presetID="1" presetClass="entr" presetSubtype="0" fill="hold" grpId="0" nodeType="withEffect">
+                                  <p:stCondLst>
+                                    <p:cond delay="0"/>
+                                  </p:stCondLst>
+                                  <p:childTnLst>
+                                    <p:set>
+                                      <p:cBhvr>
+                                        <p:cTn id="12" dur="1" fill="hold">
+                                          <p:stCondLst>
+                                            <p:cond delay="0"/>
+                                          </p:stCondLst>
+                                        </p:cTn>
+                                        <p:tgtEl>
+                                          <p:spTgt spid="9"/>
+                                        </p:tgtEl>
+                                        <p:attrNameLst>
+                                          <p:attrName>style.visibility</p:attrName>
+                                        </p:attrNameLst>
+                                      </p:cBhvr>
+                                      <p:to>
+                                        <p:strVal val="visible"/>
+                                      </p:to>
+                                    </p:set>
+                                  </p:childTnLst>
+                                </p:cTn>
+                              </p:par>
+                            </p:childTnLst>
+                          </p:cTn>
+                        </p:par>
+                      </p:childTnLst>
+                    </p:cTn>
+                  </p:par>
+                  <p:par>
+                    <p:cTn id="13" fill="hold">
+                      <p:stCondLst>
+                        <p:cond delay="indefinite"/>
+                      </p:stCondLst>
+                      <p:childTnLst>
+                        <p:par>
+                          <p:cTn id="14" fill="hold">
+                            <p:stCondLst>
+                              <p:cond delay="0"/>
+                            </p:stCondLst>
+                            <p:childTnLst>
+                              <p:par>
+                                <p:cTn id="15" presetID="1" presetClass="entr" presetSubtype="0" fill="hold" grpId="0" nodeType="clickEffect">
+                                  <p:stCondLst>
+                                    <p:cond delay="0"/>
+                                  </p:stCondLst>
+                                  <p:childTnLst>
+                                    <p:set>
+                                      <p:cBhvr>
+                                        <p:cTn id="16" dur="1" fill="hold">
+                                          <p:stCondLst>
+                                            <p:cond delay="0"/>
+                                          </p:stCondLst>
+                                        </p:cTn>
+                                        <p:tgtEl>
+                                          <p:spTgt spid="35"/>
+                                        </p:tgtEl>
+                                        <p:attrNameLst>
+                                          <p:attrName>style.visibility</p:attrName>
+                                        </p:attrNameLst>
+                                      </p:cBhvr>
+                                      <p:to>
+                                        <p:strVal val="visible"/>
+                                      </p:to>
+                                    </p:set>
+                                  </p:childTnLst>
+                                </p:cTn>
+                              </p:par>
+                              <p:par>
+                                <p:cTn id="17" presetID="1" presetClass="entr" presetSubtype="0" fill="hold" grpId="0" nodeType="withEffect">
+                                  <p:stCondLst>
+                                    <p:cond delay="0"/>
+                                  </p:stCondLst>
+                                  <p:childTnLst>
+                                    <p:set>
+                                      <p:cBhvr>
+                                        <p:cTn id="18" dur="1" fill="hold">
+                                          <p:stCondLst>
+                                            <p:cond delay="0"/>
+                                          </p:stCondLst>
+                                        </p:cTn>
+                                        <p:tgtEl>
+                                          <p:spTgt spid="7"/>
+                                        </p:tgtEl>
+                                        <p:attrNameLst>
+                                          <p:attrName>style.visibility</p:attrName>
+                                        </p:attrNameLst>
+                                      </p:cBhvr>
+                                      <p:to>
+                                        <p:strVal val="visible"/>
+                                      </p:to>
+                                    </p:set>
+                                  </p:childTnLst>
+                                </p:cTn>
+                              </p:par>
+                            </p:childTnLst>
+                          </p:cTn>
+                        </p:par>
+                      </p:childTnLst>
+                    </p:cTn>
+                  </p:par>
+                  <p:par>
+                    <p:cTn id="19" fill="hold">
+                      <p:stCondLst>
+                        <p:cond delay="indefinite"/>
+                      </p:stCondLst>
+                      <p:childTnLst>
+                        <p:par>
+                          <p:cTn id="20" fill="hold">
+                            <p:stCondLst>
+                              <p:cond delay="0"/>
+                            </p:stCondLst>
+                            <p:childTnLst>
+                              <p:par>
+                                <p:cTn id="21" presetID="1" presetClass="entr" presetSubtype="0" fill="hold" grpId="0" nodeType="clickEffect">
+                                  <p:stCondLst>
+                                    <p:cond delay="0"/>
+                                  </p:stCondLst>
+                                  <p:childTnLst>
+                                    <p:set>
+                                      <p:cBhvr>
+                                        <p:cTn id="22" dur="1" fill="hold">
+                                          <p:stCondLst>
+                                            <p:cond delay="0"/>
+                                          </p:stCondLst>
+                                        </p:cTn>
+                                        <p:tgtEl>
+                                          <p:spTgt spid="36"/>
+                                        </p:tgtEl>
+                                        <p:attrNameLst>
+                                          <p:attrName>style.visibility</p:attrName>
+                                        </p:attrNameLst>
+                                      </p:cBhvr>
+                                      <p:to>
+                                        <p:strVal val="visible"/>
+                                      </p:to>
+                                    </p:set>
+                                  </p:childTnLst>
+                                </p:cTn>
+                              </p:par>
+                              <p:par>
+                                <p:cTn id="23" presetID="1" presetClass="entr" presetSubtype="0" fill="hold" grpId="0" nodeType="withEffect">
+                                  <p:stCondLst>
+                                    <p:cond delay="0"/>
+                                  </p:stCondLst>
+                                  <p:childTnLst>
+                                    <p:set>
+                                      <p:cBhvr>
+                                        <p:cTn id="24" dur="1" fill="hold">
+                                          <p:stCondLst>
+                                            <p:cond delay="0"/>
+                                          </p:stCondLst>
+                                        </p:cTn>
+                                        <p:tgtEl>
+                                          <p:spTgt spid="42"/>
+                                        </p:tgtEl>
+                                        <p:attrNameLst>
+                                          <p:attrName>style.visibility</p:attrName>
+                                        </p:attrNameLst>
+                                      </p:cBhvr>
+                                      <p:to>
+                                        <p:strVal val="visible"/>
+                                      </p:to>
+                                    </p:set>
+                                  </p:childTnLst>
+                                </p:cTn>
+                              </p:par>
+                            </p:childTnLst>
+                          </p:cTn>
+                        </p:par>
+                      </p:childTnLst>
+                    </p:cTn>
+                  </p:par>
+                  <p:par>
+                    <p:cTn id="25" fill="hold">
+                      <p:stCondLst>
+                        <p:cond delay="indefinite"/>
+                      </p:stCondLst>
+                      <p:childTnLst>
+                        <p:par>
+                          <p:cTn id="26" fill="hold">
+                            <p:stCondLst>
+                              <p:cond delay="0"/>
+                            </p:stCondLst>
+                            <p:childTnLst>
+                              <p:par>
+                                <p:cTn id="27" presetID="1" presetClass="entr" presetSubtype="0" fill="hold" grpId="0" nodeType="clickEffect">
+                                  <p:stCondLst>
+                                    <p:cond delay="0"/>
+                                  </p:stCondLst>
+                                  <p:childTnLst>
+                                    <p:set>
+                                      <p:cBhvr>
+                                        <p:cTn id="28" dur="1" fill="hold">
+                                          <p:stCondLst>
+                                            <p:cond delay="0"/>
+                                          </p:stCondLst>
+                                        </p:cTn>
+                                        <p:tgtEl>
+                                          <p:spTgt spid="22"/>
+                                        </p:tgtEl>
+                                        <p:attrNameLst>
+                                          <p:attrName>style.visibility</p:attrName>
+                                        </p:attrNameLst>
+                                      </p:cBhvr>
+                                      <p:to>
+                                        <p:strVal val="visible"/>
+                                      </p:to>
+                                    </p:set>
+                                  </p:childTnLst>
+                                </p:cTn>
+                              </p:par>
+                              <p:par>
+                                <p:cTn id="29" presetID="1" presetClass="entr" presetSubtype="0" fill="hold" nodeType="withEffect">
+                                  <p:stCondLst>
+                                    <p:cond delay="0"/>
+                                  </p:stCondLst>
+                                  <p:childTnLst>
+                                    <p:set>
+                                      <p:cBhvr>
+                                        <p:cTn id="30" dur="1" fill="hold">
+                                          <p:stCondLst>
+                                            <p:cond delay="0"/>
+                                          </p:stCondLst>
+                                        </p:cTn>
+                                        <p:tgtEl>
+                                          <p:spTgt spid="23"/>
+                                        </p:tgtEl>
+                                        <p:attrNameLst>
+                                          <p:attrName>style.visibility</p:attrName>
+                                        </p:attrNameLst>
+                                      </p:cBhvr>
+                                      <p:to>
+                                        <p:strVal val="visible"/>
+                                      </p:to>
+                                    </p:set>
+                                  </p:childTnLst>
+                                </p:cTn>
+                              </p:par>
+                              <p:par>
+                                <p:cTn id="31" presetID="1" presetClass="entr" presetSubtype="0" fill="hold" nodeType="withEffect">
+                                  <p:stCondLst>
+                                    <p:cond delay="0"/>
+                                  </p:stCondLst>
+                                  <p:childTnLst>
+                                    <p:set>
+                                      <p:cBhvr>
+                                        <p:cTn id="32" dur="1" fill="hold">
+                                          <p:stCondLst>
+                                            <p:cond delay="0"/>
+                                          </p:stCondLst>
+                                        </p:cTn>
+                                        <p:tgtEl>
+                                          <p:spTgt spid="24"/>
+                                        </p:tgtEl>
+                                        <p:attrNameLst>
+                                          <p:attrName>style.visibility</p:attrName>
+                                        </p:attrNameLst>
+                                      </p:cBhvr>
+                                      <p:to>
+                                        <p:strVal val="visible"/>
+                                      </p:to>
+                                    </p:set>
+                                  </p:childTnLst>
+                                </p:cTn>
+                              </p:par>
+                              <p:par>
+                                <p:cTn id="33" presetID="1" presetClass="entr" presetSubtype="0" fill="hold" grpId="0" nodeType="withEffect">
+                                  <p:stCondLst>
+                                    <p:cond delay="0"/>
+                                  </p:stCondLst>
+                                  <p:childTnLst>
+                                    <p:set>
+                                      <p:cBhvr>
+                                        <p:cTn id="34" dur="1" fill="hold">
+                                          <p:stCondLst>
+                                            <p:cond delay="0"/>
+                                          </p:stCondLst>
+                                        </p:cTn>
+                                        <p:tgtEl>
+                                          <p:spTgt spid="48"/>
+                                        </p:tgtEl>
+                                        <p:attrNameLst>
+                                          <p:attrName>style.visibility</p:attrName>
+                                        </p:attrNameLst>
+                                      </p:cBhvr>
+                                      <p:to>
+                                        <p:strVal val="visible"/>
+                                      </p:to>
+                                    </p:set>
+                                  </p:childTnLst>
+                                </p:cTn>
+                              </p:par>
+                              <p:par>
+                                <p:cTn id="35" presetID="1" presetClass="entr" presetSubtype="0" fill="hold" grpId="0" nodeType="withEffect">
+                                  <p:stCondLst>
+                                    <p:cond delay="0"/>
+                                  </p:stCondLst>
+                                  <p:childTnLst>
+                                    <p:set>
+                                      <p:cBhvr>
+                                        <p:cTn id="36" dur="1" fill="hold">
+                                          <p:stCondLst>
+                                            <p:cond delay="0"/>
+                                          </p:stCondLst>
+                                        </p:cTn>
+                                        <p:tgtEl>
+                                          <p:spTgt spid="49"/>
+                                        </p:tgtEl>
+                                        <p:attrNameLst>
+                                          <p:attrName>style.visibility</p:attrName>
+                                        </p:attrNameLst>
+                                      </p:cBhvr>
+                                      <p:to>
+                                        <p:strVal val="visible"/>
+                                      </p:to>
+                                    </p:set>
+                                  </p:childTnLst>
+                                </p:cTn>
+                              </p:par>
+                            </p:childTnLst>
+                          </p:cTn>
+                        </p:par>
+                      </p:childTnLst>
+                    </p:cTn>
+                  </p:par>
+                  <p:par>
+                    <p:cTn id="37" fill="hold">
+                      <p:stCondLst>
+                        <p:cond delay="indefinite"/>
+                      </p:stCondLst>
+                      <p:childTnLst>
+                        <p:par>
+                          <p:cTn id="38" fill="hold">
+                            <p:stCondLst>
+                              <p:cond delay="0"/>
+                            </p:stCondLst>
+                            <p:childTnLst>
+                              <p:par>
+                                <p:cTn id="39" presetID="1" presetClass="entr" presetSubtype="0" fill="hold" grpId="0" nodeType="clickEffect">
+                                  <p:stCondLst>
+                                    <p:cond delay="0"/>
+                                  </p:stCondLst>
+                                  <p:childTnLst>
+                                    <p:set>
+                                      <p:cBhvr>
+                                        <p:cTn id="40" dur="1" fill="hold">
+                                          <p:stCondLst>
+                                            <p:cond delay="0"/>
+                                          </p:stCondLst>
+                                        </p:cTn>
+                                        <p:tgtEl>
+                                          <p:spTgt spid="38"/>
+                                        </p:tgtEl>
+                                        <p:attrNameLst>
+                                          <p:attrName>style.visibility</p:attrName>
+                                        </p:attrNameLst>
+                                      </p:cBhvr>
+                                      <p:to>
+                                        <p:strVal val="visible"/>
+                                      </p:to>
+                                    </p:set>
+                                  </p:childTnLst>
+                                </p:cTn>
+                              </p:par>
+                              <p:par>
+                                <p:cTn id="41" presetID="1" presetClass="entr" presetSubtype="0" fill="hold" grpId="0" nodeType="withEffect">
+                                  <p:stCondLst>
+                                    <p:cond delay="0"/>
+                                  </p:stCondLst>
+                                  <p:childTnLst>
+                                    <p:set>
+                                      <p:cBhvr>
+                                        <p:cTn id="42" dur="1" fill="hold">
+                                          <p:stCondLst>
+                                            <p:cond delay="0"/>
+                                          </p:stCondLst>
+                                        </p:cTn>
+                                        <p:tgtEl>
+                                          <p:spTgt spid="39"/>
+                                        </p:tgtEl>
+                                        <p:attrNameLst>
+                                          <p:attrName>style.visibility</p:attrName>
+                                        </p:attrNameLst>
+                                      </p:cBhvr>
+                                      <p:to>
+                                        <p:strVal val="visible"/>
+                                      </p:to>
+                                    </p:set>
+                                  </p:childTnLst>
+                                </p:cTn>
+                              </p:par>
+                              <p:par>
+                                <p:cTn id="43" presetID="1" presetClass="entr" presetSubtype="0" fill="hold" grpId="0" nodeType="withEffect">
+                                  <p:stCondLst>
+                                    <p:cond delay="0"/>
+                                  </p:stCondLst>
+                                  <p:childTnLst>
+                                    <p:set>
+                                      <p:cBhvr>
+                                        <p:cTn id="44" dur="1" fill="hold">
+                                          <p:stCondLst>
+                                            <p:cond delay="0"/>
+                                          </p:stCondLst>
+                                        </p:cTn>
+                                        <p:tgtEl>
+                                          <p:spTgt spid="40"/>
+                                        </p:tgtEl>
+                                        <p:attrNameLst>
+                                          <p:attrName>style.visibility</p:attrName>
+                                        </p:attrNameLst>
+                                      </p:cBhvr>
+                                      <p:to>
+                                        <p:strVal val="visible"/>
+                                      </p:to>
+                                    </p:set>
+                                  </p:childTnLst>
+                                </p:cTn>
+                              </p:par>
+                            </p:childTnLst>
+                          </p:cTn>
+                        </p:par>
+                      </p:childTnLst>
+                    </p:cTn>
+                  </p:par>
+                  <p:par>
+                    <p:cTn id="45" fill="hold">
+                      <p:stCondLst>
+                        <p:cond delay="indefinite"/>
+                      </p:stCondLst>
+                      <p:childTnLst>
+                        <p:par>
+                          <p:cTn id="46" fill="hold">
+                            <p:stCondLst>
+                              <p:cond delay="0"/>
+                            </p:stCondLst>
+                            <p:childTnLst>
+                              <p:par>
+                                <p:cTn id="47" presetID="1" presetClass="entr" presetSubtype="0" fill="hold" grpId="0" nodeType="clickEffect">
+                                  <p:stCondLst>
+                                    <p:cond delay="0"/>
+                                  </p:stCondLst>
+                                  <p:childTnLst>
+                                    <p:set>
+                                      <p:cBhvr>
+                                        <p:cTn id="48" dur="1" fill="hold">
+                                          <p:stCondLst>
+                                            <p:cond delay="0"/>
+                                          </p:stCondLst>
+                                        </p:cTn>
+                                        <p:tgtEl>
+                                          <p:spTgt spid="8"/>
+                                        </p:tgtEl>
+                                        <p:attrNameLst>
+                                          <p:attrName>style.visibility</p:attrName>
+                                        </p:attrNameLst>
+                                      </p:cBhvr>
+                                      <p:to>
+                                        <p:strVal val="visible"/>
+                                      </p:to>
+                                    </p:set>
+                                  </p:childTnLst>
+                                </p:cTn>
+                              </p:par>
+                              <p:par>
+                                <p:cTn id="49" presetID="1" presetClass="entr" presetSubtype="0" fill="hold" grpId="0" nodeType="withEffect">
+                                  <p:stCondLst>
+                                    <p:cond delay="0"/>
+                                  </p:stCondLst>
+                                  <p:childTnLst>
+                                    <p:set>
+                                      <p:cBhvr>
+                                        <p:cTn id="50" dur="1" fill="hold">
+                                          <p:stCondLst>
+                                            <p:cond delay="0"/>
+                                          </p:stCondLst>
+                                        </p:cTn>
+                                        <p:tgtEl>
+                                          <p:spTgt spid="43"/>
+                                        </p:tgtEl>
+                                        <p:attrNameLst>
+                                          <p:attrName>style.visibility</p:attrName>
+                                        </p:attrNameLst>
+                                      </p:cBhvr>
+                                      <p:to>
+                                        <p:strVal val="visible"/>
+                                      </p:to>
+                                    </p:set>
+                                  </p:childTnLst>
+                                </p:cTn>
+                              </p:par>
+                              <p:par>
+                                <p:cTn id="51" presetID="1" presetClass="entr" presetSubtype="0" fill="hold" grpId="0" nodeType="withEffect">
+                                  <p:stCondLst>
+                                    <p:cond delay="0"/>
+                                  </p:stCondLst>
+                                  <p:childTnLst>
+                                    <p:set>
+                                      <p:cBhvr>
+                                        <p:cTn id="52" dur="1" fill="hold">
+                                          <p:stCondLst>
+                                            <p:cond delay="0"/>
+                                          </p:stCondLst>
+                                        </p:cTn>
+                                        <p:tgtEl>
+                                          <p:spTgt spid="44"/>
+                                        </p:tgtEl>
+                                        <p:attrNameLst>
+                                          <p:attrName>style.visibility</p:attrName>
+                                        </p:attrNameLst>
+                                      </p:cBhvr>
+                                      <p:to>
+                                        <p:strVal val="visible"/>
+                                      </p:to>
+                                    </p:set>
+                                  </p:childTnLst>
+                                </p:cTn>
+                              </p:par>
+                            </p:childTnLst>
+                          </p:cTn>
+                        </p:par>
+                      </p:childTnLst>
+                    </p:cTn>
+                  </p:par>
+                  <p:par>
+                    <p:cTn id="53" fill="hold">
+                      <p:stCondLst>
+                        <p:cond delay="indefinite"/>
+                      </p:stCondLst>
+                      <p:childTnLst>
+                        <p:par>
+                          <p:cTn id="54" fill="hold">
+                            <p:stCondLst>
+                              <p:cond delay="0"/>
+                            </p:stCondLst>
+                            <p:childTnLst>
+                              <p:par>
+                                <p:cTn id="55" presetID="1" presetClass="entr" presetSubtype="0" fill="hold" grpId="0" nodeType="clickEffect">
+                                  <p:stCondLst>
+                                    <p:cond delay="0"/>
+                                  </p:stCondLst>
+                                  <p:childTnLst>
+                                    <p:set>
+                                      <p:cBhvr>
+                                        <p:cTn id="56" dur="1" fill="hold">
+                                          <p:stCondLst>
+                                            <p:cond delay="0"/>
+                                          </p:stCondLst>
+                                        </p:cTn>
+                                        <p:tgtEl>
+                                          <p:spTgt spid="25"/>
+                                        </p:tgtEl>
+                                        <p:attrNameLst>
+                                          <p:attrName>style.visibility</p:attrName>
+                                        </p:attrNameLst>
+                                      </p:cBhvr>
+                                      <p:to>
+                                        <p:strVal val="visible"/>
+                                      </p:to>
+                                    </p:set>
+                                  </p:childTnLst>
+                                </p:cTn>
+                              </p:par>
+                              <p:par>
+                                <p:cTn id="57" presetID="1" presetClass="entr" presetSubtype="0" fill="hold" nodeType="withEffect">
+                                  <p:stCondLst>
+                                    <p:cond delay="0"/>
+                                  </p:stCondLst>
+                                  <p:childTnLst>
+                                    <p:set>
+                                      <p:cBhvr>
+                                        <p:cTn id="58" dur="1" fill="hold">
+                                          <p:stCondLst>
+                                            <p:cond delay="0"/>
+                                          </p:stCondLst>
+                                        </p:cTn>
+                                        <p:tgtEl>
+                                          <p:spTgt spid="27"/>
+                                        </p:tgtEl>
+                                        <p:attrNameLst>
+                                          <p:attrName>style.visibility</p:attrName>
+                                        </p:attrNameLst>
+                                      </p:cBhvr>
+                                      <p:to>
+                                        <p:strVal val="visible"/>
+                                      </p:to>
+                                    </p:set>
+                                  </p:childTnLst>
+                                </p:cTn>
+                              </p:par>
+                              <p:par>
+                                <p:cTn id="59" presetID="1" presetClass="entr" presetSubtype="0" fill="hold" grpId="0" nodeType="withEffect">
+                                  <p:stCondLst>
+                                    <p:cond delay="0"/>
+                                  </p:stCondLst>
+                                  <p:childTnLst>
+                                    <p:set>
+                                      <p:cBhvr>
+                                        <p:cTn id="60" dur="1" fill="hold">
+                                          <p:stCondLst>
+                                            <p:cond delay="0"/>
+                                          </p:stCondLst>
+                                        </p:cTn>
+                                        <p:tgtEl>
+                                          <p:spTgt spid="50"/>
+                                        </p:tgtEl>
+                                        <p:attrNameLst>
+                                          <p:attrName>style.visibility</p:attrName>
+                                        </p:attrNameLst>
+                                      </p:cBhvr>
+                                      <p:to>
+                                        <p:strVal val="visible"/>
+                                      </p:to>
+                                    </p:set>
+                                  </p:childTnLst>
+                                </p:cTn>
+                              </p:par>
+                            </p:childTnLst>
+                          </p:cTn>
+                        </p:par>
+                      </p:childTnLst>
+                    </p:cTn>
+                  </p:par>
+                  <p:par>
+                    <p:cTn id="61" fill="hold">
+                      <p:stCondLst>
+                        <p:cond delay="indefinite"/>
+                      </p:stCondLst>
+                      <p:childTnLst>
+                        <p:par>
+                          <p:cTn id="62" fill="hold">
+                            <p:stCondLst>
+                              <p:cond delay="0"/>
+                            </p:stCondLst>
+                            <p:childTnLst>
+                              <p:par>
+                                <p:cTn id="63" presetID="1" presetClass="entr" presetSubtype="0" fill="hold" grpId="0" nodeType="clickEffect">
+                                  <p:stCondLst>
+                                    <p:cond delay="0"/>
+                                  </p:stCondLst>
+                                  <p:childTnLst>
+                                    <p:set>
+                                      <p:cBhvr>
+                                        <p:cTn id="64" dur="1" fill="hold">
+                                          <p:stCondLst>
+                                            <p:cond delay="0"/>
+                                          </p:stCondLst>
+                                        </p:cTn>
+                                        <p:tgtEl>
+                                          <p:spTgt spid="41"/>
+                                        </p:tgtEl>
+                                        <p:attrNameLst>
+                                          <p:attrName>style.visibility</p:attrName>
+                                        </p:attrNameLst>
+                                      </p:cBhvr>
+                                      <p:to>
+                                        <p:strVal val="visible"/>
+                                      </p:to>
+                                    </p:set>
+                                  </p:childTnLst>
+                                </p:cTn>
+                              </p:par>
+                              <p:par>
+                                <p:cTn id="65" presetID="1" presetClass="entr" presetSubtype="0" fill="hold" grpId="0" nodeType="withEffect">
+                                  <p:stCondLst>
+                                    <p:cond delay="0"/>
+                                  </p:stCondLst>
+                                  <p:childTnLst>
+                                    <p:set>
+                                      <p:cBhvr>
+                                        <p:cTn id="66" dur="1" fill="hold">
+                                          <p:stCondLst>
+                                            <p:cond delay="0"/>
+                                          </p:stCondLst>
+                                        </p:cTn>
+                                        <p:tgtEl>
+                                          <p:spTgt spid="46"/>
+                                        </p:tgtEl>
+                                        <p:attrNameLst>
+                                          <p:attrName>style.visibility</p:attrName>
+                                        </p:attrNameLst>
+                                      </p:cBhvr>
+                                      <p:to>
+                                        <p:strVal val="visible"/>
+                                      </p:to>
+                                    </p:set>
+                                  </p:childTnLst>
+                                </p:cTn>
+                              </p:par>
+                              <p:par>
+                                <p:cTn id="67" presetID="1" presetClass="entr" presetSubtype="0" fill="hold" grpId="0" nodeType="withEffect">
+                                  <p:stCondLst>
+                                    <p:cond delay="0"/>
+                                  </p:stCondLst>
+                                  <p:childTnLst>
+                                    <p:set>
+                                      <p:cBhvr>
+                                        <p:cTn id="68" dur="1" fill="hold">
+                                          <p:stCondLst>
+                                            <p:cond delay="0"/>
+                                          </p:stCondLst>
+                                        </p:cTn>
+                                        <p:tgtEl>
+                                          <p:spTgt spid="47"/>
+                                        </p:tgtEl>
+                                        <p:attrNameLst>
+                                          <p:attrName>style.visibility</p:attrName>
+                                        </p:attrNameLst>
+                                      </p:cBhvr>
+                                      <p:to>
+                                        <p:strVal val="visible"/>
+                                      </p:to>
+                                    </p:set>
+                                  </p:childTnLst>
+                                </p:cTn>
+                              </p:par>
+                            </p:childTnLst>
+                          </p:cTn>
+                        </p:par>
+                      </p:childTnLst>
+                    </p:cTn>
+                  </p:par>
+                  <p:par>
+                    <p:cTn id="69" fill="hold">
+                      <p:stCondLst>
+                        <p:cond delay="indefinite"/>
+                      </p:stCondLst>
+                      <p:childTnLst>
+                        <p:par>
+                          <p:cTn id="70" fill="hold">
+                            <p:stCondLst>
+                              <p:cond delay="0"/>
+                            </p:stCondLst>
+                            <p:childTnLst>
+                              <p:par>
+                                <p:cTn id="71" presetID="1" presetClass="entr" presetSubtype="0" fill="hold" grpId="0" nodeType="clickEffect">
+                                  <p:stCondLst>
+                                    <p:cond delay="0"/>
+                                  </p:stCondLst>
+                                  <p:childTnLst>
+                                    <p:set>
+                                      <p:cBhvr>
+                                        <p:cTn id="72" dur="1" fill="hold">
+                                          <p:stCondLst>
+                                            <p:cond delay="0"/>
+                                          </p:stCondLst>
+                                        </p:cTn>
+                                        <p:tgtEl>
+                                          <p:spTgt spid="45"/>
+                                        </p:tgtEl>
+                                        <p:attrNameLst>
+                                          <p:attrName>style.visibility</p:attrName>
+                                        </p:attrNameLst>
+                                      </p:cBhvr>
+                                      <p:to>
+                                        <p:strVal val="visible"/>
+                                      </p:to>
+                                    </p:set>
+                                  </p:childTnLst>
+                                </p:cTn>
+                              </p:par>
+                              <p:par>
+                                <p:cTn id="73" presetID="1" presetClass="entr" presetSubtype="0" fill="hold" grpId="0" nodeType="withEffect">
+                                  <p:stCondLst>
+                                    <p:cond delay="0"/>
+                                  </p:stCondLst>
+                                  <p:childTnLst>
+                                    <p:set>
+                                      <p:cBhvr>
+                                        <p:cTn id="74" dur="1" fill="hold">
+                                          <p:stCondLst>
+                                            <p:cond delay="0"/>
+                                          </p:stCondLst>
+                                        </p:cTn>
+                                        <p:tgtEl>
+                                          <p:spTgt spid="51"/>
+                                        </p:tgtEl>
+                                        <p:attrNameLst>
+                                          <p:attrName>style.visibility</p:attrName>
+                                        </p:attrNameLst>
+                                      </p:cBhvr>
+                                      <p:to>
+                                        <p:strVal val="visible"/>
+                                      </p:to>
+                                    </p:set>
+                                  </p:childTnLst>
+                                </p:cTn>
+                              </p:par>
+                              <p:par>
+                                <p:cTn id="75" presetID="1" presetClass="entr" presetSubtype="0" fill="hold" grpId="0" nodeType="withEffect">
+                                  <p:stCondLst>
+                                    <p:cond delay="0"/>
+                                  </p:stCondLst>
+                                  <p:childTnLst>
+                                    <p:set>
+                                      <p:cBhvr>
+                                        <p:cTn id="76" dur="1" fill="hold">
+                                          <p:stCondLst>
+                                            <p:cond delay="0"/>
+                                          </p:stCondLst>
+                                        </p:cTn>
+                                        <p:tgtEl>
+                                          <p:spTgt spid="52"/>
+                                        </p:tgtEl>
+                                        <p:attrNameLst>
+                                          <p:attrName>style.visibility</p:attrName>
+                                        </p:attrNameLst>
+                                      </p:cBhvr>
+                                      <p:to>
+                                        <p:strVal val="visible"/>
+                                      </p:to>
+                                    </p:set>
+                                  </p:childTnLst>
+                                </p:cTn>
+                              </p:par>
+                            </p:childTnLst>
+                          </p:cTn>
+                        </p:par>
+                      </p:childTnLst>
+                    </p:cTn>
+                  </p:par>
+                </p:childTnLst>
+              </p:cTn>
+              <p:prevCondLst>
+                <p:cond evt="onPrev" delay="0">
+                  <p:tgtEl>
+                    <p:sldTgt/>
+                  </p:tgtEl>
+                </p:cond>
+              </p:prevCondLst>
+              <p:nextCondLst>
+                <p:cond evt="onNext" delay="0">
+                  <p:tgtEl>
+                    <p:sldTgt/>
+                  </p:tgtEl>
+                </p:cond>
+              </p:nextCondLst>
+            </p:seq>
+          </p:childTnLst>
+        </p:cTn>
+      </p:par>
+    </p:tnLst>
+    <p:bldLst>
+      <p:bldP spid="6" grpId="0"/>
+      <p:bldP spid="22" grpId="0"/>
+      <p:bldP spid="25" grpId="0"/>
+      <p:bldP spid="35" grpId="0"/>
+      <p:bldP spid="36" grpId="0"/>
+      <p:bldP spid="7" grpId="0"/>
+      <p:bldP spid="38" grpId="0"/>
+      <p:bldP spid="39" grpId="0"/>
+      <p:bldP spid="40" grpId="0"/>
+      <p:bldP spid="41" grpId="0"/>
+      <p:bldP spid="8" grpId="0"/>
+      <p:bldP spid="42" grpId="0"/>
+      <p:bldP spid="43" grpId="0"/>
+      <p:bldP spid="44" grpId="0"/>
+      <p:bldP spid="45" grpId="0"/>
+      <p:bldP spid="46" grpId="0"/>
+      <p:bldP spid="47" grpId="0"/>
+      <p:bldP spid="9" grpId="0"/>
+      <p:bldP spid="48" grpId="0"/>
+      <p:bldP spid="49" grpId="0"/>
+      <p:bldP spid="50" grpId="0"/>
+      <p:bldP spid="51" grpId="0"/>
+      <p:bldP spid="52" grpId="0"/>
+    </p:bldLst>
+  </p:timing>
+</p:sld>
+</file>
+
+<file path=ppt/slides/slide8.xml><?xml version="1.0" encoding="utf-8"?>
+<p:sld xmlns:a="http://schemas.openxmlformats.org/drawingml/2006/main" xmlns:r="http://schemas.openxmlformats.org/officeDocument/2006/relationships" xmlns:p="http://schemas.openxmlformats.org/presentationml/2006/main">
+  <p:cSld>
+    <p:spTree>
+      <p:nvGrpSpPr>
+        <p:cNvPr id="1" name=""/>
+        <p:cNvGrpSpPr/>
+        <p:nvPr/>
+      </p:nvGrpSpPr>
+      <p:grpSpPr>
+        <a:xfrm>
+          <a:off x="0" y="0"/>
+          <a:ext cx="0" cy="0"/>
+          <a:chOff x="0" y="0"/>
+          <a:chExt cx="0" cy="0"/>
+        </a:xfrm>
+      </p:grpSpPr>
+      <p:sp>
+        <p:nvSpPr>
+          <p:cNvPr id="5" name="Title 4">
+            <a:extLst>
+              <a:ext uri="{FF2B5EF4-FFF2-40B4-BE49-F238E27FC236}">
+                <a16:creationId xmlns:a16="http://schemas.microsoft.com/office/drawing/2014/main" id="{426B483E-2F08-134B-BDCE-7EE383A5210F}"/>
+              </a:ext>
+            </a:extLst>
+          </p:cNvPr>
+          <p:cNvSpPr>
+            <a:spLocks noGrp="1"/>
+          </p:cNvSpPr>
+          <p:nvPr>
+            <p:ph type="title"/>
+          </p:nvPr>
+        </p:nvSpPr>
+        <p:spPr>
+          <a:xfrm>
+            <a:off x="304800" y="381000"/>
+            <a:ext cx="6019800" cy="838200"/>
+          </a:xfrm>
+        </p:spPr>
+        <p:txBody>
+          <a:bodyPr/>
+          <a:lstStyle/>
+          <a:p>
+            <a:r>
+              <a:rPr lang="en-US" dirty="0"/>
+              <a:t>A Conceptual Model Relates Inputs to Outputs</a:t>
+            </a:r>
+          </a:p>
+        </p:txBody>
+      </p:sp>
+      <p:sp>
+        <p:nvSpPr>
+          <p:cNvPr id="4" name="Slide Number Placeholder 3">
+            <a:extLst>
+              <a:ext uri="{FF2B5EF4-FFF2-40B4-BE49-F238E27FC236}">
+                <a16:creationId xmlns:a16="http://schemas.microsoft.com/office/drawing/2014/main" id="{A113FFE1-B004-E540-8C94-331FC54F0960}"/>
+              </a:ext>
+            </a:extLst>
+          </p:cNvPr>
+          <p:cNvSpPr>
+            <a:spLocks noGrp="1"/>
+          </p:cNvSpPr>
+          <p:nvPr>
+            <p:ph type="sldNum" sz="quarter" idx="11"/>
+          </p:nvPr>
+        </p:nvSpPr>
+        <p:spPr/>
+        <p:txBody>
+          <a:bodyPr/>
+          <a:lstStyle/>
+          <a:p>
+            <a:pPr>
+              <a:defRPr/>
+            </a:pPr>
+            <a:fld id="{3EF4E9CC-9D91-476E-91FD-5BEEC1642931}" type="slidenum">
+              <a:rPr lang="en-US" altLang="x-none" smtClean="0"/>
+              <a:pPr>
+                <a:defRPr/>
+              </a:pPr>
+              <a:t>8</a:t>
+            </a:fld>
+            <a:endParaRPr lang="en-US" altLang="x-none"/>
+          </a:p>
+        </p:txBody>
+      </p:sp>
+      <p:grpSp>
+        <p:nvGrpSpPr>
+          <p:cNvPr id="2" name="Group 1">
+            <a:extLst>
+              <a:ext uri="{FF2B5EF4-FFF2-40B4-BE49-F238E27FC236}">
+                <a16:creationId xmlns:a16="http://schemas.microsoft.com/office/drawing/2014/main" id="{A46D4BA3-1734-6B49-9145-5CE2DA20AAC3}"/>
+              </a:ext>
+            </a:extLst>
+          </p:cNvPr>
+          <p:cNvGrpSpPr/>
+          <p:nvPr/>
+        </p:nvGrpSpPr>
+        <p:grpSpPr>
+          <a:xfrm>
+            <a:off x="7162801" y="381000"/>
+            <a:ext cx="1600200" cy="911377"/>
+            <a:chOff x="381000" y="1066800"/>
+            <a:chExt cx="5678091" cy="4946953"/>
+          </a:xfrm>
+        </p:grpSpPr>
+        <p:pic>
+          <p:nvPicPr>
+            <p:cNvPr id="26" name="Picture 25">
+              <a:extLst>
+                <a:ext uri="{FF2B5EF4-FFF2-40B4-BE49-F238E27FC236}">
+                  <a16:creationId xmlns:a16="http://schemas.microsoft.com/office/drawing/2014/main" id="{FBA8CE82-1968-C745-8978-732A2FF3BF01}"/>
+                </a:ext>
+              </a:extLst>
+            </p:cNvPr>
+            <p:cNvPicPr>
+              <a:picLocks noChangeAspect="1"/>
+            </p:cNvPicPr>
+            <p:nvPr/>
+          </p:nvPicPr>
+          <p:blipFill>
+            <a:blip r:embed="rId3"/>
+            <a:stretch>
+              <a:fillRect/>
+            </a:stretch>
+          </p:blipFill>
+          <p:spPr>
+            <a:xfrm>
+              <a:off x="3429000" y="4051300"/>
+              <a:ext cx="2630091" cy="1962453"/>
+            </a:xfrm>
+            <a:prstGeom prst="rect">
+              <a:avLst/>
+            </a:prstGeom>
+          </p:spPr>
+        </p:pic>
+        <p:pic>
+          <p:nvPicPr>
+            <p:cNvPr id="28" name="Picture 27">
+              <a:extLst>
+                <a:ext uri="{FF2B5EF4-FFF2-40B4-BE49-F238E27FC236}">
+                  <a16:creationId xmlns:a16="http://schemas.microsoft.com/office/drawing/2014/main" id="{505DBFBA-6355-7A49-9762-30CC3933A16D}"/>
+                </a:ext>
+              </a:extLst>
+            </p:cNvPr>
+            <p:cNvPicPr>
+              <a:picLocks noChangeAspect="1"/>
+            </p:cNvPicPr>
+            <p:nvPr/>
+          </p:nvPicPr>
+          <p:blipFill>
+            <a:blip r:embed="rId4"/>
+            <a:stretch>
+              <a:fillRect/>
+            </a:stretch>
+          </p:blipFill>
+          <p:spPr>
+            <a:xfrm>
+              <a:off x="4768512" y="2819400"/>
+              <a:ext cx="553047" cy="1231900"/>
+            </a:xfrm>
+            <a:prstGeom prst="rect">
+              <a:avLst/>
+            </a:prstGeom>
+          </p:spPr>
+        </p:pic>
+        <p:pic>
+          <p:nvPicPr>
+            <p:cNvPr id="29" name="Picture 28">
+              <a:extLst>
+                <a:ext uri="{FF2B5EF4-FFF2-40B4-BE49-F238E27FC236}">
+                  <a16:creationId xmlns:a16="http://schemas.microsoft.com/office/drawing/2014/main" id="{AF0D924D-092A-AB4A-8921-9AAEF6BF848B}"/>
+                </a:ext>
+              </a:extLst>
+            </p:cNvPr>
+            <p:cNvPicPr>
+              <a:picLocks noChangeAspect="1"/>
+            </p:cNvPicPr>
+            <p:nvPr/>
+          </p:nvPicPr>
+          <p:blipFill>
+            <a:blip r:embed="rId5"/>
+            <a:stretch>
+              <a:fillRect/>
+            </a:stretch>
+          </p:blipFill>
+          <p:spPr>
+            <a:xfrm>
+              <a:off x="609601" y="1066801"/>
+              <a:ext cx="914400" cy="714931"/>
+            </a:xfrm>
+            <a:prstGeom prst="rect">
+              <a:avLst/>
+            </a:prstGeom>
+          </p:spPr>
+        </p:pic>
+        <p:pic>
+          <p:nvPicPr>
+            <p:cNvPr id="30" name="Picture 29">
+              <a:extLst>
+                <a:ext uri="{FF2B5EF4-FFF2-40B4-BE49-F238E27FC236}">
+                  <a16:creationId xmlns:a16="http://schemas.microsoft.com/office/drawing/2014/main" id="{FDC834B4-B21A-C44B-8BFB-1BB294769ED1}"/>
+                </a:ext>
+              </a:extLst>
+            </p:cNvPr>
+            <p:cNvPicPr>
+              <a:picLocks noChangeAspect="1"/>
+            </p:cNvPicPr>
+            <p:nvPr/>
+          </p:nvPicPr>
+          <p:blipFill>
+            <a:blip r:embed="rId6"/>
+            <a:stretch>
+              <a:fillRect/>
+            </a:stretch>
+          </p:blipFill>
+          <p:spPr>
+            <a:xfrm>
+              <a:off x="381000" y="1781731"/>
+              <a:ext cx="2450705" cy="1361283"/>
+            </a:xfrm>
+            <a:prstGeom prst="rect">
+              <a:avLst/>
+            </a:prstGeom>
+          </p:spPr>
+        </p:pic>
+        <p:pic>
+          <p:nvPicPr>
+            <p:cNvPr id="31" name="Picture 30">
+              <a:extLst>
+                <a:ext uri="{FF2B5EF4-FFF2-40B4-BE49-F238E27FC236}">
+                  <a16:creationId xmlns:a16="http://schemas.microsoft.com/office/drawing/2014/main" id="{FA23013D-EDF8-6841-AD98-0DFE7A5B34A1}"/>
+                </a:ext>
+              </a:extLst>
+            </p:cNvPr>
+            <p:cNvPicPr>
+              <a:picLocks noChangeAspect="1"/>
+            </p:cNvPicPr>
+            <p:nvPr/>
+          </p:nvPicPr>
+          <p:blipFill>
+            <a:blip r:embed="rId4"/>
+            <a:stretch>
+              <a:fillRect/>
+            </a:stretch>
+          </p:blipFill>
+          <p:spPr>
+            <a:xfrm>
+              <a:off x="5429845" y="2819400"/>
+              <a:ext cx="553047" cy="1231900"/>
+            </a:xfrm>
+            <a:prstGeom prst="rect">
+              <a:avLst/>
+            </a:prstGeom>
+          </p:spPr>
+        </p:pic>
+        <p:pic>
+          <p:nvPicPr>
+            <p:cNvPr id="32" name="Picture 31">
+              <a:extLst>
+                <a:ext uri="{FF2B5EF4-FFF2-40B4-BE49-F238E27FC236}">
+                  <a16:creationId xmlns:a16="http://schemas.microsoft.com/office/drawing/2014/main" id="{9D081F26-E7AE-2847-992B-9FD9F6DAAAF4}"/>
+                </a:ext>
+              </a:extLst>
+            </p:cNvPr>
+            <p:cNvPicPr>
+              <a:picLocks noChangeAspect="1"/>
+            </p:cNvPicPr>
+            <p:nvPr/>
+          </p:nvPicPr>
+          <p:blipFill>
+            <a:blip r:embed="rId4"/>
+            <a:stretch>
+              <a:fillRect/>
+            </a:stretch>
+          </p:blipFill>
+          <p:spPr>
+            <a:xfrm>
+              <a:off x="4134445" y="2819400"/>
+              <a:ext cx="553047" cy="1231900"/>
+            </a:xfrm>
+            <a:prstGeom prst="rect">
+              <a:avLst/>
+            </a:prstGeom>
+          </p:spPr>
+        </p:pic>
+        <p:pic>
+          <p:nvPicPr>
+            <p:cNvPr id="33" name="Picture 32">
+              <a:extLst>
+                <a:ext uri="{FF2B5EF4-FFF2-40B4-BE49-F238E27FC236}">
+                  <a16:creationId xmlns:a16="http://schemas.microsoft.com/office/drawing/2014/main" id="{47C99A78-29D9-E243-A205-AFB35148E4C0}"/>
+                </a:ext>
+              </a:extLst>
+            </p:cNvPr>
+            <p:cNvPicPr>
+              <a:picLocks noChangeAspect="1"/>
+            </p:cNvPicPr>
+            <p:nvPr/>
+          </p:nvPicPr>
+          <p:blipFill>
+            <a:blip r:embed="rId5"/>
+            <a:stretch>
+              <a:fillRect/>
+            </a:stretch>
+          </p:blipFill>
+          <p:spPr>
+            <a:xfrm>
+              <a:off x="1676400" y="1066800"/>
+              <a:ext cx="914400" cy="714931"/>
+            </a:xfrm>
+            <a:prstGeom prst="rect">
+              <a:avLst/>
+            </a:prstGeom>
+          </p:spPr>
+        </p:pic>
+        <p:pic>
+          <p:nvPicPr>
+            <p:cNvPr id="34" name="Picture 33">
+              <a:extLst>
+                <a:ext uri="{FF2B5EF4-FFF2-40B4-BE49-F238E27FC236}">
+                  <a16:creationId xmlns:a16="http://schemas.microsoft.com/office/drawing/2014/main" id="{44DD90E9-3D57-FE4A-9869-3F0FA575BB04}"/>
+                </a:ext>
+              </a:extLst>
+            </p:cNvPr>
+            <p:cNvPicPr>
+              <a:picLocks noChangeAspect="1"/>
+            </p:cNvPicPr>
+            <p:nvPr/>
+          </p:nvPicPr>
+          <p:blipFill>
+            <a:blip r:embed="rId7"/>
+            <a:stretch>
+              <a:fillRect/>
+            </a:stretch>
+          </p:blipFill>
+          <p:spPr>
+            <a:xfrm flipH="1">
+              <a:off x="1777605" y="3143014"/>
+              <a:ext cx="2108200" cy="952500"/>
+            </a:xfrm>
+            <a:prstGeom prst="rect">
+              <a:avLst/>
+            </a:prstGeom>
+          </p:spPr>
+        </p:pic>
+      </p:grpSp>
+      <p:pic>
+        <p:nvPicPr>
+          <p:cNvPr id="19" name="Picture 18">
+            <a:extLst>
+              <a:ext uri="{FF2B5EF4-FFF2-40B4-BE49-F238E27FC236}">
+                <a16:creationId xmlns:a16="http://schemas.microsoft.com/office/drawing/2014/main" id="{AF8A3F6C-DC1B-2446-A5F9-4D14FA89F1FD}"/>
+              </a:ext>
+            </a:extLst>
+          </p:cNvPr>
+          <p:cNvPicPr>
+            <a:picLocks noChangeAspect="1"/>
+          </p:cNvPicPr>
+          <p:nvPr/>
+        </p:nvPicPr>
+        <p:blipFill>
+          <a:blip r:embed="rId5"/>
+          <a:stretch>
+            <a:fillRect/>
+          </a:stretch>
+        </p:blipFill>
+        <p:spPr>
+          <a:xfrm>
+            <a:off x="1447799" y="2401235"/>
+            <a:ext cx="778691" cy="608826"/>
+          </a:xfrm>
+          <a:prstGeom prst="rect">
+            <a:avLst/>
+          </a:prstGeom>
+        </p:spPr>
+      </p:pic>
+      <p:pic>
+        <p:nvPicPr>
+          <p:cNvPr id="20" name="Picture 19">
+            <a:extLst>
+              <a:ext uri="{FF2B5EF4-FFF2-40B4-BE49-F238E27FC236}">
+                <a16:creationId xmlns:a16="http://schemas.microsoft.com/office/drawing/2014/main" id="{324DEA68-10A2-A648-B85B-8D329D853B4B}"/>
+              </a:ext>
+            </a:extLst>
+          </p:cNvPr>
+          <p:cNvPicPr>
+            <a:picLocks noChangeAspect="1"/>
+          </p:cNvPicPr>
+          <p:nvPr/>
+        </p:nvPicPr>
+        <p:blipFill>
+          <a:blip r:embed="rId4"/>
+          <a:stretch>
+            <a:fillRect/>
+          </a:stretch>
+        </p:blipFill>
+        <p:spPr>
+          <a:xfrm>
+            <a:off x="2286000" y="2412157"/>
+            <a:ext cx="456500" cy="1016843"/>
+          </a:xfrm>
+          <a:prstGeom prst="rect">
+            <a:avLst/>
+          </a:prstGeom>
+        </p:spPr>
+      </p:pic>
+      <p:sp>
+        <p:nvSpPr>
+          <p:cNvPr id="6" name="TextBox 5">
+            <a:extLst>
+              <a:ext uri="{FF2B5EF4-FFF2-40B4-BE49-F238E27FC236}">
+                <a16:creationId xmlns:a16="http://schemas.microsoft.com/office/drawing/2014/main" id="{3CF87D43-2174-8F4A-9314-A6B2F97E8F9A}"/>
+              </a:ext>
+            </a:extLst>
+          </p:cNvPr>
+          <p:cNvSpPr txBox="1"/>
+          <p:nvPr/>
+        </p:nvSpPr>
+        <p:spPr>
+          <a:xfrm>
+            <a:off x="152400" y="2412157"/>
+            <a:ext cx="832279" cy="400110"/>
+          </a:xfrm>
+          <a:prstGeom prst="rect">
+            <a:avLst/>
+          </a:prstGeom>
+          <a:noFill/>
+        </p:spPr>
+        <p:txBody>
+          <a:bodyPr wrap="none" rtlCol="0">
+            <a:spAutoFit/>
+          </a:bodyPr>
+          <a:lstStyle/>
+          <a:p>
+            <a:r>
+              <a:rPr lang="en-US" sz="2000" b="1" dirty="0"/>
+              <a:t>Flow</a:t>
+            </a:r>
+            <a:r>
+              <a:rPr lang="en-US" dirty="0"/>
+              <a:t>:</a:t>
+            </a:r>
+          </a:p>
+        </p:txBody>
+      </p:sp>
+      <p:sp>
+        <p:nvSpPr>
+          <p:cNvPr id="22" name="TextBox 21">
+            <a:extLst>
+              <a:ext uri="{FF2B5EF4-FFF2-40B4-BE49-F238E27FC236}">
+                <a16:creationId xmlns:a16="http://schemas.microsoft.com/office/drawing/2014/main" id="{2293B3C0-9683-EB4C-B7CD-61CD482ADCEC}"/>
+              </a:ext>
+            </a:extLst>
+          </p:cNvPr>
+          <p:cNvSpPr txBox="1"/>
+          <p:nvPr/>
+        </p:nvSpPr>
+        <p:spPr>
+          <a:xfrm>
+            <a:off x="167640" y="4088767"/>
+            <a:ext cx="1047338" cy="400110"/>
+          </a:xfrm>
+          <a:prstGeom prst="rect">
+            <a:avLst/>
+          </a:prstGeom>
+          <a:noFill/>
+        </p:spPr>
+        <p:txBody>
+          <a:bodyPr wrap="none" rtlCol="0">
+            <a:spAutoFit/>
+          </a:bodyPr>
+          <a:lstStyle/>
+          <a:p>
+            <a:r>
+              <a:rPr lang="en-US" sz="2000" b="1" dirty="0"/>
+              <a:t>Vessel</a:t>
+            </a:r>
+            <a:r>
+              <a:rPr lang="en-US" dirty="0"/>
+              <a:t>:</a:t>
+            </a:r>
+          </a:p>
+        </p:txBody>
+      </p:sp>
+      <p:pic>
+        <p:nvPicPr>
+          <p:cNvPr id="23" name="Picture 22">
+            <a:extLst>
+              <a:ext uri="{FF2B5EF4-FFF2-40B4-BE49-F238E27FC236}">
+                <a16:creationId xmlns:a16="http://schemas.microsoft.com/office/drawing/2014/main" id="{B2DA8BBB-1470-8147-BC6C-29A44B9B312B}"/>
+              </a:ext>
+            </a:extLst>
+          </p:cNvPr>
+          <p:cNvPicPr>
+            <a:picLocks noChangeAspect="1"/>
+          </p:cNvPicPr>
+          <p:nvPr/>
+        </p:nvPicPr>
+        <p:blipFill>
+          <a:blip r:embed="rId3"/>
+          <a:stretch>
+            <a:fillRect/>
+          </a:stretch>
+        </p:blipFill>
+        <p:spPr>
+          <a:xfrm>
+            <a:off x="2209799" y="4088767"/>
+            <a:ext cx="673243" cy="502343"/>
+          </a:xfrm>
+          <a:prstGeom prst="rect">
+            <a:avLst/>
+          </a:prstGeom>
+        </p:spPr>
+      </p:pic>
+      <p:pic>
+        <p:nvPicPr>
+          <p:cNvPr id="24" name="Picture 23">
+            <a:extLst>
+              <a:ext uri="{FF2B5EF4-FFF2-40B4-BE49-F238E27FC236}">
+                <a16:creationId xmlns:a16="http://schemas.microsoft.com/office/drawing/2014/main" id="{BD002C37-DA50-6E49-8977-F8EC89BF1A30}"/>
+              </a:ext>
+            </a:extLst>
+          </p:cNvPr>
+          <p:cNvPicPr>
+            <a:picLocks noChangeAspect="1"/>
+          </p:cNvPicPr>
+          <p:nvPr/>
+        </p:nvPicPr>
+        <p:blipFill>
+          <a:blip r:embed="rId6"/>
+          <a:stretch>
+            <a:fillRect/>
+          </a:stretch>
+        </p:blipFill>
+        <p:spPr>
+          <a:xfrm>
+            <a:off x="1371600" y="4088768"/>
+            <a:ext cx="720314" cy="400110"/>
+          </a:xfrm>
+          <a:prstGeom prst="rect">
+            <a:avLst/>
+          </a:prstGeom>
+        </p:spPr>
+      </p:pic>
+      <p:sp>
+        <p:nvSpPr>
+          <p:cNvPr id="25" name="TextBox 24">
+            <a:extLst>
+              <a:ext uri="{FF2B5EF4-FFF2-40B4-BE49-F238E27FC236}">
+                <a16:creationId xmlns:a16="http://schemas.microsoft.com/office/drawing/2014/main" id="{C16BB900-545E-064C-911C-A1B1AC01B4E1}"/>
+              </a:ext>
+            </a:extLst>
+          </p:cNvPr>
+          <p:cNvSpPr txBox="1"/>
+          <p:nvPr/>
+        </p:nvSpPr>
+        <p:spPr>
+          <a:xfrm>
+            <a:off x="167640" y="5424604"/>
+            <a:ext cx="1218603" cy="400110"/>
+          </a:xfrm>
+          <a:prstGeom prst="rect">
+            <a:avLst/>
+          </a:prstGeom>
+          <a:noFill/>
+        </p:spPr>
+        <p:txBody>
+          <a:bodyPr wrap="none" rtlCol="0">
+            <a:spAutoFit/>
+          </a:bodyPr>
+          <a:lstStyle/>
+          <a:p>
+            <a:r>
+              <a:rPr lang="en-US" sz="2000" b="1" dirty="0"/>
+              <a:t>Conduit</a:t>
+            </a:r>
+            <a:r>
+              <a:rPr lang="en-US" dirty="0"/>
+              <a:t>:</a:t>
+            </a:r>
+          </a:p>
+        </p:txBody>
+      </p:sp>
+      <p:pic>
+        <p:nvPicPr>
+          <p:cNvPr id="27" name="Picture 26">
+            <a:extLst>
+              <a:ext uri="{FF2B5EF4-FFF2-40B4-BE49-F238E27FC236}">
+                <a16:creationId xmlns:a16="http://schemas.microsoft.com/office/drawing/2014/main" id="{FEB7B91A-7E38-D846-97E6-6CC9482838CB}"/>
+              </a:ext>
+            </a:extLst>
+          </p:cNvPr>
+          <p:cNvPicPr>
+            <a:picLocks noChangeAspect="1"/>
+          </p:cNvPicPr>
+          <p:nvPr/>
+        </p:nvPicPr>
+        <p:blipFill>
+          <a:blip r:embed="rId7"/>
+          <a:stretch>
+            <a:fillRect/>
+          </a:stretch>
+        </p:blipFill>
+        <p:spPr>
+          <a:xfrm flipH="1">
+            <a:off x="1474736" y="5424604"/>
+            <a:ext cx="1264633" cy="571370"/>
+          </a:xfrm>
+          <a:prstGeom prst="rect">
+            <a:avLst/>
+          </a:prstGeom>
+        </p:spPr>
+      </p:pic>
+      <p:sp>
+        <p:nvSpPr>
+          <p:cNvPr id="35" name="TextBox 34">
+            <a:extLst>
+              <a:ext uri="{FF2B5EF4-FFF2-40B4-BE49-F238E27FC236}">
+                <a16:creationId xmlns:a16="http://schemas.microsoft.com/office/drawing/2014/main" id="{FB605517-F10F-6149-B590-E555E50451C0}"/>
+              </a:ext>
+            </a:extLst>
+          </p:cNvPr>
+          <p:cNvSpPr txBox="1"/>
+          <p:nvPr/>
+        </p:nvSpPr>
+        <p:spPr>
+          <a:xfrm>
+            <a:off x="3160525" y="1773942"/>
+            <a:ext cx="1310230" cy="400110"/>
+          </a:xfrm>
+          <a:prstGeom prst="rect">
+            <a:avLst/>
+          </a:prstGeom>
+          <a:noFill/>
+        </p:spPr>
+        <p:txBody>
+          <a:bodyPr wrap="none" rtlCol="0">
+            <a:spAutoFit/>
+          </a:bodyPr>
+          <a:lstStyle/>
+          <a:p>
+            <a:r>
+              <a:rPr lang="en-US" sz="2000" b="1" dirty="0"/>
+              <a:t>Variables</a:t>
+            </a:r>
+            <a:endParaRPr lang="en-US" dirty="0"/>
+          </a:p>
+        </p:txBody>
+      </p:sp>
+      <p:sp>
+        <p:nvSpPr>
+          <p:cNvPr id="7" name="TextBox 6">
+            <a:extLst>
+              <a:ext uri="{FF2B5EF4-FFF2-40B4-BE49-F238E27FC236}">
+                <a16:creationId xmlns:a16="http://schemas.microsoft.com/office/drawing/2014/main" id="{26877121-6479-D24A-ABF2-B77774556255}"/>
+              </a:ext>
+            </a:extLst>
+          </p:cNvPr>
+          <p:cNvSpPr txBox="1"/>
+          <p:nvPr/>
+        </p:nvSpPr>
+        <p:spPr>
+          <a:xfrm>
+            <a:off x="3124200" y="2438400"/>
+            <a:ext cx="646331" cy="400110"/>
+          </a:xfrm>
+          <a:prstGeom prst="rect">
+            <a:avLst/>
+          </a:prstGeom>
+          <a:noFill/>
+        </p:spPr>
+        <p:txBody>
+          <a:bodyPr wrap="none" rtlCol="0">
+            <a:spAutoFit/>
+          </a:bodyPr>
+          <a:lstStyle/>
+          <a:p>
+            <a:r>
+              <a:rPr lang="en-US" sz="2000" dirty="0">
+                <a:latin typeface="Courier New" panose="02070309020205020404" pitchFamily="49" charset="0"/>
+                <a:cs typeface="Courier New" panose="02070309020205020404" pitchFamily="49" charset="0"/>
+              </a:rPr>
+              <a:t>out</a:t>
+            </a:r>
+            <a:endParaRPr lang="en-US" sz="2000" i="1" dirty="0"/>
+          </a:p>
+        </p:txBody>
+      </p:sp>
+      <p:sp>
+        <p:nvSpPr>
+          <p:cNvPr id="38" name="TextBox 37">
+            <a:extLst>
+              <a:ext uri="{FF2B5EF4-FFF2-40B4-BE49-F238E27FC236}">
+                <a16:creationId xmlns:a16="http://schemas.microsoft.com/office/drawing/2014/main" id="{21DA3EB8-2E8A-3443-8B76-53FCB5CD8B05}"/>
+              </a:ext>
+            </a:extLst>
+          </p:cNvPr>
+          <p:cNvSpPr txBox="1"/>
+          <p:nvPr/>
+        </p:nvSpPr>
+        <p:spPr>
+          <a:xfrm>
+            <a:off x="3124200" y="3886200"/>
+            <a:ext cx="492443" cy="400110"/>
+          </a:xfrm>
+          <a:prstGeom prst="rect">
+            <a:avLst/>
+          </a:prstGeom>
+          <a:noFill/>
+        </p:spPr>
+        <p:txBody>
+          <a:bodyPr wrap="none" rtlCol="0">
+            <a:spAutoFit/>
+          </a:bodyPr>
+          <a:lstStyle/>
+          <a:p>
+            <a:r>
+              <a:rPr lang="en-US" sz="2000" dirty="0">
+                <a:latin typeface="Courier New" panose="02070309020205020404" pitchFamily="49" charset="0"/>
+                <a:cs typeface="Courier New" panose="02070309020205020404" pitchFamily="49" charset="0"/>
+              </a:rPr>
+              <a:t>in</a:t>
+            </a:r>
+            <a:endParaRPr lang="en-US" sz="2000" i="1" dirty="0"/>
+          </a:p>
+        </p:txBody>
+      </p:sp>
+      <p:sp>
+        <p:nvSpPr>
+          <p:cNvPr id="39" name="TextBox 38">
+            <a:extLst>
+              <a:ext uri="{FF2B5EF4-FFF2-40B4-BE49-F238E27FC236}">
+                <a16:creationId xmlns:a16="http://schemas.microsoft.com/office/drawing/2014/main" id="{88ACF1BF-770B-B441-B1EA-22AD84A4319E}"/>
+              </a:ext>
+            </a:extLst>
+          </p:cNvPr>
+          <p:cNvSpPr txBox="1"/>
+          <p:nvPr/>
+        </p:nvSpPr>
+        <p:spPr>
+          <a:xfrm>
+            <a:off x="3124200" y="4210110"/>
+            <a:ext cx="646331" cy="400110"/>
+          </a:xfrm>
+          <a:prstGeom prst="rect">
+            <a:avLst/>
+          </a:prstGeom>
+          <a:noFill/>
+        </p:spPr>
+        <p:txBody>
+          <a:bodyPr wrap="none" rtlCol="0">
+            <a:spAutoFit/>
+          </a:bodyPr>
+          <a:lstStyle/>
+          <a:p>
+            <a:r>
+              <a:rPr lang="en-US" sz="2000" dirty="0">
+                <a:latin typeface="Courier New" panose="02070309020205020404" pitchFamily="49" charset="0"/>
+                <a:cs typeface="Courier New" panose="02070309020205020404" pitchFamily="49" charset="0"/>
+              </a:rPr>
+              <a:t>out</a:t>
+            </a:r>
+            <a:endParaRPr lang="en-US" sz="2000" i="1" dirty="0"/>
+          </a:p>
+        </p:txBody>
+      </p:sp>
+      <p:sp>
+        <p:nvSpPr>
+          <p:cNvPr id="40" name="TextBox 39">
+            <a:extLst>
+              <a:ext uri="{FF2B5EF4-FFF2-40B4-BE49-F238E27FC236}">
+                <a16:creationId xmlns:a16="http://schemas.microsoft.com/office/drawing/2014/main" id="{41C00973-0069-4E44-9035-5A1C86CDA886}"/>
+              </a:ext>
+            </a:extLst>
+          </p:cNvPr>
+          <p:cNvSpPr txBox="1"/>
+          <p:nvPr/>
+        </p:nvSpPr>
+        <p:spPr>
+          <a:xfrm>
+            <a:off x="3124200" y="4514910"/>
+            <a:ext cx="1107996" cy="400110"/>
+          </a:xfrm>
+          <a:prstGeom prst="rect">
+            <a:avLst/>
+          </a:prstGeom>
+          <a:noFill/>
+        </p:spPr>
+        <p:txBody>
+          <a:bodyPr wrap="none" rtlCol="0">
+            <a:spAutoFit/>
+          </a:bodyPr>
+          <a:lstStyle/>
+          <a:p>
+            <a:r>
+              <a:rPr lang="en-US" sz="2000" dirty="0">
+                <a:latin typeface="Courier New" panose="02070309020205020404" pitchFamily="49" charset="0"/>
+                <a:cs typeface="Courier New" panose="02070309020205020404" pitchFamily="49" charset="0"/>
+              </a:rPr>
+              <a:t>height</a:t>
+            </a:r>
+            <a:endParaRPr lang="en-US" sz="2000" i="1" dirty="0"/>
+          </a:p>
+        </p:txBody>
+      </p:sp>
+      <p:sp>
+        <p:nvSpPr>
+          <p:cNvPr id="41" name="TextBox 40">
+            <a:extLst>
+              <a:ext uri="{FF2B5EF4-FFF2-40B4-BE49-F238E27FC236}">
+                <a16:creationId xmlns:a16="http://schemas.microsoft.com/office/drawing/2014/main" id="{22A511D9-1F4A-AC43-BB84-B44AB35F7FBA}"/>
+              </a:ext>
+            </a:extLst>
+          </p:cNvPr>
+          <p:cNvSpPr txBox="1"/>
+          <p:nvPr/>
+        </p:nvSpPr>
+        <p:spPr>
+          <a:xfrm>
+            <a:off x="3124200" y="6076890"/>
+            <a:ext cx="1261884" cy="400110"/>
+          </a:xfrm>
+          <a:prstGeom prst="rect">
+            <a:avLst/>
+          </a:prstGeom>
+          <a:noFill/>
+        </p:spPr>
+        <p:txBody>
+          <a:bodyPr wrap="none" rtlCol="0">
+            <a:spAutoFit/>
+          </a:bodyPr>
+          <a:lstStyle/>
+          <a:p>
+            <a:r>
+              <a:rPr lang="en-US" sz="2000" dirty="0">
+                <a:latin typeface="Courier New" panose="02070309020205020404" pitchFamily="49" charset="0"/>
+                <a:cs typeface="Courier New" panose="02070309020205020404" pitchFamily="49" charset="0"/>
+              </a:rPr>
+              <a:t>setting</a:t>
+            </a:r>
+            <a:endParaRPr lang="en-US" sz="2000" i="1" dirty="0"/>
+          </a:p>
+        </p:txBody>
+      </p:sp>
+      <p:sp>
+        <p:nvSpPr>
+          <p:cNvPr id="46" name="TextBox 45">
+            <a:extLst>
+              <a:ext uri="{FF2B5EF4-FFF2-40B4-BE49-F238E27FC236}">
+                <a16:creationId xmlns:a16="http://schemas.microsoft.com/office/drawing/2014/main" id="{1186715B-F512-D54A-8032-012FB8737A10}"/>
+              </a:ext>
+            </a:extLst>
+          </p:cNvPr>
+          <p:cNvSpPr txBox="1"/>
+          <p:nvPr/>
+        </p:nvSpPr>
+        <p:spPr>
+          <a:xfrm>
+            <a:off x="3124200" y="5467290"/>
+            <a:ext cx="492443" cy="400110"/>
+          </a:xfrm>
+          <a:prstGeom prst="rect">
+            <a:avLst/>
+          </a:prstGeom>
+          <a:noFill/>
+        </p:spPr>
+        <p:txBody>
+          <a:bodyPr wrap="none" rtlCol="0">
+            <a:spAutoFit/>
+          </a:bodyPr>
+          <a:lstStyle/>
+          <a:p>
+            <a:r>
+              <a:rPr lang="en-US" sz="2000" dirty="0">
+                <a:latin typeface="Courier New" panose="02070309020205020404" pitchFamily="49" charset="0"/>
+                <a:cs typeface="Courier New" panose="02070309020205020404" pitchFamily="49" charset="0"/>
+              </a:rPr>
+              <a:t>in</a:t>
+            </a:r>
+            <a:endParaRPr lang="en-US" sz="2000" i="1" dirty="0"/>
+          </a:p>
+        </p:txBody>
+      </p:sp>
+      <p:sp>
+        <p:nvSpPr>
+          <p:cNvPr id="47" name="TextBox 46">
+            <a:extLst>
+              <a:ext uri="{FF2B5EF4-FFF2-40B4-BE49-F238E27FC236}">
+                <a16:creationId xmlns:a16="http://schemas.microsoft.com/office/drawing/2014/main" id="{E32F62A5-F93B-8441-8E18-5446B7870259}"/>
+              </a:ext>
+            </a:extLst>
+          </p:cNvPr>
+          <p:cNvSpPr txBox="1"/>
+          <p:nvPr/>
+        </p:nvSpPr>
+        <p:spPr>
+          <a:xfrm>
+            <a:off x="3124200" y="5772090"/>
+            <a:ext cx="646331" cy="400110"/>
+          </a:xfrm>
+          <a:prstGeom prst="rect">
+            <a:avLst/>
+          </a:prstGeom>
+          <a:noFill/>
+        </p:spPr>
+        <p:txBody>
+          <a:bodyPr wrap="none" rtlCol="0">
+            <a:spAutoFit/>
+          </a:bodyPr>
+          <a:lstStyle/>
+          <a:p>
+            <a:r>
+              <a:rPr lang="en-US" sz="2000" dirty="0">
+                <a:latin typeface="Courier New" panose="02070309020205020404" pitchFamily="49" charset="0"/>
+                <a:cs typeface="Courier New" panose="02070309020205020404" pitchFamily="49" charset="0"/>
+              </a:rPr>
+              <a:t>out</a:t>
+            </a:r>
+            <a:endParaRPr lang="en-US" sz="2000" i="1" dirty="0"/>
+          </a:p>
+        </p:txBody>
+      </p:sp>
+      <p:sp>
+        <p:nvSpPr>
+          <p:cNvPr id="37" name="TextBox 36">
+            <a:extLst>
+              <a:ext uri="{FF2B5EF4-FFF2-40B4-BE49-F238E27FC236}">
+                <a16:creationId xmlns:a16="http://schemas.microsoft.com/office/drawing/2014/main" id="{21D2DB11-2345-1A4A-8DCB-A02950E56FC6}"/>
+              </a:ext>
+            </a:extLst>
+          </p:cNvPr>
+          <p:cNvSpPr txBox="1"/>
+          <p:nvPr/>
+        </p:nvSpPr>
+        <p:spPr>
+          <a:xfrm>
+            <a:off x="6614570" y="1752600"/>
+            <a:ext cx="1582484" cy="707886"/>
+          </a:xfrm>
+          <a:prstGeom prst="rect">
+            <a:avLst/>
+          </a:prstGeom>
+          <a:noFill/>
+        </p:spPr>
+        <p:txBody>
+          <a:bodyPr wrap="none" rtlCol="0">
+            <a:spAutoFit/>
+          </a:bodyPr>
+          <a:lstStyle/>
+          <a:p>
+            <a:r>
+              <a:rPr lang="en-US" sz="2000" b="1" dirty="0"/>
+              <a:t>Conceptual</a:t>
+            </a:r>
+          </a:p>
+          <a:p>
+            <a:pPr algn="ctr"/>
+            <a:r>
+              <a:rPr lang="en-US" sz="2000" b="1" dirty="0"/>
+              <a:t>Model</a:t>
+            </a:r>
+            <a:endParaRPr lang="en-US" dirty="0"/>
+          </a:p>
+        </p:txBody>
+      </p:sp>
+      <p:sp>
+        <p:nvSpPr>
+          <p:cNvPr id="10" name="Rectangle 9">
+            <a:extLst>
+              <a:ext uri="{FF2B5EF4-FFF2-40B4-BE49-F238E27FC236}">
+                <a16:creationId xmlns:a16="http://schemas.microsoft.com/office/drawing/2014/main" id="{9DEF3F49-85E5-BA4C-A48A-F1FEE6EE349A}"/>
+              </a:ext>
+            </a:extLst>
+          </p:cNvPr>
+          <p:cNvSpPr/>
+          <p:nvPr/>
+        </p:nvSpPr>
+        <p:spPr>
+          <a:xfrm>
+            <a:off x="6797729" y="4267200"/>
+            <a:ext cx="669871" cy="533400"/>
+          </a:xfrm>
+          <a:prstGeom prst="rect">
+            <a:avLst/>
+          </a:prstGeom>
+          <a:noFill/>
+          <a:ln w="38100"/>
+          <a:effectLst>
+            <a:outerShdw dist="23000" sx="1000" sy="1000" rotWithShape="0">
+              <a:srgbClr val="000000"/>
+            </a:outerShdw>
+          </a:effectLst>
+        </p:spPr>
+        <p:style>
+          <a:lnRef idx="1">
+            <a:schemeClr val="accent1"/>
+          </a:lnRef>
+          <a:fillRef idx="3">
+            <a:schemeClr val="accent1"/>
+          </a:fillRef>
+          <a:effectRef idx="2">
+            <a:schemeClr val="accent1"/>
+          </a:effectRef>
+          <a:fontRef idx="minor">
+            <a:schemeClr val="lt1"/>
+          </a:fontRef>
+        </p:style>
+        <p:txBody>
+          <a:bodyPr rtlCol="0" anchor="ctr"/>
+          <a:lstStyle/>
+          <a:p>
+            <a:pPr algn="ctr"/>
+            <a:endParaRPr lang="en-US"/>
+          </a:p>
+        </p:txBody>
+      </p:sp>
+      <p:cxnSp>
+        <p:nvCxnSpPr>
+          <p:cNvPr id="12" name="Elbow Connector 11">
+            <a:extLst>
+              <a:ext uri="{FF2B5EF4-FFF2-40B4-BE49-F238E27FC236}">
+                <a16:creationId xmlns:a16="http://schemas.microsoft.com/office/drawing/2014/main" id="{4AF6ACDA-7C31-C44C-8F56-5CC970FA6991}"/>
+              </a:ext>
+            </a:extLst>
+          </p:cNvPr>
+          <p:cNvCxnSpPr>
+            <a:cxnSpLocks/>
+            <a:stCxn id="38" idx="3"/>
+            <a:endCxn id="10" idx="0"/>
+          </p:cNvCxnSpPr>
+          <p:nvPr/>
+        </p:nvCxnSpPr>
+        <p:spPr>
+          <a:xfrm>
+            <a:off x="3616643" y="4086255"/>
+            <a:ext cx="3516022" cy="180945"/>
+          </a:xfrm>
+          <a:prstGeom prst="bentConnector2">
+            <a:avLst/>
+          </a:prstGeom>
+          <a:ln>
+            <a:headEnd type="none" w="med" len="med"/>
+            <a:tailEnd type="arrow" w="med" len="med"/>
+          </a:ln>
+        </p:spPr>
+        <p:style>
+          <a:lnRef idx="2">
+            <a:schemeClr val="accent1"/>
+          </a:lnRef>
+          <a:fillRef idx="0">
+            <a:schemeClr val="accent1"/>
+          </a:fillRef>
+          <a:effectRef idx="1">
+            <a:schemeClr val="accent1"/>
+          </a:effectRef>
+          <a:fontRef idx="minor">
+            <a:schemeClr val="tx1"/>
+          </a:fontRef>
+        </p:style>
+      </p:cxnSp>
+      <p:cxnSp>
+        <p:nvCxnSpPr>
+          <p:cNvPr id="16" name="Elbow Connector 15">
+            <a:extLst>
+              <a:ext uri="{FF2B5EF4-FFF2-40B4-BE49-F238E27FC236}">
+                <a16:creationId xmlns:a16="http://schemas.microsoft.com/office/drawing/2014/main" id="{BAAEB648-5E8A-CB4E-B52C-721CAF6F6B4A}"/>
+              </a:ext>
+            </a:extLst>
+          </p:cNvPr>
+          <p:cNvCxnSpPr>
+            <a:stCxn id="40" idx="3"/>
+            <a:endCxn id="10" idx="2"/>
+          </p:cNvCxnSpPr>
+          <p:nvPr/>
+        </p:nvCxnSpPr>
+        <p:spPr>
+          <a:xfrm>
+            <a:off x="4232196" y="4714965"/>
+            <a:ext cx="2900469" cy="85635"/>
+          </a:xfrm>
+          <a:prstGeom prst="bentConnector4">
+            <a:avLst>
+              <a:gd name="adj1" fmla="val 44226"/>
+              <a:gd name="adj2" fmla="val 366947"/>
+            </a:avLst>
+          </a:prstGeom>
+          <a:ln>
+            <a:headEnd type="none" w="med" len="med"/>
+            <a:tailEnd type="arrow" w="med" len="med"/>
+          </a:ln>
+        </p:spPr>
+        <p:style>
+          <a:lnRef idx="2">
+            <a:schemeClr val="accent1"/>
+          </a:lnRef>
+          <a:fillRef idx="0">
+            <a:schemeClr val="accent1"/>
+          </a:fillRef>
+          <a:effectRef idx="1">
+            <a:schemeClr val="accent1"/>
+          </a:effectRef>
+          <a:fontRef idx="minor">
+            <a:schemeClr val="tx1"/>
+          </a:fontRef>
+        </p:style>
+      </p:cxnSp>
+      <p:cxnSp>
+        <p:nvCxnSpPr>
+          <p:cNvPr id="18" name="Elbow Connector 17">
+            <a:extLst>
+              <a:ext uri="{FF2B5EF4-FFF2-40B4-BE49-F238E27FC236}">
+                <a16:creationId xmlns:a16="http://schemas.microsoft.com/office/drawing/2014/main" id="{1F1E453B-CAAD-454F-BDC0-A0E89294E210}"/>
+              </a:ext>
+            </a:extLst>
+          </p:cNvPr>
+          <p:cNvCxnSpPr>
+            <a:stCxn id="10" idx="1"/>
+            <a:endCxn id="39" idx="3"/>
+          </p:cNvCxnSpPr>
+          <p:nvPr/>
+        </p:nvCxnSpPr>
+        <p:spPr>
+          <a:xfrm rot="10800000">
+            <a:off x="3770531" y="4410166"/>
+            <a:ext cx="3027198" cy="123735"/>
+          </a:xfrm>
+          <a:prstGeom prst="bentConnector3">
+            <a:avLst/>
+          </a:prstGeom>
+          <a:ln>
+            <a:headEnd type="none" w="med" len="med"/>
+            <a:tailEnd type="arrow" w="med" len="med"/>
+          </a:ln>
+        </p:spPr>
+        <p:style>
+          <a:lnRef idx="2">
+            <a:schemeClr val="accent1"/>
+          </a:lnRef>
+          <a:fillRef idx="0">
+            <a:schemeClr val="accent1"/>
+          </a:fillRef>
+          <a:effectRef idx="1">
+            <a:schemeClr val="accent1"/>
+          </a:effectRef>
+          <a:fontRef idx="minor">
+            <a:schemeClr val="tx1"/>
+          </a:fontRef>
+        </p:style>
+      </p:cxnSp>
+      <p:sp>
+        <p:nvSpPr>
+          <p:cNvPr id="48" name="Rectangle 47">
+            <a:extLst>
+              <a:ext uri="{FF2B5EF4-FFF2-40B4-BE49-F238E27FC236}">
+                <a16:creationId xmlns:a16="http://schemas.microsoft.com/office/drawing/2014/main" id="{E9947212-C67E-5148-ADBA-2F1E183B2F87}"/>
+              </a:ext>
+            </a:extLst>
+          </p:cNvPr>
+          <p:cNvSpPr/>
+          <p:nvPr/>
+        </p:nvSpPr>
+        <p:spPr>
+          <a:xfrm>
+            <a:off x="6950129" y="5872369"/>
+            <a:ext cx="669871" cy="452231"/>
+          </a:xfrm>
+          <a:prstGeom prst="rect">
+            <a:avLst/>
+          </a:prstGeom>
+          <a:noFill/>
+          <a:ln w="38100"/>
+          <a:effectLst>
+            <a:outerShdw dist="23000" sx="1000" sy="1000" rotWithShape="0">
+              <a:srgbClr val="000000"/>
+            </a:outerShdw>
+          </a:effectLst>
+        </p:spPr>
+        <p:style>
+          <a:lnRef idx="1">
+            <a:schemeClr val="accent1"/>
+          </a:lnRef>
+          <a:fillRef idx="3">
+            <a:schemeClr val="accent1"/>
+          </a:fillRef>
+          <a:effectRef idx="2">
+            <a:schemeClr val="accent1"/>
+          </a:effectRef>
+          <a:fontRef idx="minor">
+            <a:schemeClr val="lt1"/>
+          </a:fontRef>
+        </p:style>
+        <p:txBody>
+          <a:bodyPr rtlCol="0" anchor="ctr"/>
+          <a:lstStyle/>
+          <a:p>
+            <a:pPr algn="ctr"/>
+            <a:endParaRPr lang="en-US"/>
+          </a:p>
+        </p:txBody>
+      </p:sp>
+      <p:cxnSp>
+        <p:nvCxnSpPr>
+          <p:cNvPr id="49" name="Elbow Connector 48">
+            <a:extLst>
+              <a:ext uri="{FF2B5EF4-FFF2-40B4-BE49-F238E27FC236}">
+                <a16:creationId xmlns:a16="http://schemas.microsoft.com/office/drawing/2014/main" id="{5714719A-7A9E-5846-A2F3-3D59EC55FDC5}"/>
+              </a:ext>
+            </a:extLst>
+          </p:cNvPr>
+          <p:cNvCxnSpPr>
+            <a:cxnSpLocks/>
+            <a:stCxn id="46" idx="3"/>
+            <a:endCxn id="48" idx="0"/>
+          </p:cNvCxnSpPr>
+          <p:nvPr/>
+        </p:nvCxnSpPr>
+        <p:spPr>
+          <a:xfrm>
+            <a:off x="3616643" y="5667345"/>
+            <a:ext cx="3668422" cy="205024"/>
+          </a:xfrm>
+          <a:prstGeom prst="bentConnector2">
+            <a:avLst/>
+          </a:prstGeom>
+          <a:ln>
+            <a:headEnd type="none" w="med" len="med"/>
+            <a:tailEnd type="arrow" w="med" len="med"/>
+          </a:ln>
+        </p:spPr>
+        <p:style>
+          <a:lnRef idx="2">
+            <a:schemeClr val="accent1"/>
+          </a:lnRef>
+          <a:fillRef idx="0">
+            <a:schemeClr val="accent1"/>
+          </a:fillRef>
+          <a:effectRef idx="1">
+            <a:schemeClr val="accent1"/>
+          </a:effectRef>
+          <a:fontRef idx="minor">
+            <a:schemeClr val="tx1"/>
+          </a:fontRef>
+        </p:style>
+      </p:cxnSp>
+      <p:cxnSp>
+        <p:nvCxnSpPr>
+          <p:cNvPr id="50" name="Elbow Connector 49">
+            <a:extLst>
+              <a:ext uri="{FF2B5EF4-FFF2-40B4-BE49-F238E27FC236}">
+                <a16:creationId xmlns:a16="http://schemas.microsoft.com/office/drawing/2014/main" id="{23B75CBF-C390-4541-AFBB-C2D08A50E005}"/>
+              </a:ext>
+            </a:extLst>
+          </p:cNvPr>
+          <p:cNvCxnSpPr>
+            <a:cxnSpLocks/>
+            <a:stCxn id="41" idx="3"/>
+            <a:endCxn id="48" idx="2"/>
+          </p:cNvCxnSpPr>
+          <p:nvPr/>
+        </p:nvCxnSpPr>
+        <p:spPr>
+          <a:xfrm>
+            <a:off x="4386084" y="6276945"/>
+            <a:ext cx="2898981" cy="47655"/>
+          </a:xfrm>
+          <a:prstGeom prst="bentConnector4">
+            <a:avLst>
+              <a:gd name="adj1" fmla="val 44223"/>
+              <a:gd name="adj2" fmla="val 579698"/>
+            </a:avLst>
+          </a:prstGeom>
+          <a:ln>
+            <a:headEnd type="none" w="med" len="med"/>
+            <a:tailEnd type="arrow" w="med" len="med"/>
+          </a:ln>
+        </p:spPr>
+        <p:style>
+          <a:lnRef idx="2">
+            <a:schemeClr val="accent1"/>
+          </a:lnRef>
+          <a:fillRef idx="0">
+            <a:schemeClr val="accent1"/>
+          </a:fillRef>
+          <a:effectRef idx="1">
+            <a:schemeClr val="accent1"/>
+          </a:effectRef>
+          <a:fontRef idx="minor">
+            <a:schemeClr val="tx1"/>
+          </a:fontRef>
+        </p:style>
+      </p:cxnSp>
+      <p:cxnSp>
+        <p:nvCxnSpPr>
+          <p:cNvPr id="51" name="Elbow Connector 50">
+            <a:extLst>
+              <a:ext uri="{FF2B5EF4-FFF2-40B4-BE49-F238E27FC236}">
+                <a16:creationId xmlns:a16="http://schemas.microsoft.com/office/drawing/2014/main" id="{DCE7A788-AC9E-854B-86C5-78CE33A44E9E}"/>
+              </a:ext>
+            </a:extLst>
+          </p:cNvPr>
+          <p:cNvCxnSpPr>
+            <a:cxnSpLocks/>
+            <a:stCxn id="48" idx="1"/>
+            <a:endCxn id="47" idx="3"/>
+          </p:cNvCxnSpPr>
+          <p:nvPr/>
+        </p:nvCxnSpPr>
+        <p:spPr>
+          <a:xfrm rot="10800000">
+            <a:off x="3770531" y="5972145"/>
+            <a:ext cx="3179598" cy="126340"/>
+          </a:xfrm>
+          <a:prstGeom prst="bentConnector3">
+            <a:avLst/>
+          </a:prstGeom>
+          <a:ln>
+            <a:headEnd type="none" w="med" len="med"/>
+            <a:tailEnd type="arrow" w="med" len="med"/>
+          </a:ln>
+        </p:spPr>
+        <p:style>
+          <a:lnRef idx="2">
+            <a:schemeClr val="accent1"/>
+          </a:lnRef>
+          <a:fillRef idx="0">
+            <a:schemeClr val="accent1"/>
+          </a:fillRef>
+          <a:effectRef idx="1">
+            <a:schemeClr val="accent1"/>
+          </a:effectRef>
+          <a:fontRef idx="minor">
+            <a:schemeClr val="tx1"/>
+          </a:fontRef>
+        </p:style>
+      </p:cxnSp>
+    </p:spTree>
+    <p:extLst>
+      <p:ext uri="{BB962C8B-B14F-4D97-AF65-F5344CB8AC3E}">
+        <p14:creationId xmlns:p14="http://schemas.microsoft.com/office/powerpoint/2010/main" val="1041209272"/>
+      </p:ext>
+    </p:extLst>
+  </p:cSld>
+  <p:clrMapOvr>
+    <a:masterClrMapping/>
+  </p:clrMapOvr>
+  <p:timing>
+    <p:tnLst>
+      <p:par>
+        <p:cTn id="1" dur="indefinite" restart="never" nodeType="tmRoot">
+          <p:childTnLst>
+            <p:seq concurrent="1" nextAc="seek">
+              <p:cTn id="2" dur="indefinite" nodeType="mainSeq">
+                <p:childTnLst>
+                  <p:par>
+                    <p:cTn id="3" fill="hold">
+                      <p:stCondLst>
+                        <p:cond delay="indefinite"/>
+                      </p:stCondLst>
+                      <p:childTnLst>
+                        <p:par>
+                          <p:cTn id="4" fill="hold">
+                            <p:stCondLst>
+                              <p:cond delay="0"/>
+                            </p:stCondLst>
+                            <p:childTnLst>
+                              <p:par>
+                                <p:cTn id="5" presetID="1" presetClass="entr" presetSubtype="0" fill="hold" nodeType="clickEffect">
+                                  <p:stCondLst>
+                                    <p:cond delay="0"/>
+                                  </p:stCondLst>
+                                  <p:childTnLst>
+                                    <p:set>
+                                      <p:cBhvr>
+                                        <p:cTn id="6" dur="1" fill="hold">
+                                          <p:stCondLst>
+                                            <p:cond delay="0"/>
+                                          </p:stCondLst>
+                                        </p:cTn>
+                                        <p:tgtEl>
+                                          <p:spTgt spid="19"/>
+                                        </p:tgtEl>
+                                        <p:attrNameLst>
+                                          <p:attrName>style.visibility</p:attrName>
+                                        </p:attrNameLst>
+                                      </p:cBhvr>
+                                      <p:to>
+                                        <p:strVal val="visible"/>
+                                      </p:to>
+                                    </p:set>
+                                  </p:childTnLst>
+                                </p:cTn>
+                              </p:par>
+                              <p:par>
+                                <p:cTn id="7" presetID="1" presetClass="entr" presetSubtype="0" fill="hold" nodeType="withEffect">
+                                  <p:stCondLst>
+                                    <p:cond delay="0"/>
+                                  </p:stCondLst>
+                                  <p:childTnLst>
+                                    <p:set>
+                                      <p:cBhvr>
+                                        <p:cTn id="8" dur="1" fill="hold">
+                                          <p:stCondLst>
+                                            <p:cond delay="0"/>
+                                          </p:stCondLst>
+                                        </p:cTn>
+                                        <p:tgtEl>
+                                          <p:spTgt spid="20"/>
+                                        </p:tgtEl>
+                                        <p:attrNameLst>
+                                          <p:attrName>style.visibility</p:attrName>
+                                        </p:attrNameLst>
+                                      </p:cBhvr>
+                                      <p:to>
+                                        <p:strVal val="visible"/>
+                                      </p:to>
+                                    </p:set>
+                                  </p:childTnLst>
+                                </p:cTn>
+                              </p:par>
+                              <p:par>
+                                <p:cTn id="9" presetID="1" presetClass="entr" presetSubtype="0" fill="hold" grpId="0" nodeType="withEffect">
+                                  <p:stCondLst>
+                                    <p:cond delay="0"/>
+                                  </p:stCondLst>
+                                  <p:childTnLst>
+                                    <p:set>
+                                      <p:cBhvr>
+                                        <p:cTn id="10" dur="1" fill="hold">
+                                          <p:stCondLst>
+                                            <p:cond delay="0"/>
+                                          </p:stCondLst>
+                                        </p:cTn>
+                                        <p:tgtEl>
+                                          <p:spTgt spid="6"/>
+                                        </p:tgtEl>
+                                        <p:attrNameLst>
+                                          <p:attrName>style.visibility</p:attrName>
+                                        </p:attrNameLst>
+                                      </p:cBhvr>
+                                      <p:to>
+                                        <p:strVal val="visible"/>
+                                      </p:to>
+                                    </p:set>
+                                  </p:childTnLst>
+                                </p:cTn>
+                              </p:par>
+                              <p:par>
+                                <p:cTn id="11" presetID="1" presetClass="entr" presetSubtype="0" fill="hold" grpId="0" nodeType="withEffect">
+                                  <p:stCondLst>
+                                    <p:cond delay="0"/>
+                                  </p:stCondLst>
+                                  <p:childTnLst>
+                                    <p:set>
+                                      <p:cBhvr>
+                                        <p:cTn id="12" dur="1" fill="hold">
+                                          <p:stCondLst>
+                                            <p:cond delay="0"/>
+                                          </p:stCondLst>
+                                        </p:cTn>
+                                        <p:tgtEl>
+                                          <p:spTgt spid="35"/>
+                                        </p:tgtEl>
+                                        <p:attrNameLst>
+                                          <p:attrName>style.visibility</p:attrName>
+                                        </p:attrNameLst>
+                                      </p:cBhvr>
+                                      <p:to>
+                                        <p:strVal val="visible"/>
+                                      </p:to>
+                                    </p:set>
+                                  </p:childTnLst>
+                                </p:cTn>
+                              </p:par>
+                              <p:par>
+                                <p:cTn id="13" presetID="1" presetClass="entr" presetSubtype="0" fill="hold" grpId="0" nodeType="withEffect">
+                                  <p:stCondLst>
+                                    <p:cond delay="0"/>
+                                  </p:stCondLst>
+                                  <p:childTnLst>
+                                    <p:set>
+                                      <p:cBhvr>
+                                        <p:cTn id="14" dur="1" fill="hold">
+                                          <p:stCondLst>
+                                            <p:cond delay="0"/>
+                                          </p:stCondLst>
+                                        </p:cTn>
+                                        <p:tgtEl>
+                                          <p:spTgt spid="7"/>
+                                        </p:tgtEl>
+                                        <p:attrNameLst>
+                                          <p:attrName>style.visibility</p:attrName>
+                                        </p:attrNameLst>
+                                      </p:cBhvr>
+                                      <p:to>
+                                        <p:strVal val="visible"/>
+                                      </p:to>
+                                    </p:set>
+                                  </p:childTnLst>
+                                </p:cTn>
+                              </p:par>
+                            </p:childTnLst>
+                          </p:cTn>
+                        </p:par>
+                      </p:childTnLst>
+                    </p:cTn>
+                  </p:par>
+                  <p:par>
+                    <p:cTn id="15" fill="hold">
+                      <p:stCondLst>
+                        <p:cond delay="indefinite"/>
+                      </p:stCondLst>
+                      <p:childTnLst>
+                        <p:par>
+                          <p:cTn id="16" fill="hold">
+                            <p:stCondLst>
+                              <p:cond delay="0"/>
+                            </p:stCondLst>
+                            <p:childTnLst>
+                              <p:par>
+                                <p:cTn id="17" presetID="1" presetClass="entr" presetSubtype="0" fill="hold" grpId="0" nodeType="clickEffect">
+                                  <p:stCondLst>
+                                    <p:cond delay="0"/>
+                                  </p:stCondLst>
+                                  <p:childTnLst>
+                                    <p:set>
+                                      <p:cBhvr>
+                                        <p:cTn id="18" dur="1" fill="hold">
+                                          <p:stCondLst>
+                                            <p:cond delay="0"/>
+                                          </p:stCondLst>
+                                        </p:cTn>
+                                        <p:tgtEl>
+                                          <p:spTgt spid="37"/>
+                                        </p:tgtEl>
+                                        <p:attrNameLst>
+                                          <p:attrName>style.visibility</p:attrName>
+                                        </p:attrNameLst>
+                                      </p:cBhvr>
+                                      <p:to>
+                                        <p:strVal val="visible"/>
+                                      </p:to>
+                                    </p:set>
+                                  </p:childTnLst>
+                                </p:cTn>
+                              </p:par>
+                            </p:childTnLst>
+                          </p:cTn>
+                        </p:par>
+                      </p:childTnLst>
+                    </p:cTn>
+                  </p:par>
+                  <p:par>
+                    <p:cTn id="19" fill="hold">
+                      <p:stCondLst>
+                        <p:cond delay="indefinite"/>
+                      </p:stCondLst>
+                      <p:childTnLst>
+                        <p:par>
+                          <p:cTn id="20" fill="hold">
+                            <p:stCondLst>
+                              <p:cond delay="0"/>
+                            </p:stCondLst>
+                            <p:childTnLst>
+                              <p:par>
+                                <p:cTn id="21" presetID="1" presetClass="entr" presetSubtype="0" fill="hold" grpId="0" nodeType="clickEffect">
+                                  <p:stCondLst>
+                                    <p:cond delay="0"/>
+                                  </p:stCondLst>
+                                  <p:childTnLst>
+                                    <p:set>
+                                      <p:cBhvr>
+                                        <p:cTn id="22" dur="1" fill="hold">
+                                          <p:stCondLst>
+                                            <p:cond delay="0"/>
+                                          </p:stCondLst>
+                                        </p:cTn>
+                                        <p:tgtEl>
+                                          <p:spTgt spid="22"/>
+                                        </p:tgtEl>
+                                        <p:attrNameLst>
+                                          <p:attrName>style.visibility</p:attrName>
+                                        </p:attrNameLst>
+                                      </p:cBhvr>
+                                      <p:to>
+                                        <p:strVal val="visible"/>
+                                      </p:to>
+                                    </p:set>
+                                  </p:childTnLst>
+                                </p:cTn>
+                              </p:par>
+                              <p:par>
+                                <p:cTn id="23" presetID="1" presetClass="entr" presetSubtype="0" fill="hold" nodeType="withEffect">
+                                  <p:stCondLst>
+                                    <p:cond delay="0"/>
+                                  </p:stCondLst>
+                                  <p:childTnLst>
+                                    <p:set>
+                                      <p:cBhvr>
+                                        <p:cTn id="24" dur="1" fill="hold">
+                                          <p:stCondLst>
+                                            <p:cond delay="0"/>
+                                          </p:stCondLst>
+                                        </p:cTn>
+                                        <p:tgtEl>
+                                          <p:spTgt spid="23"/>
+                                        </p:tgtEl>
+                                        <p:attrNameLst>
+                                          <p:attrName>style.visibility</p:attrName>
+                                        </p:attrNameLst>
+                                      </p:cBhvr>
+                                      <p:to>
+                                        <p:strVal val="visible"/>
+                                      </p:to>
+                                    </p:set>
+                                  </p:childTnLst>
+                                </p:cTn>
+                              </p:par>
+                              <p:par>
+                                <p:cTn id="25" presetID="1" presetClass="entr" presetSubtype="0" fill="hold" nodeType="withEffect">
+                                  <p:stCondLst>
+                                    <p:cond delay="0"/>
+                                  </p:stCondLst>
+                                  <p:childTnLst>
+                                    <p:set>
+                                      <p:cBhvr>
+                                        <p:cTn id="26" dur="1" fill="hold">
+                                          <p:stCondLst>
+                                            <p:cond delay="0"/>
+                                          </p:stCondLst>
+                                        </p:cTn>
+                                        <p:tgtEl>
+                                          <p:spTgt spid="24"/>
+                                        </p:tgtEl>
+                                        <p:attrNameLst>
+                                          <p:attrName>style.visibility</p:attrName>
+                                        </p:attrNameLst>
+                                      </p:cBhvr>
+                                      <p:to>
+                                        <p:strVal val="visible"/>
+                                      </p:to>
+                                    </p:set>
+                                  </p:childTnLst>
+                                </p:cTn>
+                              </p:par>
+                              <p:par>
+                                <p:cTn id="27" presetID="1" presetClass="entr" presetSubtype="0" fill="hold" grpId="0" nodeType="withEffect">
+                                  <p:stCondLst>
+                                    <p:cond delay="0"/>
+                                  </p:stCondLst>
+                                  <p:childTnLst>
+                                    <p:set>
+                                      <p:cBhvr>
+                                        <p:cTn id="28" dur="1" fill="hold">
+                                          <p:stCondLst>
+                                            <p:cond delay="0"/>
+                                          </p:stCondLst>
+                                        </p:cTn>
+                                        <p:tgtEl>
+                                          <p:spTgt spid="38"/>
+                                        </p:tgtEl>
+                                        <p:attrNameLst>
+                                          <p:attrName>style.visibility</p:attrName>
+                                        </p:attrNameLst>
+                                      </p:cBhvr>
+                                      <p:to>
+                                        <p:strVal val="visible"/>
+                                      </p:to>
+                                    </p:set>
+                                  </p:childTnLst>
+                                </p:cTn>
+                              </p:par>
+                              <p:par>
+                                <p:cTn id="29" presetID="1" presetClass="entr" presetSubtype="0" fill="hold" grpId="0" nodeType="withEffect">
+                                  <p:stCondLst>
+                                    <p:cond delay="0"/>
+                                  </p:stCondLst>
+                                  <p:childTnLst>
+                                    <p:set>
+                                      <p:cBhvr>
+                                        <p:cTn id="30" dur="1" fill="hold">
+                                          <p:stCondLst>
+                                            <p:cond delay="0"/>
+                                          </p:stCondLst>
+                                        </p:cTn>
+                                        <p:tgtEl>
+                                          <p:spTgt spid="39"/>
+                                        </p:tgtEl>
+                                        <p:attrNameLst>
+                                          <p:attrName>style.visibility</p:attrName>
+                                        </p:attrNameLst>
+                                      </p:cBhvr>
+                                      <p:to>
+                                        <p:strVal val="visible"/>
+                                      </p:to>
+                                    </p:set>
+                                  </p:childTnLst>
+                                </p:cTn>
+                              </p:par>
+                              <p:par>
+                                <p:cTn id="31" presetID="1" presetClass="entr" presetSubtype="0" fill="hold" grpId="0" nodeType="withEffect">
+                                  <p:stCondLst>
+                                    <p:cond delay="0"/>
+                                  </p:stCondLst>
+                                  <p:childTnLst>
+                                    <p:set>
+                                      <p:cBhvr>
+                                        <p:cTn id="32" dur="1" fill="hold">
+                                          <p:stCondLst>
+                                            <p:cond delay="0"/>
+                                          </p:stCondLst>
+                                        </p:cTn>
+                                        <p:tgtEl>
+                                          <p:spTgt spid="40"/>
+                                        </p:tgtEl>
+                                        <p:attrNameLst>
+                                          <p:attrName>style.visibility</p:attrName>
+                                        </p:attrNameLst>
+                                      </p:cBhvr>
+                                      <p:to>
+                                        <p:strVal val="visible"/>
+                                      </p:to>
+                                    </p:set>
+                                  </p:childTnLst>
+                                </p:cTn>
+                              </p:par>
+                            </p:childTnLst>
+                          </p:cTn>
+                        </p:par>
+                      </p:childTnLst>
+                    </p:cTn>
+                  </p:par>
+                  <p:par>
+                    <p:cTn id="33" fill="hold">
+                      <p:stCondLst>
+                        <p:cond delay="indefinite"/>
+                      </p:stCondLst>
+                      <p:childTnLst>
+                        <p:par>
+                          <p:cTn id="34" fill="hold">
+                            <p:stCondLst>
+                              <p:cond delay="0"/>
+                            </p:stCondLst>
+                            <p:childTnLst>
+                              <p:par>
+                                <p:cTn id="35" presetID="1" presetClass="entr" presetSubtype="0" fill="hold" grpId="0" nodeType="clickEffect">
+                                  <p:stCondLst>
+                                    <p:cond delay="0"/>
+                                  </p:stCondLst>
+                                  <p:childTnLst>
+                                    <p:set>
+                                      <p:cBhvr>
+                                        <p:cTn id="36" dur="1" fill="hold">
+                                          <p:stCondLst>
+                                            <p:cond delay="0"/>
+                                          </p:stCondLst>
+                                        </p:cTn>
+                                        <p:tgtEl>
+                                          <p:spTgt spid="10"/>
+                                        </p:tgtEl>
+                                        <p:attrNameLst>
+                                          <p:attrName>style.visibility</p:attrName>
+                                        </p:attrNameLst>
+                                      </p:cBhvr>
+                                      <p:to>
+                                        <p:strVal val="visible"/>
+                                      </p:to>
+                                    </p:set>
+                                  </p:childTnLst>
+                                </p:cTn>
+                              </p:par>
+                              <p:par>
+                                <p:cTn id="37" presetID="1" presetClass="entr" presetSubtype="0" fill="hold" nodeType="withEffect">
+                                  <p:stCondLst>
+                                    <p:cond delay="0"/>
+                                  </p:stCondLst>
+                                  <p:childTnLst>
+                                    <p:set>
+                                      <p:cBhvr>
+                                        <p:cTn id="38" dur="1" fill="hold">
+                                          <p:stCondLst>
+                                            <p:cond delay="0"/>
+                                          </p:stCondLst>
+                                        </p:cTn>
+                                        <p:tgtEl>
+                                          <p:spTgt spid="12"/>
+                                        </p:tgtEl>
+                                        <p:attrNameLst>
+                                          <p:attrName>style.visibility</p:attrName>
+                                        </p:attrNameLst>
+                                      </p:cBhvr>
+                                      <p:to>
+                                        <p:strVal val="visible"/>
+                                      </p:to>
+                                    </p:set>
+                                  </p:childTnLst>
+                                </p:cTn>
+                              </p:par>
+                              <p:par>
+                                <p:cTn id="39" presetID="1" presetClass="entr" presetSubtype="0" fill="hold" nodeType="withEffect">
+                                  <p:stCondLst>
+                                    <p:cond delay="0"/>
+                                  </p:stCondLst>
+                                  <p:childTnLst>
+                                    <p:set>
+                                      <p:cBhvr>
+                                        <p:cTn id="40" dur="1" fill="hold">
+                                          <p:stCondLst>
+                                            <p:cond delay="0"/>
+                                          </p:stCondLst>
+                                        </p:cTn>
+                                        <p:tgtEl>
+                                          <p:spTgt spid="16"/>
+                                        </p:tgtEl>
+                                        <p:attrNameLst>
+                                          <p:attrName>style.visibility</p:attrName>
+                                        </p:attrNameLst>
+                                      </p:cBhvr>
+                                      <p:to>
+                                        <p:strVal val="visible"/>
+                                      </p:to>
+                                    </p:set>
+                                  </p:childTnLst>
+                                </p:cTn>
+                              </p:par>
+                              <p:par>
+                                <p:cTn id="41" presetID="1" presetClass="entr" presetSubtype="0" fill="hold" nodeType="withEffect">
+                                  <p:stCondLst>
+                                    <p:cond delay="0"/>
+                                  </p:stCondLst>
+                                  <p:childTnLst>
+                                    <p:set>
+                                      <p:cBhvr>
+                                        <p:cTn id="42" dur="1" fill="hold">
+                                          <p:stCondLst>
+                                            <p:cond delay="0"/>
+                                          </p:stCondLst>
+                                        </p:cTn>
+                                        <p:tgtEl>
+                                          <p:spTgt spid="18"/>
+                                        </p:tgtEl>
+                                        <p:attrNameLst>
+                                          <p:attrName>style.visibility</p:attrName>
+                                        </p:attrNameLst>
+                                      </p:cBhvr>
+                                      <p:to>
+                                        <p:strVal val="visible"/>
+                                      </p:to>
+                                    </p:set>
+                                  </p:childTnLst>
+                                </p:cTn>
+                              </p:par>
+                            </p:childTnLst>
+                          </p:cTn>
+                        </p:par>
+                      </p:childTnLst>
+                    </p:cTn>
+                  </p:par>
+                  <p:par>
+                    <p:cTn id="43" fill="hold">
+                      <p:stCondLst>
+                        <p:cond delay="indefinite"/>
+                      </p:stCondLst>
+                      <p:childTnLst>
+                        <p:par>
+                          <p:cTn id="44" fill="hold">
+                            <p:stCondLst>
+                              <p:cond delay="0"/>
+                            </p:stCondLst>
+                            <p:childTnLst>
+                              <p:par>
+                                <p:cTn id="45" presetID="1" presetClass="entr" presetSubtype="0" fill="hold" grpId="0" nodeType="clickEffect">
+                                  <p:stCondLst>
+                                    <p:cond delay="0"/>
+                                  </p:stCondLst>
+                                  <p:childTnLst>
+                                    <p:set>
+                                      <p:cBhvr>
+                                        <p:cTn id="46" dur="1" fill="hold">
+                                          <p:stCondLst>
+                                            <p:cond delay="0"/>
+                                          </p:stCondLst>
+                                        </p:cTn>
+                                        <p:tgtEl>
+                                          <p:spTgt spid="25"/>
+                                        </p:tgtEl>
+                                        <p:attrNameLst>
+                                          <p:attrName>style.visibility</p:attrName>
+                                        </p:attrNameLst>
+                                      </p:cBhvr>
+                                      <p:to>
+                                        <p:strVal val="visible"/>
+                                      </p:to>
+                                    </p:set>
+                                  </p:childTnLst>
+                                </p:cTn>
+                              </p:par>
+                              <p:par>
+                                <p:cTn id="47" presetID="1" presetClass="entr" presetSubtype="0" fill="hold" nodeType="withEffect">
+                                  <p:stCondLst>
+                                    <p:cond delay="0"/>
+                                  </p:stCondLst>
+                                  <p:childTnLst>
+                                    <p:set>
+                                      <p:cBhvr>
+                                        <p:cTn id="48" dur="1" fill="hold">
+                                          <p:stCondLst>
+                                            <p:cond delay="0"/>
+                                          </p:stCondLst>
+                                        </p:cTn>
+                                        <p:tgtEl>
+                                          <p:spTgt spid="27"/>
+                                        </p:tgtEl>
+                                        <p:attrNameLst>
+                                          <p:attrName>style.visibility</p:attrName>
+                                        </p:attrNameLst>
+                                      </p:cBhvr>
+                                      <p:to>
+                                        <p:strVal val="visible"/>
+                                      </p:to>
+                                    </p:set>
+                                  </p:childTnLst>
+                                </p:cTn>
+                              </p:par>
+                              <p:par>
+                                <p:cTn id="49" presetID="1" presetClass="entr" presetSubtype="0" fill="hold" grpId="0" nodeType="withEffect">
+                                  <p:stCondLst>
+                                    <p:cond delay="0"/>
+                                  </p:stCondLst>
+                                  <p:childTnLst>
+                                    <p:set>
+                                      <p:cBhvr>
+                                        <p:cTn id="50" dur="1" fill="hold">
+                                          <p:stCondLst>
+                                            <p:cond delay="0"/>
+                                          </p:stCondLst>
+                                        </p:cTn>
+                                        <p:tgtEl>
+                                          <p:spTgt spid="41"/>
+                                        </p:tgtEl>
+                                        <p:attrNameLst>
+                                          <p:attrName>style.visibility</p:attrName>
+                                        </p:attrNameLst>
+                                      </p:cBhvr>
+                                      <p:to>
+                                        <p:strVal val="visible"/>
+                                      </p:to>
+                                    </p:set>
+                                  </p:childTnLst>
+                                </p:cTn>
+                              </p:par>
+                              <p:par>
+                                <p:cTn id="51" presetID="1" presetClass="entr" presetSubtype="0" fill="hold" grpId="0" nodeType="withEffect">
+                                  <p:stCondLst>
+                                    <p:cond delay="0"/>
+                                  </p:stCondLst>
+                                  <p:childTnLst>
+                                    <p:set>
+                                      <p:cBhvr>
+                                        <p:cTn id="52" dur="1" fill="hold">
+                                          <p:stCondLst>
+                                            <p:cond delay="0"/>
+                                          </p:stCondLst>
+                                        </p:cTn>
+                                        <p:tgtEl>
+                                          <p:spTgt spid="46"/>
+                                        </p:tgtEl>
+                                        <p:attrNameLst>
+                                          <p:attrName>style.visibility</p:attrName>
+                                        </p:attrNameLst>
+                                      </p:cBhvr>
+                                      <p:to>
+                                        <p:strVal val="visible"/>
+                                      </p:to>
+                                    </p:set>
+                                  </p:childTnLst>
+                                </p:cTn>
+                              </p:par>
+                              <p:par>
+                                <p:cTn id="53" presetID="1" presetClass="entr" presetSubtype="0" fill="hold" grpId="0" nodeType="withEffect">
+                                  <p:stCondLst>
+                                    <p:cond delay="0"/>
+                                  </p:stCondLst>
+                                  <p:childTnLst>
+                                    <p:set>
+                                      <p:cBhvr>
+                                        <p:cTn id="54" dur="1" fill="hold">
+                                          <p:stCondLst>
+                                            <p:cond delay="0"/>
+                                          </p:stCondLst>
+                                        </p:cTn>
+                                        <p:tgtEl>
+                                          <p:spTgt spid="47"/>
+                                        </p:tgtEl>
+                                        <p:attrNameLst>
+                                          <p:attrName>style.visibility</p:attrName>
+                                        </p:attrNameLst>
+                                      </p:cBhvr>
+                                      <p:to>
+                                        <p:strVal val="visible"/>
+                                      </p:to>
+                                    </p:set>
+                                  </p:childTnLst>
+                                </p:cTn>
+                              </p:par>
+                            </p:childTnLst>
+                          </p:cTn>
+                        </p:par>
+                      </p:childTnLst>
+                    </p:cTn>
+                  </p:par>
+                  <p:par>
+                    <p:cTn id="55" fill="hold">
+                      <p:stCondLst>
+                        <p:cond delay="indefinite"/>
+                      </p:stCondLst>
+                      <p:childTnLst>
+                        <p:par>
+                          <p:cTn id="56" fill="hold">
+                            <p:stCondLst>
+                              <p:cond delay="0"/>
+                            </p:stCondLst>
+                            <p:childTnLst>
+                              <p:par>
+                                <p:cTn id="57" presetID="1" presetClass="entr" presetSubtype="0" fill="hold" grpId="0" nodeType="clickEffect">
+                                  <p:stCondLst>
+                                    <p:cond delay="0"/>
+                                  </p:stCondLst>
+                                  <p:childTnLst>
+                                    <p:set>
+                                      <p:cBhvr>
+                                        <p:cTn id="58" dur="1" fill="hold">
+                                          <p:stCondLst>
+                                            <p:cond delay="0"/>
+                                          </p:stCondLst>
+                                        </p:cTn>
+                                        <p:tgtEl>
+                                          <p:spTgt spid="4"/>
+                                        </p:tgtEl>
+                                        <p:attrNameLst>
+                                          <p:attrName>style.visibility</p:attrName>
+                                        </p:attrNameLst>
+                                      </p:cBhvr>
+                                      <p:to>
+                                        <p:strVal val="visible"/>
+                                      </p:to>
+                                    </p:set>
+                                  </p:childTnLst>
+                                </p:cTn>
+                              </p:par>
+                              <p:par>
+                                <p:cTn id="59" presetID="1" presetClass="entr" presetSubtype="0" fill="hold" grpId="0" nodeType="withEffect">
+                                  <p:stCondLst>
+                                    <p:cond delay="0"/>
+                                  </p:stCondLst>
+                                  <p:childTnLst>
+                                    <p:set>
+                                      <p:cBhvr>
+                                        <p:cTn id="60" dur="1" fill="hold">
+                                          <p:stCondLst>
+                                            <p:cond delay="0"/>
+                                          </p:stCondLst>
+                                        </p:cTn>
+                                        <p:tgtEl>
+                                          <p:spTgt spid="48"/>
+                                        </p:tgtEl>
+                                        <p:attrNameLst>
+                                          <p:attrName>style.visibility</p:attrName>
+                                        </p:attrNameLst>
+                                      </p:cBhvr>
+                                      <p:to>
+                                        <p:strVal val="visible"/>
+                                      </p:to>
+                                    </p:set>
+                                  </p:childTnLst>
+                                </p:cTn>
+                              </p:par>
+                              <p:par>
+                                <p:cTn id="61" presetID="1" presetClass="entr" presetSubtype="0" fill="hold" nodeType="withEffect">
+                                  <p:stCondLst>
+                                    <p:cond delay="0"/>
+                                  </p:stCondLst>
+                                  <p:childTnLst>
+                                    <p:set>
+                                      <p:cBhvr>
+                                        <p:cTn id="62" dur="1" fill="hold">
+                                          <p:stCondLst>
+                                            <p:cond delay="0"/>
+                                          </p:stCondLst>
+                                        </p:cTn>
+                                        <p:tgtEl>
+                                          <p:spTgt spid="49"/>
+                                        </p:tgtEl>
+                                        <p:attrNameLst>
+                                          <p:attrName>style.visibility</p:attrName>
+                                        </p:attrNameLst>
+                                      </p:cBhvr>
+                                      <p:to>
+                                        <p:strVal val="visible"/>
+                                      </p:to>
+                                    </p:set>
+                                  </p:childTnLst>
+                                </p:cTn>
+                              </p:par>
+                              <p:par>
+                                <p:cTn id="63" presetID="1" presetClass="entr" presetSubtype="0" fill="hold" nodeType="withEffect">
+                                  <p:stCondLst>
+                                    <p:cond delay="0"/>
+                                  </p:stCondLst>
+                                  <p:childTnLst>
+                                    <p:set>
+                                      <p:cBhvr>
+                                        <p:cTn id="64" dur="1" fill="hold">
+                                          <p:stCondLst>
+                                            <p:cond delay="0"/>
+                                          </p:stCondLst>
+                                        </p:cTn>
+                                        <p:tgtEl>
+                                          <p:spTgt spid="50"/>
+                                        </p:tgtEl>
+                                        <p:attrNameLst>
+                                          <p:attrName>style.visibility</p:attrName>
+                                        </p:attrNameLst>
+                                      </p:cBhvr>
+                                      <p:to>
+                                        <p:strVal val="visible"/>
+                                      </p:to>
+                                    </p:set>
+                                  </p:childTnLst>
+                                </p:cTn>
+                              </p:par>
+                              <p:par>
+                                <p:cTn id="65" presetID="1" presetClass="entr" presetSubtype="0" fill="hold" nodeType="withEffect">
+                                  <p:stCondLst>
+                                    <p:cond delay="0"/>
+                                  </p:stCondLst>
+                                  <p:childTnLst>
+                                    <p:set>
+                                      <p:cBhvr>
+                                        <p:cTn id="66" dur="1" fill="hold">
+                                          <p:stCondLst>
+                                            <p:cond delay="0"/>
+                                          </p:stCondLst>
+                                        </p:cTn>
+                                        <p:tgtEl>
+                                          <p:spTgt spid="51"/>
+                                        </p:tgtEl>
+                                        <p:attrNameLst>
+                                          <p:attrName>style.visibility</p:attrName>
+                                        </p:attrNameLst>
+                                      </p:cBhvr>
+                                      <p:to>
+                                        <p:strVal val="visible"/>
+                                      </p:to>
+                                    </p:set>
+                                  </p:childTnLst>
+                                </p:cTn>
+                              </p:par>
+                            </p:childTnLst>
+                          </p:cTn>
+                        </p:par>
+                      </p:childTnLst>
+                    </p:cTn>
+                  </p:par>
+                </p:childTnLst>
+              </p:cTn>
+              <p:prevCondLst>
+                <p:cond evt="onPrev" delay="0">
+                  <p:tgtEl>
+                    <p:sldTgt/>
+                  </p:tgtEl>
+                </p:cond>
+              </p:prevCondLst>
+              <p:nextCondLst>
+                <p:cond evt="onNext" delay="0">
+                  <p:tgtEl>
+                    <p:sldTgt/>
+                  </p:tgtEl>
+                </p:cond>
+              </p:nextCondLst>
+            </p:seq>
+          </p:childTnLst>
+        </p:cTn>
+      </p:par>
+    </p:tnLst>
+    <p:bldLst>
+      <p:bldP spid="4" grpId="0"/>
+      <p:bldP spid="6" grpId="0"/>
+      <p:bldP spid="22" grpId="0"/>
+      <p:bldP spid="25" grpId="0"/>
+      <p:bldP spid="35" grpId="0"/>
+      <p:bldP spid="7" grpId="0"/>
+      <p:bldP spid="38" grpId="0"/>
+      <p:bldP spid="39" grpId="0"/>
+      <p:bldP spid="40" grpId="0"/>
+      <p:bldP spid="41" grpId="0"/>
+      <p:bldP spid="46" grpId="0"/>
+      <p:bldP spid="47" grpId="0"/>
+      <p:bldP spid="37" grpId="0"/>
+      <p:bldP spid="10" grpId="0" animBg="1"/>
+      <p:bldP spid="48" grpId="0" animBg="1"/>
+    </p:bldLst>
+  </p:timing>
+</p:sld>
+</file>
+
+<file path=ppt/slides/slide9.xml><?xml version="1.0" encoding="utf-8"?>
+<p:sld xmlns:a="http://schemas.openxmlformats.org/drawingml/2006/main" xmlns:r="http://schemas.openxmlformats.org/officeDocument/2006/relationships" xmlns:p="http://schemas.openxmlformats.org/presentationml/2006/main">
+  <p:cSld>
+    <p:spTree>
+      <p:nvGrpSpPr>
+        <p:cNvPr id="1" name=""/>
+        <p:cNvGrpSpPr/>
+        <p:nvPr/>
+      </p:nvGrpSpPr>
+      <p:grpSpPr>
+        <a:xfrm>
+          <a:off x="0" y="0"/>
+          <a:ext cx="0" cy="0"/>
+          <a:chOff x="0" y="0"/>
+          <a:chExt cx="0" cy="0"/>
+        </a:xfrm>
+      </p:grpSpPr>
+      <p:sp>
+        <p:nvSpPr>
+          <p:cNvPr id="2" name="Title 1">
+            <a:extLst>
+              <a:ext uri="{FF2B5EF4-FFF2-40B4-BE49-F238E27FC236}">
+                <a16:creationId xmlns:a16="http://schemas.microsoft.com/office/drawing/2014/main" id="{F0BD4F0A-3B72-9944-AC3C-35A38B5AF861}"/>
+              </a:ext>
+            </a:extLst>
+          </p:cNvPr>
+          <p:cNvSpPr>
+            <a:spLocks noGrp="1"/>
+          </p:cNvSpPr>
+          <p:nvPr>
+            <p:ph type="title"/>
+          </p:nvPr>
+        </p:nvSpPr>
+        <p:spPr>
+          <a:xfrm>
+            <a:off x="152401" y="228600"/>
+            <a:ext cx="6096000" cy="838200"/>
+          </a:xfrm>
+        </p:spPr>
+        <p:txBody>
+          <a:bodyPr/>
+          <a:lstStyle/>
+          <a:p>
+            <a:r>
+              <a:rPr lang="en-US" dirty="0"/>
+              <a:t>A System is an Assembly of Elements.</a:t>
+            </a:r>
+          </a:p>
+        </p:txBody>
+      </p:sp>
+      <p:sp>
+        <p:nvSpPr>
+          <p:cNvPr id="3" name="Slide Number Placeholder 2">
+            <a:extLst>
+              <a:ext uri="{FF2B5EF4-FFF2-40B4-BE49-F238E27FC236}">
+                <a16:creationId xmlns:a16="http://schemas.microsoft.com/office/drawing/2014/main" id="{FC48EF12-48CA-964C-8EDC-938D2D316103}"/>
+              </a:ext>
+            </a:extLst>
+          </p:cNvPr>
+          <p:cNvSpPr>
+            <a:spLocks noGrp="1"/>
+          </p:cNvSpPr>
+          <p:nvPr>
+            <p:ph type="sldNum" sz="quarter" idx="11"/>
+          </p:nvPr>
+        </p:nvSpPr>
+        <p:spPr/>
+        <p:txBody>
+          <a:bodyPr/>
+          <a:lstStyle/>
+          <a:p>
+            <a:pPr>
+              <a:defRPr/>
+            </a:pPr>
+            <a:fld id="{2E4304A7-0FB2-4094-BC1E-DB17183AD0C1}" type="slidenum">
+              <a:rPr lang="en-US" altLang="x-none" smtClean="0"/>
+              <a:pPr>
+                <a:defRPr/>
+              </a:pPr>
+              <a:t>9</a:t>
+            </a:fld>
+            <a:endParaRPr lang="en-US" altLang="x-none"/>
+          </a:p>
+        </p:txBody>
+      </p:sp>
+      <p:sp>
+        <p:nvSpPr>
+          <p:cNvPr id="4" name="TextBox 3">
+            <a:extLst>
+              <a:ext uri="{FF2B5EF4-FFF2-40B4-BE49-F238E27FC236}">
+                <a16:creationId xmlns:a16="http://schemas.microsoft.com/office/drawing/2014/main" id="{A12A4C78-2D10-5443-90D1-368E64EF7549}"/>
+              </a:ext>
+            </a:extLst>
+          </p:cNvPr>
+          <p:cNvSpPr txBox="1"/>
+          <p:nvPr/>
+        </p:nvSpPr>
+        <p:spPr>
+          <a:xfrm>
+            <a:off x="381000" y="1654314"/>
+            <a:ext cx="7162800" cy="707886"/>
+          </a:xfrm>
+          <a:prstGeom prst="rect">
+            <a:avLst/>
+          </a:prstGeom>
+          <a:noFill/>
+        </p:spPr>
+        <p:txBody>
+          <a:bodyPr wrap="square" rtlCol="0">
+            <a:spAutoFit/>
+          </a:bodyPr>
+          <a:lstStyle/>
+          <a:p>
+            <a:r>
+              <a:rPr lang="en-US" sz="2000" i="1" dirty="0"/>
+              <a:t>An assembly specifies how the inputs of one element relate to the outputs of other elements.</a:t>
+            </a:r>
+          </a:p>
+        </p:txBody>
+      </p:sp>
+      <p:grpSp>
+        <p:nvGrpSpPr>
+          <p:cNvPr id="5" name="Group 4">
+            <a:extLst>
+              <a:ext uri="{FF2B5EF4-FFF2-40B4-BE49-F238E27FC236}">
+                <a16:creationId xmlns:a16="http://schemas.microsoft.com/office/drawing/2014/main" id="{4468FBC8-10EB-3B4D-938D-B4A421935551}"/>
+              </a:ext>
+            </a:extLst>
+          </p:cNvPr>
+          <p:cNvGrpSpPr/>
+          <p:nvPr/>
+        </p:nvGrpSpPr>
+        <p:grpSpPr>
+          <a:xfrm>
+            <a:off x="7162801" y="381000"/>
+            <a:ext cx="1600200" cy="911377"/>
+            <a:chOff x="381000" y="1066800"/>
+            <a:chExt cx="5678091" cy="4946953"/>
+          </a:xfrm>
+        </p:grpSpPr>
+        <p:pic>
+          <p:nvPicPr>
+            <p:cNvPr id="6" name="Picture 5">
+              <a:extLst>
+                <a:ext uri="{FF2B5EF4-FFF2-40B4-BE49-F238E27FC236}">
+                  <a16:creationId xmlns:a16="http://schemas.microsoft.com/office/drawing/2014/main" id="{29CA5C55-1484-C149-89CF-3F2CC7FE1C87}"/>
+                </a:ext>
+              </a:extLst>
+            </p:cNvPr>
+            <p:cNvPicPr>
+              <a:picLocks noChangeAspect="1"/>
+            </p:cNvPicPr>
+            <p:nvPr/>
+          </p:nvPicPr>
+          <p:blipFill>
+            <a:blip r:embed="rId2"/>
+            <a:stretch>
+              <a:fillRect/>
+            </a:stretch>
+          </p:blipFill>
+          <p:spPr>
+            <a:xfrm>
+              <a:off x="3429000" y="4051300"/>
+              <a:ext cx="2630091" cy="1962453"/>
+            </a:xfrm>
+            <a:prstGeom prst="rect">
+              <a:avLst/>
+            </a:prstGeom>
+          </p:spPr>
+        </p:pic>
+        <p:pic>
+          <p:nvPicPr>
+            <p:cNvPr id="7" name="Picture 6">
+              <a:extLst>
+                <a:ext uri="{FF2B5EF4-FFF2-40B4-BE49-F238E27FC236}">
+                  <a16:creationId xmlns:a16="http://schemas.microsoft.com/office/drawing/2014/main" id="{C911C782-F8F3-9D49-9081-00D3EB1A7402}"/>
+                </a:ext>
+              </a:extLst>
+            </p:cNvPr>
+            <p:cNvPicPr>
+              <a:picLocks noChangeAspect="1"/>
+            </p:cNvPicPr>
+            <p:nvPr/>
+          </p:nvPicPr>
+          <p:blipFill>
+            <a:blip r:embed="rId3"/>
+            <a:stretch>
+              <a:fillRect/>
+            </a:stretch>
+          </p:blipFill>
+          <p:spPr>
+            <a:xfrm>
+              <a:off x="4768512" y="2819400"/>
+              <a:ext cx="553047" cy="1231900"/>
+            </a:xfrm>
+            <a:prstGeom prst="rect">
+              <a:avLst/>
+            </a:prstGeom>
+          </p:spPr>
+        </p:pic>
+        <p:pic>
+          <p:nvPicPr>
+            <p:cNvPr id="8" name="Picture 7">
+              <a:extLst>
+                <a:ext uri="{FF2B5EF4-FFF2-40B4-BE49-F238E27FC236}">
+                  <a16:creationId xmlns:a16="http://schemas.microsoft.com/office/drawing/2014/main" id="{DA64C435-1B8A-CC4B-AAB7-EAA009015FE1}"/>
+                </a:ext>
+              </a:extLst>
+            </p:cNvPr>
+            <p:cNvPicPr>
+              <a:picLocks noChangeAspect="1"/>
+            </p:cNvPicPr>
+            <p:nvPr/>
+          </p:nvPicPr>
+          <p:blipFill>
+            <a:blip r:embed="rId4"/>
+            <a:stretch>
+              <a:fillRect/>
+            </a:stretch>
+          </p:blipFill>
+          <p:spPr>
+            <a:xfrm>
+              <a:off x="609601" y="1066801"/>
+              <a:ext cx="914400" cy="714931"/>
+            </a:xfrm>
+            <a:prstGeom prst="rect">
+              <a:avLst/>
+            </a:prstGeom>
+          </p:spPr>
+        </p:pic>
+        <p:pic>
+          <p:nvPicPr>
+            <p:cNvPr id="9" name="Picture 8">
+              <a:extLst>
+                <a:ext uri="{FF2B5EF4-FFF2-40B4-BE49-F238E27FC236}">
+                  <a16:creationId xmlns:a16="http://schemas.microsoft.com/office/drawing/2014/main" id="{73E048B7-D7C0-8A44-B0B1-EC82E3F9AF3A}"/>
+                </a:ext>
+              </a:extLst>
+            </p:cNvPr>
+            <p:cNvPicPr>
+              <a:picLocks noChangeAspect="1"/>
+            </p:cNvPicPr>
+            <p:nvPr/>
+          </p:nvPicPr>
+          <p:blipFill>
+            <a:blip r:embed="rId5"/>
+            <a:stretch>
+              <a:fillRect/>
+            </a:stretch>
+          </p:blipFill>
+          <p:spPr>
+            <a:xfrm>
+              <a:off x="381000" y="1781731"/>
+              <a:ext cx="2450705" cy="1361283"/>
+            </a:xfrm>
+            <a:prstGeom prst="rect">
+              <a:avLst/>
+            </a:prstGeom>
+          </p:spPr>
+        </p:pic>
+        <p:pic>
+          <p:nvPicPr>
+            <p:cNvPr id="10" name="Picture 9">
+              <a:extLst>
+                <a:ext uri="{FF2B5EF4-FFF2-40B4-BE49-F238E27FC236}">
+                  <a16:creationId xmlns:a16="http://schemas.microsoft.com/office/drawing/2014/main" id="{8AAA84D4-F93C-7649-9959-1D2C57D65F13}"/>
+                </a:ext>
+              </a:extLst>
+            </p:cNvPr>
+            <p:cNvPicPr>
+              <a:picLocks noChangeAspect="1"/>
+            </p:cNvPicPr>
+            <p:nvPr/>
+          </p:nvPicPr>
+          <p:blipFill>
+            <a:blip r:embed="rId3"/>
+            <a:stretch>
+              <a:fillRect/>
+            </a:stretch>
+          </p:blipFill>
+          <p:spPr>
+            <a:xfrm>
+              <a:off x="5429845" y="2819400"/>
+              <a:ext cx="553047" cy="1231900"/>
+            </a:xfrm>
+            <a:prstGeom prst="rect">
+              <a:avLst/>
+            </a:prstGeom>
+          </p:spPr>
+        </p:pic>
+        <p:pic>
+          <p:nvPicPr>
+            <p:cNvPr id="11" name="Picture 10">
+              <a:extLst>
+                <a:ext uri="{FF2B5EF4-FFF2-40B4-BE49-F238E27FC236}">
+                  <a16:creationId xmlns:a16="http://schemas.microsoft.com/office/drawing/2014/main" id="{4D731927-93CF-D94A-90EE-CDB13A7E8EC4}"/>
+                </a:ext>
+              </a:extLst>
+            </p:cNvPr>
+            <p:cNvPicPr>
+              <a:picLocks noChangeAspect="1"/>
+            </p:cNvPicPr>
+            <p:nvPr/>
+          </p:nvPicPr>
+          <p:blipFill>
+            <a:blip r:embed="rId3"/>
+            <a:stretch>
+              <a:fillRect/>
+            </a:stretch>
+          </p:blipFill>
+          <p:spPr>
+            <a:xfrm>
+              <a:off x="4134445" y="2819400"/>
+              <a:ext cx="553047" cy="1231900"/>
+            </a:xfrm>
+            <a:prstGeom prst="rect">
+              <a:avLst/>
+            </a:prstGeom>
+          </p:spPr>
+        </p:pic>
+        <p:pic>
+          <p:nvPicPr>
+            <p:cNvPr id="12" name="Picture 11">
+              <a:extLst>
+                <a:ext uri="{FF2B5EF4-FFF2-40B4-BE49-F238E27FC236}">
+                  <a16:creationId xmlns:a16="http://schemas.microsoft.com/office/drawing/2014/main" id="{96720C15-CB96-1243-A0DD-80DCFC15A611}"/>
+                </a:ext>
+              </a:extLst>
+            </p:cNvPr>
+            <p:cNvPicPr>
+              <a:picLocks noChangeAspect="1"/>
+            </p:cNvPicPr>
+            <p:nvPr/>
+          </p:nvPicPr>
+          <p:blipFill>
+            <a:blip r:embed="rId4"/>
+            <a:stretch>
+              <a:fillRect/>
+            </a:stretch>
+          </p:blipFill>
+          <p:spPr>
+            <a:xfrm>
+              <a:off x="1676400" y="1066800"/>
+              <a:ext cx="914400" cy="714931"/>
+            </a:xfrm>
+            <a:prstGeom prst="rect">
+              <a:avLst/>
+            </a:prstGeom>
+          </p:spPr>
+        </p:pic>
+        <p:pic>
+          <p:nvPicPr>
+            <p:cNvPr id="13" name="Picture 12">
+              <a:extLst>
+                <a:ext uri="{FF2B5EF4-FFF2-40B4-BE49-F238E27FC236}">
+                  <a16:creationId xmlns:a16="http://schemas.microsoft.com/office/drawing/2014/main" id="{D1464817-8662-D644-B666-4A0210CA646D}"/>
+                </a:ext>
+              </a:extLst>
+            </p:cNvPr>
+            <p:cNvPicPr>
+              <a:picLocks noChangeAspect="1"/>
+            </p:cNvPicPr>
+            <p:nvPr/>
+          </p:nvPicPr>
+          <p:blipFill>
+            <a:blip r:embed="rId6"/>
+            <a:stretch>
+              <a:fillRect/>
+            </a:stretch>
+          </p:blipFill>
+          <p:spPr>
+            <a:xfrm flipH="1">
+              <a:off x="1777605" y="3143014"/>
+              <a:ext cx="2108200" cy="952500"/>
+            </a:xfrm>
+            <a:prstGeom prst="rect">
+              <a:avLst/>
+            </a:prstGeom>
+          </p:spPr>
+        </p:pic>
+      </p:grpSp>
+    </p:spTree>
+    <p:extLst>
+      <p:ext uri="{BB962C8B-B14F-4D97-AF65-F5344CB8AC3E}">
+        <p14:creationId xmlns:p14="http://schemas.microsoft.com/office/powerpoint/2010/main" val="2060783905"/>
       </p:ext>
     </p:extLst>
   </p:cSld>

--- a/Lectures/CSE 599V Lecture 2- Modeling Essentials.pptx
+++ b/Lectures/CSE 599V Lecture 2- Modeling Essentials.pptx
@@ -5407,7 +5407,7 @@
           <a:p>
             <a:r>
               <a:rPr lang="en-US" dirty="0"/>
-              <a:t>Learn Objectives</a:t>
+              <a:t>Learning Objectives</a:t>
             </a:r>
           </a:p>
         </p:txBody>
@@ -5442,15 +5442,7 @@
             <a:pPr lvl="1"/>
             <a:r>
               <a:rPr lang="en-US" dirty="0"/>
-              <a:t>Construct </a:t>
-            </a:r>
-            <a:r>
-              <a:rPr lang="en-US" dirty="0" err="1"/>
-              <a:t>appropraite</a:t>
-            </a:r>
-            <a:r>
-              <a:rPr lang="en-US" dirty="0"/>
-              <a:t> element abstractions of a system, their variables, and the relationships between variables</a:t>
+              <a:t>Construct appropriate element abstractions of a system, their variables, and the relationships between variables</a:t>
             </a:r>
           </a:p>
         </p:txBody>
@@ -6947,7 +6939,7 @@
           <a:p>
             <a:r>
               <a:rPr lang="en-US" sz="2400" b="1" dirty="0"/>
-              <a:t>Maximize the level of the lake subject to a minimum level of the reservoir.</a:t>
+              <a:t>Maximize the height of the lake water subject to a minimum height of the reservoir water.</a:t>
             </a:r>
           </a:p>
           <a:p>
@@ -7100,8 +7092,8 @@
         </p:nvSpPr>
         <p:spPr>
           <a:xfrm>
-            <a:off x="4142579" y="1991954"/>
-            <a:ext cx="518091" cy="523220"/>
+            <a:off x="4142579" y="1905000"/>
+            <a:ext cx="1420582" cy="379591"/>
           </a:xfrm>
           <a:prstGeom prst="rect">
             <a:avLst/>
@@ -7115,14 +7107,9 @@
           <a:lstStyle/>
           <a:p>
             <a:r>
-              <a:rPr lang="en-US" sz="2800" i="1" dirty="0" err="1"/>
-              <a:t>h</a:t>
-            </a:r>
-            <a:r>
-              <a:rPr lang="en-US" sz="2800" i="1" baseline="-25000" dirty="0" err="1"/>
-              <a:t>L</a:t>
-            </a:r>
-            <a:endParaRPr lang="en-US" sz="2800" i="1" baseline="-25000" dirty="0"/>
+              <a:rPr lang="en-US" sz="2800" baseline="-25000" dirty="0"/>
+              <a:t>Lake height</a:t>
+            </a:r>
           </a:p>
         </p:txBody>
       </p:sp>
@@ -7257,7 +7244,7 @@
         <p:spPr>
           <a:xfrm>
             <a:off x="6858000" y="3820180"/>
-            <a:ext cx="558166" cy="523220"/>
+            <a:ext cx="1927131" cy="379591"/>
           </a:xfrm>
           <a:prstGeom prst="rect">
             <a:avLst/>
@@ -7271,14 +7258,9 @@
           <a:lstStyle/>
           <a:p>
             <a:r>
-              <a:rPr lang="en-US" sz="2800" i="1" dirty="0" err="1"/>
-              <a:t>h</a:t>
-            </a:r>
-            <a:r>
-              <a:rPr lang="en-US" sz="2800" i="1" baseline="-25000" dirty="0" err="1"/>
-              <a:t>R</a:t>
-            </a:r>
-            <a:endParaRPr lang="en-US" sz="2800" i="1" baseline="-25000" dirty="0"/>
+              <a:rPr lang="en-US" sz="2800" baseline="-25000" dirty="0"/>
+              <a:t>Reservoir height</a:t>
+            </a:r>
           </a:p>
         </p:txBody>
       </p:sp>
@@ -8719,8 +8701,8 @@
         </p:nvSpPr>
         <p:spPr>
           <a:xfrm>
-            <a:off x="6451893" y="2814935"/>
-            <a:ext cx="2234907" cy="400110"/>
+            <a:off x="5486400" y="2781180"/>
+            <a:ext cx="3425938" cy="400110"/>
           </a:xfrm>
           <a:prstGeom prst="rect">
             <a:avLst/>
@@ -8743,11 +8725,19 @@
             </a:r>
             <a:r>
               <a:rPr lang="en-US" sz="2000" i="1" dirty="0"/>
+              <a:t>s</a:t>
+            </a:r>
+            <a:r>
+              <a:rPr lang="en-US" sz="2000" i="1" baseline="30000" dirty="0"/>
+              <a:t>-1</a:t>
+            </a:r>
+            <a:r>
+              <a:rPr lang="en-US" sz="2000" i="1" dirty="0"/>
               <a:t> = </a:t>
             </a:r>
             <a:r>
               <a:rPr lang="en-US" sz="2000" dirty="0"/>
-              <a:t>cubic meters</a:t>
+              <a:t>cubic meters per sec</a:t>
             </a:r>
             <a:endParaRPr lang="en-US" sz="2000" i="1" dirty="0"/>
           </a:p>
@@ -8768,7 +8758,7 @@
         <p:spPr>
           <a:xfrm>
             <a:off x="6451893" y="4095690"/>
-            <a:ext cx="2234907" cy="400110"/>
+            <a:ext cx="772969" cy="400110"/>
           </a:xfrm>
           <a:prstGeom prst="rect">
             <a:avLst/>
@@ -8791,11 +8781,11 @@
             </a:r>
             <a:r>
               <a:rPr lang="en-US" sz="2000" i="1" dirty="0"/>
-              <a:t> = </a:t>
-            </a:r>
-            <a:r>
-              <a:rPr lang="en-US" sz="2000" dirty="0"/>
-              <a:t>cubic meters</a:t>
+              <a:t>s</a:t>
+            </a:r>
+            <a:r>
+              <a:rPr lang="en-US" sz="2000" i="1" baseline="30000" dirty="0"/>
+              <a:t>-1</a:t>
             </a:r>
             <a:endParaRPr lang="en-US" sz="2000" i="1" dirty="0"/>
           </a:p>
@@ -8816,7 +8806,7 @@
         <p:spPr>
           <a:xfrm>
             <a:off x="6451893" y="4552890"/>
-            <a:ext cx="2234907" cy="400110"/>
+            <a:ext cx="772969" cy="400110"/>
           </a:xfrm>
           <a:prstGeom prst="rect">
             <a:avLst/>
@@ -8839,11 +8829,11 @@
             </a:r>
             <a:r>
               <a:rPr lang="en-US" sz="2000" i="1" dirty="0"/>
-              <a:t> = </a:t>
-            </a:r>
-            <a:r>
-              <a:rPr lang="en-US" sz="2000" dirty="0"/>
-              <a:t>cubic meters</a:t>
+              <a:t>s</a:t>
+            </a:r>
+            <a:r>
+              <a:rPr lang="en-US" sz="2000" i="1" baseline="30000" dirty="0"/>
+              <a:t>-1</a:t>
             </a:r>
             <a:endParaRPr lang="en-US" sz="2000" i="1" dirty="0"/>
           </a:p>
@@ -8864,7 +8854,7 @@
         <p:spPr>
           <a:xfrm>
             <a:off x="6451893" y="5695890"/>
-            <a:ext cx="2234907" cy="400110"/>
+            <a:ext cx="772969" cy="400110"/>
           </a:xfrm>
           <a:prstGeom prst="rect">
             <a:avLst/>
@@ -8887,11 +8877,11 @@
             </a:r>
             <a:r>
               <a:rPr lang="en-US" sz="2000" i="1" dirty="0"/>
-              <a:t> = </a:t>
-            </a:r>
-            <a:r>
-              <a:rPr lang="en-US" sz="2000" dirty="0"/>
-              <a:t>cubic meters</a:t>
+              <a:t>s</a:t>
+            </a:r>
+            <a:r>
+              <a:rPr lang="en-US" sz="2000" i="1" baseline="30000" dirty="0"/>
+              <a:t>-1</a:t>
             </a:r>
             <a:endParaRPr lang="en-US" sz="2000" i="1" dirty="0"/>
           </a:p>
@@ -9154,7 +9144,7 @@
         <p:spPr>
           <a:xfrm>
             <a:off x="6451893" y="5410200"/>
-            <a:ext cx="2234907" cy="400110"/>
+            <a:ext cx="772969" cy="400110"/>
           </a:xfrm>
           <a:prstGeom prst="rect">
             <a:avLst/>
@@ -9177,11 +9167,11 @@
             </a:r>
             <a:r>
               <a:rPr lang="en-US" sz="2000" i="1" dirty="0"/>
-              <a:t> = </a:t>
-            </a:r>
-            <a:r>
-              <a:rPr lang="en-US" sz="2000" dirty="0"/>
-              <a:t>cubic meters</a:t>
+              <a:t>s</a:t>
+            </a:r>
+            <a:r>
+              <a:rPr lang="en-US" sz="2000" i="1" baseline="30000" dirty="0"/>
+              <a:t>-1</a:t>
             </a:r>
             <a:endParaRPr lang="en-US" sz="2000" i="1" dirty="0"/>
           </a:p>
@@ -10320,7 +10310,7 @@
           <a:p>
             <a:r>
               <a:rPr lang="en-US" dirty="0"/>
-              <a:t>A Conceptual Model Relates Inputs to Outputs</a:t>
+              <a:t>A conceptual model relates inputs to outputs.</a:t>
             </a:r>
           </a:p>
         </p:txBody>
@@ -11260,8 +11250,12 @@
           <a:prstGeom prst="rect">
             <a:avLst/>
           </a:prstGeom>
-          <a:noFill/>
-          <a:ln w="38100"/>
+          <a:solidFill>
+            <a:schemeClr val="tx1"/>
+          </a:solidFill>
+          <a:ln w="38100">
+            <a:noFill/>
+          </a:ln>
           <a:effectLst>
             <a:outerShdw dist="23000" sx="1000" sy="1000" rotWithShape="0">
               <a:srgbClr val="000000"/>
@@ -11444,8 +11438,12 @@
           <a:prstGeom prst="rect">
             <a:avLst/>
           </a:prstGeom>
-          <a:noFill/>
-          <a:ln w="38100"/>
+          <a:solidFill>
+            <a:schemeClr val="tx1"/>
+          </a:solidFill>
+          <a:ln w="38100">
+            <a:noFill/>
+          </a:ln>
           <a:effectLst>
             <a:outerShdw dist="23000" sx="1000" sy="1000" rotWithShape="0">
               <a:srgbClr val="000000"/>
@@ -12525,7 +12523,7 @@
           <a:p>
             <a:r>
               <a:rPr lang="en-US" dirty="0"/>
-              <a:t>A System is an Assembly of Elements.</a:t>
+              <a:t>A system is an assembly of elements.</a:t>
             </a:r>
           </a:p>
         </p:txBody>
@@ -12614,8 +12612,8 @@
         </p:nvGrpSpPr>
         <p:grpSpPr>
           <a:xfrm>
-            <a:off x="7162801" y="381000"/>
-            <a:ext cx="1600200" cy="911377"/>
+            <a:off x="6629400" y="381000"/>
+            <a:ext cx="2133601" cy="1371600"/>
             <a:chOff x="381000" y="1066800"/>
             <a:chExt cx="5678091" cy="4946953"/>
           </a:xfrm>
@@ -12861,6 +12859,1861 @@
           </p:spPr>
         </p:pic>
       </p:grpSp>
+      <p:sp>
+        <p:nvSpPr>
+          <p:cNvPr id="15" name="TextBox 14">
+            <a:extLst>
+              <a:ext uri="{FF2B5EF4-FFF2-40B4-BE49-F238E27FC236}">
+                <a16:creationId xmlns:a16="http://schemas.microsoft.com/office/drawing/2014/main" id="{358A3726-6871-6946-86D7-84BF2C81A78B}"/>
+              </a:ext>
+            </a:extLst>
+          </p:cNvPr>
+          <p:cNvSpPr txBox="1"/>
+          <p:nvPr/>
+        </p:nvSpPr>
+        <p:spPr>
+          <a:xfrm>
+            <a:off x="533400" y="2590800"/>
+            <a:ext cx="7674024" cy="369332"/>
+          </a:xfrm>
+          <a:prstGeom prst="rect">
+            <a:avLst/>
+          </a:prstGeom>
+          <a:noFill/>
+        </p:spPr>
+        <p:txBody>
+          <a:bodyPr wrap="none" rtlCol="0">
+            <a:spAutoFit/>
+          </a:bodyPr>
+          <a:lstStyle/>
+          <a:p>
+            <a:r>
+              <a:rPr lang="en-US" dirty="0"/>
+              <a:t>Simplifications: (a) Aggregate all streams for lake (dam) into a single flow.</a:t>
+            </a:r>
+          </a:p>
+        </p:txBody>
+      </p:sp>
+      <p:sp>
+        <p:nvSpPr>
+          <p:cNvPr id="17" name="Rectangle 16">
+            <a:extLst>
+              <a:ext uri="{FF2B5EF4-FFF2-40B4-BE49-F238E27FC236}">
+                <a16:creationId xmlns:a16="http://schemas.microsoft.com/office/drawing/2014/main" id="{D824A4B3-0581-404A-BED0-B09F94C933E6}"/>
+              </a:ext>
+            </a:extLst>
+          </p:cNvPr>
+          <p:cNvSpPr/>
+          <p:nvPr/>
+        </p:nvSpPr>
+        <p:spPr>
+          <a:xfrm>
+            <a:off x="2148141" y="5105400"/>
+            <a:ext cx="669871" cy="533400"/>
+          </a:xfrm>
+          <a:prstGeom prst="rect">
+            <a:avLst/>
+          </a:prstGeom>
+          <a:solidFill>
+            <a:schemeClr val="tx1"/>
+          </a:solidFill>
+          <a:ln w="38100">
+            <a:noFill/>
+          </a:ln>
+          <a:effectLst>
+            <a:outerShdw dist="23000" sx="1000" sy="1000" rotWithShape="0">
+              <a:srgbClr val="000000"/>
+            </a:outerShdw>
+          </a:effectLst>
+        </p:spPr>
+        <p:style>
+          <a:lnRef idx="1">
+            <a:schemeClr val="accent1"/>
+          </a:lnRef>
+          <a:fillRef idx="3">
+            <a:schemeClr val="accent1"/>
+          </a:fillRef>
+          <a:effectRef idx="2">
+            <a:schemeClr val="accent1"/>
+          </a:effectRef>
+          <a:fontRef idx="minor">
+            <a:schemeClr val="lt1"/>
+          </a:fontRef>
+        </p:style>
+        <p:txBody>
+          <a:bodyPr rtlCol="0" anchor="ctr"/>
+          <a:lstStyle/>
+          <a:p>
+            <a:pPr algn="ctr"/>
+            <a:endParaRPr lang="en-US"/>
+          </a:p>
+        </p:txBody>
+      </p:sp>
+      <p:sp>
+        <p:nvSpPr>
+          <p:cNvPr id="21" name="TextBox 20">
+            <a:extLst>
+              <a:ext uri="{FF2B5EF4-FFF2-40B4-BE49-F238E27FC236}">
+                <a16:creationId xmlns:a16="http://schemas.microsoft.com/office/drawing/2014/main" id="{29BE2BA8-8661-014F-8C1C-7F5D124E1076}"/>
+              </a:ext>
+            </a:extLst>
+          </p:cNvPr>
+          <p:cNvSpPr txBox="1"/>
+          <p:nvPr/>
+        </p:nvSpPr>
+        <p:spPr>
+          <a:xfrm>
+            <a:off x="1752600" y="3048000"/>
+            <a:ext cx="1011815" cy="369332"/>
+          </a:xfrm>
+          <a:prstGeom prst="rect">
+            <a:avLst/>
+          </a:prstGeom>
+          <a:noFill/>
+        </p:spPr>
+        <p:txBody>
+          <a:bodyPr wrap="none" rtlCol="0">
+            <a:spAutoFit/>
+          </a:bodyPr>
+          <a:lstStyle/>
+          <a:p>
+            <a:r>
+              <a:rPr lang="en-US" dirty="0">
+                <a:latin typeface="Courier New" panose="02070309020205020404" pitchFamily="49" charset="0"/>
+                <a:cs typeface="Courier New" panose="02070309020205020404" pitchFamily="49" charset="0"/>
+              </a:rPr>
+              <a:t>F1.out</a:t>
+            </a:r>
+          </a:p>
+        </p:txBody>
+      </p:sp>
+      <p:sp>
+        <p:nvSpPr>
+          <p:cNvPr id="23" name="TextBox 22">
+            <a:extLst>
+              <a:ext uri="{FF2B5EF4-FFF2-40B4-BE49-F238E27FC236}">
+                <a16:creationId xmlns:a16="http://schemas.microsoft.com/office/drawing/2014/main" id="{91E9A274-6098-4C45-B48E-C9E2EADF0840}"/>
+              </a:ext>
+            </a:extLst>
+          </p:cNvPr>
+          <p:cNvSpPr txBox="1"/>
+          <p:nvPr/>
+        </p:nvSpPr>
+        <p:spPr>
+          <a:xfrm>
+            <a:off x="2094352" y="4431268"/>
+            <a:ext cx="873957" cy="369332"/>
+          </a:xfrm>
+          <a:prstGeom prst="rect">
+            <a:avLst/>
+          </a:prstGeom>
+          <a:noFill/>
+        </p:spPr>
+        <p:txBody>
+          <a:bodyPr wrap="none" rtlCol="0">
+            <a:spAutoFit/>
+          </a:bodyPr>
+          <a:lstStyle/>
+          <a:p>
+            <a:r>
+              <a:rPr lang="en-US" dirty="0">
+                <a:latin typeface="Courier New" panose="02070309020205020404" pitchFamily="49" charset="0"/>
+                <a:cs typeface="Courier New" panose="02070309020205020404" pitchFamily="49" charset="0"/>
+              </a:rPr>
+              <a:t>V1.in</a:t>
+            </a:r>
+          </a:p>
+        </p:txBody>
+      </p:sp>
+      <p:grpSp>
+        <p:nvGrpSpPr>
+          <p:cNvPr id="26" name="Group 25">
+            <a:extLst>
+              <a:ext uri="{FF2B5EF4-FFF2-40B4-BE49-F238E27FC236}">
+                <a16:creationId xmlns:a16="http://schemas.microsoft.com/office/drawing/2014/main" id="{05B3100A-B80C-1743-87B1-DDC2697444AA}"/>
+              </a:ext>
+            </a:extLst>
+          </p:cNvPr>
+          <p:cNvGrpSpPr/>
+          <p:nvPr/>
+        </p:nvGrpSpPr>
+        <p:grpSpPr>
+          <a:xfrm>
+            <a:off x="2137174" y="3658204"/>
+            <a:ext cx="669871" cy="533400"/>
+            <a:chOff x="674832" y="3582004"/>
+            <a:chExt cx="669871" cy="533400"/>
+          </a:xfrm>
+        </p:grpSpPr>
+        <p:sp>
+          <p:nvSpPr>
+            <p:cNvPr id="24" name="Rectangle 23">
+              <a:extLst>
+                <a:ext uri="{FF2B5EF4-FFF2-40B4-BE49-F238E27FC236}">
+                  <a16:creationId xmlns:a16="http://schemas.microsoft.com/office/drawing/2014/main" id="{0557EC64-EEDC-E541-B113-77B962836C73}"/>
+                </a:ext>
+              </a:extLst>
+            </p:cNvPr>
+            <p:cNvSpPr/>
+            <p:nvPr/>
+          </p:nvSpPr>
+          <p:spPr>
+            <a:xfrm>
+              <a:off x="674832" y="3582004"/>
+              <a:ext cx="669871" cy="533400"/>
+            </a:xfrm>
+            <a:prstGeom prst="rect">
+              <a:avLst/>
+            </a:prstGeom>
+            <a:noFill/>
+            <a:ln w="38100">
+              <a:solidFill>
+                <a:schemeClr val="tx1"/>
+              </a:solidFill>
+            </a:ln>
+            <a:effectLst>
+              <a:outerShdw dist="23000" sx="1000" sy="1000" rotWithShape="0">
+                <a:srgbClr val="000000"/>
+              </a:outerShdw>
+            </a:effectLst>
+          </p:spPr>
+          <p:style>
+            <a:lnRef idx="1">
+              <a:schemeClr val="accent1"/>
+            </a:lnRef>
+            <a:fillRef idx="3">
+              <a:schemeClr val="accent1"/>
+            </a:fillRef>
+            <a:effectRef idx="2">
+              <a:schemeClr val="accent1"/>
+            </a:effectRef>
+            <a:fontRef idx="minor">
+              <a:schemeClr val="lt1"/>
+            </a:fontRef>
+          </p:style>
+          <p:txBody>
+            <a:bodyPr rtlCol="0" anchor="ctr"/>
+            <a:lstStyle/>
+            <a:p>
+              <a:pPr algn="ctr"/>
+              <a:endParaRPr lang="en-US"/>
+            </a:p>
+          </p:txBody>
+        </p:sp>
+        <p:sp>
+          <p:nvSpPr>
+            <p:cNvPr id="25" name="TextBox 24">
+              <a:extLst>
+                <a:ext uri="{FF2B5EF4-FFF2-40B4-BE49-F238E27FC236}">
+                  <a16:creationId xmlns:a16="http://schemas.microsoft.com/office/drawing/2014/main" id="{5BB04672-C317-1D44-88DD-9BF7F6573C08}"/>
+                </a:ext>
+              </a:extLst>
+            </p:cNvPr>
+            <p:cNvSpPr txBox="1"/>
+            <p:nvPr/>
+          </p:nvSpPr>
+          <p:spPr>
+            <a:xfrm>
+              <a:off x="853861" y="3632575"/>
+              <a:ext cx="333746" cy="400110"/>
+            </a:xfrm>
+            <a:prstGeom prst="rect">
+              <a:avLst/>
+            </a:prstGeom>
+            <a:noFill/>
+          </p:spPr>
+          <p:txBody>
+            <a:bodyPr wrap="none" rtlCol="0">
+              <a:spAutoFit/>
+            </a:bodyPr>
+            <a:lstStyle/>
+            <a:p>
+              <a:r>
+                <a:rPr lang="en-US" sz="2000" dirty="0"/>
+                <a:t>=</a:t>
+              </a:r>
+            </a:p>
+          </p:txBody>
+        </p:sp>
+      </p:grpSp>
+      <p:cxnSp>
+        <p:nvCxnSpPr>
+          <p:cNvPr id="28" name="Elbow Connector 27">
+            <a:extLst>
+              <a:ext uri="{FF2B5EF4-FFF2-40B4-BE49-F238E27FC236}">
+                <a16:creationId xmlns:a16="http://schemas.microsoft.com/office/drawing/2014/main" id="{E064D8DE-065B-1446-8802-3BFB9A425881}"/>
+              </a:ext>
+            </a:extLst>
+          </p:cNvPr>
+          <p:cNvCxnSpPr>
+            <a:cxnSpLocks/>
+            <a:stCxn id="21" idx="2"/>
+            <a:endCxn id="24" idx="0"/>
+          </p:cNvCxnSpPr>
+          <p:nvPr/>
+        </p:nvCxnSpPr>
+        <p:spPr>
+          <a:xfrm rot="16200000" flipH="1">
+            <a:off x="2244873" y="3430967"/>
+            <a:ext cx="240872" cy="213602"/>
+          </a:xfrm>
+          <a:prstGeom prst="bentConnector3">
+            <a:avLst/>
+          </a:prstGeom>
+          <a:ln>
+            <a:headEnd type="none" w="med" len="med"/>
+            <a:tailEnd type="arrow" w="med" len="med"/>
+          </a:ln>
+        </p:spPr>
+        <p:style>
+          <a:lnRef idx="2">
+            <a:schemeClr val="accent1"/>
+          </a:lnRef>
+          <a:fillRef idx="0">
+            <a:schemeClr val="accent1"/>
+          </a:fillRef>
+          <a:effectRef idx="1">
+            <a:schemeClr val="accent1"/>
+          </a:effectRef>
+          <a:fontRef idx="minor">
+            <a:schemeClr val="tx1"/>
+          </a:fontRef>
+        </p:style>
+      </p:cxnSp>
+      <p:cxnSp>
+        <p:nvCxnSpPr>
+          <p:cNvPr id="30" name="Elbow Connector 29">
+            <a:extLst>
+              <a:ext uri="{FF2B5EF4-FFF2-40B4-BE49-F238E27FC236}">
+                <a16:creationId xmlns:a16="http://schemas.microsoft.com/office/drawing/2014/main" id="{115E1056-0EA4-BA4E-B376-2197BA38FACF}"/>
+              </a:ext>
+            </a:extLst>
+          </p:cNvPr>
+          <p:cNvCxnSpPr>
+            <a:cxnSpLocks/>
+            <a:stCxn id="24" idx="2"/>
+            <a:endCxn id="23" idx="0"/>
+          </p:cNvCxnSpPr>
+          <p:nvPr/>
+        </p:nvCxnSpPr>
+        <p:spPr>
+          <a:xfrm rot="16200000" flipH="1">
+            <a:off x="2381888" y="4281825"/>
+            <a:ext cx="239664" cy="59221"/>
+          </a:xfrm>
+          <a:prstGeom prst="bentConnector3">
+            <a:avLst/>
+          </a:prstGeom>
+          <a:ln>
+            <a:headEnd type="none" w="med" len="med"/>
+            <a:tailEnd type="arrow" w="med" len="med"/>
+          </a:ln>
+        </p:spPr>
+        <p:style>
+          <a:lnRef idx="2">
+            <a:schemeClr val="accent1"/>
+          </a:lnRef>
+          <a:fillRef idx="0">
+            <a:schemeClr val="accent1"/>
+          </a:fillRef>
+          <a:effectRef idx="1">
+            <a:schemeClr val="accent1"/>
+          </a:effectRef>
+          <a:fontRef idx="minor">
+            <a:schemeClr val="tx1"/>
+          </a:fontRef>
+        </p:style>
+      </p:cxnSp>
+      <p:cxnSp>
+        <p:nvCxnSpPr>
+          <p:cNvPr id="32" name="Elbow Connector 31">
+            <a:extLst>
+              <a:ext uri="{FF2B5EF4-FFF2-40B4-BE49-F238E27FC236}">
+                <a16:creationId xmlns:a16="http://schemas.microsoft.com/office/drawing/2014/main" id="{1C4AA3BD-50E8-5A41-99F5-BD705147FB61}"/>
+              </a:ext>
+            </a:extLst>
+          </p:cNvPr>
+          <p:cNvCxnSpPr>
+            <a:cxnSpLocks/>
+            <a:stCxn id="23" idx="2"/>
+            <a:endCxn id="17" idx="0"/>
+          </p:cNvCxnSpPr>
+          <p:nvPr/>
+        </p:nvCxnSpPr>
+        <p:spPr>
+          <a:xfrm rot="5400000">
+            <a:off x="2354804" y="4928873"/>
+            <a:ext cx="304800" cy="48254"/>
+          </a:xfrm>
+          <a:prstGeom prst="bentConnector3">
+            <a:avLst/>
+          </a:prstGeom>
+          <a:ln>
+            <a:headEnd type="none" w="med" len="med"/>
+            <a:tailEnd type="arrow" w="med" len="med"/>
+          </a:ln>
+        </p:spPr>
+        <p:style>
+          <a:lnRef idx="2">
+            <a:schemeClr val="accent1"/>
+          </a:lnRef>
+          <a:fillRef idx="0">
+            <a:schemeClr val="accent1"/>
+          </a:fillRef>
+          <a:effectRef idx="1">
+            <a:schemeClr val="accent1"/>
+          </a:effectRef>
+          <a:fontRef idx="minor">
+            <a:schemeClr val="tx1"/>
+          </a:fontRef>
+        </p:style>
+      </p:cxnSp>
+      <p:sp>
+        <p:nvSpPr>
+          <p:cNvPr id="34" name="TextBox 33">
+            <a:extLst>
+              <a:ext uri="{FF2B5EF4-FFF2-40B4-BE49-F238E27FC236}">
+                <a16:creationId xmlns:a16="http://schemas.microsoft.com/office/drawing/2014/main" id="{41958EA8-FC40-D443-A265-9F87F80BE05A}"/>
+              </a:ext>
+            </a:extLst>
+          </p:cNvPr>
+          <p:cNvSpPr txBox="1"/>
+          <p:nvPr/>
+        </p:nvSpPr>
+        <p:spPr>
+          <a:xfrm>
+            <a:off x="228600" y="5117068"/>
+            <a:ext cx="1425390" cy="369332"/>
+          </a:xfrm>
+          <a:prstGeom prst="rect">
+            <a:avLst/>
+          </a:prstGeom>
+          <a:noFill/>
+        </p:spPr>
+        <p:txBody>
+          <a:bodyPr wrap="none" rtlCol="0">
+            <a:spAutoFit/>
+          </a:bodyPr>
+          <a:lstStyle/>
+          <a:p>
+            <a:r>
+              <a:rPr lang="en-US" dirty="0">
+                <a:latin typeface="Courier New" panose="02070309020205020404" pitchFamily="49" charset="0"/>
+                <a:cs typeface="Courier New" panose="02070309020205020404" pitchFamily="49" charset="0"/>
+              </a:rPr>
+              <a:t>V1.height</a:t>
+            </a:r>
+          </a:p>
+        </p:txBody>
+      </p:sp>
+      <p:cxnSp>
+        <p:nvCxnSpPr>
+          <p:cNvPr id="36" name="Elbow Connector 35">
+            <a:extLst>
+              <a:ext uri="{FF2B5EF4-FFF2-40B4-BE49-F238E27FC236}">
+                <a16:creationId xmlns:a16="http://schemas.microsoft.com/office/drawing/2014/main" id="{3B4F87C1-7C8C-7540-AEA9-03EDA0E4DB80}"/>
+              </a:ext>
+            </a:extLst>
+          </p:cNvPr>
+          <p:cNvCxnSpPr>
+            <a:stCxn id="34" idx="3"/>
+            <a:endCxn id="17" idx="1"/>
+          </p:cNvCxnSpPr>
+          <p:nvPr/>
+        </p:nvCxnSpPr>
+        <p:spPr>
+          <a:xfrm>
+            <a:off x="1653990" y="5301734"/>
+            <a:ext cx="494151" cy="70366"/>
+          </a:xfrm>
+          <a:prstGeom prst="bentConnector3">
+            <a:avLst/>
+          </a:prstGeom>
+          <a:ln>
+            <a:headEnd type="none" w="med" len="med"/>
+            <a:tailEnd type="arrow" w="med" len="med"/>
+          </a:ln>
+        </p:spPr>
+        <p:style>
+          <a:lnRef idx="2">
+            <a:schemeClr val="accent1"/>
+          </a:lnRef>
+          <a:fillRef idx="0">
+            <a:schemeClr val="accent1"/>
+          </a:fillRef>
+          <a:effectRef idx="1">
+            <a:schemeClr val="accent1"/>
+          </a:effectRef>
+          <a:fontRef idx="minor">
+            <a:schemeClr val="tx1"/>
+          </a:fontRef>
+        </p:style>
+      </p:cxnSp>
+      <p:sp>
+        <p:nvSpPr>
+          <p:cNvPr id="37" name="TextBox 36">
+            <a:extLst>
+              <a:ext uri="{FF2B5EF4-FFF2-40B4-BE49-F238E27FC236}">
+                <a16:creationId xmlns:a16="http://schemas.microsoft.com/office/drawing/2014/main" id="{2514C52C-0C02-CA4B-86E2-5F4E007AEB4E}"/>
+              </a:ext>
+            </a:extLst>
+          </p:cNvPr>
+          <p:cNvSpPr txBox="1"/>
+          <p:nvPr/>
+        </p:nvSpPr>
+        <p:spPr>
+          <a:xfrm>
+            <a:off x="1828800" y="6014204"/>
+            <a:ext cx="1011815" cy="369332"/>
+          </a:xfrm>
+          <a:prstGeom prst="rect">
+            <a:avLst/>
+          </a:prstGeom>
+          <a:noFill/>
+        </p:spPr>
+        <p:txBody>
+          <a:bodyPr wrap="none" rtlCol="0">
+            <a:spAutoFit/>
+          </a:bodyPr>
+          <a:lstStyle/>
+          <a:p>
+            <a:r>
+              <a:rPr lang="en-US" dirty="0">
+                <a:latin typeface="Courier New" panose="02070309020205020404" pitchFamily="49" charset="0"/>
+                <a:cs typeface="Courier New" panose="02070309020205020404" pitchFamily="49" charset="0"/>
+              </a:rPr>
+              <a:t>V1.out</a:t>
+            </a:r>
+          </a:p>
+        </p:txBody>
+      </p:sp>
+      <p:cxnSp>
+        <p:nvCxnSpPr>
+          <p:cNvPr id="39" name="Elbow Connector 38">
+            <a:extLst>
+              <a:ext uri="{FF2B5EF4-FFF2-40B4-BE49-F238E27FC236}">
+                <a16:creationId xmlns:a16="http://schemas.microsoft.com/office/drawing/2014/main" id="{D013698E-4C80-A24C-B9FF-68BCC2BC24A4}"/>
+              </a:ext>
+            </a:extLst>
+          </p:cNvPr>
+          <p:cNvCxnSpPr>
+            <a:cxnSpLocks/>
+            <a:stCxn id="17" idx="2"/>
+            <a:endCxn id="37" idx="0"/>
+          </p:cNvCxnSpPr>
+          <p:nvPr/>
+        </p:nvCxnSpPr>
+        <p:spPr>
+          <a:xfrm rot="5400000">
+            <a:off x="2221191" y="5752318"/>
+            <a:ext cx="375404" cy="148369"/>
+          </a:xfrm>
+          <a:prstGeom prst="bentConnector3">
+            <a:avLst/>
+          </a:prstGeom>
+          <a:ln>
+            <a:headEnd type="none" w="med" len="med"/>
+            <a:tailEnd type="arrow" w="med" len="med"/>
+          </a:ln>
+        </p:spPr>
+        <p:style>
+          <a:lnRef idx="2">
+            <a:schemeClr val="accent1"/>
+          </a:lnRef>
+          <a:fillRef idx="0">
+            <a:schemeClr val="accent1"/>
+          </a:fillRef>
+          <a:effectRef idx="1">
+            <a:schemeClr val="accent1"/>
+          </a:effectRef>
+          <a:fontRef idx="minor">
+            <a:schemeClr val="tx1"/>
+          </a:fontRef>
+        </p:style>
+      </p:cxnSp>
+      <p:grpSp>
+        <p:nvGrpSpPr>
+          <p:cNvPr id="40" name="Group 39">
+            <a:extLst>
+              <a:ext uri="{FF2B5EF4-FFF2-40B4-BE49-F238E27FC236}">
+                <a16:creationId xmlns:a16="http://schemas.microsoft.com/office/drawing/2014/main" id="{FD9EB58E-BC93-9B4B-8695-96FE8F7367C3}"/>
+              </a:ext>
+            </a:extLst>
+          </p:cNvPr>
+          <p:cNvGrpSpPr/>
+          <p:nvPr/>
+        </p:nvGrpSpPr>
+        <p:grpSpPr>
+          <a:xfrm>
+            <a:off x="3760812" y="3124396"/>
+            <a:ext cx="669871" cy="533400"/>
+            <a:chOff x="674832" y="3582004"/>
+            <a:chExt cx="669871" cy="533400"/>
+          </a:xfrm>
+        </p:grpSpPr>
+        <p:sp>
+          <p:nvSpPr>
+            <p:cNvPr id="41" name="Rectangle 40">
+              <a:extLst>
+                <a:ext uri="{FF2B5EF4-FFF2-40B4-BE49-F238E27FC236}">
+                  <a16:creationId xmlns:a16="http://schemas.microsoft.com/office/drawing/2014/main" id="{5D891969-458F-4B44-93F3-5CCDD663CC9C}"/>
+                </a:ext>
+              </a:extLst>
+            </p:cNvPr>
+            <p:cNvSpPr/>
+            <p:nvPr/>
+          </p:nvSpPr>
+          <p:spPr>
+            <a:xfrm>
+              <a:off x="674832" y="3582004"/>
+              <a:ext cx="669871" cy="533400"/>
+            </a:xfrm>
+            <a:prstGeom prst="rect">
+              <a:avLst/>
+            </a:prstGeom>
+            <a:noFill/>
+            <a:ln w="38100">
+              <a:solidFill>
+                <a:schemeClr val="tx1"/>
+              </a:solidFill>
+            </a:ln>
+            <a:effectLst>
+              <a:outerShdw dist="23000" sx="1000" sy="1000" rotWithShape="0">
+                <a:srgbClr val="000000"/>
+              </a:outerShdw>
+            </a:effectLst>
+          </p:spPr>
+          <p:style>
+            <a:lnRef idx="1">
+              <a:schemeClr val="accent1"/>
+            </a:lnRef>
+            <a:fillRef idx="3">
+              <a:schemeClr val="accent1"/>
+            </a:fillRef>
+            <a:effectRef idx="2">
+              <a:schemeClr val="accent1"/>
+            </a:effectRef>
+            <a:fontRef idx="minor">
+              <a:schemeClr val="lt1"/>
+            </a:fontRef>
+          </p:style>
+          <p:txBody>
+            <a:bodyPr rtlCol="0" anchor="ctr"/>
+            <a:lstStyle/>
+            <a:p>
+              <a:pPr algn="ctr"/>
+              <a:endParaRPr lang="en-US"/>
+            </a:p>
+          </p:txBody>
+        </p:sp>
+        <p:sp>
+          <p:nvSpPr>
+            <p:cNvPr id="42" name="TextBox 41">
+              <a:extLst>
+                <a:ext uri="{FF2B5EF4-FFF2-40B4-BE49-F238E27FC236}">
+                  <a16:creationId xmlns:a16="http://schemas.microsoft.com/office/drawing/2014/main" id="{FD1957B8-AD2A-5044-98FD-7EEAA3A3EF07}"/>
+                </a:ext>
+              </a:extLst>
+            </p:cNvPr>
+            <p:cNvSpPr txBox="1"/>
+            <p:nvPr/>
+          </p:nvSpPr>
+          <p:spPr>
+            <a:xfrm>
+              <a:off x="853861" y="3632575"/>
+              <a:ext cx="333746" cy="400110"/>
+            </a:xfrm>
+            <a:prstGeom prst="rect">
+              <a:avLst/>
+            </a:prstGeom>
+            <a:noFill/>
+          </p:spPr>
+          <p:txBody>
+            <a:bodyPr wrap="none" rtlCol="0">
+              <a:spAutoFit/>
+            </a:bodyPr>
+            <a:lstStyle/>
+            <a:p>
+              <a:r>
+                <a:rPr lang="en-US" sz="2000" dirty="0"/>
+                <a:t>=</a:t>
+              </a:r>
+            </a:p>
+          </p:txBody>
+        </p:sp>
+      </p:grpSp>
+      <p:sp>
+        <p:nvSpPr>
+          <p:cNvPr id="43" name="TextBox 42">
+            <a:extLst>
+              <a:ext uri="{FF2B5EF4-FFF2-40B4-BE49-F238E27FC236}">
+                <a16:creationId xmlns:a16="http://schemas.microsoft.com/office/drawing/2014/main" id="{12D4A9F7-1EDC-F24C-8F0D-4A7AE29C2E8F}"/>
+              </a:ext>
+            </a:extLst>
+          </p:cNvPr>
+          <p:cNvSpPr txBox="1"/>
+          <p:nvPr/>
+        </p:nvSpPr>
+        <p:spPr>
+          <a:xfrm>
+            <a:off x="3392295" y="3938293"/>
+            <a:ext cx="736099" cy="369332"/>
+          </a:xfrm>
+          <a:prstGeom prst="rect">
+            <a:avLst/>
+          </a:prstGeom>
+          <a:noFill/>
+        </p:spPr>
+        <p:txBody>
+          <a:bodyPr wrap="none" rtlCol="0">
+            <a:spAutoFit/>
+          </a:bodyPr>
+          <a:lstStyle/>
+          <a:p>
+            <a:r>
+              <a:rPr lang="en-US" dirty="0" err="1">
+                <a:latin typeface="Courier New" panose="02070309020205020404" pitchFamily="49" charset="0"/>
+                <a:cs typeface="Courier New" panose="02070309020205020404" pitchFamily="49" charset="0"/>
+              </a:rPr>
+              <a:t>P.in</a:t>
+            </a:r>
+            <a:endParaRPr lang="en-US" dirty="0">
+              <a:latin typeface="Courier New" panose="02070309020205020404" pitchFamily="49" charset="0"/>
+              <a:cs typeface="Courier New" panose="02070309020205020404" pitchFamily="49" charset="0"/>
+            </a:endParaRPr>
+          </a:p>
+        </p:txBody>
+      </p:sp>
+      <p:cxnSp>
+        <p:nvCxnSpPr>
+          <p:cNvPr id="45" name="Elbow Connector 44">
+            <a:extLst>
+              <a:ext uri="{FF2B5EF4-FFF2-40B4-BE49-F238E27FC236}">
+                <a16:creationId xmlns:a16="http://schemas.microsoft.com/office/drawing/2014/main" id="{4C96E951-D0D1-2D49-BC18-F4FE289E941D}"/>
+              </a:ext>
+            </a:extLst>
+          </p:cNvPr>
+          <p:cNvCxnSpPr>
+            <a:stCxn id="37" idx="3"/>
+            <a:endCxn id="41" idx="1"/>
+          </p:cNvCxnSpPr>
+          <p:nvPr/>
+        </p:nvCxnSpPr>
+        <p:spPr>
+          <a:xfrm flipV="1">
+            <a:off x="2840615" y="3391096"/>
+            <a:ext cx="920197" cy="2807774"/>
+          </a:xfrm>
+          <a:prstGeom prst="bentConnector3">
+            <a:avLst/>
+          </a:prstGeom>
+          <a:ln>
+            <a:tailEnd type="triangle"/>
+          </a:ln>
+        </p:spPr>
+        <p:style>
+          <a:lnRef idx="2">
+            <a:schemeClr val="accent1"/>
+          </a:lnRef>
+          <a:fillRef idx="0">
+            <a:schemeClr val="accent1"/>
+          </a:fillRef>
+          <a:effectRef idx="1">
+            <a:schemeClr val="accent1"/>
+          </a:effectRef>
+          <a:fontRef idx="minor">
+            <a:schemeClr val="tx1"/>
+          </a:fontRef>
+        </p:style>
+      </p:cxnSp>
+      <p:cxnSp>
+        <p:nvCxnSpPr>
+          <p:cNvPr id="47" name="Elbow Connector 46">
+            <a:extLst>
+              <a:ext uri="{FF2B5EF4-FFF2-40B4-BE49-F238E27FC236}">
+                <a16:creationId xmlns:a16="http://schemas.microsoft.com/office/drawing/2014/main" id="{C3BD8008-1A5A-134F-A464-B20CECB3C761}"/>
+              </a:ext>
+            </a:extLst>
+          </p:cNvPr>
+          <p:cNvCxnSpPr>
+            <a:stCxn id="41" idx="2"/>
+            <a:endCxn id="43" idx="0"/>
+          </p:cNvCxnSpPr>
+          <p:nvPr/>
+        </p:nvCxnSpPr>
+        <p:spPr>
+          <a:xfrm rot="5400000">
+            <a:off x="3787799" y="3630343"/>
+            <a:ext cx="280497" cy="335403"/>
+          </a:xfrm>
+          <a:prstGeom prst="bentConnector3">
+            <a:avLst/>
+          </a:prstGeom>
+          <a:ln>
+            <a:headEnd type="none" w="med" len="med"/>
+            <a:tailEnd type="arrow" w="med" len="med"/>
+          </a:ln>
+        </p:spPr>
+        <p:style>
+          <a:lnRef idx="2">
+            <a:schemeClr val="accent1"/>
+          </a:lnRef>
+          <a:fillRef idx="0">
+            <a:schemeClr val="accent1"/>
+          </a:fillRef>
+          <a:effectRef idx="1">
+            <a:schemeClr val="accent1"/>
+          </a:effectRef>
+          <a:fontRef idx="minor">
+            <a:schemeClr val="tx1"/>
+          </a:fontRef>
+        </p:style>
+      </p:cxnSp>
+      <p:sp>
+        <p:nvSpPr>
+          <p:cNvPr id="48" name="Rectangle 47">
+            <a:extLst>
+              <a:ext uri="{FF2B5EF4-FFF2-40B4-BE49-F238E27FC236}">
+                <a16:creationId xmlns:a16="http://schemas.microsoft.com/office/drawing/2014/main" id="{3C681E0E-9742-AC4B-BDCF-B72F2D09F1A8}"/>
+              </a:ext>
+            </a:extLst>
+          </p:cNvPr>
+          <p:cNvSpPr/>
+          <p:nvPr/>
+        </p:nvSpPr>
+        <p:spPr>
+          <a:xfrm>
+            <a:off x="3858620" y="4560936"/>
+            <a:ext cx="669871" cy="533400"/>
+          </a:xfrm>
+          <a:prstGeom prst="rect">
+            <a:avLst/>
+          </a:prstGeom>
+          <a:solidFill>
+            <a:schemeClr val="tx1"/>
+          </a:solidFill>
+          <a:ln w="38100">
+            <a:noFill/>
+          </a:ln>
+          <a:effectLst>
+            <a:outerShdw dist="23000" sx="1000" sy="1000" rotWithShape="0">
+              <a:srgbClr val="000000"/>
+            </a:outerShdw>
+          </a:effectLst>
+        </p:spPr>
+        <p:style>
+          <a:lnRef idx="1">
+            <a:schemeClr val="accent1"/>
+          </a:lnRef>
+          <a:fillRef idx="3">
+            <a:schemeClr val="accent1"/>
+          </a:fillRef>
+          <a:effectRef idx="2">
+            <a:schemeClr val="accent1"/>
+          </a:effectRef>
+          <a:fontRef idx="minor">
+            <a:schemeClr val="lt1"/>
+          </a:fontRef>
+        </p:style>
+        <p:txBody>
+          <a:bodyPr rtlCol="0" anchor="ctr"/>
+          <a:lstStyle/>
+          <a:p>
+            <a:pPr algn="ctr"/>
+            <a:endParaRPr lang="en-US"/>
+          </a:p>
+        </p:txBody>
+      </p:sp>
+      <p:sp>
+        <p:nvSpPr>
+          <p:cNvPr id="49" name="TextBox 48">
+            <a:extLst>
+              <a:ext uri="{FF2B5EF4-FFF2-40B4-BE49-F238E27FC236}">
+                <a16:creationId xmlns:a16="http://schemas.microsoft.com/office/drawing/2014/main" id="{21DD8E72-1AD5-C844-9E19-708E0E93A86A}"/>
+              </a:ext>
+            </a:extLst>
+          </p:cNvPr>
+          <p:cNvSpPr txBox="1"/>
+          <p:nvPr/>
+        </p:nvSpPr>
+        <p:spPr>
+          <a:xfrm>
+            <a:off x="4515649" y="3901678"/>
+            <a:ext cx="1425390" cy="369332"/>
+          </a:xfrm>
+          <a:prstGeom prst="rect">
+            <a:avLst/>
+          </a:prstGeom>
+          <a:noFill/>
+        </p:spPr>
+        <p:txBody>
+          <a:bodyPr wrap="none" rtlCol="0">
+            <a:spAutoFit/>
+          </a:bodyPr>
+          <a:lstStyle/>
+          <a:p>
+            <a:r>
+              <a:rPr lang="en-US" dirty="0" err="1">
+                <a:latin typeface="Courier New" panose="02070309020205020404" pitchFamily="49" charset="0"/>
+                <a:cs typeface="Courier New" panose="02070309020205020404" pitchFamily="49" charset="0"/>
+              </a:rPr>
+              <a:t>P.setting</a:t>
+            </a:r>
+            <a:endParaRPr lang="en-US" dirty="0">
+              <a:latin typeface="Courier New" panose="02070309020205020404" pitchFamily="49" charset="0"/>
+              <a:cs typeface="Courier New" panose="02070309020205020404" pitchFamily="49" charset="0"/>
+            </a:endParaRPr>
+          </a:p>
+        </p:txBody>
+      </p:sp>
+      <p:cxnSp>
+        <p:nvCxnSpPr>
+          <p:cNvPr id="50" name="Elbow Connector 49">
+            <a:extLst>
+              <a:ext uri="{FF2B5EF4-FFF2-40B4-BE49-F238E27FC236}">
+                <a16:creationId xmlns:a16="http://schemas.microsoft.com/office/drawing/2014/main" id="{D38578FA-8DDF-2641-871E-7D9951BCB90F}"/>
+              </a:ext>
+            </a:extLst>
+          </p:cNvPr>
+          <p:cNvCxnSpPr>
+            <a:cxnSpLocks/>
+            <a:stCxn id="49" idx="2"/>
+            <a:endCxn id="48" idx="3"/>
+          </p:cNvCxnSpPr>
+          <p:nvPr/>
+        </p:nvCxnSpPr>
+        <p:spPr>
+          <a:xfrm rot="5400000">
+            <a:off x="4600105" y="4199397"/>
+            <a:ext cx="556626" cy="699853"/>
+          </a:xfrm>
+          <a:prstGeom prst="bentConnector2">
+            <a:avLst/>
+          </a:prstGeom>
+          <a:ln>
+            <a:headEnd type="none" w="med" len="med"/>
+            <a:tailEnd type="arrow" w="med" len="med"/>
+          </a:ln>
+        </p:spPr>
+        <p:style>
+          <a:lnRef idx="2">
+            <a:schemeClr val="accent1"/>
+          </a:lnRef>
+          <a:fillRef idx="0">
+            <a:schemeClr val="accent1"/>
+          </a:fillRef>
+          <a:effectRef idx="1">
+            <a:schemeClr val="accent1"/>
+          </a:effectRef>
+          <a:fontRef idx="minor">
+            <a:schemeClr val="tx1"/>
+          </a:fontRef>
+        </p:style>
+      </p:cxnSp>
+      <p:sp>
+        <p:nvSpPr>
+          <p:cNvPr id="51" name="TextBox 50">
+            <a:extLst>
+              <a:ext uri="{FF2B5EF4-FFF2-40B4-BE49-F238E27FC236}">
+                <a16:creationId xmlns:a16="http://schemas.microsoft.com/office/drawing/2014/main" id="{5F6D4BB6-7E4E-264D-B80F-72AFCAD76B23}"/>
+              </a:ext>
+            </a:extLst>
+          </p:cNvPr>
+          <p:cNvSpPr txBox="1"/>
+          <p:nvPr/>
+        </p:nvSpPr>
+        <p:spPr>
+          <a:xfrm>
+            <a:off x="3505200" y="5469740"/>
+            <a:ext cx="873957" cy="369332"/>
+          </a:xfrm>
+          <a:prstGeom prst="rect">
+            <a:avLst/>
+          </a:prstGeom>
+          <a:noFill/>
+        </p:spPr>
+        <p:txBody>
+          <a:bodyPr wrap="none" rtlCol="0">
+            <a:spAutoFit/>
+          </a:bodyPr>
+          <a:lstStyle/>
+          <a:p>
+            <a:r>
+              <a:rPr lang="en-US" dirty="0" err="1">
+                <a:latin typeface="Courier New" panose="02070309020205020404" pitchFamily="49" charset="0"/>
+                <a:cs typeface="Courier New" panose="02070309020205020404" pitchFamily="49" charset="0"/>
+              </a:rPr>
+              <a:t>P.out</a:t>
+            </a:r>
+            <a:endParaRPr lang="en-US" dirty="0">
+              <a:latin typeface="Courier New" panose="02070309020205020404" pitchFamily="49" charset="0"/>
+              <a:cs typeface="Courier New" panose="02070309020205020404" pitchFamily="49" charset="0"/>
+            </a:endParaRPr>
+          </a:p>
+        </p:txBody>
+      </p:sp>
+      <p:cxnSp>
+        <p:nvCxnSpPr>
+          <p:cNvPr id="52" name="Elbow Connector 51">
+            <a:extLst>
+              <a:ext uri="{FF2B5EF4-FFF2-40B4-BE49-F238E27FC236}">
+                <a16:creationId xmlns:a16="http://schemas.microsoft.com/office/drawing/2014/main" id="{44253858-13A1-874C-8C7A-1AD3DFF5BC2A}"/>
+              </a:ext>
+            </a:extLst>
+          </p:cNvPr>
+          <p:cNvCxnSpPr>
+            <a:stCxn id="48" idx="2"/>
+            <a:endCxn id="51" idx="0"/>
+          </p:cNvCxnSpPr>
+          <p:nvPr/>
+        </p:nvCxnSpPr>
+        <p:spPr>
+          <a:xfrm rot="5400000">
+            <a:off x="3880166" y="5156350"/>
+            <a:ext cx="375404" cy="251377"/>
+          </a:xfrm>
+          <a:prstGeom prst="bentConnector3">
+            <a:avLst/>
+          </a:prstGeom>
+          <a:ln>
+            <a:headEnd type="none" w="med" len="med"/>
+            <a:tailEnd type="arrow" w="med" len="med"/>
+          </a:ln>
+        </p:spPr>
+        <p:style>
+          <a:lnRef idx="2">
+            <a:schemeClr val="accent1"/>
+          </a:lnRef>
+          <a:fillRef idx="0">
+            <a:schemeClr val="accent1"/>
+          </a:fillRef>
+          <a:effectRef idx="1">
+            <a:schemeClr val="accent1"/>
+          </a:effectRef>
+          <a:fontRef idx="minor">
+            <a:schemeClr val="tx1"/>
+          </a:fontRef>
+        </p:style>
+      </p:cxnSp>
+      <p:cxnSp>
+        <p:nvCxnSpPr>
+          <p:cNvPr id="57" name="Elbow Connector 56">
+            <a:extLst>
+              <a:ext uri="{FF2B5EF4-FFF2-40B4-BE49-F238E27FC236}">
+                <a16:creationId xmlns:a16="http://schemas.microsoft.com/office/drawing/2014/main" id="{BDA3A75D-EA16-484F-B8F3-1158E7ED6129}"/>
+              </a:ext>
+            </a:extLst>
+          </p:cNvPr>
+          <p:cNvCxnSpPr>
+            <a:stCxn id="43" idx="2"/>
+            <a:endCxn id="48" idx="0"/>
+          </p:cNvCxnSpPr>
+          <p:nvPr/>
+        </p:nvCxnSpPr>
+        <p:spPr>
+          <a:xfrm rot="16200000" flipH="1">
+            <a:off x="3850295" y="4217674"/>
+            <a:ext cx="253311" cy="433211"/>
+          </a:xfrm>
+          <a:prstGeom prst="bentConnector3">
+            <a:avLst/>
+          </a:prstGeom>
+          <a:ln>
+            <a:headEnd type="none" w="med" len="med"/>
+            <a:tailEnd type="arrow" w="med" len="med"/>
+          </a:ln>
+        </p:spPr>
+        <p:style>
+          <a:lnRef idx="2">
+            <a:schemeClr val="accent1"/>
+          </a:lnRef>
+          <a:fillRef idx="0">
+            <a:schemeClr val="accent1"/>
+          </a:fillRef>
+          <a:effectRef idx="1">
+            <a:schemeClr val="accent1"/>
+          </a:effectRef>
+          <a:fontRef idx="minor">
+            <a:schemeClr val="tx1"/>
+          </a:fontRef>
+        </p:style>
+      </p:cxnSp>
+      <p:sp>
+        <p:nvSpPr>
+          <p:cNvPr id="58" name="TextBox 57">
+            <a:extLst>
+              <a:ext uri="{FF2B5EF4-FFF2-40B4-BE49-F238E27FC236}">
+                <a16:creationId xmlns:a16="http://schemas.microsoft.com/office/drawing/2014/main" id="{7400493C-3B2A-844E-9CA2-470B449505DE}"/>
+              </a:ext>
+            </a:extLst>
+          </p:cNvPr>
+          <p:cNvSpPr txBox="1"/>
+          <p:nvPr/>
+        </p:nvSpPr>
+        <p:spPr>
+          <a:xfrm>
+            <a:off x="6164394" y="250448"/>
+            <a:ext cx="460382" cy="369332"/>
+          </a:xfrm>
+          <a:prstGeom prst="rect">
+            <a:avLst/>
+          </a:prstGeom>
+          <a:noFill/>
+        </p:spPr>
+        <p:txBody>
+          <a:bodyPr wrap="none" rtlCol="0">
+            <a:spAutoFit/>
+          </a:bodyPr>
+          <a:lstStyle/>
+          <a:p>
+            <a:r>
+              <a:rPr lang="en-US" dirty="0">
+                <a:latin typeface="Courier New" panose="02070309020205020404" pitchFamily="49" charset="0"/>
+                <a:cs typeface="Courier New" panose="02070309020205020404" pitchFamily="49" charset="0"/>
+              </a:rPr>
+              <a:t>F1</a:t>
+            </a:r>
+          </a:p>
+        </p:txBody>
+      </p:sp>
+      <p:sp>
+        <p:nvSpPr>
+          <p:cNvPr id="59" name="TextBox 58">
+            <a:extLst>
+              <a:ext uri="{FF2B5EF4-FFF2-40B4-BE49-F238E27FC236}">
+                <a16:creationId xmlns:a16="http://schemas.microsoft.com/office/drawing/2014/main" id="{0916B5C6-0168-674A-9F01-0316CD2C06FD}"/>
+              </a:ext>
+            </a:extLst>
+          </p:cNvPr>
+          <p:cNvSpPr txBox="1"/>
+          <p:nvPr/>
+        </p:nvSpPr>
+        <p:spPr>
+          <a:xfrm>
+            <a:off x="6166706" y="538630"/>
+            <a:ext cx="460382" cy="369332"/>
+          </a:xfrm>
+          <a:prstGeom prst="rect">
+            <a:avLst/>
+          </a:prstGeom>
+          <a:noFill/>
+        </p:spPr>
+        <p:txBody>
+          <a:bodyPr wrap="none" rtlCol="0">
+            <a:spAutoFit/>
+          </a:bodyPr>
+          <a:lstStyle/>
+          <a:p>
+            <a:r>
+              <a:rPr lang="en-US" dirty="0">
+                <a:latin typeface="Courier New" panose="02070309020205020404" pitchFamily="49" charset="0"/>
+                <a:cs typeface="Courier New" panose="02070309020205020404" pitchFamily="49" charset="0"/>
+              </a:rPr>
+              <a:t>V1</a:t>
+            </a:r>
+          </a:p>
+        </p:txBody>
+      </p:sp>
+      <p:sp>
+        <p:nvSpPr>
+          <p:cNvPr id="60" name="TextBox 59">
+            <a:extLst>
+              <a:ext uri="{FF2B5EF4-FFF2-40B4-BE49-F238E27FC236}">
+                <a16:creationId xmlns:a16="http://schemas.microsoft.com/office/drawing/2014/main" id="{A8DA3D9D-AC90-8E46-BD49-9A4B928080D7}"/>
+              </a:ext>
+            </a:extLst>
+          </p:cNvPr>
+          <p:cNvSpPr txBox="1"/>
+          <p:nvPr/>
+        </p:nvSpPr>
+        <p:spPr>
+          <a:xfrm>
+            <a:off x="6916476" y="914400"/>
+            <a:ext cx="322524" cy="369332"/>
+          </a:xfrm>
+          <a:prstGeom prst="rect">
+            <a:avLst/>
+          </a:prstGeom>
+          <a:noFill/>
+        </p:spPr>
+        <p:txBody>
+          <a:bodyPr wrap="none" rtlCol="0">
+            <a:spAutoFit/>
+          </a:bodyPr>
+          <a:lstStyle/>
+          <a:p>
+            <a:r>
+              <a:rPr lang="en-US" dirty="0">
+                <a:latin typeface="Courier New" panose="02070309020205020404" pitchFamily="49" charset="0"/>
+                <a:cs typeface="Courier New" panose="02070309020205020404" pitchFamily="49" charset="0"/>
+              </a:rPr>
+              <a:t>P</a:t>
+            </a:r>
+          </a:p>
+        </p:txBody>
+      </p:sp>
+      <p:sp>
+        <p:nvSpPr>
+          <p:cNvPr id="61" name="TextBox 60">
+            <a:extLst>
+              <a:ext uri="{FF2B5EF4-FFF2-40B4-BE49-F238E27FC236}">
+                <a16:creationId xmlns:a16="http://schemas.microsoft.com/office/drawing/2014/main" id="{64803FD2-F4D3-1747-A951-53ACC5D12884}"/>
+              </a:ext>
+            </a:extLst>
+          </p:cNvPr>
+          <p:cNvSpPr txBox="1"/>
+          <p:nvPr/>
+        </p:nvSpPr>
+        <p:spPr>
+          <a:xfrm>
+            <a:off x="8066173" y="545068"/>
+            <a:ext cx="460382" cy="369332"/>
+          </a:xfrm>
+          <a:prstGeom prst="rect">
+            <a:avLst/>
+          </a:prstGeom>
+          <a:noFill/>
+        </p:spPr>
+        <p:txBody>
+          <a:bodyPr wrap="none" rtlCol="0">
+            <a:spAutoFit/>
+          </a:bodyPr>
+          <a:lstStyle/>
+          <a:p>
+            <a:r>
+              <a:rPr lang="en-US" dirty="0">
+                <a:latin typeface="Courier New" panose="02070309020205020404" pitchFamily="49" charset="0"/>
+                <a:cs typeface="Courier New" panose="02070309020205020404" pitchFamily="49" charset="0"/>
+              </a:rPr>
+              <a:t>F2</a:t>
+            </a:r>
+          </a:p>
+        </p:txBody>
+      </p:sp>
+      <p:sp>
+        <p:nvSpPr>
+          <p:cNvPr id="62" name="TextBox 61">
+            <a:extLst>
+              <a:ext uri="{FF2B5EF4-FFF2-40B4-BE49-F238E27FC236}">
+                <a16:creationId xmlns:a16="http://schemas.microsoft.com/office/drawing/2014/main" id="{9E03093F-EAB2-244E-B943-4F486C9EC39C}"/>
+              </a:ext>
+            </a:extLst>
+          </p:cNvPr>
+          <p:cNvSpPr txBox="1"/>
+          <p:nvPr/>
+        </p:nvSpPr>
+        <p:spPr>
+          <a:xfrm>
+            <a:off x="8153400" y="1752600"/>
+            <a:ext cx="460382" cy="369332"/>
+          </a:xfrm>
+          <a:prstGeom prst="rect">
+            <a:avLst/>
+          </a:prstGeom>
+          <a:noFill/>
+        </p:spPr>
+        <p:txBody>
+          <a:bodyPr wrap="square" rtlCol="0">
+            <a:spAutoFit/>
+          </a:bodyPr>
+          <a:lstStyle/>
+          <a:p>
+            <a:r>
+              <a:rPr lang="en-US" dirty="0">
+                <a:latin typeface="Courier New" panose="02070309020205020404" pitchFamily="49" charset="0"/>
+                <a:cs typeface="Courier New" panose="02070309020205020404" pitchFamily="49" charset="0"/>
+              </a:rPr>
+              <a:t>V2</a:t>
+            </a:r>
+          </a:p>
+        </p:txBody>
+      </p:sp>
+      <p:grpSp>
+        <p:nvGrpSpPr>
+          <p:cNvPr id="70" name="Group 69">
+            <a:extLst>
+              <a:ext uri="{FF2B5EF4-FFF2-40B4-BE49-F238E27FC236}">
+                <a16:creationId xmlns:a16="http://schemas.microsoft.com/office/drawing/2014/main" id="{C4B6D401-D8BD-ED45-B0E1-FA420125C698}"/>
+              </a:ext>
+            </a:extLst>
+          </p:cNvPr>
+          <p:cNvGrpSpPr/>
+          <p:nvPr/>
+        </p:nvGrpSpPr>
+        <p:grpSpPr>
+          <a:xfrm>
+            <a:off x="6569128" y="3124200"/>
+            <a:ext cx="669871" cy="533400"/>
+            <a:chOff x="674832" y="3582004"/>
+            <a:chExt cx="669871" cy="533400"/>
+          </a:xfrm>
+        </p:grpSpPr>
+        <p:sp>
+          <p:nvSpPr>
+            <p:cNvPr id="71" name="Rectangle 70">
+              <a:extLst>
+                <a:ext uri="{FF2B5EF4-FFF2-40B4-BE49-F238E27FC236}">
+                  <a16:creationId xmlns:a16="http://schemas.microsoft.com/office/drawing/2014/main" id="{F7A195CB-5FB2-694A-95E2-29BEC3ADA30E}"/>
+                </a:ext>
+              </a:extLst>
+            </p:cNvPr>
+            <p:cNvSpPr/>
+            <p:nvPr/>
+          </p:nvSpPr>
+          <p:spPr>
+            <a:xfrm>
+              <a:off x="674832" y="3582004"/>
+              <a:ext cx="669871" cy="533400"/>
+            </a:xfrm>
+            <a:prstGeom prst="rect">
+              <a:avLst/>
+            </a:prstGeom>
+            <a:noFill/>
+            <a:ln w="38100">
+              <a:solidFill>
+                <a:schemeClr val="tx1"/>
+              </a:solidFill>
+            </a:ln>
+            <a:effectLst>
+              <a:outerShdw dist="23000" sx="1000" sy="1000" rotWithShape="0">
+                <a:srgbClr val="000000"/>
+              </a:outerShdw>
+            </a:effectLst>
+          </p:spPr>
+          <p:style>
+            <a:lnRef idx="1">
+              <a:schemeClr val="accent1"/>
+            </a:lnRef>
+            <a:fillRef idx="3">
+              <a:schemeClr val="accent1"/>
+            </a:fillRef>
+            <a:effectRef idx="2">
+              <a:schemeClr val="accent1"/>
+            </a:effectRef>
+            <a:fontRef idx="minor">
+              <a:schemeClr val="lt1"/>
+            </a:fontRef>
+          </p:style>
+          <p:txBody>
+            <a:bodyPr rtlCol="0" anchor="ctr"/>
+            <a:lstStyle/>
+            <a:p>
+              <a:pPr algn="ctr"/>
+              <a:endParaRPr lang="en-US"/>
+            </a:p>
+          </p:txBody>
+        </p:sp>
+        <p:sp>
+          <p:nvSpPr>
+            <p:cNvPr id="72" name="TextBox 71">
+              <a:extLst>
+                <a:ext uri="{FF2B5EF4-FFF2-40B4-BE49-F238E27FC236}">
+                  <a16:creationId xmlns:a16="http://schemas.microsoft.com/office/drawing/2014/main" id="{C8044245-0C0E-3D4E-BDF1-87D34DEBE101}"/>
+                </a:ext>
+              </a:extLst>
+            </p:cNvPr>
+            <p:cNvSpPr txBox="1"/>
+            <p:nvPr/>
+          </p:nvSpPr>
+          <p:spPr>
+            <a:xfrm>
+              <a:off x="853861" y="3632575"/>
+              <a:ext cx="333746" cy="400110"/>
+            </a:xfrm>
+            <a:prstGeom prst="rect">
+              <a:avLst/>
+            </a:prstGeom>
+            <a:noFill/>
+          </p:spPr>
+          <p:txBody>
+            <a:bodyPr wrap="none" rtlCol="0">
+              <a:spAutoFit/>
+            </a:bodyPr>
+            <a:lstStyle/>
+            <a:p>
+              <a:r>
+                <a:rPr lang="en-US" sz="2000" dirty="0"/>
+                <a:t>+</a:t>
+              </a:r>
+            </a:p>
+          </p:txBody>
+        </p:sp>
+      </p:grpSp>
+      <p:sp>
+        <p:nvSpPr>
+          <p:cNvPr id="73" name="TextBox 72">
+            <a:extLst>
+              <a:ext uri="{FF2B5EF4-FFF2-40B4-BE49-F238E27FC236}">
+                <a16:creationId xmlns:a16="http://schemas.microsoft.com/office/drawing/2014/main" id="{A1B940F1-C197-5946-ABEB-A9AFA4B12607}"/>
+              </a:ext>
+            </a:extLst>
+          </p:cNvPr>
+          <p:cNvSpPr txBox="1"/>
+          <p:nvPr/>
+        </p:nvSpPr>
+        <p:spPr>
+          <a:xfrm>
+            <a:off x="7686287" y="3130274"/>
+            <a:ext cx="1011815" cy="369332"/>
+          </a:xfrm>
+          <a:prstGeom prst="rect">
+            <a:avLst/>
+          </a:prstGeom>
+          <a:noFill/>
+        </p:spPr>
+        <p:txBody>
+          <a:bodyPr wrap="none" rtlCol="0">
+            <a:spAutoFit/>
+          </a:bodyPr>
+          <a:lstStyle/>
+          <a:p>
+            <a:r>
+              <a:rPr lang="en-US" dirty="0">
+                <a:latin typeface="Courier New" panose="02070309020205020404" pitchFamily="49" charset="0"/>
+                <a:cs typeface="Courier New" panose="02070309020205020404" pitchFamily="49" charset="0"/>
+              </a:rPr>
+              <a:t>F2.out</a:t>
+            </a:r>
+          </a:p>
+        </p:txBody>
+      </p:sp>
+      <p:cxnSp>
+        <p:nvCxnSpPr>
+          <p:cNvPr id="78" name="Elbow Connector 77">
+            <a:extLst>
+              <a:ext uri="{FF2B5EF4-FFF2-40B4-BE49-F238E27FC236}">
+                <a16:creationId xmlns:a16="http://schemas.microsoft.com/office/drawing/2014/main" id="{54EC16BD-6828-914B-8960-309C63AD73C5}"/>
+              </a:ext>
+            </a:extLst>
+          </p:cNvPr>
+          <p:cNvCxnSpPr>
+            <a:cxnSpLocks/>
+            <a:stCxn id="73" idx="1"/>
+            <a:endCxn id="71" idx="3"/>
+          </p:cNvCxnSpPr>
+          <p:nvPr/>
+        </p:nvCxnSpPr>
+        <p:spPr>
+          <a:xfrm rot="10800000" flipV="1">
+            <a:off x="7238999" y="3314940"/>
+            <a:ext cx="447288" cy="75960"/>
+          </a:xfrm>
+          <a:prstGeom prst="bentConnector3">
+            <a:avLst>
+              <a:gd name="adj1" fmla="val 50000"/>
+            </a:avLst>
+          </a:prstGeom>
+          <a:ln>
+            <a:headEnd type="none" w="med" len="med"/>
+            <a:tailEnd type="arrow" w="med" len="med"/>
+          </a:ln>
+        </p:spPr>
+        <p:style>
+          <a:lnRef idx="2">
+            <a:schemeClr val="accent1"/>
+          </a:lnRef>
+          <a:fillRef idx="0">
+            <a:schemeClr val="accent1"/>
+          </a:fillRef>
+          <a:effectRef idx="1">
+            <a:schemeClr val="accent1"/>
+          </a:effectRef>
+          <a:fontRef idx="minor">
+            <a:schemeClr val="tx1"/>
+          </a:fontRef>
+        </p:style>
+      </p:cxnSp>
+      <p:cxnSp>
+        <p:nvCxnSpPr>
+          <p:cNvPr id="82" name="Elbow Connector 81">
+            <a:extLst>
+              <a:ext uri="{FF2B5EF4-FFF2-40B4-BE49-F238E27FC236}">
+                <a16:creationId xmlns:a16="http://schemas.microsoft.com/office/drawing/2014/main" id="{D2BFFC4B-CC44-3946-82A8-F2980DC3FA63}"/>
+              </a:ext>
+            </a:extLst>
+          </p:cNvPr>
+          <p:cNvCxnSpPr>
+            <a:stCxn id="51" idx="3"/>
+            <a:endCxn id="71" idx="1"/>
+          </p:cNvCxnSpPr>
+          <p:nvPr/>
+        </p:nvCxnSpPr>
+        <p:spPr>
+          <a:xfrm flipV="1">
+            <a:off x="4379157" y="3390900"/>
+            <a:ext cx="2189971" cy="2263506"/>
+          </a:xfrm>
+          <a:prstGeom prst="bentConnector3">
+            <a:avLst>
+              <a:gd name="adj1" fmla="val 73487"/>
+            </a:avLst>
+          </a:prstGeom>
+          <a:ln>
+            <a:headEnd type="none" w="med" len="med"/>
+            <a:tailEnd type="arrow" w="med" len="med"/>
+          </a:ln>
+        </p:spPr>
+        <p:style>
+          <a:lnRef idx="2">
+            <a:schemeClr val="accent1"/>
+          </a:lnRef>
+          <a:fillRef idx="0">
+            <a:schemeClr val="accent1"/>
+          </a:fillRef>
+          <a:effectRef idx="1">
+            <a:schemeClr val="accent1"/>
+          </a:effectRef>
+          <a:fontRef idx="minor">
+            <a:schemeClr val="tx1"/>
+          </a:fontRef>
+        </p:style>
+      </p:cxnSp>
+      <p:sp>
+        <p:nvSpPr>
+          <p:cNvPr id="85" name="Rectangle 84">
+            <a:extLst>
+              <a:ext uri="{FF2B5EF4-FFF2-40B4-BE49-F238E27FC236}">
+                <a16:creationId xmlns:a16="http://schemas.microsoft.com/office/drawing/2014/main" id="{DBA91A81-5918-5645-B5E4-4DD61BC1B78E}"/>
+              </a:ext>
+            </a:extLst>
+          </p:cNvPr>
+          <p:cNvSpPr/>
+          <p:nvPr/>
+        </p:nvSpPr>
+        <p:spPr>
+          <a:xfrm>
+            <a:off x="6605530" y="4648200"/>
+            <a:ext cx="669871" cy="533400"/>
+          </a:xfrm>
+          <a:prstGeom prst="rect">
+            <a:avLst/>
+          </a:prstGeom>
+          <a:solidFill>
+            <a:schemeClr val="tx1"/>
+          </a:solidFill>
+          <a:ln w="38100">
+            <a:noFill/>
+          </a:ln>
+          <a:effectLst>
+            <a:outerShdw dist="23000" sx="1000" sy="1000" rotWithShape="0">
+              <a:srgbClr val="000000"/>
+            </a:outerShdw>
+          </a:effectLst>
+        </p:spPr>
+        <p:style>
+          <a:lnRef idx="1">
+            <a:schemeClr val="accent1"/>
+          </a:lnRef>
+          <a:fillRef idx="3">
+            <a:schemeClr val="accent1"/>
+          </a:fillRef>
+          <a:effectRef idx="2">
+            <a:schemeClr val="accent1"/>
+          </a:effectRef>
+          <a:fontRef idx="minor">
+            <a:schemeClr val="lt1"/>
+          </a:fontRef>
+        </p:style>
+        <p:txBody>
+          <a:bodyPr rtlCol="0" anchor="ctr"/>
+          <a:lstStyle/>
+          <a:p>
+            <a:pPr algn="ctr"/>
+            <a:endParaRPr lang="en-US"/>
+          </a:p>
+        </p:txBody>
+      </p:sp>
+      <p:sp>
+        <p:nvSpPr>
+          <p:cNvPr id="87" name="TextBox 86">
+            <a:extLst>
+              <a:ext uri="{FF2B5EF4-FFF2-40B4-BE49-F238E27FC236}">
+                <a16:creationId xmlns:a16="http://schemas.microsoft.com/office/drawing/2014/main" id="{43D2BAFF-B496-1140-9664-EC5DF0F489C0}"/>
+              </a:ext>
+            </a:extLst>
+          </p:cNvPr>
+          <p:cNvSpPr txBox="1"/>
+          <p:nvPr/>
+        </p:nvSpPr>
+        <p:spPr>
+          <a:xfrm>
+            <a:off x="6517442" y="3956091"/>
+            <a:ext cx="873957" cy="369332"/>
+          </a:xfrm>
+          <a:prstGeom prst="rect">
+            <a:avLst/>
+          </a:prstGeom>
+          <a:noFill/>
+        </p:spPr>
+        <p:txBody>
+          <a:bodyPr wrap="none" rtlCol="0">
+            <a:spAutoFit/>
+          </a:bodyPr>
+          <a:lstStyle/>
+          <a:p>
+            <a:r>
+              <a:rPr lang="en-US" dirty="0">
+                <a:latin typeface="Courier New" panose="02070309020205020404" pitchFamily="49" charset="0"/>
+                <a:cs typeface="Courier New" panose="02070309020205020404" pitchFamily="49" charset="0"/>
+              </a:rPr>
+              <a:t>V2.in</a:t>
+            </a:r>
+          </a:p>
+        </p:txBody>
+      </p:sp>
+      <p:cxnSp>
+        <p:nvCxnSpPr>
+          <p:cNvPr id="89" name="Elbow Connector 88">
+            <a:extLst>
+              <a:ext uri="{FF2B5EF4-FFF2-40B4-BE49-F238E27FC236}">
+                <a16:creationId xmlns:a16="http://schemas.microsoft.com/office/drawing/2014/main" id="{10A97C36-6EF9-2D42-BEF0-499423533A92}"/>
+              </a:ext>
+            </a:extLst>
+          </p:cNvPr>
+          <p:cNvCxnSpPr>
+            <a:stCxn id="71" idx="2"/>
+            <a:endCxn id="87" idx="0"/>
+          </p:cNvCxnSpPr>
+          <p:nvPr/>
+        </p:nvCxnSpPr>
+        <p:spPr>
+          <a:xfrm rot="16200000" flipH="1">
+            <a:off x="6779997" y="3781666"/>
+            <a:ext cx="298491" cy="50357"/>
+          </a:xfrm>
+          <a:prstGeom prst="bentConnector3">
+            <a:avLst/>
+          </a:prstGeom>
+          <a:ln>
+            <a:headEnd type="none" w="med" len="med"/>
+            <a:tailEnd type="arrow" w="med" len="med"/>
+          </a:ln>
+        </p:spPr>
+        <p:style>
+          <a:lnRef idx="2">
+            <a:schemeClr val="accent1"/>
+          </a:lnRef>
+          <a:fillRef idx="0">
+            <a:schemeClr val="accent1"/>
+          </a:fillRef>
+          <a:effectRef idx="1">
+            <a:schemeClr val="accent1"/>
+          </a:effectRef>
+          <a:fontRef idx="minor">
+            <a:schemeClr val="tx1"/>
+          </a:fontRef>
+        </p:style>
+      </p:cxnSp>
+      <p:cxnSp>
+        <p:nvCxnSpPr>
+          <p:cNvPr id="91" name="Elbow Connector 90">
+            <a:extLst>
+              <a:ext uri="{FF2B5EF4-FFF2-40B4-BE49-F238E27FC236}">
+                <a16:creationId xmlns:a16="http://schemas.microsoft.com/office/drawing/2014/main" id="{F8FB42D4-CE4F-2946-8133-296CC3AE42AB}"/>
+              </a:ext>
+            </a:extLst>
+          </p:cNvPr>
+          <p:cNvCxnSpPr>
+            <a:cxnSpLocks/>
+            <a:stCxn id="87" idx="2"/>
+            <a:endCxn id="85" idx="0"/>
+          </p:cNvCxnSpPr>
+          <p:nvPr/>
+        </p:nvCxnSpPr>
+        <p:spPr>
+          <a:xfrm rot="5400000">
+            <a:off x="6786056" y="4479834"/>
+            <a:ext cx="322777" cy="13955"/>
+          </a:xfrm>
+          <a:prstGeom prst="bentConnector3">
+            <a:avLst/>
+          </a:prstGeom>
+          <a:ln>
+            <a:headEnd type="none" w="med" len="med"/>
+            <a:tailEnd type="arrow" w="med" len="med"/>
+          </a:ln>
+        </p:spPr>
+        <p:style>
+          <a:lnRef idx="2">
+            <a:schemeClr val="accent1"/>
+          </a:lnRef>
+          <a:fillRef idx="0">
+            <a:schemeClr val="accent1"/>
+          </a:fillRef>
+          <a:effectRef idx="1">
+            <a:schemeClr val="accent1"/>
+          </a:effectRef>
+          <a:fontRef idx="minor">
+            <a:schemeClr val="tx1"/>
+          </a:fontRef>
+        </p:style>
+      </p:cxnSp>
+      <p:sp>
+        <p:nvSpPr>
+          <p:cNvPr id="94" name="TextBox 93">
+            <a:extLst>
+              <a:ext uri="{FF2B5EF4-FFF2-40B4-BE49-F238E27FC236}">
+                <a16:creationId xmlns:a16="http://schemas.microsoft.com/office/drawing/2014/main" id="{DB580F65-2A6A-554F-A72C-0A3CD6B66938}"/>
+              </a:ext>
+            </a:extLst>
+          </p:cNvPr>
+          <p:cNvSpPr txBox="1"/>
+          <p:nvPr/>
+        </p:nvSpPr>
+        <p:spPr>
+          <a:xfrm>
+            <a:off x="7490010" y="4392928"/>
+            <a:ext cx="1425390" cy="369332"/>
+          </a:xfrm>
+          <a:prstGeom prst="rect">
+            <a:avLst/>
+          </a:prstGeom>
+          <a:noFill/>
+        </p:spPr>
+        <p:txBody>
+          <a:bodyPr wrap="none" rtlCol="0">
+            <a:spAutoFit/>
+          </a:bodyPr>
+          <a:lstStyle/>
+          <a:p>
+            <a:r>
+              <a:rPr lang="en-US" dirty="0">
+                <a:latin typeface="Courier New" panose="02070309020205020404" pitchFamily="49" charset="0"/>
+                <a:cs typeface="Courier New" panose="02070309020205020404" pitchFamily="49" charset="0"/>
+              </a:rPr>
+              <a:t>V1.height</a:t>
+            </a:r>
+          </a:p>
+        </p:txBody>
+      </p:sp>
+      <p:cxnSp>
+        <p:nvCxnSpPr>
+          <p:cNvPr id="95" name="Elbow Connector 94">
+            <a:extLst>
+              <a:ext uri="{FF2B5EF4-FFF2-40B4-BE49-F238E27FC236}">
+                <a16:creationId xmlns:a16="http://schemas.microsoft.com/office/drawing/2014/main" id="{C78A514D-6C0C-3C44-85C5-7BC5FBE10FB6}"/>
+              </a:ext>
+            </a:extLst>
+          </p:cNvPr>
+          <p:cNvCxnSpPr>
+            <a:cxnSpLocks/>
+            <a:stCxn id="94" idx="1"/>
+            <a:endCxn id="85" idx="3"/>
+          </p:cNvCxnSpPr>
+          <p:nvPr/>
+        </p:nvCxnSpPr>
+        <p:spPr>
+          <a:xfrm rot="10800000" flipV="1">
+            <a:off x="7275402" y="4577594"/>
+            <a:ext cx="214609" cy="337306"/>
+          </a:xfrm>
+          <a:prstGeom prst="bentConnector3">
+            <a:avLst>
+              <a:gd name="adj1" fmla="val 50000"/>
+            </a:avLst>
+          </a:prstGeom>
+          <a:ln>
+            <a:headEnd type="none" w="med" len="med"/>
+            <a:tailEnd type="arrow" w="med" len="med"/>
+          </a:ln>
+        </p:spPr>
+        <p:style>
+          <a:lnRef idx="2">
+            <a:schemeClr val="accent1"/>
+          </a:lnRef>
+          <a:fillRef idx="0">
+            <a:schemeClr val="accent1"/>
+          </a:fillRef>
+          <a:effectRef idx="1">
+            <a:schemeClr val="accent1"/>
+          </a:effectRef>
+          <a:fontRef idx="minor">
+            <a:schemeClr val="tx1"/>
+          </a:fontRef>
+        </p:style>
+      </p:cxnSp>
+      <p:sp>
+        <p:nvSpPr>
+          <p:cNvPr id="99" name="TextBox 98">
+            <a:extLst>
+              <a:ext uri="{FF2B5EF4-FFF2-40B4-BE49-F238E27FC236}">
+                <a16:creationId xmlns:a16="http://schemas.microsoft.com/office/drawing/2014/main" id="{EA7ED4F4-6999-4A41-B420-05AE2CC375FF}"/>
+              </a:ext>
+            </a:extLst>
+          </p:cNvPr>
+          <p:cNvSpPr txBox="1"/>
+          <p:nvPr/>
+        </p:nvSpPr>
+        <p:spPr>
+          <a:xfrm>
+            <a:off x="6453686" y="5562600"/>
+            <a:ext cx="1011815" cy="369332"/>
+          </a:xfrm>
+          <a:prstGeom prst="rect">
+            <a:avLst/>
+          </a:prstGeom>
+          <a:noFill/>
+        </p:spPr>
+        <p:txBody>
+          <a:bodyPr wrap="none" rtlCol="0">
+            <a:spAutoFit/>
+          </a:bodyPr>
+          <a:lstStyle/>
+          <a:p>
+            <a:r>
+              <a:rPr lang="en-US" dirty="0">
+                <a:latin typeface="Courier New" panose="02070309020205020404" pitchFamily="49" charset="0"/>
+                <a:cs typeface="Courier New" panose="02070309020205020404" pitchFamily="49" charset="0"/>
+              </a:rPr>
+              <a:t>V1.out</a:t>
+            </a:r>
+          </a:p>
+        </p:txBody>
+      </p:sp>
+      <p:cxnSp>
+        <p:nvCxnSpPr>
+          <p:cNvPr id="100" name="Elbow Connector 99">
+            <a:extLst>
+              <a:ext uri="{FF2B5EF4-FFF2-40B4-BE49-F238E27FC236}">
+                <a16:creationId xmlns:a16="http://schemas.microsoft.com/office/drawing/2014/main" id="{EEADCFBF-2DE8-B547-AE35-3403917DDF9A}"/>
+              </a:ext>
+            </a:extLst>
+          </p:cNvPr>
+          <p:cNvCxnSpPr>
+            <a:cxnSpLocks/>
+            <a:stCxn id="85" idx="2"/>
+            <a:endCxn id="99" idx="0"/>
+          </p:cNvCxnSpPr>
+          <p:nvPr/>
+        </p:nvCxnSpPr>
+        <p:spPr>
+          <a:xfrm rot="16200000" flipH="1">
+            <a:off x="6759530" y="5362536"/>
+            <a:ext cx="381000" cy="19128"/>
+          </a:xfrm>
+          <a:prstGeom prst="bentConnector3">
+            <a:avLst/>
+          </a:prstGeom>
+          <a:ln>
+            <a:headEnd type="none" w="med" len="med"/>
+            <a:tailEnd type="arrow" w="med" len="med"/>
+          </a:ln>
+        </p:spPr>
+        <p:style>
+          <a:lnRef idx="2">
+            <a:schemeClr val="accent1"/>
+          </a:lnRef>
+          <a:fillRef idx="0">
+            <a:schemeClr val="accent1"/>
+          </a:fillRef>
+          <a:effectRef idx="1">
+            <a:schemeClr val="accent1"/>
+          </a:effectRef>
+          <a:fontRef idx="minor">
+            <a:schemeClr val="tx1"/>
+          </a:fontRef>
+        </p:style>
+      </p:cxnSp>
     </p:spTree>
     <p:extLst>
       <p:ext uri="{BB962C8B-B14F-4D97-AF65-F5344CB8AC3E}">
@@ -12871,6 +14724,1183 @@
   <p:clrMapOvr>
     <a:masterClrMapping/>
   </p:clrMapOvr>
+  <p:timing>
+    <p:tnLst>
+      <p:par>
+        <p:cTn id="1" dur="indefinite" restart="never" nodeType="tmRoot">
+          <p:childTnLst>
+            <p:seq concurrent="1" nextAc="seek">
+              <p:cTn id="2" dur="indefinite" nodeType="mainSeq">
+                <p:childTnLst>
+                  <p:par>
+                    <p:cTn id="3" fill="hold">
+                      <p:stCondLst>
+                        <p:cond delay="indefinite"/>
+                      </p:stCondLst>
+                      <p:childTnLst>
+                        <p:par>
+                          <p:cTn id="4" fill="hold">
+                            <p:stCondLst>
+                              <p:cond delay="0"/>
+                            </p:stCondLst>
+                            <p:childTnLst>
+                              <p:par>
+                                <p:cTn id="5" presetID="1" presetClass="entr" presetSubtype="0" fill="hold" grpId="0" nodeType="clickEffect">
+                                  <p:stCondLst>
+                                    <p:cond delay="0"/>
+                                  </p:stCondLst>
+                                  <p:childTnLst>
+                                    <p:set>
+                                      <p:cBhvr>
+                                        <p:cTn id="6" dur="1" fill="hold">
+                                          <p:stCondLst>
+                                            <p:cond delay="0"/>
+                                          </p:stCondLst>
+                                        </p:cTn>
+                                        <p:tgtEl>
+                                          <p:spTgt spid="58"/>
+                                        </p:tgtEl>
+                                        <p:attrNameLst>
+                                          <p:attrName>style.visibility</p:attrName>
+                                        </p:attrNameLst>
+                                      </p:cBhvr>
+                                      <p:to>
+                                        <p:strVal val="visible"/>
+                                      </p:to>
+                                    </p:set>
+                                  </p:childTnLst>
+                                </p:cTn>
+                              </p:par>
+                              <p:par>
+                                <p:cTn id="7" presetID="1" presetClass="entr" presetSubtype="0" fill="hold" grpId="0" nodeType="withEffect">
+                                  <p:stCondLst>
+                                    <p:cond delay="0"/>
+                                  </p:stCondLst>
+                                  <p:childTnLst>
+                                    <p:set>
+                                      <p:cBhvr>
+                                        <p:cTn id="8" dur="1" fill="hold">
+                                          <p:stCondLst>
+                                            <p:cond delay="0"/>
+                                          </p:stCondLst>
+                                        </p:cTn>
+                                        <p:tgtEl>
+                                          <p:spTgt spid="59"/>
+                                        </p:tgtEl>
+                                        <p:attrNameLst>
+                                          <p:attrName>style.visibility</p:attrName>
+                                        </p:attrNameLst>
+                                      </p:cBhvr>
+                                      <p:to>
+                                        <p:strVal val="visible"/>
+                                      </p:to>
+                                    </p:set>
+                                  </p:childTnLst>
+                                </p:cTn>
+                              </p:par>
+                              <p:par>
+                                <p:cTn id="9" presetID="1" presetClass="entr" presetSubtype="0" fill="hold" grpId="0" nodeType="withEffect">
+                                  <p:stCondLst>
+                                    <p:cond delay="0"/>
+                                  </p:stCondLst>
+                                  <p:childTnLst>
+                                    <p:set>
+                                      <p:cBhvr>
+                                        <p:cTn id="10" dur="1" fill="hold">
+                                          <p:stCondLst>
+                                            <p:cond delay="0"/>
+                                          </p:stCondLst>
+                                        </p:cTn>
+                                        <p:tgtEl>
+                                          <p:spTgt spid="60"/>
+                                        </p:tgtEl>
+                                        <p:attrNameLst>
+                                          <p:attrName>style.visibility</p:attrName>
+                                        </p:attrNameLst>
+                                      </p:cBhvr>
+                                      <p:to>
+                                        <p:strVal val="visible"/>
+                                      </p:to>
+                                    </p:set>
+                                  </p:childTnLst>
+                                </p:cTn>
+                              </p:par>
+                              <p:par>
+                                <p:cTn id="11" presetID="1" presetClass="entr" presetSubtype="0" fill="hold" grpId="0" nodeType="withEffect">
+                                  <p:stCondLst>
+                                    <p:cond delay="0"/>
+                                  </p:stCondLst>
+                                  <p:childTnLst>
+                                    <p:set>
+                                      <p:cBhvr>
+                                        <p:cTn id="12" dur="1" fill="hold">
+                                          <p:stCondLst>
+                                            <p:cond delay="0"/>
+                                          </p:stCondLst>
+                                        </p:cTn>
+                                        <p:tgtEl>
+                                          <p:spTgt spid="61"/>
+                                        </p:tgtEl>
+                                        <p:attrNameLst>
+                                          <p:attrName>style.visibility</p:attrName>
+                                        </p:attrNameLst>
+                                      </p:cBhvr>
+                                      <p:to>
+                                        <p:strVal val="visible"/>
+                                      </p:to>
+                                    </p:set>
+                                  </p:childTnLst>
+                                </p:cTn>
+                              </p:par>
+                              <p:par>
+                                <p:cTn id="13" presetID="1" presetClass="entr" presetSubtype="0" fill="hold" grpId="0" nodeType="withEffect">
+                                  <p:stCondLst>
+                                    <p:cond delay="0"/>
+                                  </p:stCondLst>
+                                  <p:childTnLst>
+                                    <p:set>
+                                      <p:cBhvr>
+                                        <p:cTn id="14" dur="1" fill="hold">
+                                          <p:stCondLst>
+                                            <p:cond delay="0"/>
+                                          </p:stCondLst>
+                                        </p:cTn>
+                                        <p:tgtEl>
+                                          <p:spTgt spid="62"/>
+                                        </p:tgtEl>
+                                        <p:attrNameLst>
+                                          <p:attrName>style.visibility</p:attrName>
+                                        </p:attrNameLst>
+                                      </p:cBhvr>
+                                      <p:to>
+                                        <p:strVal val="visible"/>
+                                      </p:to>
+                                    </p:set>
+                                  </p:childTnLst>
+                                </p:cTn>
+                              </p:par>
+                              <p:par>
+                                <p:cTn id="15" presetID="1" presetClass="entr" presetSubtype="0" fill="hold" grpId="0" nodeType="withEffect">
+                                  <p:stCondLst>
+                                    <p:cond delay="0"/>
+                                  </p:stCondLst>
+                                  <p:childTnLst>
+                                    <p:set>
+                                      <p:cBhvr>
+                                        <p:cTn id="16" dur="1" fill="hold">
+                                          <p:stCondLst>
+                                            <p:cond delay="0"/>
+                                          </p:stCondLst>
+                                        </p:cTn>
+                                        <p:tgtEl>
+                                          <p:spTgt spid="15"/>
+                                        </p:tgtEl>
+                                        <p:attrNameLst>
+                                          <p:attrName>style.visibility</p:attrName>
+                                        </p:attrNameLst>
+                                      </p:cBhvr>
+                                      <p:to>
+                                        <p:strVal val="visible"/>
+                                      </p:to>
+                                    </p:set>
+                                  </p:childTnLst>
+                                </p:cTn>
+                              </p:par>
+                            </p:childTnLst>
+                          </p:cTn>
+                        </p:par>
+                      </p:childTnLst>
+                    </p:cTn>
+                  </p:par>
+                  <p:par>
+                    <p:cTn id="17" fill="hold">
+                      <p:stCondLst>
+                        <p:cond delay="indefinite"/>
+                      </p:stCondLst>
+                      <p:childTnLst>
+                        <p:par>
+                          <p:cTn id="18" fill="hold">
+                            <p:stCondLst>
+                              <p:cond delay="0"/>
+                            </p:stCondLst>
+                            <p:childTnLst>
+                              <p:par>
+                                <p:cTn id="19" presetID="1" presetClass="entr" presetSubtype="0" fill="hold" grpId="0" nodeType="clickEffect">
+                                  <p:stCondLst>
+                                    <p:cond delay="0"/>
+                                  </p:stCondLst>
+                                  <p:childTnLst>
+                                    <p:set>
+                                      <p:cBhvr>
+                                        <p:cTn id="20" dur="1" fill="hold">
+                                          <p:stCondLst>
+                                            <p:cond delay="0"/>
+                                          </p:stCondLst>
+                                        </p:cTn>
+                                        <p:tgtEl>
+                                          <p:spTgt spid="17"/>
+                                        </p:tgtEl>
+                                        <p:attrNameLst>
+                                          <p:attrName>style.visibility</p:attrName>
+                                        </p:attrNameLst>
+                                      </p:cBhvr>
+                                      <p:to>
+                                        <p:strVal val="visible"/>
+                                      </p:to>
+                                    </p:set>
+                                  </p:childTnLst>
+                                </p:cTn>
+                              </p:par>
+                              <p:par>
+                                <p:cTn id="21" presetID="1" presetClass="entr" presetSubtype="0" fill="hold" grpId="0" nodeType="withEffect">
+                                  <p:stCondLst>
+                                    <p:cond delay="0"/>
+                                  </p:stCondLst>
+                                  <p:childTnLst>
+                                    <p:set>
+                                      <p:cBhvr>
+                                        <p:cTn id="22" dur="1" fill="hold">
+                                          <p:stCondLst>
+                                            <p:cond delay="0"/>
+                                          </p:stCondLst>
+                                        </p:cTn>
+                                        <p:tgtEl>
+                                          <p:spTgt spid="21"/>
+                                        </p:tgtEl>
+                                        <p:attrNameLst>
+                                          <p:attrName>style.visibility</p:attrName>
+                                        </p:attrNameLst>
+                                      </p:cBhvr>
+                                      <p:to>
+                                        <p:strVal val="visible"/>
+                                      </p:to>
+                                    </p:set>
+                                  </p:childTnLst>
+                                </p:cTn>
+                              </p:par>
+                              <p:par>
+                                <p:cTn id="23" presetID="1" presetClass="entr" presetSubtype="0" fill="hold" grpId="0" nodeType="withEffect">
+                                  <p:stCondLst>
+                                    <p:cond delay="0"/>
+                                  </p:stCondLst>
+                                  <p:childTnLst>
+                                    <p:set>
+                                      <p:cBhvr>
+                                        <p:cTn id="24" dur="1" fill="hold">
+                                          <p:stCondLst>
+                                            <p:cond delay="0"/>
+                                          </p:stCondLst>
+                                        </p:cTn>
+                                        <p:tgtEl>
+                                          <p:spTgt spid="23"/>
+                                        </p:tgtEl>
+                                        <p:attrNameLst>
+                                          <p:attrName>style.visibility</p:attrName>
+                                        </p:attrNameLst>
+                                      </p:cBhvr>
+                                      <p:to>
+                                        <p:strVal val="visible"/>
+                                      </p:to>
+                                    </p:set>
+                                  </p:childTnLst>
+                                </p:cTn>
+                              </p:par>
+                              <p:par>
+                                <p:cTn id="25" presetID="1" presetClass="entr" presetSubtype="0" fill="hold" nodeType="withEffect">
+                                  <p:stCondLst>
+                                    <p:cond delay="0"/>
+                                  </p:stCondLst>
+                                  <p:childTnLst>
+                                    <p:set>
+                                      <p:cBhvr>
+                                        <p:cTn id="26" dur="1" fill="hold">
+                                          <p:stCondLst>
+                                            <p:cond delay="0"/>
+                                          </p:stCondLst>
+                                        </p:cTn>
+                                        <p:tgtEl>
+                                          <p:spTgt spid="26"/>
+                                        </p:tgtEl>
+                                        <p:attrNameLst>
+                                          <p:attrName>style.visibility</p:attrName>
+                                        </p:attrNameLst>
+                                      </p:cBhvr>
+                                      <p:to>
+                                        <p:strVal val="visible"/>
+                                      </p:to>
+                                    </p:set>
+                                  </p:childTnLst>
+                                </p:cTn>
+                              </p:par>
+                              <p:par>
+                                <p:cTn id="27" presetID="1" presetClass="entr" presetSubtype="0" fill="hold" nodeType="withEffect">
+                                  <p:stCondLst>
+                                    <p:cond delay="0"/>
+                                  </p:stCondLst>
+                                  <p:childTnLst>
+                                    <p:set>
+                                      <p:cBhvr>
+                                        <p:cTn id="28" dur="1" fill="hold">
+                                          <p:stCondLst>
+                                            <p:cond delay="0"/>
+                                          </p:stCondLst>
+                                        </p:cTn>
+                                        <p:tgtEl>
+                                          <p:spTgt spid="28"/>
+                                        </p:tgtEl>
+                                        <p:attrNameLst>
+                                          <p:attrName>style.visibility</p:attrName>
+                                        </p:attrNameLst>
+                                      </p:cBhvr>
+                                      <p:to>
+                                        <p:strVal val="visible"/>
+                                      </p:to>
+                                    </p:set>
+                                  </p:childTnLst>
+                                </p:cTn>
+                              </p:par>
+                              <p:par>
+                                <p:cTn id="29" presetID="1" presetClass="entr" presetSubtype="0" fill="hold" nodeType="withEffect">
+                                  <p:stCondLst>
+                                    <p:cond delay="0"/>
+                                  </p:stCondLst>
+                                  <p:childTnLst>
+                                    <p:set>
+                                      <p:cBhvr>
+                                        <p:cTn id="30" dur="1" fill="hold">
+                                          <p:stCondLst>
+                                            <p:cond delay="0"/>
+                                          </p:stCondLst>
+                                        </p:cTn>
+                                        <p:tgtEl>
+                                          <p:spTgt spid="30"/>
+                                        </p:tgtEl>
+                                        <p:attrNameLst>
+                                          <p:attrName>style.visibility</p:attrName>
+                                        </p:attrNameLst>
+                                      </p:cBhvr>
+                                      <p:to>
+                                        <p:strVal val="visible"/>
+                                      </p:to>
+                                    </p:set>
+                                  </p:childTnLst>
+                                </p:cTn>
+                              </p:par>
+                              <p:par>
+                                <p:cTn id="31" presetID="1" presetClass="entr" presetSubtype="0" fill="hold" nodeType="withEffect">
+                                  <p:stCondLst>
+                                    <p:cond delay="0"/>
+                                  </p:stCondLst>
+                                  <p:childTnLst>
+                                    <p:set>
+                                      <p:cBhvr>
+                                        <p:cTn id="32" dur="1" fill="hold">
+                                          <p:stCondLst>
+                                            <p:cond delay="0"/>
+                                          </p:stCondLst>
+                                        </p:cTn>
+                                        <p:tgtEl>
+                                          <p:spTgt spid="32"/>
+                                        </p:tgtEl>
+                                        <p:attrNameLst>
+                                          <p:attrName>style.visibility</p:attrName>
+                                        </p:attrNameLst>
+                                      </p:cBhvr>
+                                      <p:to>
+                                        <p:strVal val="visible"/>
+                                      </p:to>
+                                    </p:set>
+                                  </p:childTnLst>
+                                </p:cTn>
+                              </p:par>
+                              <p:par>
+                                <p:cTn id="33" presetID="1" presetClass="entr" presetSubtype="0" fill="hold" grpId="0" nodeType="withEffect">
+                                  <p:stCondLst>
+                                    <p:cond delay="0"/>
+                                  </p:stCondLst>
+                                  <p:childTnLst>
+                                    <p:set>
+                                      <p:cBhvr>
+                                        <p:cTn id="34" dur="1" fill="hold">
+                                          <p:stCondLst>
+                                            <p:cond delay="0"/>
+                                          </p:stCondLst>
+                                        </p:cTn>
+                                        <p:tgtEl>
+                                          <p:spTgt spid="34"/>
+                                        </p:tgtEl>
+                                        <p:attrNameLst>
+                                          <p:attrName>style.visibility</p:attrName>
+                                        </p:attrNameLst>
+                                      </p:cBhvr>
+                                      <p:to>
+                                        <p:strVal val="visible"/>
+                                      </p:to>
+                                    </p:set>
+                                  </p:childTnLst>
+                                </p:cTn>
+                              </p:par>
+                              <p:par>
+                                <p:cTn id="35" presetID="1" presetClass="entr" presetSubtype="0" fill="hold" nodeType="withEffect">
+                                  <p:stCondLst>
+                                    <p:cond delay="0"/>
+                                  </p:stCondLst>
+                                  <p:childTnLst>
+                                    <p:set>
+                                      <p:cBhvr>
+                                        <p:cTn id="36" dur="1" fill="hold">
+                                          <p:stCondLst>
+                                            <p:cond delay="0"/>
+                                          </p:stCondLst>
+                                        </p:cTn>
+                                        <p:tgtEl>
+                                          <p:spTgt spid="36"/>
+                                        </p:tgtEl>
+                                        <p:attrNameLst>
+                                          <p:attrName>style.visibility</p:attrName>
+                                        </p:attrNameLst>
+                                      </p:cBhvr>
+                                      <p:to>
+                                        <p:strVal val="visible"/>
+                                      </p:to>
+                                    </p:set>
+                                  </p:childTnLst>
+                                </p:cTn>
+                              </p:par>
+                              <p:par>
+                                <p:cTn id="37" presetID="1" presetClass="entr" presetSubtype="0" fill="hold" grpId="0" nodeType="withEffect">
+                                  <p:stCondLst>
+                                    <p:cond delay="0"/>
+                                  </p:stCondLst>
+                                  <p:childTnLst>
+                                    <p:set>
+                                      <p:cBhvr>
+                                        <p:cTn id="38" dur="1" fill="hold">
+                                          <p:stCondLst>
+                                            <p:cond delay="0"/>
+                                          </p:stCondLst>
+                                        </p:cTn>
+                                        <p:tgtEl>
+                                          <p:spTgt spid="37"/>
+                                        </p:tgtEl>
+                                        <p:attrNameLst>
+                                          <p:attrName>style.visibility</p:attrName>
+                                        </p:attrNameLst>
+                                      </p:cBhvr>
+                                      <p:to>
+                                        <p:strVal val="visible"/>
+                                      </p:to>
+                                    </p:set>
+                                  </p:childTnLst>
+                                </p:cTn>
+                              </p:par>
+                              <p:par>
+                                <p:cTn id="39" presetID="1" presetClass="entr" presetSubtype="0" fill="hold" nodeType="withEffect">
+                                  <p:stCondLst>
+                                    <p:cond delay="0"/>
+                                  </p:stCondLst>
+                                  <p:childTnLst>
+                                    <p:set>
+                                      <p:cBhvr>
+                                        <p:cTn id="40" dur="1" fill="hold">
+                                          <p:stCondLst>
+                                            <p:cond delay="0"/>
+                                          </p:stCondLst>
+                                        </p:cTn>
+                                        <p:tgtEl>
+                                          <p:spTgt spid="39"/>
+                                        </p:tgtEl>
+                                        <p:attrNameLst>
+                                          <p:attrName>style.visibility</p:attrName>
+                                        </p:attrNameLst>
+                                      </p:cBhvr>
+                                      <p:to>
+                                        <p:strVal val="visible"/>
+                                      </p:to>
+                                    </p:set>
+                                  </p:childTnLst>
+                                </p:cTn>
+                              </p:par>
+                            </p:childTnLst>
+                          </p:cTn>
+                        </p:par>
+                      </p:childTnLst>
+                    </p:cTn>
+                  </p:par>
+                  <p:par>
+                    <p:cTn id="41" fill="hold">
+                      <p:stCondLst>
+                        <p:cond delay="indefinite"/>
+                      </p:stCondLst>
+                      <p:childTnLst>
+                        <p:par>
+                          <p:cTn id="42" fill="hold">
+                            <p:stCondLst>
+                              <p:cond delay="0"/>
+                            </p:stCondLst>
+                            <p:childTnLst>
+                              <p:par>
+                                <p:cTn id="43" presetID="1" presetClass="entr" presetSubtype="0" fill="hold" nodeType="clickEffect">
+                                  <p:stCondLst>
+                                    <p:cond delay="0"/>
+                                  </p:stCondLst>
+                                  <p:childTnLst>
+                                    <p:set>
+                                      <p:cBhvr>
+                                        <p:cTn id="44" dur="1" fill="hold">
+                                          <p:stCondLst>
+                                            <p:cond delay="0"/>
+                                          </p:stCondLst>
+                                        </p:cTn>
+                                        <p:tgtEl>
+                                          <p:spTgt spid="40"/>
+                                        </p:tgtEl>
+                                        <p:attrNameLst>
+                                          <p:attrName>style.visibility</p:attrName>
+                                        </p:attrNameLst>
+                                      </p:cBhvr>
+                                      <p:to>
+                                        <p:strVal val="visible"/>
+                                      </p:to>
+                                    </p:set>
+                                  </p:childTnLst>
+                                </p:cTn>
+                              </p:par>
+                              <p:par>
+                                <p:cTn id="45" presetID="1" presetClass="entr" presetSubtype="0" fill="hold" grpId="0" nodeType="withEffect">
+                                  <p:stCondLst>
+                                    <p:cond delay="0"/>
+                                  </p:stCondLst>
+                                  <p:childTnLst>
+                                    <p:set>
+                                      <p:cBhvr>
+                                        <p:cTn id="46" dur="1" fill="hold">
+                                          <p:stCondLst>
+                                            <p:cond delay="0"/>
+                                          </p:stCondLst>
+                                        </p:cTn>
+                                        <p:tgtEl>
+                                          <p:spTgt spid="43"/>
+                                        </p:tgtEl>
+                                        <p:attrNameLst>
+                                          <p:attrName>style.visibility</p:attrName>
+                                        </p:attrNameLst>
+                                      </p:cBhvr>
+                                      <p:to>
+                                        <p:strVal val="visible"/>
+                                      </p:to>
+                                    </p:set>
+                                  </p:childTnLst>
+                                </p:cTn>
+                              </p:par>
+                              <p:par>
+                                <p:cTn id="47" presetID="1" presetClass="entr" presetSubtype="0" fill="hold" nodeType="withEffect">
+                                  <p:stCondLst>
+                                    <p:cond delay="0"/>
+                                  </p:stCondLst>
+                                  <p:childTnLst>
+                                    <p:set>
+                                      <p:cBhvr>
+                                        <p:cTn id="48" dur="1" fill="hold">
+                                          <p:stCondLst>
+                                            <p:cond delay="0"/>
+                                          </p:stCondLst>
+                                        </p:cTn>
+                                        <p:tgtEl>
+                                          <p:spTgt spid="47"/>
+                                        </p:tgtEl>
+                                        <p:attrNameLst>
+                                          <p:attrName>style.visibility</p:attrName>
+                                        </p:attrNameLst>
+                                      </p:cBhvr>
+                                      <p:to>
+                                        <p:strVal val="visible"/>
+                                      </p:to>
+                                    </p:set>
+                                  </p:childTnLst>
+                                </p:cTn>
+                              </p:par>
+                              <p:par>
+                                <p:cTn id="49" presetID="1" presetClass="entr" presetSubtype="0" fill="hold" grpId="0" nodeType="withEffect">
+                                  <p:stCondLst>
+                                    <p:cond delay="0"/>
+                                  </p:stCondLst>
+                                  <p:childTnLst>
+                                    <p:set>
+                                      <p:cBhvr>
+                                        <p:cTn id="50" dur="1" fill="hold">
+                                          <p:stCondLst>
+                                            <p:cond delay="0"/>
+                                          </p:stCondLst>
+                                        </p:cTn>
+                                        <p:tgtEl>
+                                          <p:spTgt spid="48"/>
+                                        </p:tgtEl>
+                                        <p:attrNameLst>
+                                          <p:attrName>style.visibility</p:attrName>
+                                        </p:attrNameLst>
+                                      </p:cBhvr>
+                                      <p:to>
+                                        <p:strVal val="visible"/>
+                                      </p:to>
+                                    </p:set>
+                                  </p:childTnLst>
+                                </p:cTn>
+                              </p:par>
+                              <p:par>
+                                <p:cTn id="51" presetID="1" presetClass="entr" presetSubtype="0" fill="hold" nodeType="withEffect">
+                                  <p:stCondLst>
+                                    <p:cond delay="0"/>
+                                  </p:stCondLst>
+                                  <p:childTnLst>
+                                    <p:set>
+                                      <p:cBhvr>
+                                        <p:cTn id="52" dur="1" fill="hold">
+                                          <p:stCondLst>
+                                            <p:cond delay="0"/>
+                                          </p:stCondLst>
+                                        </p:cTn>
+                                        <p:tgtEl>
+                                          <p:spTgt spid="50"/>
+                                        </p:tgtEl>
+                                        <p:attrNameLst>
+                                          <p:attrName>style.visibility</p:attrName>
+                                        </p:attrNameLst>
+                                      </p:cBhvr>
+                                      <p:to>
+                                        <p:strVal val="visible"/>
+                                      </p:to>
+                                    </p:set>
+                                  </p:childTnLst>
+                                </p:cTn>
+                              </p:par>
+                              <p:par>
+                                <p:cTn id="53" presetID="1" presetClass="entr" presetSubtype="0" fill="hold" grpId="0" nodeType="withEffect">
+                                  <p:stCondLst>
+                                    <p:cond delay="0"/>
+                                  </p:stCondLst>
+                                  <p:childTnLst>
+                                    <p:set>
+                                      <p:cBhvr>
+                                        <p:cTn id="54" dur="1" fill="hold">
+                                          <p:stCondLst>
+                                            <p:cond delay="0"/>
+                                          </p:stCondLst>
+                                        </p:cTn>
+                                        <p:tgtEl>
+                                          <p:spTgt spid="51"/>
+                                        </p:tgtEl>
+                                        <p:attrNameLst>
+                                          <p:attrName>style.visibility</p:attrName>
+                                        </p:attrNameLst>
+                                      </p:cBhvr>
+                                      <p:to>
+                                        <p:strVal val="visible"/>
+                                      </p:to>
+                                    </p:set>
+                                  </p:childTnLst>
+                                </p:cTn>
+                              </p:par>
+                              <p:par>
+                                <p:cTn id="55" presetID="1" presetClass="entr" presetSubtype="0" fill="hold" nodeType="withEffect">
+                                  <p:stCondLst>
+                                    <p:cond delay="0"/>
+                                  </p:stCondLst>
+                                  <p:childTnLst>
+                                    <p:set>
+                                      <p:cBhvr>
+                                        <p:cTn id="56" dur="1" fill="hold">
+                                          <p:stCondLst>
+                                            <p:cond delay="0"/>
+                                          </p:stCondLst>
+                                        </p:cTn>
+                                        <p:tgtEl>
+                                          <p:spTgt spid="52"/>
+                                        </p:tgtEl>
+                                        <p:attrNameLst>
+                                          <p:attrName>style.visibility</p:attrName>
+                                        </p:attrNameLst>
+                                      </p:cBhvr>
+                                      <p:to>
+                                        <p:strVal val="visible"/>
+                                      </p:to>
+                                    </p:set>
+                                  </p:childTnLst>
+                                </p:cTn>
+                              </p:par>
+                              <p:par>
+                                <p:cTn id="57" presetID="1" presetClass="entr" presetSubtype="0" fill="hold" nodeType="withEffect">
+                                  <p:stCondLst>
+                                    <p:cond delay="0"/>
+                                  </p:stCondLst>
+                                  <p:childTnLst>
+                                    <p:set>
+                                      <p:cBhvr>
+                                        <p:cTn id="58" dur="1" fill="hold">
+                                          <p:stCondLst>
+                                            <p:cond delay="0"/>
+                                          </p:stCondLst>
+                                        </p:cTn>
+                                        <p:tgtEl>
+                                          <p:spTgt spid="57"/>
+                                        </p:tgtEl>
+                                        <p:attrNameLst>
+                                          <p:attrName>style.visibility</p:attrName>
+                                        </p:attrNameLst>
+                                      </p:cBhvr>
+                                      <p:to>
+                                        <p:strVal val="visible"/>
+                                      </p:to>
+                                    </p:set>
+                                  </p:childTnLst>
+                                </p:cTn>
+                              </p:par>
+                              <p:par>
+                                <p:cTn id="59" presetID="1" presetClass="entr" presetSubtype="0" fill="hold" grpId="0" nodeType="withEffect">
+                                  <p:stCondLst>
+                                    <p:cond delay="0"/>
+                                  </p:stCondLst>
+                                  <p:childTnLst>
+                                    <p:set>
+                                      <p:cBhvr>
+                                        <p:cTn id="60" dur="1" fill="hold">
+                                          <p:stCondLst>
+                                            <p:cond delay="0"/>
+                                          </p:stCondLst>
+                                        </p:cTn>
+                                        <p:tgtEl>
+                                          <p:spTgt spid="49"/>
+                                        </p:tgtEl>
+                                        <p:attrNameLst>
+                                          <p:attrName>style.visibility</p:attrName>
+                                        </p:attrNameLst>
+                                      </p:cBhvr>
+                                      <p:to>
+                                        <p:strVal val="visible"/>
+                                      </p:to>
+                                    </p:set>
+                                  </p:childTnLst>
+                                </p:cTn>
+                              </p:par>
+                              <p:par>
+                                <p:cTn id="61" presetID="1" presetClass="entr" presetSubtype="0" fill="hold" nodeType="withEffect">
+                                  <p:stCondLst>
+                                    <p:cond delay="0"/>
+                                  </p:stCondLst>
+                                  <p:childTnLst>
+                                    <p:set>
+                                      <p:cBhvr>
+                                        <p:cTn id="62" dur="1" fill="hold">
+                                          <p:stCondLst>
+                                            <p:cond delay="0"/>
+                                          </p:stCondLst>
+                                        </p:cTn>
+                                        <p:tgtEl>
+                                          <p:spTgt spid="45"/>
+                                        </p:tgtEl>
+                                        <p:attrNameLst>
+                                          <p:attrName>style.visibility</p:attrName>
+                                        </p:attrNameLst>
+                                      </p:cBhvr>
+                                      <p:to>
+                                        <p:strVal val="visible"/>
+                                      </p:to>
+                                    </p:set>
+                                  </p:childTnLst>
+                                </p:cTn>
+                              </p:par>
+                            </p:childTnLst>
+                          </p:cTn>
+                        </p:par>
+                      </p:childTnLst>
+                    </p:cTn>
+                  </p:par>
+                  <p:par>
+                    <p:cTn id="63" fill="hold">
+                      <p:stCondLst>
+                        <p:cond delay="indefinite"/>
+                      </p:stCondLst>
+                      <p:childTnLst>
+                        <p:par>
+                          <p:cTn id="64" fill="hold">
+                            <p:stCondLst>
+                              <p:cond delay="0"/>
+                            </p:stCondLst>
+                            <p:childTnLst>
+                              <p:par>
+                                <p:cTn id="65" presetID="1" presetClass="entr" presetSubtype="0" fill="hold" nodeType="clickEffect">
+                                  <p:stCondLst>
+                                    <p:cond delay="0"/>
+                                  </p:stCondLst>
+                                  <p:childTnLst>
+                                    <p:set>
+                                      <p:cBhvr>
+                                        <p:cTn id="66" dur="1" fill="hold">
+                                          <p:stCondLst>
+                                            <p:cond delay="0"/>
+                                          </p:stCondLst>
+                                        </p:cTn>
+                                        <p:tgtEl>
+                                          <p:spTgt spid="70"/>
+                                        </p:tgtEl>
+                                        <p:attrNameLst>
+                                          <p:attrName>style.visibility</p:attrName>
+                                        </p:attrNameLst>
+                                      </p:cBhvr>
+                                      <p:to>
+                                        <p:strVal val="visible"/>
+                                      </p:to>
+                                    </p:set>
+                                  </p:childTnLst>
+                                </p:cTn>
+                              </p:par>
+                              <p:par>
+                                <p:cTn id="67" presetID="1" presetClass="entr" presetSubtype="0" fill="hold" grpId="0" nodeType="withEffect">
+                                  <p:stCondLst>
+                                    <p:cond delay="0"/>
+                                  </p:stCondLst>
+                                  <p:childTnLst>
+                                    <p:set>
+                                      <p:cBhvr>
+                                        <p:cTn id="68" dur="1" fill="hold">
+                                          <p:stCondLst>
+                                            <p:cond delay="0"/>
+                                          </p:stCondLst>
+                                        </p:cTn>
+                                        <p:tgtEl>
+                                          <p:spTgt spid="73"/>
+                                        </p:tgtEl>
+                                        <p:attrNameLst>
+                                          <p:attrName>style.visibility</p:attrName>
+                                        </p:attrNameLst>
+                                      </p:cBhvr>
+                                      <p:to>
+                                        <p:strVal val="visible"/>
+                                      </p:to>
+                                    </p:set>
+                                  </p:childTnLst>
+                                </p:cTn>
+                              </p:par>
+                              <p:par>
+                                <p:cTn id="69" presetID="1" presetClass="entr" presetSubtype="0" fill="hold" nodeType="withEffect">
+                                  <p:stCondLst>
+                                    <p:cond delay="0"/>
+                                  </p:stCondLst>
+                                  <p:childTnLst>
+                                    <p:set>
+                                      <p:cBhvr>
+                                        <p:cTn id="70" dur="1" fill="hold">
+                                          <p:stCondLst>
+                                            <p:cond delay="0"/>
+                                          </p:stCondLst>
+                                        </p:cTn>
+                                        <p:tgtEl>
+                                          <p:spTgt spid="78"/>
+                                        </p:tgtEl>
+                                        <p:attrNameLst>
+                                          <p:attrName>style.visibility</p:attrName>
+                                        </p:attrNameLst>
+                                      </p:cBhvr>
+                                      <p:to>
+                                        <p:strVal val="visible"/>
+                                      </p:to>
+                                    </p:set>
+                                  </p:childTnLst>
+                                </p:cTn>
+                              </p:par>
+                              <p:par>
+                                <p:cTn id="71" presetID="1" presetClass="entr" presetSubtype="0" fill="hold" grpId="0" nodeType="withEffect">
+                                  <p:stCondLst>
+                                    <p:cond delay="0"/>
+                                  </p:stCondLst>
+                                  <p:childTnLst>
+                                    <p:set>
+                                      <p:cBhvr>
+                                        <p:cTn id="72" dur="1" fill="hold">
+                                          <p:stCondLst>
+                                            <p:cond delay="0"/>
+                                          </p:stCondLst>
+                                        </p:cTn>
+                                        <p:tgtEl>
+                                          <p:spTgt spid="85"/>
+                                        </p:tgtEl>
+                                        <p:attrNameLst>
+                                          <p:attrName>style.visibility</p:attrName>
+                                        </p:attrNameLst>
+                                      </p:cBhvr>
+                                      <p:to>
+                                        <p:strVal val="visible"/>
+                                      </p:to>
+                                    </p:set>
+                                  </p:childTnLst>
+                                </p:cTn>
+                              </p:par>
+                              <p:par>
+                                <p:cTn id="73" presetID="1" presetClass="entr" presetSubtype="0" fill="hold" grpId="0" nodeType="withEffect">
+                                  <p:stCondLst>
+                                    <p:cond delay="0"/>
+                                  </p:stCondLst>
+                                  <p:childTnLst>
+                                    <p:set>
+                                      <p:cBhvr>
+                                        <p:cTn id="74" dur="1" fill="hold">
+                                          <p:stCondLst>
+                                            <p:cond delay="0"/>
+                                          </p:stCondLst>
+                                        </p:cTn>
+                                        <p:tgtEl>
+                                          <p:spTgt spid="87"/>
+                                        </p:tgtEl>
+                                        <p:attrNameLst>
+                                          <p:attrName>style.visibility</p:attrName>
+                                        </p:attrNameLst>
+                                      </p:cBhvr>
+                                      <p:to>
+                                        <p:strVal val="visible"/>
+                                      </p:to>
+                                    </p:set>
+                                  </p:childTnLst>
+                                </p:cTn>
+                              </p:par>
+                              <p:par>
+                                <p:cTn id="75" presetID="1" presetClass="entr" presetSubtype="0" fill="hold" nodeType="withEffect">
+                                  <p:stCondLst>
+                                    <p:cond delay="0"/>
+                                  </p:stCondLst>
+                                  <p:childTnLst>
+                                    <p:set>
+                                      <p:cBhvr>
+                                        <p:cTn id="76" dur="1" fill="hold">
+                                          <p:stCondLst>
+                                            <p:cond delay="0"/>
+                                          </p:stCondLst>
+                                        </p:cTn>
+                                        <p:tgtEl>
+                                          <p:spTgt spid="89"/>
+                                        </p:tgtEl>
+                                        <p:attrNameLst>
+                                          <p:attrName>style.visibility</p:attrName>
+                                        </p:attrNameLst>
+                                      </p:cBhvr>
+                                      <p:to>
+                                        <p:strVal val="visible"/>
+                                      </p:to>
+                                    </p:set>
+                                  </p:childTnLst>
+                                </p:cTn>
+                              </p:par>
+                              <p:par>
+                                <p:cTn id="77" presetID="1" presetClass="entr" presetSubtype="0" fill="hold" nodeType="withEffect">
+                                  <p:stCondLst>
+                                    <p:cond delay="0"/>
+                                  </p:stCondLst>
+                                  <p:childTnLst>
+                                    <p:set>
+                                      <p:cBhvr>
+                                        <p:cTn id="78" dur="1" fill="hold">
+                                          <p:stCondLst>
+                                            <p:cond delay="0"/>
+                                          </p:stCondLst>
+                                        </p:cTn>
+                                        <p:tgtEl>
+                                          <p:spTgt spid="91"/>
+                                        </p:tgtEl>
+                                        <p:attrNameLst>
+                                          <p:attrName>style.visibility</p:attrName>
+                                        </p:attrNameLst>
+                                      </p:cBhvr>
+                                      <p:to>
+                                        <p:strVal val="visible"/>
+                                      </p:to>
+                                    </p:set>
+                                  </p:childTnLst>
+                                </p:cTn>
+                              </p:par>
+                              <p:par>
+                                <p:cTn id="79" presetID="1" presetClass="entr" presetSubtype="0" fill="hold" grpId="0" nodeType="withEffect">
+                                  <p:stCondLst>
+                                    <p:cond delay="0"/>
+                                  </p:stCondLst>
+                                  <p:childTnLst>
+                                    <p:set>
+                                      <p:cBhvr>
+                                        <p:cTn id="80" dur="1" fill="hold">
+                                          <p:stCondLst>
+                                            <p:cond delay="0"/>
+                                          </p:stCondLst>
+                                        </p:cTn>
+                                        <p:tgtEl>
+                                          <p:spTgt spid="94"/>
+                                        </p:tgtEl>
+                                        <p:attrNameLst>
+                                          <p:attrName>style.visibility</p:attrName>
+                                        </p:attrNameLst>
+                                      </p:cBhvr>
+                                      <p:to>
+                                        <p:strVal val="visible"/>
+                                      </p:to>
+                                    </p:set>
+                                  </p:childTnLst>
+                                </p:cTn>
+                              </p:par>
+                              <p:par>
+                                <p:cTn id="81" presetID="1" presetClass="entr" presetSubtype="0" fill="hold" nodeType="withEffect">
+                                  <p:stCondLst>
+                                    <p:cond delay="0"/>
+                                  </p:stCondLst>
+                                  <p:childTnLst>
+                                    <p:set>
+                                      <p:cBhvr>
+                                        <p:cTn id="82" dur="1" fill="hold">
+                                          <p:stCondLst>
+                                            <p:cond delay="0"/>
+                                          </p:stCondLst>
+                                        </p:cTn>
+                                        <p:tgtEl>
+                                          <p:spTgt spid="95"/>
+                                        </p:tgtEl>
+                                        <p:attrNameLst>
+                                          <p:attrName>style.visibility</p:attrName>
+                                        </p:attrNameLst>
+                                      </p:cBhvr>
+                                      <p:to>
+                                        <p:strVal val="visible"/>
+                                      </p:to>
+                                    </p:set>
+                                  </p:childTnLst>
+                                </p:cTn>
+                              </p:par>
+                              <p:par>
+                                <p:cTn id="83" presetID="1" presetClass="entr" presetSubtype="0" fill="hold" grpId="0" nodeType="withEffect">
+                                  <p:stCondLst>
+                                    <p:cond delay="0"/>
+                                  </p:stCondLst>
+                                  <p:childTnLst>
+                                    <p:set>
+                                      <p:cBhvr>
+                                        <p:cTn id="84" dur="1" fill="hold">
+                                          <p:stCondLst>
+                                            <p:cond delay="0"/>
+                                          </p:stCondLst>
+                                        </p:cTn>
+                                        <p:tgtEl>
+                                          <p:spTgt spid="99"/>
+                                        </p:tgtEl>
+                                        <p:attrNameLst>
+                                          <p:attrName>style.visibility</p:attrName>
+                                        </p:attrNameLst>
+                                      </p:cBhvr>
+                                      <p:to>
+                                        <p:strVal val="visible"/>
+                                      </p:to>
+                                    </p:set>
+                                  </p:childTnLst>
+                                </p:cTn>
+                              </p:par>
+                              <p:par>
+                                <p:cTn id="85" presetID="1" presetClass="entr" presetSubtype="0" fill="hold" nodeType="withEffect">
+                                  <p:stCondLst>
+                                    <p:cond delay="0"/>
+                                  </p:stCondLst>
+                                  <p:childTnLst>
+                                    <p:set>
+                                      <p:cBhvr>
+                                        <p:cTn id="86" dur="1" fill="hold">
+                                          <p:stCondLst>
+                                            <p:cond delay="0"/>
+                                          </p:stCondLst>
+                                        </p:cTn>
+                                        <p:tgtEl>
+                                          <p:spTgt spid="100"/>
+                                        </p:tgtEl>
+                                        <p:attrNameLst>
+                                          <p:attrName>style.visibility</p:attrName>
+                                        </p:attrNameLst>
+                                      </p:cBhvr>
+                                      <p:to>
+                                        <p:strVal val="visible"/>
+                                      </p:to>
+                                    </p:set>
+                                  </p:childTnLst>
+                                </p:cTn>
+                              </p:par>
+                              <p:par>
+                                <p:cTn id="87" presetID="1" presetClass="entr" presetSubtype="0" fill="hold" nodeType="withEffect">
+                                  <p:stCondLst>
+                                    <p:cond delay="0"/>
+                                  </p:stCondLst>
+                                  <p:childTnLst>
+                                    <p:set>
+                                      <p:cBhvr>
+                                        <p:cTn id="88" dur="1" fill="hold">
+                                          <p:stCondLst>
+                                            <p:cond delay="0"/>
+                                          </p:stCondLst>
+                                        </p:cTn>
+                                        <p:tgtEl>
+                                          <p:spTgt spid="82"/>
+                                        </p:tgtEl>
+                                        <p:attrNameLst>
+                                          <p:attrName>style.visibility</p:attrName>
+                                        </p:attrNameLst>
+                                      </p:cBhvr>
+                                      <p:to>
+                                        <p:strVal val="visible"/>
+                                      </p:to>
+                                    </p:set>
+                                  </p:childTnLst>
+                                </p:cTn>
+                              </p:par>
+                            </p:childTnLst>
+                          </p:cTn>
+                        </p:par>
+                      </p:childTnLst>
+                    </p:cTn>
+                  </p:par>
+                </p:childTnLst>
+              </p:cTn>
+              <p:prevCondLst>
+                <p:cond evt="onPrev" delay="0">
+                  <p:tgtEl>
+                    <p:sldTgt/>
+                  </p:tgtEl>
+                </p:cond>
+              </p:prevCondLst>
+              <p:nextCondLst>
+                <p:cond evt="onNext" delay="0">
+                  <p:tgtEl>
+                    <p:sldTgt/>
+                  </p:tgtEl>
+                </p:cond>
+              </p:nextCondLst>
+            </p:seq>
+          </p:childTnLst>
+        </p:cTn>
+      </p:par>
+    </p:tnLst>
+    <p:bldLst>
+      <p:bldP spid="15" grpId="0"/>
+      <p:bldP spid="17" grpId="0" animBg="1"/>
+      <p:bldP spid="21" grpId="0"/>
+      <p:bldP spid="23" grpId="0"/>
+      <p:bldP spid="34" grpId="0"/>
+      <p:bldP spid="37" grpId="0"/>
+      <p:bldP spid="43" grpId="0"/>
+      <p:bldP spid="48" grpId="0" animBg="1"/>
+      <p:bldP spid="49" grpId="0"/>
+      <p:bldP spid="51" grpId="0"/>
+      <p:bldP spid="58" grpId="0"/>
+      <p:bldP spid="59" grpId="0"/>
+      <p:bldP spid="60" grpId="0"/>
+      <p:bldP spid="61" grpId="0"/>
+      <p:bldP spid="62" grpId="0"/>
+      <p:bldP spid="73" grpId="0"/>
+      <p:bldP spid="85" grpId="0" animBg="1"/>
+      <p:bldP spid="87" grpId="0"/>
+      <p:bldP spid="94" grpId="0"/>
+      <p:bldP spid="99" grpId="0"/>
+    </p:bldLst>
+  </p:timing>
 </p:sld>
 </file>
 

--- a/Lectures/CSE 599V Lecture 2- Modeling Essentials.pptx
+++ b/Lectures/CSE 599V Lecture 2- Modeling Essentials.pptx
@@ -5,10 +5,10 @@
     <p:sldMasterId id="2147483648" r:id="rId1"/>
   </p:sldMasterIdLst>
   <p:notesMasterIdLst>
-    <p:notesMasterId r:id="rId12"/>
+    <p:notesMasterId r:id="rId20"/>
   </p:notesMasterIdLst>
   <p:handoutMasterIdLst>
-    <p:handoutMasterId r:id="rId13"/>
+    <p:handoutMasterId r:id="rId21"/>
   </p:handoutMasterIdLst>
   <p:sldIdLst>
     <p:sldId id="347" r:id="rId2"/>
@@ -20,7 +20,15 @@
     <p:sldId id="358" r:id="rId8"/>
     <p:sldId id="359" r:id="rId9"/>
     <p:sldId id="360" r:id="rId10"/>
-    <p:sldId id="361" r:id="rId11"/>
+    <p:sldId id="364" r:id="rId11"/>
+    <p:sldId id="366" r:id="rId12"/>
+    <p:sldId id="367" r:id="rId13"/>
+    <p:sldId id="363" r:id="rId14"/>
+    <p:sldId id="365" r:id="rId15"/>
+    <p:sldId id="368" r:id="rId16"/>
+    <p:sldId id="369" r:id="rId17"/>
+    <p:sldId id="370" r:id="rId18"/>
+    <p:sldId id="361" r:id="rId19"/>
   </p:sldIdLst>
   <p:sldSz cx="9144000" cy="6858000" type="screen4x3"/>
   <p:notesSz cx="6858000" cy="9144000"/>
@@ -1080,6 +1088,99 @@
     <p:extLst>
       <p:ext uri="{BB962C8B-B14F-4D97-AF65-F5344CB8AC3E}">
         <p14:creationId xmlns:p14="http://schemas.microsoft.com/office/powerpoint/2010/main" val="3575085374"/>
+      </p:ext>
+    </p:extLst>
+  </p:cSld>
+  <p:clrMapOvr>
+    <a:masterClrMapping/>
+  </p:clrMapOvr>
+</p:notes>
+</file>
+
+<file path=ppt/notesSlides/notesSlide4.xml><?xml version="1.0" encoding="utf-8"?>
+<p:notes xmlns:a="http://schemas.openxmlformats.org/drawingml/2006/main" xmlns:r="http://schemas.openxmlformats.org/officeDocument/2006/relationships" xmlns:p="http://schemas.openxmlformats.org/presentationml/2006/main">
+  <p:cSld>
+    <p:spTree>
+      <p:nvGrpSpPr>
+        <p:cNvPr id="1" name=""/>
+        <p:cNvGrpSpPr/>
+        <p:nvPr/>
+      </p:nvGrpSpPr>
+      <p:grpSpPr>
+        <a:xfrm>
+          <a:off x="0" y="0"/>
+          <a:ext cx="0" cy="0"/>
+          <a:chOff x="0" y="0"/>
+          <a:chExt cx="0" cy="0"/>
+        </a:xfrm>
+      </p:grpSpPr>
+      <p:sp>
+        <p:nvSpPr>
+          <p:cNvPr id="2" name="Slide Image Placeholder 1"/>
+          <p:cNvSpPr>
+            <a:spLocks noGrp="1" noRot="1" noChangeAspect="1"/>
+          </p:cNvSpPr>
+          <p:nvPr>
+            <p:ph type="sldImg"/>
+          </p:nvPr>
+        </p:nvSpPr>
+        <p:spPr/>
+      </p:sp>
+      <p:sp>
+        <p:nvSpPr>
+          <p:cNvPr id="3" name="Notes Placeholder 2"/>
+          <p:cNvSpPr>
+            <a:spLocks noGrp="1"/>
+          </p:cNvSpPr>
+          <p:nvPr>
+            <p:ph type="body" idx="1"/>
+          </p:nvPr>
+        </p:nvSpPr>
+        <p:spPr/>
+        <p:txBody>
+          <a:bodyPr/>
+          <a:lstStyle/>
+          <a:p>
+            <a:r>
+              <a:rPr lang="en-US" dirty="0"/>
+              <a:t>A lake is not a cylinder. The model is wrong. But this can be a useful approximation.</a:t>
+            </a:r>
+          </a:p>
+        </p:txBody>
+      </p:sp>
+      <p:sp>
+        <p:nvSpPr>
+          <p:cNvPr id="4" name="Slide Number Placeholder 3"/>
+          <p:cNvSpPr>
+            <a:spLocks noGrp="1"/>
+          </p:cNvSpPr>
+          <p:nvPr>
+            <p:ph type="sldNum" sz="quarter" idx="10"/>
+          </p:nvPr>
+        </p:nvSpPr>
+        <p:spPr/>
+        <p:txBody>
+          <a:bodyPr/>
+          <a:lstStyle/>
+          <a:p>
+            <a:pPr>
+              <a:defRPr/>
+            </a:pPr>
+            <a:fld id="{1E3608CA-DBCA-4E8F-8DAB-6E1AFAF19782}" type="slidenum">
+              <a:rPr lang="en-US" altLang="x-none" smtClean="0"/>
+              <a:pPr>
+                <a:defRPr/>
+              </a:pPr>
+              <a:t>10</a:t>
+            </a:fld>
+            <a:endParaRPr lang="en-US" altLang="x-none"/>
+          </a:p>
+        </p:txBody>
+      </p:sp>
+    </p:spTree>
+    <p:extLst>
+      <p:ext uri="{BB962C8B-B14F-4D97-AF65-F5344CB8AC3E}">
+        <p14:creationId xmlns:p14="http://schemas.microsoft.com/office/powerpoint/2010/main" val="1702446"/>
       </p:ext>
     </p:extLst>
   </p:cSld>
@@ -5386,6 +5487,4471 @@
       </p:grpSpPr>
       <p:sp>
         <p:nvSpPr>
+          <p:cNvPr id="2" name="Title 1">
+            <a:extLst>
+              <a:ext uri="{FF2B5EF4-FFF2-40B4-BE49-F238E27FC236}">
+                <a16:creationId xmlns:a16="http://schemas.microsoft.com/office/drawing/2014/main" id="{D7365342-C546-AB45-86A6-E51807C17C35}"/>
+              </a:ext>
+            </a:extLst>
+          </p:cNvPr>
+          <p:cNvSpPr>
+            <a:spLocks noGrp="1"/>
+          </p:cNvSpPr>
+          <p:nvPr>
+            <p:ph type="title"/>
+          </p:nvPr>
+        </p:nvSpPr>
+        <p:spPr>
+          <a:xfrm>
+            <a:off x="304800" y="381000"/>
+            <a:ext cx="6553200" cy="838200"/>
+          </a:xfrm>
+        </p:spPr>
+        <p:txBody>
+          <a:bodyPr/>
+          <a:lstStyle/>
+          <a:p>
+            <a:r>
+              <a:rPr lang="en-US" dirty="0"/>
+              <a:t>The Vessel Black Box</a:t>
+            </a:r>
+          </a:p>
+        </p:txBody>
+      </p:sp>
+      <p:sp>
+        <p:nvSpPr>
+          <p:cNvPr id="4" name="Content Placeholder 3">
+            <a:extLst>
+              <a:ext uri="{FF2B5EF4-FFF2-40B4-BE49-F238E27FC236}">
+                <a16:creationId xmlns:a16="http://schemas.microsoft.com/office/drawing/2014/main" id="{09580573-E773-1D44-9981-AB1D67AA4456}"/>
+              </a:ext>
+            </a:extLst>
+          </p:cNvPr>
+          <p:cNvSpPr>
+            <a:spLocks noGrp="1"/>
+          </p:cNvSpPr>
+          <p:nvPr>
+            <p:ph idx="1"/>
+          </p:nvPr>
+        </p:nvSpPr>
+        <p:spPr>
+          <a:xfrm>
+            <a:off x="685800" y="3200400"/>
+            <a:ext cx="8229600" cy="2133600"/>
+          </a:xfrm>
+        </p:spPr>
+        <p:txBody>
+          <a:bodyPr/>
+          <a:lstStyle/>
+          <a:p>
+            <a:r>
+              <a:rPr lang="en-US" sz="2800" dirty="0"/>
+              <a:t>How do we compute </a:t>
+            </a:r>
+            <a:r>
+              <a:rPr lang="en-US" sz="2800" dirty="0" err="1">
+                <a:latin typeface="Courier New" panose="02070309020205020404" pitchFamily="49" charset="0"/>
+                <a:cs typeface="Courier New" panose="02070309020205020404" pitchFamily="49" charset="0"/>
+              </a:rPr>
+              <a:t>Vessel.height</a:t>
+            </a:r>
+            <a:r>
+              <a:rPr lang="en-US" sz="2800" dirty="0"/>
+              <a:t> from </a:t>
+            </a:r>
+            <a:r>
+              <a:rPr lang="en-US" sz="2800" dirty="0" err="1">
+                <a:latin typeface="Courier New" panose="02070309020205020404" pitchFamily="49" charset="0"/>
+                <a:cs typeface="Courier New" panose="02070309020205020404" pitchFamily="49" charset="0"/>
+              </a:rPr>
+              <a:t>Vessel.in</a:t>
+            </a:r>
+            <a:r>
+              <a:rPr lang="en-US" sz="2800" dirty="0">
+                <a:latin typeface="Courier New" panose="02070309020205020404" pitchFamily="49" charset="0"/>
+                <a:cs typeface="Courier New" panose="02070309020205020404" pitchFamily="49" charset="0"/>
+              </a:rPr>
+              <a:t> </a:t>
+            </a:r>
+            <a:r>
+              <a:rPr lang="en-US" sz="2800" dirty="0"/>
+              <a:t>and </a:t>
+            </a:r>
+            <a:r>
+              <a:rPr lang="en-US" sz="2800" dirty="0" err="1">
+                <a:latin typeface="Courier New" panose="02070309020205020404" pitchFamily="49" charset="0"/>
+                <a:cs typeface="Courier New" panose="02070309020205020404" pitchFamily="49" charset="0"/>
+              </a:rPr>
+              <a:t>Vessel.out</a:t>
+            </a:r>
+            <a:r>
+              <a:rPr lang="en-US" sz="2800" dirty="0"/>
+              <a:t>?</a:t>
+            </a:r>
+          </a:p>
+          <a:p>
+            <a:r>
+              <a:rPr lang="en-US" sz="2800" dirty="0"/>
+              <a:t>Modeling assumption</a:t>
+            </a:r>
+          </a:p>
+          <a:p>
+            <a:pPr lvl="1"/>
+            <a:r>
+              <a:rPr lang="en-US" sz="2400" dirty="0"/>
+              <a:t>Vessel is a cylinder with radius </a:t>
+            </a:r>
+            <a:r>
+              <a:rPr lang="en-US" sz="2400" dirty="0" err="1">
+                <a:latin typeface="Courier New" panose="02070309020205020404" pitchFamily="49" charset="0"/>
+                <a:cs typeface="Courier New" panose="02070309020205020404" pitchFamily="49" charset="0"/>
+              </a:rPr>
+              <a:t>Vessel.radius</a:t>
+            </a:r>
+            <a:r>
+              <a:rPr lang="en-US" sz="2400" dirty="0">
+                <a:cs typeface="Courier New" panose="02070309020205020404" pitchFamily="49" charset="0"/>
+              </a:rPr>
+              <a:t>, a model parameter</a:t>
+            </a:r>
+          </a:p>
+          <a:p>
+            <a:r>
+              <a:rPr lang="en-US" sz="2800" dirty="0">
+                <a:cs typeface="Courier New" panose="02070309020205020404" pitchFamily="49" charset="0"/>
+              </a:rPr>
+              <a:t>How is </a:t>
+            </a:r>
+            <a:r>
+              <a:rPr lang="en-US" sz="2800" dirty="0" err="1">
+                <a:latin typeface="Courier New" panose="02070309020205020404" pitchFamily="49" charset="0"/>
+                <a:cs typeface="Courier New" panose="02070309020205020404" pitchFamily="49" charset="0"/>
+              </a:rPr>
+              <a:t>Vessel.radius</a:t>
+            </a:r>
+            <a:r>
+              <a:rPr lang="en-US" sz="2800" dirty="0">
+                <a:cs typeface="Courier New" panose="02070309020205020404" pitchFamily="49" charset="0"/>
+              </a:rPr>
+              <a:t> estimated?</a:t>
+            </a:r>
+            <a:endParaRPr lang="en-US" sz="2800" dirty="0"/>
+          </a:p>
+        </p:txBody>
+      </p:sp>
+      <p:sp>
+        <p:nvSpPr>
+          <p:cNvPr id="3" name="Slide Number Placeholder 2">
+            <a:extLst>
+              <a:ext uri="{FF2B5EF4-FFF2-40B4-BE49-F238E27FC236}">
+                <a16:creationId xmlns:a16="http://schemas.microsoft.com/office/drawing/2014/main" id="{88878FA2-F94E-6B47-972F-9948A77FF586}"/>
+              </a:ext>
+            </a:extLst>
+          </p:cNvPr>
+          <p:cNvSpPr>
+            <a:spLocks noGrp="1"/>
+          </p:cNvSpPr>
+          <p:nvPr>
+            <p:ph type="sldNum" sz="quarter" idx="11"/>
+          </p:nvPr>
+        </p:nvSpPr>
+        <p:spPr/>
+        <p:txBody>
+          <a:bodyPr/>
+          <a:lstStyle/>
+          <a:p>
+            <a:pPr>
+              <a:defRPr/>
+            </a:pPr>
+            <a:fld id="{2E4304A7-0FB2-4094-BC1E-DB17183AD0C1}" type="slidenum">
+              <a:rPr lang="en-US" altLang="x-none" smtClean="0"/>
+              <a:pPr>
+                <a:defRPr/>
+              </a:pPr>
+              <a:t>10</a:t>
+            </a:fld>
+            <a:endParaRPr lang="en-US" altLang="x-none"/>
+          </a:p>
+        </p:txBody>
+      </p:sp>
+      <p:pic>
+        <p:nvPicPr>
+          <p:cNvPr id="26" name="Picture 25">
+            <a:extLst>
+              <a:ext uri="{FF2B5EF4-FFF2-40B4-BE49-F238E27FC236}">
+                <a16:creationId xmlns:a16="http://schemas.microsoft.com/office/drawing/2014/main" id="{A5EB29CF-CD7A-F942-99CA-50F23F97AC8A}"/>
+              </a:ext>
+            </a:extLst>
+          </p:cNvPr>
+          <p:cNvPicPr>
+            <a:picLocks noChangeAspect="1"/>
+          </p:cNvPicPr>
+          <p:nvPr/>
+        </p:nvPicPr>
+        <p:blipFill>
+          <a:blip r:embed="rId3"/>
+          <a:stretch>
+            <a:fillRect/>
+          </a:stretch>
+        </p:blipFill>
+        <p:spPr>
+          <a:xfrm>
+            <a:off x="6008884" y="1295400"/>
+            <a:ext cx="2450705" cy="1361283"/>
+          </a:xfrm>
+          <a:prstGeom prst="rect">
+            <a:avLst/>
+          </a:prstGeom>
+        </p:spPr>
+      </p:pic>
+      <p:sp>
+        <p:nvSpPr>
+          <p:cNvPr id="27" name="Rectangle 26">
+            <a:extLst>
+              <a:ext uri="{FF2B5EF4-FFF2-40B4-BE49-F238E27FC236}">
+                <a16:creationId xmlns:a16="http://schemas.microsoft.com/office/drawing/2014/main" id="{EAE5DE93-67FC-9D45-B01E-5CA683440723}"/>
+              </a:ext>
+            </a:extLst>
+          </p:cNvPr>
+          <p:cNvSpPr/>
+          <p:nvPr/>
+        </p:nvSpPr>
+        <p:spPr>
+          <a:xfrm>
+            <a:off x="3031046" y="1863803"/>
+            <a:ext cx="669871" cy="533400"/>
+          </a:xfrm>
+          <a:prstGeom prst="rect">
+            <a:avLst/>
+          </a:prstGeom>
+          <a:solidFill>
+            <a:schemeClr val="tx1"/>
+          </a:solidFill>
+          <a:ln w="38100">
+            <a:noFill/>
+          </a:ln>
+          <a:effectLst>
+            <a:outerShdw dist="23000" sx="1000" sy="1000" rotWithShape="0">
+              <a:srgbClr val="000000"/>
+            </a:outerShdw>
+          </a:effectLst>
+        </p:spPr>
+        <p:style>
+          <a:lnRef idx="1">
+            <a:schemeClr val="accent1"/>
+          </a:lnRef>
+          <a:fillRef idx="3">
+            <a:schemeClr val="accent1"/>
+          </a:fillRef>
+          <a:effectRef idx="2">
+            <a:schemeClr val="accent1"/>
+          </a:effectRef>
+          <a:fontRef idx="minor">
+            <a:schemeClr val="lt1"/>
+          </a:fontRef>
+        </p:style>
+        <p:txBody>
+          <a:bodyPr rtlCol="0" anchor="ctr"/>
+          <a:lstStyle/>
+          <a:p>
+            <a:pPr algn="ctr"/>
+            <a:endParaRPr lang="en-US"/>
+          </a:p>
+        </p:txBody>
+      </p:sp>
+      <p:sp>
+        <p:nvSpPr>
+          <p:cNvPr id="28" name="TextBox 27">
+            <a:extLst>
+              <a:ext uri="{FF2B5EF4-FFF2-40B4-BE49-F238E27FC236}">
+                <a16:creationId xmlns:a16="http://schemas.microsoft.com/office/drawing/2014/main" id="{C1787611-A4D8-154B-973B-3B2CACE5AA30}"/>
+              </a:ext>
+            </a:extLst>
+          </p:cNvPr>
+          <p:cNvSpPr txBox="1"/>
+          <p:nvPr/>
+        </p:nvSpPr>
+        <p:spPr>
+          <a:xfrm>
+            <a:off x="2346067" y="1178003"/>
+            <a:ext cx="1425390" cy="369332"/>
+          </a:xfrm>
+          <a:prstGeom prst="rect">
+            <a:avLst/>
+          </a:prstGeom>
+          <a:noFill/>
+        </p:spPr>
+        <p:txBody>
+          <a:bodyPr wrap="none" rtlCol="0">
+            <a:spAutoFit/>
+          </a:bodyPr>
+          <a:lstStyle/>
+          <a:p>
+            <a:r>
+              <a:rPr lang="en-US" dirty="0" err="1">
+                <a:latin typeface="Courier New" panose="02070309020205020404" pitchFamily="49" charset="0"/>
+                <a:cs typeface="Courier New" panose="02070309020205020404" pitchFamily="49" charset="0"/>
+              </a:rPr>
+              <a:t>Vessel.in</a:t>
+            </a:r>
+            <a:endParaRPr lang="en-US" dirty="0">
+              <a:latin typeface="Courier New" panose="02070309020205020404" pitchFamily="49" charset="0"/>
+              <a:cs typeface="Courier New" panose="02070309020205020404" pitchFamily="49" charset="0"/>
+            </a:endParaRPr>
+          </a:p>
+        </p:txBody>
+      </p:sp>
+      <p:cxnSp>
+        <p:nvCxnSpPr>
+          <p:cNvPr id="29" name="Elbow Connector 28">
+            <a:extLst>
+              <a:ext uri="{FF2B5EF4-FFF2-40B4-BE49-F238E27FC236}">
+                <a16:creationId xmlns:a16="http://schemas.microsoft.com/office/drawing/2014/main" id="{AC7285C0-3485-FC4A-A32E-1F4EB8A9228D}"/>
+              </a:ext>
+            </a:extLst>
+          </p:cNvPr>
+          <p:cNvCxnSpPr>
+            <a:cxnSpLocks/>
+          </p:cNvCxnSpPr>
+          <p:nvPr/>
+        </p:nvCxnSpPr>
+        <p:spPr>
+          <a:xfrm rot="16200000" flipH="1">
+            <a:off x="2630645" y="1657474"/>
+            <a:ext cx="304800" cy="84522"/>
+          </a:xfrm>
+          <a:prstGeom prst="bentConnector3">
+            <a:avLst/>
+          </a:prstGeom>
+          <a:ln>
+            <a:headEnd type="none" w="med" len="med"/>
+            <a:tailEnd type="arrow" w="med" len="med"/>
+          </a:ln>
+        </p:spPr>
+        <p:style>
+          <a:lnRef idx="2">
+            <a:schemeClr val="accent1"/>
+          </a:lnRef>
+          <a:fillRef idx="0">
+            <a:schemeClr val="accent1"/>
+          </a:fillRef>
+          <a:effectRef idx="1">
+            <a:schemeClr val="accent1"/>
+          </a:effectRef>
+          <a:fontRef idx="minor">
+            <a:schemeClr val="tx1"/>
+          </a:fontRef>
+        </p:style>
+      </p:cxnSp>
+      <p:sp>
+        <p:nvSpPr>
+          <p:cNvPr id="30" name="TextBox 29">
+            <a:extLst>
+              <a:ext uri="{FF2B5EF4-FFF2-40B4-BE49-F238E27FC236}">
+                <a16:creationId xmlns:a16="http://schemas.microsoft.com/office/drawing/2014/main" id="{D841DF08-4982-B94B-B5FF-6AF2696F1E39}"/>
+              </a:ext>
+            </a:extLst>
+          </p:cNvPr>
+          <p:cNvSpPr txBox="1"/>
+          <p:nvPr/>
+        </p:nvSpPr>
+        <p:spPr>
+          <a:xfrm>
+            <a:off x="613091" y="1863803"/>
+            <a:ext cx="1976823" cy="369332"/>
+          </a:xfrm>
+          <a:prstGeom prst="rect">
+            <a:avLst/>
+          </a:prstGeom>
+          <a:noFill/>
+        </p:spPr>
+        <p:txBody>
+          <a:bodyPr wrap="none" rtlCol="0">
+            <a:spAutoFit/>
+          </a:bodyPr>
+          <a:lstStyle/>
+          <a:p>
+            <a:r>
+              <a:rPr lang="en-US" dirty="0" err="1">
+                <a:latin typeface="Courier New" panose="02070309020205020404" pitchFamily="49" charset="0"/>
+                <a:cs typeface="Courier New" panose="02070309020205020404" pitchFamily="49" charset="0"/>
+              </a:rPr>
+              <a:t>Vessel.height</a:t>
+            </a:r>
+            <a:endParaRPr lang="en-US" dirty="0">
+              <a:latin typeface="Courier New" panose="02070309020205020404" pitchFamily="49" charset="0"/>
+              <a:cs typeface="Courier New" panose="02070309020205020404" pitchFamily="49" charset="0"/>
+            </a:endParaRPr>
+          </a:p>
+        </p:txBody>
+      </p:sp>
+      <p:cxnSp>
+        <p:nvCxnSpPr>
+          <p:cNvPr id="31" name="Elbow Connector 30">
+            <a:extLst>
+              <a:ext uri="{FF2B5EF4-FFF2-40B4-BE49-F238E27FC236}">
+                <a16:creationId xmlns:a16="http://schemas.microsoft.com/office/drawing/2014/main" id="{25C9C65C-0382-0446-8994-C9E7F0215543}"/>
+              </a:ext>
+            </a:extLst>
+          </p:cNvPr>
+          <p:cNvCxnSpPr>
+            <a:stCxn id="30" idx="3"/>
+            <a:endCxn id="27" idx="1"/>
+          </p:cNvCxnSpPr>
+          <p:nvPr/>
+        </p:nvCxnSpPr>
+        <p:spPr>
+          <a:xfrm>
+            <a:off x="2589914" y="2048469"/>
+            <a:ext cx="441132" cy="82034"/>
+          </a:xfrm>
+          <a:prstGeom prst="bentConnector3">
+            <a:avLst>
+              <a:gd name="adj1" fmla="val 50000"/>
+            </a:avLst>
+          </a:prstGeom>
+          <a:ln>
+            <a:headEnd type="arrow" w="med" len="med"/>
+            <a:tailEnd type="none" w="med" len="med"/>
+          </a:ln>
+        </p:spPr>
+        <p:style>
+          <a:lnRef idx="2">
+            <a:schemeClr val="accent1"/>
+          </a:lnRef>
+          <a:fillRef idx="0">
+            <a:schemeClr val="accent1"/>
+          </a:fillRef>
+          <a:effectRef idx="1">
+            <a:schemeClr val="accent1"/>
+          </a:effectRef>
+          <a:fontRef idx="minor">
+            <a:schemeClr val="tx1"/>
+          </a:fontRef>
+        </p:style>
+      </p:cxnSp>
+      <p:sp>
+        <p:nvSpPr>
+          <p:cNvPr id="32" name="TextBox 31">
+            <a:extLst>
+              <a:ext uri="{FF2B5EF4-FFF2-40B4-BE49-F238E27FC236}">
+                <a16:creationId xmlns:a16="http://schemas.microsoft.com/office/drawing/2014/main" id="{830A3713-B76D-F248-AB75-C628F6AD7631}"/>
+              </a:ext>
+            </a:extLst>
+          </p:cNvPr>
+          <p:cNvSpPr txBox="1"/>
+          <p:nvPr/>
+        </p:nvSpPr>
+        <p:spPr>
+          <a:xfrm>
+            <a:off x="2874385" y="2754868"/>
+            <a:ext cx="1563248" cy="369332"/>
+          </a:xfrm>
+          <a:prstGeom prst="rect">
+            <a:avLst/>
+          </a:prstGeom>
+          <a:noFill/>
+        </p:spPr>
+        <p:txBody>
+          <a:bodyPr wrap="none" rtlCol="0">
+            <a:spAutoFit/>
+          </a:bodyPr>
+          <a:lstStyle/>
+          <a:p>
+            <a:r>
+              <a:rPr lang="en-US" dirty="0" err="1">
+                <a:latin typeface="Courier New" panose="02070309020205020404" pitchFamily="49" charset="0"/>
+                <a:cs typeface="Courier New" panose="02070309020205020404" pitchFamily="49" charset="0"/>
+              </a:rPr>
+              <a:t>Vessel.out</a:t>
+            </a:r>
+            <a:endParaRPr lang="en-US" dirty="0">
+              <a:latin typeface="Courier New" panose="02070309020205020404" pitchFamily="49" charset="0"/>
+              <a:cs typeface="Courier New" panose="02070309020205020404" pitchFamily="49" charset="0"/>
+            </a:endParaRPr>
+          </a:p>
+        </p:txBody>
+      </p:sp>
+      <p:cxnSp>
+        <p:nvCxnSpPr>
+          <p:cNvPr id="33" name="Elbow Connector 32">
+            <a:extLst>
+              <a:ext uri="{FF2B5EF4-FFF2-40B4-BE49-F238E27FC236}">
+                <a16:creationId xmlns:a16="http://schemas.microsoft.com/office/drawing/2014/main" id="{25E50A85-6F2C-2643-9A09-DAE0E6310A63}"/>
+              </a:ext>
+            </a:extLst>
+          </p:cNvPr>
+          <p:cNvCxnSpPr>
+            <a:cxnSpLocks/>
+            <a:stCxn id="27" idx="2"/>
+            <a:endCxn id="32" idx="0"/>
+          </p:cNvCxnSpPr>
+          <p:nvPr/>
+        </p:nvCxnSpPr>
+        <p:spPr>
+          <a:xfrm rot="16200000" flipH="1">
+            <a:off x="3332163" y="2431021"/>
+            <a:ext cx="357665" cy="290027"/>
+          </a:xfrm>
+          <a:prstGeom prst="bentConnector3">
+            <a:avLst>
+              <a:gd name="adj1" fmla="val 50000"/>
+            </a:avLst>
+          </a:prstGeom>
+          <a:ln>
+            <a:headEnd type="arrow" w="med" len="med"/>
+            <a:tailEnd type="none" w="med" len="med"/>
+          </a:ln>
+        </p:spPr>
+        <p:style>
+          <a:lnRef idx="2">
+            <a:schemeClr val="accent1"/>
+          </a:lnRef>
+          <a:fillRef idx="0">
+            <a:schemeClr val="accent1"/>
+          </a:fillRef>
+          <a:effectRef idx="1">
+            <a:schemeClr val="accent1"/>
+          </a:effectRef>
+          <a:fontRef idx="minor">
+            <a:schemeClr val="tx1"/>
+          </a:fontRef>
+        </p:style>
+      </p:cxnSp>
+    </p:spTree>
+    <p:extLst>
+      <p:ext uri="{BB962C8B-B14F-4D97-AF65-F5344CB8AC3E}">
+        <p14:creationId xmlns:p14="http://schemas.microsoft.com/office/powerpoint/2010/main" val="2533120367"/>
+      </p:ext>
+    </p:extLst>
+  </p:cSld>
+  <p:clrMapOvr>
+    <a:masterClrMapping/>
+  </p:clrMapOvr>
+  <p:timing>
+    <p:tnLst>
+      <p:par>
+        <p:cTn id="1" dur="indefinite" restart="never" nodeType="tmRoot">
+          <p:childTnLst>
+            <p:seq concurrent="1" nextAc="seek">
+              <p:cTn id="2" dur="indefinite" nodeType="mainSeq">
+                <p:childTnLst>
+                  <p:par>
+                    <p:cTn id="3" fill="hold">
+                      <p:stCondLst>
+                        <p:cond delay="indefinite"/>
+                      </p:stCondLst>
+                      <p:childTnLst>
+                        <p:par>
+                          <p:cTn id="4" fill="hold">
+                            <p:stCondLst>
+                              <p:cond delay="0"/>
+                            </p:stCondLst>
+                            <p:childTnLst>
+                              <p:par>
+                                <p:cTn id="5" presetID="1" presetClass="entr" presetSubtype="0" fill="hold" nodeType="clickEffect">
+                                  <p:stCondLst>
+                                    <p:cond delay="0"/>
+                                  </p:stCondLst>
+                                  <p:childTnLst>
+                                    <p:set>
+                                      <p:cBhvr>
+                                        <p:cTn id="6" dur="1" fill="hold">
+                                          <p:stCondLst>
+                                            <p:cond delay="0"/>
+                                          </p:stCondLst>
+                                        </p:cTn>
+                                        <p:tgtEl>
+                                          <p:spTgt spid="4">
+                                            <p:txEl>
+                                              <p:pRg st="1" end="1"/>
+                                            </p:txEl>
+                                          </p:spTgt>
+                                        </p:tgtEl>
+                                        <p:attrNameLst>
+                                          <p:attrName>style.visibility</p:attrName>
+                                        </p:attrNameLst>
+                                      </p:cBhvr>
+                                      <p:to>
+                                        <p:strVal val="visible"/>
+                                      </p:to>
+                                    </p:set>
+                                  </p:childTnLst>
+                                </p:cTn>
+                              </p:par>
+                              <p:par>
+                                <p:cTn id="7" presetID="1" presetClass="entr" presetSubtype="0" fill="hold" nodeType="withEffect">
+                                  <p:stCondLst>
+                                    <p:cond delay="0"/>
+                                  </p:stCondLst>
+                                  <p:childTnLst>
+                                    <p:set>
+                                      <p:cBhvr>
+                                        <p:cTn id="8" dur="1" fill="hold">
+                                          <p:stCondLst>
+                                            <p:cond delay="0"/>
+                                          </p:stCondLst>
+                                        </p:cTn>
+                                        <p:tgtEl>
+                                          <p:spTgt spid="4">
+                                            <p:txEl>
+                                              <p:pRg st="2" end="2"/>
+                                            </p:txEl>
+                                          </p:spTgt>
+                                        </p:tgtEl>
+                                        <p:attrNameLst>
+                                          <p:attrName>style.visibility</p:attrName>
+                                        </p:attrNameLst>
+                                      </p:cBhvr>
+                                      <p:to>
+                                        <p:strVal val="visible"/>
+                                      </p:to>
+                                    </p:set>
+                                  </p:childTnLst>
+                                </p:cTn>
+                              </p:par>
+                            </p:childTnLst>
+                          </p:cTn>
+                        </p:par>
+                      </p:childTnLst>
+                    </p:cTn>
+                  </p:par>
+                  <p:par>
+                    <p:cTn id="9" fill="hold">
+                      <p:stCondLst>
+                        <p:cond delay="indefinite"/>
+                      </p:stCondLst>
+                      <p:childTnLst>
+                        <p:par>
+                          <p:cTn id="10" fill="hold">
+                            <p:stCondLst>
+                              <p:cond delay="0"/>
+                            </p:stCondLst>
+                            <p:childTnLst>
+                              <p:par>
+                                <p:cTn id="11" presetID="1" presetClass="entr" presetSubtype="0" fill="hold" nodeType="clickEffect">
+                                  <p:stCondLst>
+                                    <p:cond delay="0"/>
+                                  </p:stCondLst>
+                                  <p:childTnLst>
+                                    <p:set>
+                                      <p:cBhvr>
+                                        <p:cTn id="12" dur="1" fill="hold">
+                                          <p:stCondLst>
+                                            <p:cond delay="0"/>
+                                          </p:stCondLst>
+                                        </p:cTn>
+                                        <p:tgtEl>
+                                          <p:spTgt spid="4">
+                                            <p:txEl>
+                                              <p:pRg st="3" end="3"/>
+                                            </p:txEl>
+                                          </p:spTgt>
+                                        </p:tgtEl>
+                                        <p:attrNameLst>
+                                          <p:attrName>style.visibility</p:attrName>
+                                        </p:attrNameLst>
+                                      </p:cBhvr>
+                                      <p:to>
+                                        <p:strVal val="visible"/>
+                                      </p:to>
+                                    </p:set>
+                                  </p:childTnLst>
+                                </p:cTn>
+                              </p:par>
+                            </p:childTnLst>
+                          </p:cTn>
+                        </p:par>
+                      </p:childTnLst>
+                    </p:cTn>
+                  </p:par>
+                </p:childTnLst>
+              </p:cTn>
+              <p:prevCondLst>
+                <p:cond evt="onPrev" delay="0">
+                  <p:tgtEl>
+                    <p:sldTgt/>
+                  </p:tgtEl>
+                </p:cond>
+              </p:prevCondLst>
+              <p:nextCondLst>
+                <p:cond evt="onNext" delay="0">
+                  <p:tgtEl>
+                    <p:sldTgt/>
+                  </p:tgtEl>
+                </p:cond>
+              </p:nextCondLst>
+            </p:seq>
+          </p:childTnLst>
+        </p:cTn>
+      </p:par>
+    </p:tnLst>
+  </p:timing>
+</p:sld>
+</file>
+
+<file path=ppt/slides/slide11.xml><?xml version="1.0" encoding="utf-8"?>
+<p:sld xmlns:a="http://schemas.openxmlformats.org/drawingml/2006/main" xmlns:r="http://schemas.openxmlformats.org/officeDocument/2006/relationships" xmlns:p="http://schemas.openxmlformats.org/presentationml/2006/main">
+  <p:cSld>
+    <p:spTree>
+      <p:nvGrpSpPr>
+        <p:cNvPr id="1" name=""/>
+        <p:cNvGrpSpPr/>
+        <p:nvPr/>
+      </p:nvGrpSpPr>
+      <p:grpSpPr>
+        <a:xfrm>
+          <a:off x="0" y="0"/>
+          <a:ext cx="0" cy="0"/>
+          <a:chOff x="0" y="0"/>
+          <a:chExt cx="0" cy="0"/>
+        </a:xfrm>
+      </p:grpSpPr>
+      <p:sp>
+        <p:nvSpPr>
+          <p:cNvPr id="2" name="Title 1">
+            <a:extLst>
+              <a:ext uri="{FF2B5EF4-FFF2-40B4-BE49-F238E27FC236}">
+                <a16:creationId xmlns:a16="http://schemas.microsoft.com/office/drawing/2014/main" id="{421F7EB0-09ED-4649-A040-2211ABF1FDBC}"/>
+              </a:ext>
+            </a:extLst>
+          </p:cNvPr>
+          <p:cNvSpPr>
+            <a:spLocks noGrp="1"/>
+          </p:cNvSpPr>
+          <p:nvPr>
+            <p:ph type="title"/>
+          </p:nvPr>
+        </p:nvSpPr>
+        <p:spPr/>
+        <p:txBody>
+          <a:bodyPr/>
+          <a:lstStyle/>
+          <a:p>
+            <a:r>
+              <a:rPr lang="en-US" dirty="0"/>
+              <a:t>Technical Model for </a:t>
+            </a:r>
+            <a:r>
+              <a:rPr lang="en-US" dirty="0" err="1">
+                <a:latin typeface="Courier New" panose="02070309020205020404" pitchFamily="49" charset="0"/>
+                <a:cs typeface="Courier New" panose="02070309020205020404" pitchFamily="49" charset="0"/>
+              </a:rPr>
+              <a:t>Vessel.height</a:t>
+            </a:r>
+            <a:endParaRPr lang="en-US" dirty="0">
+              <a:latin typeface="Courier New" panose="02070309020205020404" pitchFamily="49" charset="0"/>
+              <a:cs typeface="Courier New" panose="02070309020205020404" pitchFamily="49" charset="0"/>
+            </a:endParaRPr>
+          </a:p>
+        </p:txBody>
+      </p:sp>
+      <p:sp>
+        <p:nvSpPr>
+          <p:cNvPr id="3" name="Content Placeholder 2">
+            <a:extLst>
+              <a:ext uri="{FF2B5EF4-FFF2-40B4-BE49-F238E27FC236}">
+                <a16:creationId xmlns:a16="http://schemas.microsoft.com/office/drawing/2014/main" id="{793925CA-CE0D-A14B-9E78-69D453141785}"/>
+              </a:ext>
+            </a:extLst>
+          </p:cNvPr>
+          <p:cNvSpPr>
+            <a:spLocks noGrp="1"/>
+          </p:cNvSpPr>
+          <p:nvPr>
+            <p:ph idx="1"/>
+          </p:nvPr>
+        </p:nvSpPr>
+        <p:spPr/>
+        <p:txBody>
+          <a:bodyPr/>
+          <a:lstStyle/>
+          <a:p>
+            <a:r>
+              <a:rPr lang="en-US" sz="2000" dirty="0" err="1">
+                <a:latin typeface="Courier New" panose="02070309020205020404" pitchFamily="49" charset="0"/>
+                <a:cs typeface="Courier New" panose="02070309020205020404" pitchFamily="49" charset="0"/>
+              </a:rPr>
+              <a:t>Vessel.volume</a:t>
+            </a:r>
+            <a:r>
+              <a:rPr lang="en-US" sz="2000" dirty="0">
+                <a:latin typeface="Courier New" panose="02070309020205020404" pitchFamily="49" charset="0"/>
+                <a:cs typeface="Courier New" panose="02070309020205020404" pitchFamily="49" charset="0"/>
+              </a:rPr>
+              <a:t> = </a:t>
+            </a:r>
+            <a:r>
+              <a:rPr lang="en-US" sz="2000" dirty="0" err="1">
+                <a:latin typeface="Courier New" panose="02070309020205020404" pitchFamily="49" charset="0"/>
+                <a:cs typeface="Courier New" panose="02070309020205020404" pitchFamily="49" charset="0"/>
+              </a:rPr>
+              <a:t>Vessel.height</a:t>
+            </a:r>
+            <a:r>
+              <a:rPr lang="en-US" sz="2000" dirty="0">
+                <a:latin typeface="Courier New" panose="02070309020205020404" pitchFamily="49" charset="0"/>
+                <a:cs typeface="Courier New" panose="02070309020205020404" pitchFamily="49" charset="0"/>
+              </a:rPr>
+              <a:t>*Pi*Vessel.radius</a:t>
+            </a:r>
+            <a:r>
+              <a:rPr lang="en-US" sz="2000" baseline="30000" dirty="0">
+                <a:latin typeface="Courier New" panose="02070309020205020404" pitchFamily="49" charset="0"/>
+                <a:cs typeface="Courier New" panose="02070309020205020404" pitchFamily="49" charset="0"/>
+              </a:rPr>
+              <a:t>2</a:t>
+            </a:r>
+          </a:p>
+          <a:p>
+            <a:r>
+              <a:rPr lang="en-US" sz="2000" dirty="0" err="1">
+                <a:latin typeface="Courier New" panose="02070309020205020404" pitchFamily="49" charset="0"/>
+                <a:cs typeface="Courier New" panose="02070309020205020404" pitchFamily="49" charset="0"/>
+              </a:rPr>
+              <a:t>dVessel.Volume</a:t>
+            </a:r>
+            <a:r>
+              <a:rPr lang="en-US" sz="2000" dirty="0">
+                <a:latin typeface="Courier New" panose="02070309020205020404" pitchFamily="49" charset="0"/>
+                <a:cs typeface="Courier New" panose="02070309020205020404" pitchFamily="49" charset="0"/>
+              </a:rPr>
+              <a:t> = </a:t>
+            </a:r>
+            <a:r>
+              <a:rPr lang="en-US" sz="2000" dirty="0" err="1">
+                <a:latin typeface="Courier New" panose="02070309020205020404" pitchFamily="49" charset="0"/>
+                <a:cs typeface="Courier New" panose="02070309020205020404" pitchFamily="49" charset="0"/>
+              </a:rPr>
+              <a:t>Vessel.out</a:t>
+            </a:r>
+            <a:r>
+              <a:rPr lang="en-US" sz="2000" dirty="0">
+                <a:latin typeface="Courier New" panose="02070309020205020404" pitchFamily="49" charset="0"/>
+                <a:cs typeface="Courier New" panose="02070309020205020404" pitchFamily="49" charset="0"/>
+              </a:rPr>
+              <a:t> – </a:t>
+            </a:r>
+            <a:r>
+              <a:rPr lang="en-US" sz="2000" dirty="0" err="1">
+                <a:latin typeface="Courier New" panose="02070309020205020404" pitchFamily="49" charset="0"/>
+                <a:cs typeface="Courier New" panose="02070309020205020404" pitchFamily="49" charset="0"/>
+              </a:rPr>
+              <a:t>Vessel.in</a:t>
+            </a:r>
+            <a:endParaRPr lang="en-US" sz="2000" dirty="0">
+              <a:latin typeface="Courier New" panose="02070309020205020404" pitchFamily="49" charset="0"/>
+              <a:cs typeface="Courier New" panose="02070309020205020404" pitchFamily="49" charset="0"/>
+            </a:endParaRPr>
+          </a:p>
+          <a:p>
+            <a:r>
+              <a:rPr lang="en-US" sz="2000" dirty="0" err="1">
+                <a:latin typeface="Courier New" panose="02070309020205020404" pitchFamily="49" charset="0"/>
+                <a:cs typeface="Courier New" panose="02070309020205020404" pitchFamily="49" charset="0"/>
+              </a:rPr>
+              <a:t>dVessel.height</a:t>
+            </a:r>
+            <a:r>
+              <a:rPr lang="en-US" sz="2000" dirty="0">
+                <a:latin typeface="Courier New" panose="02070309020205020404" pitchFamily="49" charset="0"/>
+                <a:cs typeface="Courier New" panose="02070309020205020404" pitchFamily="49" charset="0"/>
+              </a:rPr>
+              <a:t> = (</a:t>
+            </a:r>
+            <a:r>
+              <a:rPr lang="en-US" sz="2000" dirty="0" err="1">
+                <a:latin typeface="Courier New" panose="02070309020205020404" pitchFamily="49" charset="0"/>
+                <a:cs typeface="Courier New" panose="02070309020205020404" pitchFamily="49" charset="0"/>
+              </a:rPr>
+              <a:t>Vessel.out</a:t>
+            </a:r>
+            <a:r>
+              <a:rPr lang="en-US" sz="2000" dirty="0">
+                <a:latin typeface="Courier New" panose="02070309020205020404" pitchFamily="49" charset="0"/>
+                <a:cs typeface="Courier New" panose="02070309020205020404" pitchFamily="49" charset="0"/>
+              </a:rPr>
+              <a:t> – </a:t>
+            </a:r>
+            <a:r>
+              <a:rPr lang="en-US" sz="2000" dirty="0" err="1">
+                <a:latin typeface="Courier New" panose="02070309020205020404" pitchFamily="49" charset="0"/>
+                <a:cs typeface="Courier New" panose="02070309020205020404" pitchFamily="49" charset="0"/>
+              </a:rPr>
+              <a:t>Vessel.in</a:t>
+            </a:r>
+            <a:r>
+              <a:rPr lang="en-US" sz="2000" dirty="0">
+                <a:latin typeface="Courier New" panose="02070309020205020404" pitchFamily="49" charset="0"/>
+                <a:cs typeface="Courier New" panose="02070309020205020404" pitchFamily="49" charset="0"/>
+              </a:rPr>
+              <a:t>)/(Pi*Vessel.radius</a:t>
+            </a:r>
+            <a:r>
+              <a:rPr lang="en-US" sz="2000" baseline="30000" dirty="0">
+                <a:latin typeface="Courier New" panose="02070309020205020404" pitchFamily="49" charset="0"/>
+                <a:cs typeface="Courier New" panose="02070309020205020404" pitchFamily="49" charset="0"/>
+              </a:rPr>
+              <a:t>2</a:t>
+            </a:r>
+            <a:r>
+              <a:rPr lang="en-US" sz="2000" dirty="0">
+                <a:latin typeface="Courier New" panose="02070309020205020404" pitchFamily="49" charset="0"/>
+                <a:cs typeface="Courier New" panose="02070309020205020404" pitchFamily="49" charset="0"/>
+              </a:rPr>
+              <a:t>)</a:t>
+            </a:r>
+          </a:p>
+          <a:p>
+            <a:r>
+              <a:rPr lang="en-US" sz="2000" dirty="0">
+                <a:cs typeface="Courier New" panose="02070309020205020404" pitchFamily="49" charset="0"/>
+              </a:rPr>
+              <a:t>Integrate (sum) to calculate </a:t>
+            </a:r>
+            <a:r>
+              <a:rPr lang="en-US" sz="2000" dirty="0" err="1">
+                <a:latin typeface="Courier New" panose="02070309020205020404" pitchFamily="49" charset="0"/>
+                <a:cs typeface="Courier New" panose="02070309020205020404" pitchFamily="49" charset="0"/>
+              </a:rPr>
+              <a:t>Vessel.height</a:t>
+            </a:r>
+            <a:r>
+              <a:rPr lang="en-US" sz="2000" dirty="0">
+                <a:latin typeface="Courier New" panose="02070309020205020404" pitchFamily="49" charset="0"/>
+                <a:cs typeface="Courier New" panose="02070309020205020404" pitchFamily="49" charset="0"/>
+              </a:rPr>
+              <a:t> </a:t>
+            </a:r>
+            <a:r>
+              <a:rPr lang="en-US" sz="2000" dirty="0">
+                <a:cs typeface="Courier New" panose="02070309020205020404" pitchFamily="49" charset="0"/>
+              </a:rPr>
+              <a:t>from </a:t>
+            </a:r>
+            <a:r>
+              <a:rPr lang="en-US" sz="2000" dirty="0" err="1">
+                <a:latin typeface="Courier New" panose="02070309020205020404" pitchFamily="49" charset="0"/>
+                <a:cs typeface="Courier New" panose="02070309020205020404" pitchFamily="49" charset="0"/>
+              </a:rPr>
+              <a:t>dVessel.height</a:t>
+            </a:r>
+            <a:r>
+              <a:rPr lang="en-US" sz="2000" dirty="0">
+                <a:cs typeface="Courier New" panose="02070309020205020404" pitchFamily="49" charset="0"/>
+              </a:rPr>
+              <a:t>.</a:t>
+            </a:r>
+          </a:p>
+        </p:txBody>
+      </p:sp>
+      <p:sp>
+        <p:nvSpPr>
+          <p:cNvPr id="4" name="Slide Number Placeholder 3">
+            <a:extLst>
+              <a:ext uri="{FF2B5EF4-FFF2-40B4-BE49-F238E27FC236}">
+                <a16:creationId xmlns:a16="http://schemas.microsoft.com/office/drawing/2014/main" id="{8A73C6B5-609F-4048-AC46-7C9A08D49355}"/>
+              </a:ext>
+            </a:extLst>
+          </p:cNvPr>
+          <p:cNvSpPr>
+            <a:spLocks noGrp="1"/>
+          </p:cNvSpPr>
+          <p:nvPr>
+            <p:ph type="sldNum" sz="quarter" idx="11"/>
+          </p:nvPr>
+        </p:nvSpPr>
+        <p:spPr/>
+        <p:txBody>
+          <a:bodyPr/>
+          <a:lstStyle/>
+          <a:p>
+            <a:pPr>
+              <a:defRPr/>
+            </a:pPr>
+            <a:fld id="{3EF4E9CC-9D91-476E-91FD-5BEEC1642931}" type="slidenum">
+              <a:rPr lang="en-US" altLang="x-none" smtClean="0"/>
+              <a:pPr>
+                <a:defRPr/>
+              </a:pPr>
+              <a:t>11</a:t>
+            </a:fld>
+            <a:endParaRPr lang="en-US" altLang="x-none"/>
+          </a:p>
+        </p:txBody>
+      </p:sp>
+    </p:spTree>
+    <p:extLst>
+      <p:ext uri="{BB962C8B-B14F-4D97-AF65-F5344CB8AC3E}">
+        <p14:creationId xmlns:p14="http://schemas.microsoft.com/office/powerpoint/2010/main" val="1683172959"/>
+      </p:ext>
+    </p:extLst>
+  </p:cSld>
+  <p:clrMapOvr>
+    <a:masterClrMapping/>
+  </p:clrMapOvr>
+  <p:timing>
+    <p:tnLst>
+      <p:par>
+        <p:cTn id="1" dur="indefinite" restart="never" nodeType="tmRoot">
+          <p:childTnLst>
+            <p:seq concurrent="1" nextAc="seek">
+              <p:cTn id="2" dur="indefinite" nodeType="mainSeq">
+                <p:childTnLst>
+                  <p:par>
+                    <p:cTn id="3" fill="hold">
+                      <p:stCondLst>
+                        <p:cond delay="indefinite"/>
+                      </p:stCondLst>
+                      <p:childTnLst>
+                        <p:par>
+                          <p:cTn id="4" fill="hold">
+                            <p:stCondLst>
+                              <p:cond delay="0"/>
+                            </p:stCondLst>
+                            <p:childTnLst>
+                              <p:par>
+                                <p:cTn id="5" presetID="1" presetClass="entr" presetSubtype="0" fill="hold" grpId="0" nodeType="clickEffect">
+                                  <p:stCondLst>
+                                    <p:cond delay="0"/>
+                                  </p:stCondLst>
+                                  <p:childTnLst>
+                                    <p:set>
+                                      <p:cBhvr>
+                                        <p:cTn id="6" dur="1" fill="hold">
+                                          <p:stCondLst>
+                                            <p:cond delay="0"/>
+                                          </p:stCondLst>
+                                        </p:cTn>
+                                        <p:tgtEl>
+                                          <p:spTgt spid="3">
+                                            <p:txEl>
+                                              <p:pRg st="0" end="0"/>
+                                            </p:txEl>
+                                          </p:spTgt>
+                                        </p:tgtEl>
+                                        <p:attrNameLst>
+                                          <p:attrName>style.visibility</p:attrName>
+                                        </p:attrNameLst>
+                                      </p:cBhvr>
+                                      <p:to>
+                                        <p:strVal val="visible"/>
+                                      </p:to>
+                                    </p:set>
+                                  </p:childTnLst>
+                                </p:cTn>
+                              </p:par>
+                            </p:childTnLst>
+                          </p:cTn>
+                        </p:par>
+                      </p:childTnLst>
+                    </p:cTn>
+                  </p:par>
+                  <p:par>
+                    <p:cTn id="7" fill="hold">
+                      <p:stCondLst>
+                        <p:cond delay="indefinite"/>
+                      </p:stCondLst>
+                      <p:childTnLst>
+                        <p:par>
+                          <p:cTn id="8" fill="hold">
+                            <p:stCondLst>
+                              <p:cond delay="0"/>
+                            </p:stCondLst>
+                            <p:childTnLst>
+                              <p:par>
+                                <p:cTn id="9" presetID="1" presetClass="entr" presetSubtype="0" fill="hold" grpId="0" nodeType="clickEffect">
+                                  <p:stCondLst>
+                                    <p:cond delay="0"/>
+                                  </p:stCondLst>
+                                  <p:childTnLst>
+                                    <p:set>
+                                      <p:cBhvr>
+                                        <p:cTn id="10" dur="1" fill="hold">
+                                          <p:stCondLst>
+                                            <p:cond delay="0"/>
+                                          </p:stCondLst>
+                                        </p:cTn>
+                                        <p:tgtEl>
+                                          <p:spTgt spid="3">
+                                            <p:txEl>
+                                              <p:pRg st="1" end="1"/>
+                                            </p:txEl>
+                                          </p:spTgt>
+                                        </p:tgtEl>
+                                        <p:attrNameLst>
+                                          <p:attrName>style.visibility</p:attrName>
+                                        </p:attrNameLst>
+                                      </p:cBhvr>
+                                      <p:to>
+                                        <p:strVal val="visible"/>
+                                      </p:to>
+                                    </p:set>
+                                  </p:childTnLst>
+                                </p:cTn>
+                              </p:par>
+                            </p:childTnLst>
+                          </p:cTn>
+                        </p:par>
+                      </p:childTnLst>
+                    </p:cTn>
+                  </p:par>
+                  <p:par>
+                    <p:cTn id="11" fill="hold">
+                      <p:stCondLst>
+                        <p:cond delay="indefinite"/>
+                      </p:stCondLst>
+                      <p:childTnLst>
+                        <p:par>
+                          <p:cTn id="12" fill="hold">
+                            <p:stCondLst>
+                              <p:cond delay="0"/>
+                            </p:stCondLst>
+                            <p:childTnLst>
+                              <p:par>
+                                <p:cTn id="13" presetID="1" presetClass="entr" presetSubtype="0" fill="hold" grpId="0" nodeType="clickEffect">
+                                  <p:stCondLst>
+                                    <p:cond delay="0"/>
+                                  </p:stCondLst>
+                                  <p:childTnLst>
+                                    <p:set>
+                                      <p:cBhvr>
+                                        <p:cTn id="14" dur="1" fill="hold">
+                                          <p:stCondLst>
+                                            <p:cond delay="0"/>
+                                          </p:stCondLst>
+                                        </p:cTn>
+                                        <p:tgtEl>
+                                          <p:spTgt spid="3">
+                                            <p:txEl>
+                                              <p:pRg st="2" end="2"/>
+                                            </p:txEl>
+                                          </p:spTgt>
+                                        </p:tgtEl>
+                                        <p:attrNameLst>
+                                          <p:attrName>style.visibility</p:attrName>
+                                        </p:attrNameLst>
+                                      </p:cBhvr>
+                                      <p:to>
+                                        <p:strVal val="visible"/>
+                                      </p:to>
+                                    </p:set>
+                                  </p:childTnLst>
+                                </p:cTn>
+                              </p:par>
+                            </p:childTnLst>
+                          </p:cTn>
+                        </p:par>
+                      </p:childTnLst>
+                    </p:cTn>
+                  </p:par>
+                  <p:par>
+                    <p:cTn id="15" fill="hold">
+                      <p:stCondLst>
+                        <p:cond delay="indefinite"/>
+                      </p:stCondLst>
+                      <p:childTnLst>
+                        <p:par>
+                          <p:cTn id="16" fill="hold">
+                            <p:stCondLst>
+                              <p:cond delay="0"/>
+                            </p:stCondLst>
+                            <p:childTnLst>
+                              <p:par>
+                                <p:cTn id="17" presetID="1" presetClass="entr" presetSubtype="0" fill="hold" grpId="0" nodeType="clickEffect">
+                                  <p:stCondLst>
+                                    <p:cond delay="0"/>
+                                  </p:stCondLst>
+                                  <p:childTnLst>
+                                    <p:set>
+                                      <p:cBhvr>
+                                        <p:cTn id="18" dur="1" fill="hold">
+                                          <p:stCondLst>
+                                            <p:cond delay="0"/>
+                                          </p:stCondLst>
+                                        </p:cTn>
+                                        <p:tgtEl>
+                                          <p:spTgt spid="3">
+                                            <p:txEl>
+                                              <p:pRg st="3" end="3"/>
+                                            </p:txEl>
+                                          </p:spTgt>
+                                        </p:tgtEl>
+                                        <p:attrNameLst>
+                                          <p:attrName>style.visibility</p:attrName>
+                                        </p:attrNameLst>
+                                      </p:cBhvr>
+                                      <p:to>
+                                        <p:strVal val="visible"/>
+                                      </p:to>
+                                    </p:set>
+                                  </p:childTnLst>
+                                </p:cTn>
+                              </p:par>
+                            </p:childTnLst>
+                          </p:cTn>
+                        </p:par>
+                      </p:childTnLst>
+                    </p:cTn>
+                  </p:par>
+                </p:childTnLst>
+              </p:cTn>
+              <p:prevCondLst>
+                <p:cond evt="onPrev" delay="0">
+                  <p:tgtEl>
+                    <p:sldTgt/>
+                  </p:tgtEl>
+                </p:cond>
+              </p:prevCondLst>
+              <p:nextCondLst>
+                <p:cond evt="onNext" delay="0">
+                  <p:tgtEl>
+                    <p:sldTgt/>
+                  </p:tgtEl>
+                </p:cond>
+              </p:nextCondLst>
+            </p:seq>
+          </p:childTnLst>
+        </p:cTn>
+      </p:par>
+    </p:tnLst>
+    <p:bldLst>
+      <p:bldP spid="3" grpId="0" uiExpand="1" build="p"/>
+    </p:bldLst>
+  </p:timing>
+</p:sld>
+</file>
+
+<file path=ppt/slides/slide12.xml><?xml version="1.0" encoding="utf-8"?>
+<p:sld xmlns:a="http://schemas.openxmlformats.org/drawingml/2006/main" xmlns:r="http://schemas.openxmlformats.org/officeDocument/2006/relationships" xmlns:p="http://schemas.openxmlformats.org/presentationml/2006/main">
+  <p:cSld>
+    <p:spTree>
+      <p:nvGrpSpPr>
+        <p:cNvPr id="1" name=""/>
+        <p:cNvGrpSpPr/>
+        <p:nvPr/>
+      </p:nvGrpSpPr>
+      <p:grpSpPr>
+        <a:xfrm>
+          <a:off x="0" y="0"/>
+          <a:ext cx="0" cy="0"/>
+          <a:chOff x="0" y="0"/>
+          <a:chExt cx="0" cy="0"/>
+        </a:xfrm>
+      </p:grpSpPr>
+      <p:sp>
+        <p:nvSpPr>
+          <p:cNvPr id="2" name="Title 1">
+            <a:extLst>
+              <a:ext uri="{FF2B5EF4-FFF2-40B4-BE49-F238E27FC236}">
+                <a16:creationId xmlns:a16="http://schemas.microsoft.com/office/drawing/2014/main" id="{8EC20BD3-2F26-2E4A-B7E5-F2E2B4CD0BA2}"/>
+              </a:ext>
+            </a:extLst>
+          </p:cNvPr>
+          <p:cNvSpPr>
+            <a:spLocks noGrp="1"/>
+          </p:cNvSpPr>
+          <p:nvPr>
+            <p:ph type="title"/>
+          </p:nvPr>
+        </p:nvSpPr>
+        <p:spPr/>
+        <p:txBody>
+          <a:bodyPr/>
+          <a:lstStyle/>
+          <a:p>
+            <a:r>
+              <a:rPr lang="en-US" dirty="0"/>
+              <a:t>Simplified Modeling Workflow</a:t>
+            </a:r>
+          </a:p>
+        </p:txBody>
+      </p:sp>
+      <p:sp>
+        <p:nvSpPr>
+          <p:cNvPr id="4" name="Slide Number Placeholder 3">
+            <a:extLst>
+              <a:ext uri="{FF2B5EF4-FFF2-40B4-BE49-F238E27FC236}">
+                <a16:creationId xmlns:a16="http://schemas.microsoft.com/office/drawing/2014/main" id="{C741EB6C-310B-FA4E-8898-79AC68ECB216}"/>
+              </a:ext>
+            </a:extLst>
+          </p:cNvPr>
+          <p:cNvSpPr>
+            <a:spLocks noGrp="1"/>
+          </p:cNvSpPr>
+          <p:nvPr>
+            <p:ph type="sldNum" sz="quarter" idx="11"/>
+          </p:nvPr>
+        </p:nvSpPr>
+        <p:spPr/>
+        <p:txBody>
+          <a:bodyPr/>
+          <a:lstStyle/>
+          <a:p>
+            <a:pPr>
+              <a:defRPr/>
+            </a:pPr>
+            <a:fld id="{3EF4E9CC-9D91-476E-91FD-5BEEC1642931}" type="slidenum">
+              <a:rPr lang="en-US" altLang="x-none" smtClean="0"/>
+              <a:pPr>
+                <a:defRPr/>
+              </a:pPr>
+              <a:t>12</a:t>
+            </a:fld>
+            <a:endParaRPr lang="en-US" altLang="x-none"/>
+          </a:p>
+        </p:txBody>
+      </p:sp>
+      <p:sp>
+        <p:nvSpPr>
+          <p:cNvPr id="5" name="Rectangle 4">
+            <a:extLst>
+              <a:ext uri="{FF2B5EF4-FFF2-40B4-BE49-F238E27FC236}">
+                <a16:creationId xmlns:a16="http://schemas.microsoft.com/office/drawing/2014/main" id="{7456ACCC-0FB2-8B4A-A6CA-4645D27CE0D4}"/>
+              </a:ext>
+            </a:extLst>
+          </p:cNvPr>
+          <p:cNvSpPr/>
+          <p:nvPr/>
+        </p:nvSpPr>
+        <p:spPr>
+          <a:xfrm>
+            <a:off x="647700" y="1447800"/>
+            <a:ext cx="1371600" cy="762000"/>
+          </a:xfrm>
+          <a:prstGeom prst="rect">
+            <a:avLst/>
+          </a:prstGeom>
+          <a:solidFill>
+            <a:srgbClr val="0070C0"/>
+          </a:solidFill>
+          <a:effectLst>
+            <a:outerShdw dist="23000" sx="1000" sy="1000" rotWithShape="0">
+              <a:srgbClr val="000000"/>
+            </a:outerShdw>
+          </a:effectLst>
+        </p:spPr>
+        <p:style>
+          <a:lnRef idx="1">
+            <a:schemeClr val="accent1"/>
+          </a:lnRef>
+          <a:fillRef idx="3">
+            <a:schemeClr val="accent1"/>
+          </a:fillRef>
+          <a:effectRef idx="2">
+            <a:schemeClr val="accent1"/>
+          </a:effectRef>
+          <a:fontRef idx="minor">
+            <a:schemeClr val="lt1"/>
+          </a:fontRef>
+        </p:style>
+        <p:txBody>
+          <a:bodyPr rtlCol="0" anchor="ctr"/>
+          <a:lstStyle/>
+          <a:p>
+            <a:pPr algn="ctr"/>
+            <a:r>
+              <a:rPr lang="en-US" sz="2400" b="1" dirty="0"/>
+              <a:t>System Diagram</a:t>
+            </a:r>
+          </a:p>
+        </p:txBody>
+      </p:sp>
+      <p:sp>
+        <p:nvSpPr>
+          <p:cNvPr id="6" name="Rectangle 5">
+            <a:extLst>
+              <a:ext uri="{FF2B5EF4-FFF2-40B4-BE49-F238E27FC236}">
+                <a16:creationId xmlns:a16="http://schemas.microsoft.com/office/drawing/2014/main" id="{7DB5622E-91E9-A94D-9885-1A17A3A28E00}"/>
+              </a:ext>
+            </a:extLst>
+          </p:cNvPr>
+          <p:cNvSpPr/>
+          <p:nvPr/>
+        </p:nvSpPr>
+        <p:spPr>
+          <a:xfrm>
+            <a:off x="457200" y="2929355"/>
+            <a:ext cx="1752600" cy="1066800"/>
+          </a:xfrm>
+          <a:prstGeom prst="rect">
+            <a:avLst/>
+          </a:prstGeom>
+          <a:solidFill>
+            <a:srgbClr val="0070C0"/>
+          </a:solidFill>
+          <a:effectLst>
+            <a:outerShdw dist="23000" sx="1000" sy="1000" rotWithShape="0">
+              <a:srgbClr val="000000"/>
+            </a:outerShdw>
+          </a:effectLst>
+        </p:spPr>
+        <p:style>
+          <a:lnRef idx="1">
+            <a:schemeClr val="accent1"/>
+          </a:lnRef>
+          <a:fillRef idx="3">
+            <a:schemeClr val="accent1"/>
+          </a:fillRef>
+          <a:effectRef idx="2">
+            <a:schemeClr val="accent1"/>
+          </a:effectRef>
+          <a:fontRef idx="minor">
+            <a:schemeClr val="lt1"/>
+          </a:fontRef>
+        </p:style>
+        <p:txBody>
+          <a:bodyPr rtlCol="0" anchor="ctr"/>
+          <a:lstStyle/>
+          <a:p>
+            <a:pPr algn="ctr"/>
+            <a:r>
+              <a:rPr lang="en-US" sz="2400" b="1" dirty="0"/>
+              <a:t>Conceptual</a:t>
+            </a:r>
+          </a:p>
+          <a:p>
+            <a:pPr algn="ctr"/>
+            <a:r>
+              <a:rPr lang="en-US" sz="2400" b="1" dirty="0"/>
+              <a:t>Model</a:t>
+            </a:r>
+          </a:p>
+        </p:txBody>
+      </p:sp>
+      <p:sp>
+        <p:nvSpPr>
+          <p:cNvPr id="8" name="Rectangle 7">
+            <a:extLst>
+              <a:ext uri="{FF2B5EF4-FFF2-40B4-BE49-F238E27FC236}">
+                <a16:creationId xmlns:a16="http://schemas.microsoft.com/office/drawing/2014/main" id="{F3A4F0DD-28DD-274D-9BBD-862BE34454E1}"/>
+              </a:ext>
+            </a:extLst>
+          </p:cNvPr>
+          <p:cNvSpPr/>
+          <p:nvPr/>
+        </p:nvSpPr>
+        <p:spPr>
+          <a:xfrm>
+            <a:off x="457200" y="4724400"/>
+            <a:ext cx="1752600" cy="1066800"/>
+          </a:xfrm>
+          <a:prstGeom prst="rect">
+            <a:avLst/>
+          </a:prstGeom>
+          <a:solidFill>
+            <a:srgbClr val="0070C0"/>
+          </a:solidFill>
+          <a:effectLst>
+            <a:outerShdw dist="23000" sx="1000" sy="1000" rotWithShape="0">
+              <a:srgbClr val="000000"/>
+            </a:outerShdw>
+          </a:effectLst>
+        </p:spPr>
+        <p:style>
+          <a:lnRef idx="1">
+            <a:schemeClr val="accent1"/>
+          </a:lnRef>
+          <a:fillRef idx="3">
+            <a:schemeClr val="accent1"/>
+          </a:fillRef>
+          <a:effectRef idx="2">
+            <a:schemeClr val="accent1"/>
+          </a:effectRef>
+          <a:fontRef idx="minor">
+            <a:schemeClr val="lt1"/>
+          </a:fontRef>
+        </p:style>
+        <p:txBody>
+          <a:bodyPr rtlCol="0" anchor="ctr"/>
+          <a:lstStyle/>
+          <a:p>
+            <a:pPr algn="ctr"/>
+            <a:r>
+              <a:rPr lang="en-US" sz="2400" b="1" dirty="0"/>
+              <a:t>Technical</a:t>
+            </a:r>
+          </a:p>
+          <a:p>
+            <a:pPr algn="ctr"/>
+            <a:r>
+              <a:rPr lang="en-US" sz="2400" b="1" dirty="0"/>
+              <a:t>Model</a:t>
+            </a:r>
+          </a:p>
+        </p:txBody>
+      </p:sp>
+      <p:grpSp>
+        <p:nvGrpSpPr>
+          <p:cNvPr id="9" name="Group 8">
+            <a:extLst>
+              <a:ext uri="{FF2B5EF4-FFF2-40B4-BE49-F238E27FC236}">
+                <a16:creationId xmlns:a16="http://schemas.microsoft.com/office/drawing/2014/main" id="{D5679EE3-43D8-7D40-941D-8F584AB46755}"/>
+              </a:ext>
+            </a:extLst>
+          </p:cNvPr>
+          <p:cNvGrpSpPr/>
+          <p:nvPr/>
+        </p:nvGrpSpPr>
+        <p:grpSpPr>
+          <a:xfrm>
+            <a:off x="2590800" y="1447800"/>
+            <a:ext cx="1600200" cy="911377"/>
+            <a:chOff x="381000" y="1066800"/>
+            <a:chExt cx="5678091" cy="4946953"/>
+          </a:xfrm>
+        </p:grpSpPr>
+        <p:pic>
+          <p:nvPicPr>
+            <p:cNvPr id="10" name="Picture 9">
+              <a:extLst>
+                <a:ext uri="{FF2B5EF4-FFF2-40B4-BE49-F238E27FC236}">
+                  <a16:creationId xmlns:a16="http://schemas.microsoft.com/office/drawing/2014/main" id="{66A8D009-1FFB-EF42-8817-417276FAFAC3}"/>
+                </a:ext>
+              </a:extLst>
+            </p:cNvPr>
+            <p:cNvPicPr>
+              <a:picLocks noChangeAspect="1"/>
+            </p:cNvPicPr>
+            <p:nvPr/>
+          </p:nvPicPr>
+          <p:blipFill>
+            <a:blip r:embed="rId2"/>
+            <a:stretch>
+              <a:fillRect/>
+            </a:stretch>
+          </p:blipFill>
+          <p:spPr>
+            <a:xfrm>
+              <a:off x="3429000" y="4051300"/>
+              <a:ext cx="2630091" cy="1962453"/>
+            </a:xfrm>
+            <a:prstGeom prst="rect">
+              <a:avLst/>
+            </a:prstGeom>
+          </p:spPr>
+        </p:pic>
+        <p:pic>
+          <p:nvPicPr>
+            <p:cNvPr id="11" name="Picture 10">
+              <a:extLst>
+                <a:ext uri="{FF2B5EF4-FFF2-40B4-BE49-F238E27FC236}">
+                  <a16:creationId xmlns:a16="http://schemas.microsoft.com/office/drawing/2014/main" id="{15D6F32C-7C3D-BC4C-98B7-ABBAE58FDECE}"/>
+                </a:ext>
+              </a:extLst>
+            </p:cNvPr>
+            <p:cNvPicPr>
+              <a:picLocks noChangeAspect="1"/>
+            </p:cNvPicPr>
+            <p:nvPr/>
+          </p:nvPicPr>
+          <p:blipFill>
+            <a:blip r:embed="rId3"/>
+            <a:stretch>
+              <a:fillRect/>
+            </a:stretch>
+          </p:blipFill>
+          <p:spPr>
+            <a:xfrm>
+              <a:off x="4768512" y="2819400"/>
+              <a:ext cx="553047" cy="1231900"/>
+            </a:xfrm>
+            <a:prstGeom prst="rect">
+              <a:avLst/>
+            </a:prstGeom>
+          </p:spPr>
+        </p:pic>
+        <p:pic>
+          <p:nvPicPr>
+            <p:cNvPr id="12" name="Picture 11">
+              <a:extLst>
+                <a:ext uri="{FF2B5EF4-FFF2-40B4-BE49-F238E27FC236}">
+                  <a16:creationId xmlns:a16="http://schemas.microsoft.com/office/drawing/2014/main" id="{3C499C25-5E4A-724A-A35B-DBF2C7422DE5}"/>
+                </a:ext>
+              </a:extLst>
+            </p:cNvPr>
+            <p:cNvPicPr>
+              <a:picLocks noChangeAspect="1"/>
+            </p:cNvPicPr>
+            <p:nvPr/>
+          </p:nvPicPr>
+          <p:blipFill>
+            <a:blip r:embed="rId4"/>
+            <a:stretch>
+              <a:fillRect/>
+            </a:stretch>
+          </p:blipFill>
+          <p:spPr>
+            <a:xfrm>
+              <a:off x="609601" y="1066801"/>
+              <a:ext cx="914400" cy="714931"/>
+            </a:xfrm>
+            <a:prstGeom prst="rect">
+              <a:avLst/>
+            </a:prstGeom>
+          </p:spPr>
+        </p:pic>
+        <p:pic>
+          <p:nvPicPr>
+            <p:cNvPr id="13" name="Picture 12">
+              <a:extLst>
+                <a:ext uri="{FF2B5EF4-FFF2-40B4-BE49-F238E27FC236}">
+                  <a16:creationId xmlns:a16="http://schemas.microsoft.com/office/drawing/2014/main" id="{6B627DA4-1A68-A84A-B596-70A982BD7A0F}"/>
+                </a:ext>
+              </a:extLst>
+            </p:cNvPr>
+            <p:cNvPicPr>
+              <a:picLocks noChangeAspect="1"/>
+            </p:cNvPicPr>
+            <p:nvPr/>
+          </p:nvPicPr>
+          <p:blipFill>
+            <a:blip r:embed="rId5"/>
+            <a:stretch>
+              <a:fillRect/>
+            </a:stretch>
+          </p:blipFill>
+          <p:spPr>
+            <a:xfrm>
+              <a:off x="381000" y="1781731"/>
+              <a:ext cx="2450705" cy="1361283"/>
+            </a:xfrm>
+            <a:prstGeom prst="rect">
+              <a:avLst/>
+            </a:prstGeom>
+          </p:spPr>
+        </p:pic>
+        <p:pic>
+          <p:nvPicPr>
+            <p:cNvPr id="14" name="Picture 13">
+              <a:extLst>
+                <a:ext uri="{FF2B5EF4-FFF2-40B4-BE49-F238E27FC236}">
+                  <a16:creationId xmlns:a16="http://schemas.microsoft.com/office/drawing/2014/main" id="{7E92D69E-F4EC-4842-84BC-43D3814163B6}"/>
+                </a:ext>
+              </a:extLst>
+            </p:cNvPr>
+            <p:cNvPicPr>
+              <a:picLocks noChangeAspect="1"/>
+            </p:cNvPicPr>
+            <p:nvPr/>
+          </p:nvPicPr>
+          <p:blipFill>
+            <a:blip r:embed="rId3"/>
+            <a:stretch>
+              <a:fillRect/>
+            </a:stretch>
+          </p:blipFill>
+          <p:spPr>
+            <a:xfrm>
+              <a:off x="5429845" y="2819400"/>
+              <a:ext cx="553047" cy="1231900"/>
+            </a:xfrm>
+            <a:prstGeom prst="rect">
+              <a:avLst/>
+            </a:prstGeom>
+          </p:spPr>
+        </p:pic>
+        <p:pic>
+          <p:nvPicPr>
+            <p:cNvPr id="15" name="Picture 14">
+              <a:extLst>
+                <a:ext uri="{FF2B5EF4-FFF2-40B4-BE49-F238E27FC236}">
+                  <a16:creationId xmlns:a16="http://schemas.microsoft.com/office/drawing/2014/main" id="{67C90D8F-8DCC-7B4F-AD3F-D9C3F19A96F5}"/>
+                </a:ext>
+              </a:extLst>
+            </p:cNvPr>
+            <p:cNvPicPr>
+              <a:picLocks noChangeAspect="1"/>
+            </p:cNvPicPr>
+            <p:nvPr/>
+          </p:nvPicPr>
+          <p:blipFill>
+            <a:blip r:embed="rId3"/>
+            <a:stretch>
+              <a:fillRect/>
+            </a:stretch>
+          </p:blipFill>
+          <p:spPr>
+            <a:xfrm>
+              <a:off x="4134445" y="2819400"/>
+              <a:ext cx="553047" cy="1231900"/>
+            </a:xfrm>
+            <a:prstGeom prst="rect">
+              <a:avLst/>
+            </a:prstGeom>
+          </p:spPr>
+        </p:pic>
+        <p:pic>
+          <p:nvPicPr>
+            <p:cNvPr id="16" name="Picture 15">
+              <a:extLst>
+                <a:ext uri="{FF2B5EF4-FFF2-40B4-BE49-F238E27FC236}">
+                  <a16:creationId xmlns:a16="http://schemas.microsoft.com/office/drawing/2014/main" id="{30D2482A-78EC-8849-9EA0-E29754609299}"/>
+                </a:ext>
+              </a:extLst>
+            </p:cNvPr>
+            <p:cNvPicPr>
+              <a:picLocks noChangeAspect="1"/>
+            </p:cNvPicPr>
+            <p:nvPr/>
+          </p:nvPicPr>
+          <p:blipFill>
+            <a:blip r:embed="rId4"/>
+            <a:stretch>
+              <a:fillRect/>
+            </a:stretch>
+          </p:blipFill>
+          <p:spPr>
+            <a:xfrm>
+              <a:off x="1676400" y="1066800"/>
+              <a:ext cx="914400" cy="714931"/>
+            </a:xfrm>
+            <a:prstGeom prst="rect">
+              <a:avLst/>
+            </a:prstGeom>
+          </p:spPr>
+        </p:pic>
+        <p:pic>
+          <p:nvPicPr>
+            <p:cNvPr id="17" name="Picture 16">
+              <a:extLst>
+                <a:ext uri="{FF2B5EF4-FFF2-40B4-BE49-F238E27FC236}">
+                  <a16:creationId xmlns:a16="http://schemas.microsoft.com/office/drawing/2014/main" id="{817ACCE7-980D-7C40-8D30-E775502FA51C}"/>
+                </a:ext>
+              </a:extLst>
+            </p:cNvPr>
+            <p:cNvPicPr>
+              <a:picLocks noChangeAspect="1"/>
+            </p:cNvPicPr>
+            <p:nvPr/>
+          </p:nvPicPr>
+          <p:blipFill>
+            <a:blip r:embed="rId6"/>
+            <a:stretch>
+              <a:fillRect/>
+            </a:stretch>
+          </p:blipFill>
+          <p:spPr>
+            <a:xfrm flipH="1">
+              <a:off x="1777605" y="3143014"/>
+              <a:ext cx="2108200" cy="952500"/>
+            </a:xfrm>
+            <a:prstGeom prst="rect">
+              <a:avLst/>
+            </a:prstGeom>
+          </p:spPr>
+        </p:pic>
+      </p:grpSp>
+      <p:grpSp>
+        <p:nvGrpSpPr>
+          <p:cNvPr id="18" name="Group 17">
+            <a:extLst>
+              <a:ext uri="{FF2B5EF4-FFF2-40B4-BE49-F238E27FC236}">
+                <a16:creationId xmlns:a16="http://schemas.microsoft.com/office/drawing/2014/main" id="{96777C96-AADB-004D-AE2B-2CF4131315A0}"/>
+              </a:ext>
+            </a:extLst>
+          </p:cNvPr>
+          <p:cNvGrpSpPr/>
+          <p:nvPr/>
+        </p:nvGrpSpPr>
+        <p:grpSpPr>
+          <a:xfrm>
+            <a:off x="2590800" y="2819400"/>
+            <a:ext cx="3732621" cy="1680122"/>
+            <a:chOff x="228600" y="2069067"/>
+            <a:chExt cx="8864977" cy="3360243"/>
+          </a:xfrm>
+        </p:grpSpPr>
+        <p:sp>
+          <p:nvSpPr>
+            <p:cNvPr id="19" name="Rectangle 18">
+              <a:extLst>
+                <a:ext uri="{FF2B5EF4-FFF2-40B4-BE49-F238E27FC236}">
+                  <a16:creationId xmlns:a16="http://schemas.microsoft.com/office/drawing/2014/main" id="{EE19EF42-4EEA-0447-9FAB-4A63783CA2CD}"/>
+                </a:ext>
+              </a:extLst>
+            </p:cNvPr>
+            <p:cNvSpPr/>
+            <p:nvPr/>
+          </p:nvSpPr>
+          <p:spPr>
+            <a:xfrm>
+              <a:off x="2148141" y="4126467"/>
+              <a:ext cx="669871" cy="533400"/>
+            </a:xfrm>
+            <a:prstGeom prst="rect">
+              <a:avLst/>
+            </a:prstGeom>
+            <a:solidFill>
+              <a:schemeClr val="tx1"/>
+            </a:solidFill>
+            <a:ln w="38100">
+              <a:noFill/>
+            </a:ln>
+            <a:effectLst>
+              <a:outerShdw dist="23000" sx="1000" sy="1000" rotWithShape="0">
+                <a:srgbClr val="000000"/>
+              </a:outerShdw>
+            </a:effectLst>
+          </p:spPr>
+          <p:style>
+            <a:lnRef idx="1">
+              <a:schemeClr val="accent1"/>
+            </a:lnRef>
+            <a:fillRef idx="3">
+              <a:schemeClr val="accent1"/>
+            </a:fillRef>
+            <a:effectRef idx="2">
+              <a:schemeClr val="accent1"/>
+            </a:effectRef>
+            <a:fontRef idx="minor">
+              <a:schemeClr val="lt1"/>
+            </a:fontRef>
+          </p:style>
+          <p:txBody>
+            <a:bodyPr rtlCol="0" anchor="ctr"/>
+            <a:lstStyle/>
+            <a:p>
+              <a:pPr algn="ctr"/>
+              <a:endParaRPr lang="en-US" sz="400"/>
+            </a:p>
+          </p:txBody>
+        </p:sp>
+        <p:sp>
+          <p:nvSpPr>
+            <p:cNvPr id="20" name="TextBox 19">
+              <a:extLst>
+                <a:ext uri="{FF2B5EF4-FFF2-40B4-BE49-F238E27FC236}">
+                  <a16:creationId xmlns:a16="http://schemas.microsoft.com/office/drawing/2014/main" id="{E5AE5251-832C-CB42-B2D2-BF52873E4398}"/>
+                </a:ext>
+              </a:extLst>
+            </p:cNvPr>
+            <p:cNvSpPr txBox="1"/>
+            <p:nvPr/>
+          </p:nvSpPr>
+          <p:spPr>
+            <a:xfrm>
+              <a:off x="1752600" y="2069067"/>
+              <a:ext cx="1215238" cy="400110"/>
+            </a:xfrm>
+            <a:prstGeom prst="rect">
+              <a:avLst/>
+            </a:prstGeom>
+            <a:noFill/>
+          </p:spPr>
+          <p:txBody>
+            <a:bodyPr wrap="none" rtlCol="0">
+              <a:spAutoFit/>
+            </a:bodyPr>
+            <a:lstStyle/>
+            <a:p>
+              <a:r>
+                <a:rPr lang="en-US" sz="700" dirty="0">
+                  <a:latin typeface="Courier New" panose="02070309020205020404" pitchFamily="49" charset="0"/>
+                  <a:cs typeface="Courier New" panose="02070309020205020404" pitchFamily="49" charset="0"/>
+                </a:rPr>
+                <a:t>F1.out</a:t>
+              </a:r>
+            </a:p>
+          </p:txBody>
+        </p:sp>
+        <p:sp>
+          <p:nvSpPr>
+            <p:cNvPr id="21" name="TextBox 20">
+              <a:extLst>
+                <a:ext uri="{FF2B5EF4-FFF2-40B4-BE49-F238E27FC236}">
+                  <a16:creationId xmlns:a16="http://schemas.microsoft.com/office/drawing/2014/main" id="{499B2474-8925-A843-83CB-B4A421886072}"/>
+                </a:ext>
+              </a:extLst>
+            </p:cNvPr>
+            <p:cNvSpPr txBox="1"/>
+            <p:nvPr/>
+          </p:nvSpPr>
+          <p:spPr>
+            <a:xfrm>
+              <a:off x="2094353" y="3452335"/>
+              <a:ext cx="1085793" cy="400110"/>
+            </a:xfrm>
+            <a:prstGeom prst="rect">
+              <a:avLst/>
+            </a:prstGeom>
+            <a:noFill/>
+          </p:spPr>
+          <p:txBody>
+            <a:bodyPr wrap="none" rtlCol="0">
+              <a:spAutoFit/>
+            </a:bodyPr>
+            <a:lstStyle/>
+            <a:p>
+              <a:r>
+                <a:rPr lang="en-US" sz="700" dirty="0">
+                  <a:latin typeface="Courier New" panose="02070309020205020404" pitchFamily="49" charset="0"/>
+                  <a:cs typeface="Courier New" panose="02070309020205020404" pitchFamily="49" charset="0"/>
+                </a:rPr>
+                <a:t>V1.in</a:t>
+              </a:r>
+            </a:p>
+          </p:txBody>
+        </p:sp>
+        <p:grpSp>
+          <p:nvGrpSpPr>
+            <p:cNvPr id="22" name="Group 21">
+              <a:extLst>
+                <a:ext uri="{FF2B5EF4-FFF2-40B4-BE49-F238E27FC236}">
+                  <a16:creationId xmlns:a16="http://schemas.microsoft.com/office/drawing/2014/main" id="{A61056D0-CF15-D043-A62B-66EF38F93357}"/>
+                </a:ext>
+              </a:extLst>
+            </p:cNvPr>
+            <p:cNvGrpSpPr/>
+            <p:nvPr/>
+          </p:nvGrpSpPr>
+          <p:grpSpPr>
+            <a:xfrm>
+              <a:off x="2137174" y="2679271"/>
+              <a:ext cx="680632" cy="533400"/>
+              <a:chOff x="674832" y="3582004"/>
+              <a:chExt cx="680632" cy="533400"/>
+            </a:xfrm>
+          </p:grpSpPr>
+          <p:sp>
+            <p:nvSpPr>
+              <p:cNvPr id="55" name="Rectangle 54">
+                <a:extLst>
+                  <a:ext uri="{FF2B5EF4-FFF2-40B4-BE49-F238E27FC236}">
+                    <a16:creationId xmlns:a16="http://schemas.microsoft.com/office/drawing/2014/main" id="{274626F2-306D-194A-BB0A-6FE9A3589BC0}"/>
+                  </a:ext>
+                </a:extLst>
+              </p:cNvPr>
+              <p:cNvSpPr/>
+              <p:nvPr/>
+            </p:nvSpPr>
+            <p:spPr>
+              <a:xfrm>
+                <a:off x="674832" y="3582004"/>
+                <a:ext cx="669871" cy="533400"/>
+              </a:xfrm>
+              <a:prstGeom prst="rect">
+                <a:avLst/>
+              </a:prstGeom>
+              <a:noFill/>
+              <a:ln w="38100">
+                <a:solidFill>
+                  <a:schemeClr val="tx1"/>
+                </a:solidFill>
+              </a:ln>
+              <a:effectLst>
+                <a:outerShdw dist="23000" sx="1000" sy="1000" rotWithShape="0">
+                  <a:srgbClr val="000000"/>
+                </a:outerShdw>
+              </a:effectLst>
+            </p:spPr>
+            <p:style>
+              <a:lnRef idx="1">
+                <a:schemeClr val="accent1"/>
+              </a:lnRef>
+              <a:fillRef idx="3">
+                <a:schemeClr val="accent1"/>
+              </a:fillRef>
+              <a:effectRef idx="2">
+                <a:schemeClr val="accent1"/>
+              </a:effectRef>
+              <a:fontRef idx="minor">
+                <a:schemeClr val="lt1"/>
+              </a:fontRef>
+            </p:style>
+            <p:txBody>
+              <a:bodyPr rtlCol="0" anchor="ctr"/>
+              <a:lstStyle/>
+              <a:p>
+                <a:pPr algn="ctr"/>
+                <a:endParaRPr lang="en-US" sz="400"/>
+              </a:p>
+            </p:txBody>
+          </p:sp>
+          <p:sp>
+            <p:nvSpPr>
+              <p:cNvPr id="56" name="TextBox 55">
+                <a:extLst>
+                  <a:ext uri="{FF2B5EF4-FFF2-40B4-BE49-F238E27FC236}">
+                    <a16:creationId xmlns:a16="http://schemas.microsoft.com/office/drawing/2014/main" id="{698DBBFC-2DFC-1244-9300-66753FDBB0FD}"/>
+                  </a:ext>
+                </a:extLst>
+              </p:cNvPr>
+              <p:cNvSpPr txBox="1"/>
+              <p:nvPr/>
+            </p:nvSpPr>
+            <p:spPr>
+              <a:xfrm>
+                <a:off x="756983" y="3632576"/>
+                <a:ext cx="598481" cy="461664"/>
+              </a:xfrm>
+              <a:prstGeom prst="rect">
+                <a:avLst/>
+              </a:prstGeom>
+              <a:noFill/>
+            </p:spPr>
+            <p:txBody>
+              <a:bodyPr wrap="none" rtlCol="0">
+                <a:spAutoFit/>
+              </a:bodyPr>
+              <a:lstStyle/>
+              <a:p>
+                <a:r>
+                  <a:rPr lang="en-US" sz="900" dirty="0"/>
+                  <a:t>=</a:t>
+                </a:r>
+              </a:p>
+            </p:txBody>
+          </p:sp>
+        </p:grpSp>
+        <p:cxnSp>
+          <p:nvCxnSpPr>
+            <p:cNvPr id="23" name="Elbow Connector 22">
+              <a:extLst>
+                <a:ext uri="{FF2B5EF4-FFF2-40B4-BE49-F238E27FC236}">
+                  <a16:creationId xmlns:a16="http://schemas.microsoft.com/office/drawing/2014/main" id="{63A22E74-1143-DD40-8006-22D998953EB1}"/>
+                </a:ext>
+              </a:extLst>
+            </p:cNvPr>
+            <p:cNvCxnSpPr>
+              <a:cxnSpLocks/>
+              <a:stCxn id="20" idx="2"/>
+              <a:endCxn id="55" idx="0"/>
+            </p:cNvCxnSpPr>
+            <p:nvPr/>
+          </p:nvCxnSpPr>
+          <p:spPr>
+            <a:xfrm rot="16200000" flipH="1">
+              <a:off x="2311120" y="2518277"/>
+              <a:ext cx="210094" cy="111891"/>
+            </a:xfrm>
+            <a:prstGeom prst="bentConnector3">
+              <a:avLst>
+                <a:gd name="adj1" fmla="val 50000"/>
+              </a:avLst>
+            </a:prstGeom>
+            <a:ln>
+              <a:headEnd type="none" w="med" len="med"/>
+              <a:tailEnd type="arrow" w="med" len="med"/>
+            </a:ln>
+          </p:spPr>
+          <p:style>
+            <a:lnRef idx="2">
+              <a:schemeClr val="accent1"/>
+            </a:lnRef>
+            <a:fillRef idx="0">
+              <a:schemeClr val="accent1"/>
+            </a:fillRef>
+            <a:effectRef idx="1">
+              <a:schemeClr val="accent1"/>
+            </a:effectRef>
+            <a:fontRef idx="minor">
+              <a:schemeClr val="tx1"/>
+            </a:fontRef>
+          </p:style>
+        </p:cxnSp>
+        <p:cxnSp>
+          <p:nvCxnSpPr>
+            <p:cNvPr id="24" name="Elbow Connector 23">
+              <a:extLst>
+                <a:ext uri="{FF2B5EF4-FFF2-40B4-BE49-F238E27FC236}">
+                  <a16:creationId xmlns:a16="http://schemas.microsoft.com/office/drawing/2014/main" id="{7918FB29-AB4F-B748-AD9D-EBD5CF72A131}"/>
+                </a:ext>
+              </a:extLst>
+            </p:cNvPr>
+            <p:cNvCxnSpPr>
+              <a:cxnSpLocks/>
+              <a:stCxn id="55" idx="2"/>
+              <a:endCxn id="21" idx="0"/>
+            </p:cNvCxnSpPr>
+            <p:nvPr/>
+          </p:nvCxnSpPr>
+          <p:spPr>
+            <a:xfrm rot="16200000" flipH="1">
+              <a:off x="2434848" y="3249933"/>
+              <a:ext cx="239664" cy="165139"/>
+            </a:xfrm>
+            <a:prstGeom prst="bentConnector3">
+              <a:avLst/>
+            </a:prstGeom>
+            <a:ln>
+              <a:headEnd type="none" w="med" len="med"/>
+              <a:tailEnd type="arrow" w="med" len="med"/>
+            </a:ln>
+          </p:spPr>
+          <p:style>
+            <a:lnRef idx="2">
+              <a:schemeClr val="accent1"/>
+            </a:lnRef>
+            <a:fillRef idx="0">
+              <a:schemeClr val="accent1"/>
+            </a:fillRef>
+            <a:effectRef idx="1">
+              <a:schemeClr val="accent1"/>
+            </a:effectRef>
+            <a:fontRef idx="minor">
+              <a:schemeClr val="tx1"/>
+            </a:fontRef>
+          </p:style>
+        </p:cxnSp>
+        <p:cxnSp>
+          <p:nvCxnSpPr>
+            <p:cNvPr id="25" name="Elbow Connector 24">
+              <a:extLst>
+                <a:ext uri="{FF2B5EF4-FFF2-40B4-BE49-F238E27FC236}">
+                  <a16:creationId xmlns:a16="http://schemas.microsoft.com/office/drawing/2014/main" id="{ED2B9613-EA5F-CF49-963E-B33AF868A26E}"/>
+                </a:ext>
+              </a:extLst>
+            </p:cNvPr>
+            <p:cNvCxnSpPr>
+              <a:cxnSpLocks/>
+              <a:stCxn id="21" idx="2"/>
+              <a:endCxn id="19" idx="0"/>
+            </p:cNvCxnSpPr>
+            <p:nvPr/>
+          </p:nvCxnSpPr>
+          <p:spPr>
+            <a:xfrm rot="5400000">
+              <a:off x="2423154" y="3912369"/>
+              <a:ext cx="274022" cy="154171"/>
+            </a:xfrm>
+            <a:prstGeom prst="bentConnector3">
+              <a:avLst>
+                <a:gd name="adj1" fmla="val 50000"/>
+              </a:avLst>
+            </a:prstGeom>
+            <a:ln>
+              <a:headEnd type="none" w="med" len="med"/>
+              <a:tailEnd type="arrow" w="med" len="med"/>
+            </a:ln>
+          </p:spPr>
+          <p:style>
+            <a:lnRef idx="2">
+              <a:schemeClr val="accent1"/>
+            </a:lnRef>
+            <a:fillRef idx="0">
+              <a:schemeClr val="accent1"/>
+            </a:fillRef>
+            <a:effectRef idx="1">
+              <a:schemeClr val="accent1"/>
+            </a:effectRef>
+            <a:fontRef idx="minor">
+              <a:schemeClr val="tx1"/>
+            </a:fontRef>
+          </p:style>
+        </p:cxnSp>
+        <p:sp>
+          <p:nvSpPr>
+            <p:cNvPr id="26" name="TextBox 25">
+              <a:extLst>
+                <a:ext uri="{FF2B5EF4-FFF2-40B4-BE49-F238E27FC236}">
+                  <a16:creationId xmlns:a16="http://schemas.microsoft.com/office/drawing/2014/main" id="{D7A8A51F-ED89-3640-826F-C700B283CE9E}"/>
+                </a:ext>
+              </a:extLst>
+            </p:cNvPr>
+            <p:cNvSpPr txBox="1"/>
+            <p:nvPr/>
+          </p:nvSpPr>
+          <p:spPr>
+            <a:xfrm>
+              <a:off x="228600" y="4138134"/>
+              <a:ext cx="1603565" cy="400110"/>
+            </a:xfrm>
+            <a:prstGeom prst="rect">
+              <a:avLst/>
+            </a:prstGeom>
+            <a:noFill/>
+          </p:spPr>
+          <p:txBody>
+            <a:bodyPr wrap="none" rtlCol="0">
+              <a:spAutoFit/>
+            </a:bodyPr>
+            <a:lstStyle/>
+            <a:p>
+              <a:r>
+                <a:rPr lang="en-US" sz="700" dirty="0">
+                  <a:latin typeface="Courier New" panose="02070309020205020404" pitchFamily="49" charset="0"/>
+                  <a:cs typeface="Courier New" panose="02070309020205020404" pitchFamily="49" charset="0"/>
+                </a:rPr>
+                <a:t>V1.height</a:t>
+              </a:r>
+            </a:p>
+          </p:txBody>
+        </p:sp>
+        <p:cxnSp>
+          <p:nvCxnSpPr>
+            <p:cNvPr id="27" name="Elbow Connector 26">
+              <a:extLst>
+                <a:ext uri="{FF2B5EF4-FFF2-40B4-BE49-F238E27FC236}">
+                  <a16:creationId xmlns:a16="http://schemas.microsoft.com/office/drawing/2014/main" id="{CB40C939-952C-8449-B648-FC524C41D737}"/>
+                </a:ext>
+              </a:extLst>
+            </p:cNvPr>
+            <p:cNvCxnSpPr>
+              <a:cxnSpLocks/>
+              <a:stCxn id="26" idx="3"/>
+              <a:endCxn id="19" idx="1"/>
+            </p:cNvCxnSpPr>
+            <p:nvPr/>
+          </p:nvCxnSpPr>
+          <p:spPr>
+            <a:xfrm>
+              <a:off x="1832165" y="4338190"/>
+              <a:ext cx="315977" cy="54976"/>
+            </a:xfrm>
+            <a:prstGeom prst="bentConnector3">
+              <a:avLst>
+                <a:gd name="adj1" fmla="val 50000"/>
+              </a:avLst>
+            </a:prstGeom>
+            <a:ln>
+              <a:headEnd type="arrow" w="med" len="med"/>
+              <a:tailEnd type="none" w="med" len="med"/>
+            </a:ln>
+          </p:spPr>
+          <p:style>
+            <a:lnRef idx="2">
+              <a:schemeClr val="accent1"/>
+            </a:lnRef>
+            <a:fillRef idx="0">
+              <a:schemeClr val="accent1"/>
+            </a:fillRef>
+            <a:effectRef idx="1">
+              <a:schemeClr val="accent1"/>
+            </a:effectRef>
+            <a:fontRef idx="minor">
+              <a:schemeClr val="tx1"/>
+            </a:fontRef>
+          </p:style>
+        </p:cxnSp>
+        <p:sp>
+          <p:nvSpPr>
+            <p:cNvPr id="28" name="TextBox 27">
+              <a:extLst>
+                <a:ext uri="{FF2B5EF4-FFF2-40B4-BE49-F238E27FC236}">
+                  <a16:creationId xmlns:a16="http://schemas.microsoft.com/office/drawing/2014/main" id="{5122335B-BD09-ED45-8CAA-5C1A328619A6}"/>
+                </a:ext>
+              </a:extLst>
+            </p:cNvPr>
+            <p:cNvSpPr txBox="1"/>
+            <p:nvPr/>
+          </p:nvSpPr>
+          <p:spPr>
+            <a:xfrm>
+              <a:off x="1828799" y="5029200"/>
+              <a:ext cx="1215238" cy="400110"/>
+            </a:xfrm>
+            <a:prstGeom prst="rect">
+              <a:avLst/>
+            </a:prstGeom>
+            <a:noFill/>
+          </p:spPr>
+          <p:txBody>
+            <a:bodyPr wrap="none" rtlCol="0">
+              <a:spAutoFit/>
+            </a:bodyPr>
+            <a:lstStyle/>
+            <a:p>
+              <a:r>
+                <a:rPr lang="en-US" sz="700" dirty="0">
+                  <a:latin typeface="Courier New" panose="02070309020205020404" pitchFamily="49" charset="0"/>
+                  <a:cs typeface="Courier New" panose="02070309020205020404" pitchFamily="49" charset="0"/>
+                </a:rPr>
+                <a:t>V1.out</a:t>
+              </a:r>
+            </a:p>
+          </p:txBody>
+        </p:sp>
+        <p:cxnSp>
+          <p:nvCxnSpPr>
+            <p:cNvPr id="29" name="Elbow Connector 28">
+              <a:extLst>
+                <a:ext uri="{FF2B5EF4-FFF2-40B4-BE49-F238E27FC236}">
+                  <a16:creationId xmlns:a16="http://schemas.microsoft.com/office/drawing/2014/main" id="{E273B5FE-DFE2-574A-B213-C1C484654EAA}"/>
+                </a:ext>
+              </a:extLst>
+            </p:cNvPr>
+            <p:cNvCxnSpPr>
+              <a:cxnSpLocks/>
+              <a:stCxn id="19" idx="2"/>
+            </p:cNvCxnSpPr>
+            <p:nvPr/>
+          </p:nvCxnSpPr>
+          <p:spPr>
+            <a:xfrm rot="5400000">
+              <a:off x="2221191" y="4773385"/>
+              <a:ext cx="375404" cy="148369"/>
+            </a:xfrm>
+            <a:prstGeom prst="bentConnector3">
+              <a:avLst/>
+            </a:prstGeom>
+            <a:ln>
+              <a:headEnd type="arrow" w="med" len="med"/>
+              <a:tailEnd type="none" w="med" len="med"/>
+            </a:ln>
+          </p:spPr>
+          <p:style>
+            <a:lnRef idx="2">
+              <a:schemeClr val="accent1"/>
+            </a:lnRef>
+            <a:fillRef idx="0">
+              <a:schemeClr val="accent1"/>
+            </a:fillRef>
+            <a:effectRef idx="1">
+              <a:schemeClr val="accent1"/>
+            </a:effectRef>
+            <a:fontRef idx="minor">
+              <a:schemeClr val="tx1"/>
+            </a:fontRef>
+          </p:style>
+        </p:cxnSp>
+        <p:grpSp>
+          <p:nvGrpSpPr>
+            <p:cNvPr id="30" name="Group 29">
+              <a:extLst>
+                <a:ext uri="{FF2B5EF4-FFF2-40B4-BE49-F238E27FC236}">
+                  <a16:creationId xmlns:a16="http://schemas.microsoft.com/office/drawing/2014/main" id="{234625C5-1757-6C42-A12E-F421533173FE}"/>
+                </a:ext>
+              </a:extLst>
+            </p:cNvPr>
+            <p:cNvGrpSpPr/>
+            <p:nvPr/>
+          </p:nvGrpSpPr>
+          <p:grpSpPr>
+            <a:xfrm>
+              <a:off x="3760812" y="2145463"/>
+              <a:ext cx="669871" cy="533400"/>
+              <a:chOff x="674832" y="3582004"/>
+              <a:chExt cx="669871" cy="533400"/>
+            </a:xfrm>
+          </p:grpSpPr>
+          <p:sp>
+            <p:nvSpPr>
+              <p:cNvPr id="53" name="Rectangle 52">
+                <a:extLst>
+                  <a:ext uri="{FF2B5EF4-FFF2-40B4-BE49-F238E27FC236}">
+                    <a16:creationId xmlns:a16="http://schemas.microsoft.com/office/drawing/2014/main" id="{4F986A31-0EC2-EA4B-A7D1-D18463E4E938}"/>
+                  </a:ext>
+                </a:extLst>
+              </p:cNvPr>
+              <p:cNvSpPr/>
+              <p:nvPr/>
+            </p:nvSpPr>
+            <p:spPr>
+              <a:xfrm>
+                <a:off x="674832" y="3582004"/>
+                <a:ext cx="669871" cy="533400"/>
+              </a:xfrm>
+              <a:prstGeom prst="rect">
+                <a:avLst/>
+              </a:prstGeom>
+              <a:noFill/>
+              <a:ln w="38100">
+                <a:solidFill>
+                  <a:schemeClr val="tx1"/>
+                </a:solidFill>
+              </a:ln>
+              <a:effectLst>
+                <a:outerShdw dist="23000" sx="1000" sy="1000" rotWithShape="0">
+                  <a:srgbClr val="000000"/>
+                </a:outerShdw>
+              </a:effectLst>
+            </p:spPr>
+            <p:style>
+              <a:lnRef idx="1">
+                <a:schemeClr val="accent1"/>
+              </a:lnRef>
+              <a:fillRef idx="3">
+                <a:schemeClr val="accent1"/>
+              </a:fillRef>
+              <a:effectRef idx="2">
+                <a:schemeClr val="accent1"/>
+              </a:effectRef>
+              <a:fontRef idx="minor">
+                <a:schemeClr val="lt1"/>
+              </a:fontRef>
+            </p:style>
+            <p:txBody>
+              <a:bodyPr rtlCol="0" anchor="ctr"/>
+              <a:lstStyle/>
+              <a:p>
+                <a:pPr algn="ctr"/>
+                <a:endParaRPr lang="en-US" sz="400"/>
+              </a:p>
+            </p:txBody>
+          </p:sp>
+          <p:sp>
+            <p:nvSpPr>
+              <p:cNvPr id="54" name="TextBox 53">
+                <a:extLst>
+                  <a:ext uri="{FF2B5EF4-FFF2-40B4-BE49-F238E27FC236}">
+                    <a16:creationId xmlns:a16="http://schemas.microsoft.com/office/drawing/2014/main" id="{677490B8-AB33-1949-971D-48590A4AF98D}"/>
+                  </a:ext>
+                </a:extLst>
+              </p:cNvPr>
+              <p:cNvSpPr txBox="1"/>
+              <p:nvPr/>
+            </p:nvSpPr>
+            <p:spPr>
+              <a:xfrm>
+                <a:off x="762120" y="3632576"/>
+                <a:ext cx="579448" cy="430888"/>
+              </a:xfrm>
+              <a:prstGeom prst="rect">
+                <a:avLst/>
+              </a:prstGeom>
+              <a:noFill/>
+            </p:spPr>
+            <p:txBody>
+              <a:bodyPr wrap="none" rtlCol="0">
+                <a:spAutoFit/>
+              </a:bodyPr>
+              <a:lstStyle/>
+              <a:p>
+                <a:r>
+                  <a:rPr lang="en-US" sz="800" dirty="0"/>
+                  <a:t>=</a:t>
+                </a:r>
+              </a:p>
+            </p:txBody>
+          </p:sp>
+        </p:grpSp>
+        <p:sp>
+          <p:nvSpPr>
+            <p:cNvPr id="31" name="TextBox 30">
+              <a:extLst>
+                <a:ext uri="{FF2B5EF4-FFF2-40B4-BE49-F238E27FC236}">
+                  <a16:creationId xmlns:a16="http://schemas.microsoft.com/office/drawing/2014/main" id="{D0721541-206E-9149-9592-7B83F68D366D}"/>
+                </a:ext>
+              </a:extLst>
+            </p:cNvPr>
+            <p:cNvSpPr txBox="1"/>
+            <p:nvPr/>
+          </p:nvSpPr>
+          <p:spPr>
+            <a:xfrm>
+              <a:off x="3392295" y="2959361"/>
+              <a:ext cx="956351" cy="400110"/>
+            </a:xfrm>
+            <a:prstGeom prst="rect">
+              <a:avLst/>
+            </a:prstGeom>
+            <a:noFill/>
+          </p:spPr>
+          <p:txBody>
+            <a:bodyPr wrap="none" rtlCol="0">
+              <a:spAutoFit/>
+            </a:bodyPr>
+            <a:lstStyle/>
+            <a:p>
+              <a:r>
+                <a:rPr lang="en-US" sz="700" dirty="0" err="1">
+                  <a:latin typeface="Courier New" panose="02070309020205020404" pitchFamily="49" charset="0"/>
+                  <a:cs typeface="Courier New" panose="02070309020205020404" pitchFamily="49" charset="0"/>
+                </a:rPr>
+                <a:t>P.in</a:t>
+              </a:r>
+              <a:endParaRPr lang="en-US" sz="700" dirty="0">
+                <a:latin typeface="Courier New" panose="02070309020205020404" pitchFamily="49" charset="0"/>
+                <a:cs typeface="Courier New" panose="02070309020205020404" pitchFamily="49" charset="0"/>
+              </a:endParaRPr>
+            </a:p>
+          </p:txBody>
+        </p:sp>
+        <p:cxnSp>
+          <p:nvCxnSpPr>
+            <p:cNvPr id="32" name="Elbow Connector 31">
+              <a:extLst>
+                <a:ext uri="{FF2B5EF4-FFF2-40B4-BE49-F238E27FC236}">
+                  <a16:creationId xmlns:a16="http://schemas.microsoft.com/office/drawing/2014/main" id="{3BE9D398-87AF-EF4A-826C-D22EC1544737}"/>
+                </a:ext>
+              </a:extLst>
+            </p:cNvPr>
+            <p:cNvCxnSpPr>
+              <a:cxnSpLocks/>
+              <a:stCxn id="28" idx="3"/>
+              <a:endCxn id="53" idx="1"/>
+            </p:cNvCxnSpPr>
+            <p:nvPr/>
+          </p:nvCxnSpPr>
+          <p:spPr>
+            <a:xfrm flipV="1">
+              <a:off x="3044037" y="2412163"/>
+              <a:ext cx="716775" cy="2817093"/>
+            </a:xfrm>
+            <a:prstGeom prst="bentConnector3">
+              <a:avLst>
+                <a:gd name="adj1" fmla="val 50000"/>
+              </a:avLst>
+            </a:prstGeom>
+            <a:ln>
+              <a:tailEnd type="triangle"/>
+            </a:ln>
+          </p:spPr>
+          <p:style>
+            <a:lnRef idx="2">
+              <a:schemeClr val="accent1"/>
+            </a:lnRef>
+            <a:fillRef idx="0">
+              <a:schemeClr val="accent1"/>
+            </a:fillRef>
+            <a:effectRef idx="1">
+              <a:schemeClr val="accent1"/>
+            </a:effectRef>
+            <a:fontRef idx="minor">
+              <a:schemeClr val="tx1"/>
+            </a:fontRef>
+          </p:style>
+        </p:cxnSp>
+        <p:cxnSp>
+          <p:nvCxnSpPr>
+            <p:cNvPr id="33" name="Elbow Connector 32">
+              <a:extLst>
+                <a:ext uri="{FF2B5EF4-FFF2-40B4-BE49-F238E27FC236}">
+                  <a16:creationId xmlns:a16="http://schemas.microsoft.com/office/drawing/2014/main" id="{D936B670-B21E-CA47-8E64-9CCAE3CEA624}"/>
+                </a:ext>
+              </a:extLst>
+            </p:cNvPr>
+            <p:cNvCxnSpPr>
+              <a:cxnSpLocks/>
+              <a:stCxn id="53" idx="2"/>
+              <a:endCxn id="31" idx="0"/>
+            </p:cNvCxnSpPr>
+            <p:nvPr/>
+          </p:nvCxnSpPr>
+          <p:spPr>
+            <a:xfrm rot="5400000">
+              <a:off x="3842862" y="2706472"/>
+              <a:ext cx="280498" cy="225278"/>
+            </a:xfrm>
+            <a:prstGeom prst="bentConnector3">
+              <a:avLst/>
+            </a:prstGeom>
+            <a:ln>
+              <a:headEnd type="none" w="med" len="med"/>
+              <a:tailEnd type="arrow" w="med" len="med"/>
+            </a:ln>
+          </p:spPr>
+          <p:style>
+            <a:lnRef idx="2">
+              <a:schemeClr val="accent1"/>
+            </a:lnRef>
+            <a:fillRef idx="0">
+              <a:schemeClr val="accent1"/>
+            </a:fillRef>
+            <a:effectRef idx="1">
+              <a:schemeClr val="accent1"/>
+            </a:effectRef>
+            <a:fontRef idx="minor">
+              <a:schemeClr val="tx1"/>
+            </a:fontRef>
+          </p:style>
+        </p:cxnSp>
+        <p:sp>
+          <p:nvSpPr>
+            <p:cNvPr id="34" name="Rectangle 33">
+              <a:extLst>
+                <a:ext uri="{FF2B5EF4-FFF2-40B4-BE49-F238E27FC236}">
+                  <a16:creationId xmlns:a16="http://schemas.microsoft.com/office/drawing/2014/main" id="{03F717CA-ABF5-BE42-BF01-138568622073}"/>
+                </a:ext>
+              </a:extLst>
+            </p:cNvPr>
+            <p:cNvSpPr/>
+            <p:nvPr/>
+          </p:nvSpPr>
+          <p:spPr>
+            <a:xfrm>
+              <a:off x="3858620" y="3582003"/>
+              <a:ext cx="669871" cy="533400"/>
+            </a:xfrm>
+            <a:prstGeom prst="rect">
+              <a:avLst/>
+            </a:prstGeom>
+            <a:solidFill>
+              <a:schemeClr val="tx1"/>
+            </a:solidFill>
+            <a:ln w="38100">
+              <a:noFill/>
+            </a:ln>
+            <a:effectLst>
+              <a:outerShdw dist="23000" sx="1000" sy="1000" rotWithShape="0">
+                <a:srgbClr val="000000"/>
+              </a:outerShdw>
+            </a:effectLst>
+          </p:spPr>
+          <p:style>
+            <a:lnRef idx="1">
+              <a:schemeClr val="accent1"/>
+            </a:lnRef>
+            <a:fillRef idx="3">
+              <a:schemeClr val="accent1"/>
+            </a:fillRef>
+            <a:effectRef idx="2">
+              <a:schemeClr val="accent1"/>
+            </a:effectRef>
+            <a:fontRef idx="minor">
+              <a:schemeClr val="lt1"/>
+            </a:fontRef>
+          </p:style>
+          <p:txBody>
+            <a:bodyPr rtlCol="0" anchor="ctr"/>
+            <a:lstStyle/>
+            <a:p>
+              <a:pPr algn="ctr"/>
+              <a:endParaRPr lang="en-US" sz="400"/>
+            </a:p>
+          </p:txBody>
+        </p:sp>
+        <p:sp>
+          <p:nvSpPr>
+            <p:cNvPr id="35" name="TextBox 34">
+              <a:extLst>
+                <a:ext uri="{FF2B5EF4-FFF2-40B4-BE49-F238E27FC236}">
+                  <a16:creationId xmlns:a16="http://schemas.microsoft.com/office/drawing/2014/main" id="{C94758A0-8A87-1A48-9DC4-CF8A953DBD22}"/>
+                </a:ext>
+              </a:extLst>
+            </p:cNvPr>
+            <p:cNvSpPr txBox="1"/>
+            <p:nvPr/>
+          </p:nvSpPr>
+          <p:spPr>
+            <a:xfrm>
+              <a:off x="4515649" y="2922745"/>
+              <a:ext cx="1603565" cy="400110"/>
+            </a:xfrm>
+            <a:prstGeom prst="rect">
+              <a:avLst/>
+            </a:prstGeom>
+            <a:noFill/>
+          </p:spPr>
+          <p:txBody>
+            <a:bodyPr wrap="none" rtlCol="0">
+              <a:spAutoFit/>
+            </a:bodyPr>
+            <a:lstStyle/>
+            <a:p>
+              <a:r>
+                <a:rPr lang="en-US" sz="700" dirty="0" err="1">
+                  <a:latin typeface="Courier New" panose="02070309020205020404" pitchFamily="49" charset="0"/>
+                  <a:cs typeface="Courier New" panose="02070309020205020404" pitchFamily="49" charset="0"/>
+                </a:rPr>
+                <a:t>P.setting</a:t>
+              </a:r>
+              <a:endParaRPr lang="en-US" sz="700" dirty="0">
+                <a:latin typeface="Courier New" panose="02070309020205020404" pitchFamily="49" charset="0"/>
+                <a:cs typeface="Courier New" panose="02070309020205020404" pitchFamily="49" charset="0"/>
+              </a:endParaRPr>
+            </a:p>
+          </p:txBody>
+        </p:sp>
+        <p:cxnSp>
+          <p:nvCxnSpPr>
+            <p:cNvPr id="36" name="Elbow Connector 35">
+              <a:extLst>
+                <a:ext uri="{FF2B5EF4-FFF2-40B4-BE49-F238E27FC236}">
+                  <a16:creationId xmlns:a16="http://schemas.microsoft.com/office/drawing/2014/main" id="{8F350839-114E-F948-A21D-9CB5427ECA87}"/>
+                </a:ext>
+              </a:extLst>
+            </p:cNvPr>
+            <p:cNvCxnSpPr>
+              <a:cxnSpLocks/>
+              <a:stCxn id="35" idx="2"/>
+              <a:endCxn id="34" idx="3"/>
+            </p:cNvCxnSpPr>
+            <p:nvPr/>
+          </p:nvCxnSpPr>
+          <p:spPr>
+            <a:xfrm rot="5400000">
+              <a:off x="4660038" y="3191308"/>
+              <a:ext cx="525848" cy="788942"/>
+            </a:xfrm>
+            <a:prstGeom prst="bentConnector2">
+              <a:avLst/>
+            </a:prstGeom>
+            <a:ln>
+              <a:headEnd type="none" w="med" len="med"/>
+              <a:tailEnd type="arrow" w="med" len="med"/>
+            </a:ln>
+          </p:spPr>
+          <p:style>
+            <a:lnRef idx="2">
+              <a:schemeClr val="accent1"/>
+            </a:lnRef>
+            <a:fillRef idx="0">
+              <a:schemeClr val="accent1"/>
+            </a:fillRef>
+            <a:effectRef idx="1">
+              <a:schemeClr val="accent1"/>
+            </a:effectRef>
+            <a:fontRef idx="minor">
+              <a:schemeClr val="tx1"/>
+            </a:fontRef>
+          </p:style>
+        </p:cxnSp>
+        <p:sp>
+          <p:nvSpPr>
+            <p:cNvPr id="37" name="TextBox 36">
+              <a:extLst>
+                <a:ext uri="{FF2B5EF4-FFF2-40B4-BE49-F238E27FC236}">
+                  <a16:creationId xmlns:a16="http://schemas.microsoft.com/office/drawing/2014/main" id="{9BC39582-D231-CE4F-BA78-FDB7194F22C2}"/>
+                </a:ext>
+              </a:extLst>
+            </p:cNvPr>
+            <p:cNvSpPr txBox="1"/>
+            <p:nvPr/>
+          </p:nvSpPr>
+          <p:spPr>
+            <a:xfrm>
+              <a:off x="3505201" y="4490806"/>
+              <a:ext cx="1085793" cy="400110"/>
+            </a:xfrm>
+            <a:prstGeom prst="rect">
+              <a:avLst/>
+            </a:prstGeom>
+            <a:noFill/>
+          </p:spPr>
+          <p:txBody>
+            <a:bodyPr wrap="none" rtlCol="0">
+              <a:spAutoFit/>
+            </a:bodyPr>
+            <a:lstStyle/>
+            <a:p>
+              <a:r>
+                <a:rPr lang="en-US" sz="700" dirty="0" err="1">
+                  <a:latin typeface="Courier New" panose="02070309020205020404" pitchFamily="49" charset="0"/>
+                  <a:cs typeface="Courier New" panose="02070309020205020404" pitchFamily="49" charset="0"/>
+                </a:rPr>
+                <a:t>P.out</a:t>
+              </a:r>
+              <a:endParaRPr lang="en-US" sz="700" dirty="0">
+                <a:latin typeface="Courier New" panose="02070309020205020404" pitchFamily="49" charset="0"/>
+                <a:cs typeface="Courier New" panose="02070309020205020404" pitchFamily="49" charset="0"/>
+              </a:endParaRPr>
+            </a:p>
+          </p:txBody>
+        </p:sp>
+        <p:cxnSp>
+          <p:nvCxnSpPr>
+            <p:cNvPr id="38" name="Elbow Connector 37">
+              <a:extLst>
+                <a:ext uri="{FF2B5EF4-FFF2-40B4-BE49-F238E27FC236}">
+                  <a16:creationId xmlns:a16="http://schemas.microsoft.com/office/drawing/2014/main" id="{9FA58342-7AEB-0F48-A54A-ACC33AB3FA83}"/>
+                </a:ext>
+              </a:extLst>
+            </p:cNvPr>
+            <p:cNvCxnSpPr>
+              <a:cxnSpLocks/>
+              <a:stCxn id="34" idx="2"/>
+              <a:endCxn id="37" idx="0"/>
+            </p:cNvCxnSpPr>
+            <p:nvPr/>
+          </p:nvCxnSpPr>
+          <p:spPr>
+            <a:xfrm rot="5400000">
+              <a:off x="3933125" y="4230375"/>
+              <a:ext cx="375404" cy="145459"/>
+            </a:xfrm>
+            <a:prstGeom prst="bentConnector3">
+              <a:avLst/>
+            </a:prstGeom>
+            <a:ln>
+              <a:headEnd type="none" w="med" len="med"/>
+              <a:tailEnd type="arrow" w="med" len="med"/>
+            </a:ln>
+          </p:spPr>
+          <p:style>
+            <a:lnRef idx="2">
+              <a:schemeClr val="accent1"/>
+            </a:lnRef>
+            <a:fillRef idx="0">
+              <a:schemeClr val="accent1"/>
+            </a:fillRef>
+            <a:effectRef idx="1">
+              <a:schemeClr val="accent1"/>
+            </a:effectRef>
+            <a:fontRef idx="minor">
+              <a:schemeClr val="tx1"/>
+            </a:fontRef>
+          </p:style>
+        </p:cxnSp>
+        <p:cxnSp>
+          <p:nvCxnSpPr>
+            <p:cNvPr id="39" name="Elbow Connector 38">
+              <a:extLst>
+                <a:ext uri="{FF2B5EF4-FFF2-40B4-BE49-F238E27FC236}">
+                  <a16:creationId xmlns:a16="http://schemas.microsoft.com/office/drawing/2014/main" id="{D66511AB-5BBF-F34B-836C-400A1F4013E3}"/>
+                </a:ext>
+              </a:extLst>
+            </p:cNvPr>
+            <p:cNvCxnSpPr>
+              <a:cxnSpLocks/>
+              <a:stCxn id="31" idx="2"/>
+              <a:endCxn id="34" idx="0"/>
+            </p:cNvCxnSpPr>
+            <p:nvPr/>
+          </p:nvCxnSpPr>
+          <p:spPr>
+            <a:xfrm rot="16200000" flipH="1">
+              <a:off x="3920748" y="3309194"/>
+              <a:ext cx="222532" cy="323086"/>
+            </a:xfrm>
+            <a:prstGeom prst="bentConnector3">
+              <a:avLst>
+                <a:gd name="adj1" fmla="val 50000"/>
+              </a:avLst>
+            </a:prstGeom>
+            <a:ln>
+              <a:headEnd type="none" w="med" len="med"/>
+              <a:tailEnd type="arrow" w="med" len="med"/>
+            </a:ln>
+          </p:spPr>
+          <p:style>
+            <a:lnRef idx="2">
+              <a:schemeClr val="accent1"/>
+            </a:lnRef>
+            <a:fillRef idx="0">
+              <a:schemeClr val="accent1"/>
+            </a:fillRef>
+            <a:effectRef idx="1">
+              <a:schemeClr val="accent1"/>
+            </a:effectRef>
+            <a:fontRef idx="minor">
+              <a:schemeClr val="tx1"/>
+            </a:fontRef>
+          </p:style>
+        </p:cxnSp>
+        <p:grpSp>
+          <p:nvGrpSpPr>
+            <p:cNvPr id="40" name="Group 39">
+              <a:extLst>
+                <a:ext uri="{FF2B5EF4-FFF2-40B4-BE49-F238E27FC236}">
+                  <a16:creationId xmlns:a16="http://schemas.microsoft.com/office/drawing/2014/main" id="{71A5308A-D7E7-C74D-9E88-CF6F9210EF80}"/>
+                </a:ext>
+              </a:extLst>
+            </p:cNvPr>
+            <p:cNvGrpSpPr/>
+            <p:nvPr/>
+          </p:nvGrpSpPr>
+          <p:grpSpPr>
+            <a:xfrm>
+              <a:off x="6562725" y="2145267"/>
+              <a:ext cx="676274" cy="533400"/>
+              <a:chOff x="668429" y="3582004"/>
+              <a:chExt cx="676274" cy="533400"/>
+            </a:xfrm>
+          </p:grpSpPr>
+          <p:sp>
+            <p:nvSpPr>
+              <p:cNvPr id="51" name="Rectangle 50">
+                <a:extLst>
+                  <a:ext uri="{FF2B5EF4-FFF2-40B4-BE49-F238E27FC236}">
+                    <a16:creationId xmlns:a16="http://schemas.microsoft.com/office/drawing/2014/main" id="{67775B25-E0D7-874C-89F7-4737197483FD}"/>
+                  </a:ext>
+                </a:extLst>
+              </p:cNvPr>
+              <p:cNvSpPr/>
+              <p:nvPr/>
+            </p:nvSpPr>
+            <p:spPr>
+              <a:xfrm>
+                <a:off x="674832" y="3582004"/>
+                <a:ext cx="669871" cy="533400"/>
+              </a:xfrm>
+              <a:prstGeom prst="rect">
+                <a:avLst/>
+              </a:prstGeom>
+              <a:noFill/>
+              <a:ln w="38100">
+                <a:solidFill>
+                  <a:schemeClr val="tx1"/>
+                </a:solidFill>
+              </a:ln>
+              <a:effectLst>
+                <a:outerShdw dist="23000" sx="1000" sy="1000" rotWithShape="0">
+                  <a:srgbClr val="000000"/>
+                </a:outerShdw>
+              </a:effectLst>
+            </p:spPr>
+            <p:style>
+              <a:lnRef idx="1">
+                <a:schemeClr val="accent1"/>
+              </a:lnRef>
+              <a:fillRef idx="3">
+                <a:schemeClr val="accent1"/>
+              </a:fillRef>
+              <a:effectRef idx="2">
+                <a:schemeClr val="accent1"/>
+              </a:effectRef>
+              <a:fontRef idx="minor">
+                <a:schemeClr val="lt1"/>
+              </a:fontRef>
+            </p:style>
+            <p:txBody>
+              <a:bodyPr rtlCol="0" anchor="ctr"/>
+              <a:lstStyle/>
+              <a:p>
+                <a:pPr algn="ctr"/>
+                <a:endParaRPr lang="en-US" sz="400"/>
+              </a:p>
+            </p:txBody>
+          </p:sp>
+          <p:sp>
+            <p:nvSpPr>
+              <p:cNvPr id="52" name="TextBox 51">
+                <a:extLst>
+                  <a:ext uri="{FF2B5EF4-FFF2-40B4-BE49-F238E27FC236}">
+                    <a16:creationId xmlns:a16="http://schemas.microsoft.com/office/drawing/2014/main" id="{A03898E7-71C7-584A-8884-83343322CBDE}"/>
+                  </a:ext>
+                </a:extLst>
+              </p:cNvPr>
+              <p:cNvSpPr txBox="1"/>
+              <p:nvPr/>
+            </p:nvSpPr>
+            <p:spPr>
+              <a:xfrm>
+                <a:off x="668429" y="3632576"/>
+                <a:ext cx="579448" cy="430888"/>
+              </a:xfrm>
+              <a:prstGeom prst="rect">
+                <a:avLst/>
+              </a:prstGeom>
+              <a:noFill/>
+            </p:spPr>
+            <p:txBody>
+              <a:bodyPr wrap="none" rtlCol="0">
+                <a:spAutoFit/>
+              </a:bodyPr>
+              <a:lstStyle/>
+              <a:p>
+                <a:r>
+                  <a:rPr lang="en-US" sz="800" dirty="0"/>
+                  <a:t>+</a:t>
+                </a:r>
+              </a:p>
+            </p:txBody>
+          </p:sp>
+        </p:grpSp>
+        <p:sp>
+          <p:nvSpPr>
+            <p:cNvPr id="41" name="TextBox 40">
+              <a:extLst>
+                <a:ext uri="{FF2B5EF4-FFF2-40B4-BE49-F238E27FC236}">
+                  <a16:creationId xmlns:a16="http://schemas.microsoft.com/office/drawing/2014/main" id="{25E1F66B-E582-C148-B9EA-097999DA4619}"/>
+                </a:ext>
+              </a:extLst>
+            </p:cNvPr>
+            <p:cNvSpPr txBox="1"/>
+            <p:nvPr/>
+          </p:nvSpPr>
+          <p:spPr>
+            <a:xfrm>
+              <a:off x="7686289" y="2151341"/>
+              <a:ext cx="1215238" cy="400110"/>
+            </a:xfrm>
+            <a:prstGeom prst="rect">
+              <a:avLst/>
+            </a:prstGeom>
+            <a:noFill/>
+          </p:spPr>
+          <p:txBody>
+            <a:bodyPr wrap="none" rtlCol="0">
+              <a:spAutoFit/>
+            </a:bodyPr>
+            <a:lstStyle/>
+            <a:p>
+              <a:r>
+                <a:rPr lang="en-US" sz="700" dirty="0">
+                  <a:latin typeface="Courier New" panose="02070309020205020404" pitchFamily="49" charset="0"/>
+                  <a:cs typeface="Courier New" panose="02070309020205020404" pitchFamily="49" charset="0"/>
+                </a:rPr>
+                <a:t>F2.out</a:t>
+              </a:r>
+            </a:p>
+          </p:txBody>
+        </p:sp>
+        <p:cxnSp>
+          <p:nvCxnSpPr>
+            <p:cNvPr id="42" name="Elbow Connector 41">
+              <a:extLst>
+                <a:ext uri="{FF2B5EF4-FFF2-40B4-BE49-F238E27FC236}">
+                  <a16:creationId xmlns:a16="http://schemas.microsoft.com/office/drawing/2014/main" id="{437B0147-ED7E-1446-9E5B-0BD0D97485DC}"/>
+                </a:ext>
+              </a:extLst>
+            </p:cNvPr>
+            <p:cNvCxnSpPr>
+              <a:cxnSpLocks/>
+              <a:stCxn id="41" idx="1"/>
+              <a:endCxn id="51" idx="3"/>
+            </p:cNvCxnSpPr>
+            <p:nvPr/>
+          </p:nvCxnSpPr>
+          <p:spPr>
+            <a:xfrm rot="10800000" flipV="1">
+              <a:off x="7239001" y="2351395"/>
+              <a:ext cx="447291" cy="60570"/>
+            </a:xfrm>
+            <a:prstGeom prst="bentConnector3">
+              <a:avLst>
+                <a:gd name="adj1" fmla="val 50000"/>
+              </a:avLst>
+            </a:prstGeom>
+            <a:ln>
+              <a:headEnd type="none" w="med" len="med"/>
+              <a:tailEnd type="arrow" w="med" len="med"/>
+            </a:ln>
+          </p:spPr>
+          <p:style>
+            <a:lnRef idx="2">
+              <a:schemeClr val="accent1"/>
+            </a:lnRef>
+            <a:fillRef idx="0">
+              <a:schemeClr val="accent1"/>
+            </a:fillRef>
+            <a:effectRef idx="1">
+              <a:schemeClr val="accent1"/>
+            </a:effectRef>
+            <a:fontRef idx="minor">
+              <a:schemeClr val="tx1"/>
+            </a:fontRef>
+          </p:style>
+        </p:cxnSp>
+        <p:cxnSp>
+          <p:nvCxnSpPr>
+            <p:cNvPr id="43" name="Elbow Connector 42">
+              <a:extLst>
+                <a:ext uri="{FF2B5EF4-FFF2-40B4-BE49-F238E27FC236}">
+                  <a16:creationId xmlns:a16="http://schemas.microsoft.com/office/drawing/2014/main" id="{106C6077-C438-C74D-9A4F-90205F07366C}"/>
+                </a:ext>
+              </a:extLst>
+            </p:cNvPr>
+            <p:cNvCxnSpPr>
+              <a:cxnSpLocks/>
+              <a:stCxn id="37" idx="3"/>
+              <a:endCxn id="51" idx="1"/>
+            </p:cNvCxnSpPr>
+            <p:nvPr/>
+          </p:nvCxnSpPr>
+          <p:spPr>
+            <a:xfrm flipV="1">
+              <a:off x="4590994" y="2411967"/>
+              <a:ext cx="1978133" cy="2278895"/>
+            </a:xfrm>
+            <a:prstGeom prst="bentConnector3">
+              <a:avLst>
+                <a:gd name="adj1" fmla="val 50000"/>
+              </a:avLst>
+            </a:prstGeom>
+            <a:ln>
+              <a:headEnd type="none" w="med" len="med"/>
+              <a:tailEnd type="arrow" w="med" len="med"/>
+            </a:ln>
+          </p:spPr>
+          <p:style>
+            <a:lnRef idx="2">
+              <a:schemeClr val="accent1"/>
+            </a:lnRef>
+            <a:fillRef idx="0">
+              <a:schemeClr val="accent1"/>
+            </a:fillRef>
+            <a:effectRef idx="1">
+              <a:schemeClr val="accent1"/>
+            </a:effectRef>
+            <a:fontRef idx="minor">
+              <a:schemeClr val="tx1"/>
+            </a:fontRef>
+          </p:style>
+        </p:cxnSp>
+        <p:sp>
+          <p:nvSpPr>
+            <p:cNvPr id="44" name="Rectangle 43">
+              <a:extLst>
+                <a:ext uri="{FF2B5EF4-FFF2-40B4-BE49-F238E27FC236}">
+                  <a16:creationId xmlns:a16="http://schemas.microsoft.com/office/drawing/2014/main" id="{EE79157C-5AD1-EF4F-B06C-887A23680C94}"/>
+                </a:ext>
+              </a:extLst>
+            </p:cNvPr>
+            <p:cNvSpPr/>
+            <p:nvPr/>
+          </p:nvSpPr>
+          <p:spPr>
+            <a:xfrm>
+              <a:off x="6605530" y="3669267"/>
+              <a:ext cx="669871" cy="533400"/>
+            </a:xfrm>
+            <a:prstGeom prst="rect">
+              <a:avLst/>
+            </a:prstGeom>
+            <a:solidFill>
+              <a:schemeClr val="tx1"/>
+            </a:solidFill>
+            <a:ln w="38100">
+              <a:noFill/>
+            </a:ln>
+            <a:effectLst>
+              <a:outerShdw dist="23000" sx="1000" sy="1000" rotWithShape="0">
+                <a:srgbClr val="000000"/>
+              </a:outerShdw>
+            </a:effectLst>
+          </p:spPr>
+          <p:style>
+            <a:lnRef idx="1">
+              <a:schemeClr val="accent1"/>
+            </a:lnRef>
+            <a:fillRef idx="3">
+              <a:schemeClr val="accent1"/>
+            </a:fillRef>
+            <a:effectRef idx="2">
+              <a:schemeClr val="accent1"/>
+            </a:effectRef>
+            <a:fontRef idx="minor">
+              <a:schemeClr val="lt1"/>
+            </a:fontRef>
+          </p:style>
+          <p:txBody>
+            <a:bodyPr rtlCol="0" anchor="ctr"/>
+            <a:lstStyle/>
+            <a:p>
+              <a:pPr algn="ctr"/>
+              <a:endParaRPr lang="en-US" sz="400"/>
+            </a:p>
+          </p:txBody>
+        </p:sp>
+        <p:sp>
+          <p:nvSpPr>
+            <p:cNvPr id="45" name="TextBox 44">
+              <a:extLst>
+                <a:ext uri="{FF2B5EF4-FFF2-40B4-BE49-F238E27FC236}">
+                  <a16:creationId xmlns:a16="http://schemas.microsoft.com/office/drawing/2014/main" id="{2C91FF2E-E1DC-3C4D-BC94-B07517761901}"/>
+                </a:ext>
+              </a:extLst>
+            </p:cNvPr>
+            <p:cNvSpPr txBox="1"/>
+            <p:nvPr/>
+          </p:nvSpPr>
+          <p:spPr>
+            <a:xfrm>
+              <a:off x="6517442" y="2977159"/>
+              <a:ext cx="1085793" cy="400110"/>
+            </a:xfrm>
+            <a:prstGeom prst="rect">
+              <a:avLst/>
+            </a:prstGeom>
+            <a:noFill/>
+          </p:spPr>
+          <p:txBody>
+            <a:bodyPr wrap="none" rtlCol="0">
+              <a:spAutoFit/>
+            </a:bodyPr>
+            <a:lstStyle/>
+            <a:p>
+              <a:r>
+                <a:rPr lang="en-US" sz="700" dirty="0">
+                  <a:latin typeface="Courier New" panose="02070309020205020404" pitchFamily="49" charset="0"/>
+                  <a:cs typeface="Courier New" panose="02070309020205020404" pitchFamily="49" charset="0"/>
+                </a:rPr>
+                <a:t>V2.in</a:t>
+              </a:r>
+            </a:p>
+          </p:txBody>
+        </p:sp>
+        <p:cxnSp>
+          <p:nvCxnSpPr>
+            <p:cNvPr id="46" name="Elbow Connector 45">
+              <a:extLst>
+                <a:ext uri="{FF2B5EF4-FFF2-40B4-BE49-F238E27FC236}">
+                  <a16:creationId xmlns:a16="http://schemas.microsoft.com/office/drawing/2014/main" id="{8D5F229E-C9C3-C34A-9441-63B846FB7C6D}"/>
+                </a:ext>
+              </a:extLst>
+            </p:cNvPr>
+            <p:cNvCxnSpPr>
+              <a:stCxn id="51" idx="2"/>
+              <a:endCxn id="45" idx="0"/>
+            </p:cNvCxnSpPr>
+            <p:nvPr/>
+          </p:nvCxnSpPr>
+          <p:spPr>
+            <a:xfrm rot="16200000" flipH="1">
+              <a:off x="6832955" y="2749775"/>
+              <a:ext cx="298492" cy="156275"/>
+            </a:xfrm>
+            <a:prstGeom prst="bentConnector3">
+              <a:avLst/>
+            </a:prstGeom>
+            <a:ln>
+              <a:headEnd type="none" w="med" len="med"/>
+              <a:tailEnd type="arrow" w="med" len="med"/>
+            </a:ln>
+          </p:spPr>
+          <p:style>
+            <a:lnRef idx="2">
+              <a:schemeClr val="accent1"/>
+            </a:lnRef>
+            <a:fillRef idx="0">
+              <a:schemeClr val="accent1"/>
+            </a:fillRef>
+            <a:effectRef idx="1">
+              <a:schemeClr val="accent1"/>
+            </a:effectRef>
+            <a:fontRef idx="minor">
+              <a:schemeClr val="tx1"/>
+            </a:fontRef>
+          </p:style>
+        </p:cxnSp>
+        <p:cxnSp>
+          <p:nvCxnSpPr>
+            <p:cNvPr id="47" name="Elbow Connector 46">
+              <a:extLst>
+                <a:ext uri="{FF2B5EF4-FFF2-40B4-BE49-F238E27FC236}">
+                  <a16:creationId xmlns:a16="http://schemas.microsoft.com/office/drawing/2014/main" id="{34D35A74-6445-E241-8533-9D3166338D40}"/>
+                </a:ext>
+              </a:extLst>
+            </p:cNvPr>
+            <p:cNvCxnSpPr>
+              <a:cxnSpLocks/>
+              <a:stCxn id="45" idx="2"/>
+              <a:endCxn id="44" idx="0"/>
+            </p:cNvCxnSpPr>
+            <p:nvPr/>
+          </p:nvCxnSpPr>
+          <p:spPr>
+            <a:xfrm rot="5400000">
+              <a:off x="6854405" y="3463331"/>
+              <a:ext cx="291998" cy="119871"/>
+            </a:xfrm>
+            <a:prstGeom prst="bentConnector3">
+              <a:avLst/>
+            </a:prstGeom>
+            <a:ln>
+              <a:headEnd type="none" w="med" len="med"/>
+              <a:tailEnd type="arrow" w="med" len="med"/>
+            </a:ln>
+          </p:spPr>
+          <p:style>
+            <a:lnRef idx="2">
+              <a:schemeClr val="accent1"/>
+            </a:lnRef>
+            <a:fillRef idx="0">
+              <a:schemeClr val="accent1"/>
+            </a:fillRef>
+            <a:effectRef idx="1">
+              <a:schemeClr val="accent1"/>
+            </a:effectRef>
+            <a:fontRef idx="minor">
+              <a:schemeClr val="tx1"/>
+            </a:fontRef>
+          </p:style>
+        </p:cxnSp>
+        <p:sp>
+          <p:nvSpPr>
+            <p:cNvPr id="48" name="TextBox 47">
+              <a:extLst>
+                <a:ext uri="{FF2B5EF4-FFF2-40B4-BE49-F238E27FC236}">
+                  <a16:creationId xmlns:a16="http://schemas.microsoft.com/office/drawing/2014/main" id="{7C583245-4E68-DD42-A66A-A9256BB41D44}"/>
+                </a:ext>
+              </a:extLst>
+            </p:cNvPr>
+            <p:cNvSpPr txBox="1"/>
+            <p:nvPr/>
+          </p:nvSpPr>
+          <p:spPr>
+            <a:xfrm>
+              <a:off x="7490012" y="3413995"/>
+              <a:ext cx="1603565" cy="400110"/>
+            </a:xfrm>
+            <a:prstGeom prst="rect">
+              <a:avLst/>
+            </a:prstGeom>
+            <a:noFill/>
+          </p:spPr>
+          <p:txBody>
+            <a:bodyPr wrap="none" rtlCol="0">
+              <a:spAutoFit/>
+            </a:bodyPr>
+            <a:lstStyle/>
+            <a:p>
+              <a:r>
+                <a:rPr lang="en-US" sz="700" dirty="0">
+                  <a:latin typeface="Courier New" panose="02070309020205020404" pitchFamily="49" charset="0"/>
+                  <a:cs typeface="Courier New" panose="02070309020205020404" pitchFamily="49" charset="0"/>
+                </a:rPr>
+                <a:t>V2.height</a:t>
+              </a:r>
+            </a:p>
+          </p:txBody>
+        </p:sp>
+        <p:cxnSp>
+          <p:nvCxnSpPr>
+            <p:cNvPr id="49" name="Elbow Connector 48">
+              <a:extLst>
+                <a:ext uri="{FF2B5EF4-FFF2-40B4-BE49-F238E27FC236}">
+                  <a16:creationId xmlns:a16="http://schemas.microsoft.com/office/drawing/2014/main" id="{961D81EC-6B14-0B41-A847-A1E97F108BB3}"/>
+                </a:ext>
+              </a:extLst>
+            </p:cNvPr>
+            <p:cNvCxnSpPr>
+              <a:cxnSpLocks/>
+              <a:stCxn id="48" idx="1"/>
+              <a:endCxn id="44" idx="3"/>
+            </p:cNvCxnSpPr>
+            <p:nvPr/>
+          </p:nvCxnSpPr>
+          <p:spPr>
+            <a:xfrm rot="10800000" flipV="1">
+              <a:off x="7275402" y="3614051"/>
+              <a:ext cx="214610" cy="321916"/>
+            </a:xfrm>
+            <a:prstGeom prst="bentConnector3">
+              <a:avLst>
+                <a:gd name="adj1" fmla="val 50000"/>
+              </a:avLst>
+            </a:prstGeom>
+            <a:ln>
+              <a:headEnd type="arrow" w="med" len="med"/>
+              <a:tailEnd type="none" w="med" len="med"/>
+            </a:ln>
+          </p:spPr>
+          <p:style>
+            <a:lnRef idx="2">
+              <a:schemeClr val="accent1"/>
+            </a:lnRef>
+            <a:fillRef idx="0">
+              <a:schemeClr val="accent1"/>
+            </a:fillRef>
+            <a:effectRef idx="1">
+              <a:schemeClr val="accent1"/>
+            </a:effectRef>
+            <a:fontRef idx="minor">
+              <a:schemeClr val="tx1"/>
+            </a:fontRef>
+          </p:style>
+        </p:cxnSp>
+        <p:cxnSp>
+          <p:nvCxnSpPr>
+            <p:cNvPr id="50" name="Elbow Connector 49">
+              <a:extLst>
+                <a:ext uri="{FF2B5EF4-FFF2-40B4-BE49-F238E27FC236}">
+                  <a16:creationId xmlns:a16="http://schemas.microsoft.com/office/drawing/2014/main" id="{50D8F30E-C403-D749-A9ED-DA22E9F3EFAB}"/>
+                </a:ext>
+              </a:extLst>
+            </p:cNvPr>
+            <p:cNvCxnSpPr>
+              <a:cxnSpLocks/>
+              <a:stCxn id="44" idx="2"/>
+              <a:endCxn id="65" idx="0"/>
+            </p:cNvCxnSpPr>
+            <p:nvPr/>
+          </p:nvCxnSpPr>
+          <p:spPr>
+            <a:xfrm rot="5400000">
+              <a:off x="6617290" y="4393776"/>
+              <a:ext cx="514290" cy="132071"/>
+            </a:xfrm>
+            <a:prstGeom prst="bentConnector3">
+              <a:avLst/>
+            </a:prstGeom>
+            <a:ln>
+              <a:headEnd type="arrow" w="med" len="med"/>
+              <a:tailEnd type="none" w="med" len="med"/>
+            </a:ln>
+          </p:spPr>
+          <p:style>
+            <a:lnRef idx="2">
+              <a:schemeClr val="accent1"/>
+            </a:lnRef>
+            <a:fillRef idx="0">
+              <a:schemeClr val="accent1"/>
+            </a:fillRef>
+            <a:effectRef idx="1">
+              <a:schemeClr val="accent1"/>
+            </a:effectRef>
+            <a:fontRef idx="minor">
+              <a:schemeClr val="tx1"/>
+            </a:fontRef>
+          </p:style>
+        </p:cxnSp>
+      </p:grpSp>
+      <p:sp>
+        <p:nvSpPr>
+          <p:cNvPr id="57" name="Rectangle 56">
+            <a:extLst>
+              <a:ext uri="{FF2B5EF4-FFF2-40B4-BE49-F238E27FC236}">
+                <a16:creationId xmlns:a16="http://schemas.microsoft.com/office/drawing/2014/main" id="{3993B7A6-ED35-F547-B0E6-F6C3E0775824}"/>
+              </a:ext>
+            </a:extLst>
+          </p:cNvPr>
+          <p:cNvSpPr/>
+          <p:nvPr/>
+        </p:nvSpPr>
+        <p:spPr>
+          <a:xfrm>
+            <a:off x="2286000" y="5133201"/>
+            <a:ext cx="6781800" cy="307777"/>
+          </a:xfrm>
+          <a:prstGeom prst="rect">
+            <a:avLst/>
+          </a:prstGeom>
+        </p:spPr>
+        <p:txBody>
+          <a:bodyPr wrap="square">
+            <a:spAutoFit/>
+          </a:bodyPr>
+          <a:lstStyle/>
+          <a:p>
+            <a:r>
+              <a:rPr lang="en-US" sz="1400" dirty="0" err="1">
+                <a:latin typeface="Courier New" panose="02070309020205020404" pitchFamily="49" charset="0"/>
+                <a:cs typeface="Courier New" panose="02070309020205020404" pitchFamily="49" charset="0"/>
+              </a:rPr>
+              <a:t>dVessel.height</a:t>
+            </a:r>
+            <a:r>
+              <a:rPr lang="en-US" sz="1400" dirty="0">
+                <a:latin typeface="Courier New" panose="02070309020205020404" pitchFamily="49" charset="0"/>
+                <a:cs typeface="Courier New" panose="02070309020205020404" pitchFamily="49" charset="0"/>
+              </a:rPr>
+              <a:t> = (</a:t>
+            </a:r>
+            <a:r>
+              <a:rPr lang="en-US" sz="1400" dirty="0" err="1">
+                <a:latin typeface="Courier New" panose="02070309020205020404" pitchFamily="49" charset="0"/>
+                <a:cs typeface="Courier New" panose="02070309020205020404" pitchFamily="49" charset="0"/>
+              </a:rPr>
+              <a:t>Vessel.out</a:t>
+            </a:r>
+            <a:r>
+              <a:rPr lang="en-US" sz="1400" dirty="0">
+                <a:latin typeface="Courier New" panose="02070309020205020404" pitchFamily="49" charset="0"/>
+                <a:cs typeface="Courier New" panose="02070309020205020404" pitchFamily="49" charset="0"/>
+              </a:rPr>
+              <a:t> – </a:t>
+            </a:r>
+            <a:r>
+              <a:rPr lang="en-US" sz="1400" dirty="0" err="1">
+                <a:latin typeface="Courier New" panose="02070309020205020404" pitchFamily="49" charset="0"/>
+                <a:cs typeface="Courier New" panose="02070309020205020404" pitchFamily="49" charset="0"/>
+              </a:rPr>
+              <a:t>Vessel.in</a:t>
+            </a:r>
+            <a:r>
+              <a:rPr lang="en-US" sz="1400" dirty="0">
+                <a:latin typeface="Courier New" panose="02070309020205020404" pitchFamily="49" charset="0"/>
+                <a:cs typeface="Courier New" panose="02070309020205020404" pitchFamily="49" charset="0"/>
+              </a:rPr>
+              <a:t>)/(Pi*Vessel.radius</a:t>
+            </a:r>
+            <a:r>
+              <a:rPr lang="en-US" sz="1400" baseline="30000" dirty="0">
+                <a:latin typeface="Courier New" panose="02070309020205020404" pitchFamily="49" charset="0"/>
+                <a:cs typeface="Courier New" panose="02070309020205020404" pitchFamily="49" charset="0"/>
+              </a:rPr>
+              <a:t>2</a:t>
+            </a:r>
+            <a:r>
+              <a:rPr lang="en-US" sz="1400" dirty="0">
+                <a:latin typeface="Courier New" panose="02070309020205020404" pitchFamily="49" charset="0"/>
+                <a:cs typeface="Courier New" panose="02070309020205020404" pitchFamily="49" charset="0"/>
+              </a:rPr>
+              <a:t>)</a:t>
+            </a:r>
+          </a:p>
+        </p:txBody>
+      </p:sp>
+      <p:cxnSp>
+        <p:nvCxnSpPr>
+          <p:cNvPr id="59" name="Straight Arrow Connector 58">
+            <a:extLst>
+              <a:ext uri="{FF2B5EF4-FFF2-40B4-BE49-F238E27FC236}">
+                <a16:creationId xmlns:a16="http://schemas.microsoft.com/office/drawing/2014/main" id="{D1E24183-A6BA-3B41-8F69-2721C4026E98}"/>
+              </a:ext>
+            </a:extLst>
+          </p:cNvPr>
+          <p:cNvCxnSpPr>
+            <a:cxnSpLocks/>
+            <a:endCxn id="6" idx="0"/>
+          </p:cNvCxnSpPr>
+          <p:nvPr/>
+        </p:nvCxnSpPr>
+        <p:spPr>
+          <a:xfrm>
+            <a:off x="1333500" y="2209800"/>
+            <a:ext cx="0" cy="719555"/>
+          </a:xfrm>
+          <a:prstGeom prst="straightConnector1">
+            <a:avLst/>
+          </a:prstGeom>
+          <a:ln>
+            <a:tailEnd type="triangle"/>
+          </a:ln>
+        </p:spPr>
+        <p:style>
+          <a:lnRef idx="2">
+            <a:schemeClr val="accent1"/>
+          </a:lnRef>
+          <a:fillRef idx="0">
+            <a:schemeClr val="accent1"/>
+          </a:fillRef>
+          <a:effectRef idx="1">
+            <a:schemeClr val="accent1"/>
+          </a:effectRef>
+          <a:fontRef idx="minor">
+            <a:schemeClr val="tx1"/>
+          </a:fontRef>
+        </p:style>
+      </p:cxnSp>
+      <p:cxnSp>
+        <p:nvCxnSpPr>
+          <p:cNvPr id="61" name="Straight Arrow Connector 60">
+            <a:extLst>
+              <a:ext uri="{FF2B5EF4-FFF2-40B4-BE49-F238E27FC236}">
+                <a16:creationId xmlns:a16="http://schemas.microsoft.com/office/drawing/2014/main" id="{44845DEC-16CE-454B-88BB-C326C371D766}"/>
+              </a:ext>
+            </a:extLst>
+          </p:cNvPr>
+          <p:cNvCxnSpPr/>
+          <p:nvPr/>
+        </p:nvCxnSpPr>
+        <p:spPr>
+          <a:xfrm>
+            <a:off x="1333500" y="3996155"/>
+            <a:ext cx="0" cy="728245"/>
+          </a:xfrm>
+          <a:prstGeom prst="straightConnector1">
+            <a:avLst/>
+          </a:prstGeom>
+          <a:ln>
+            <a:tailEnd type="triangle"/>
+          </a:ln>
+        </p:spPr>
+        <p:style>
+          <a:lnRef idx="2">
+            <a:schemeClr val="accent1"/>
+          </a:lnRef>
+          <a:fillRef idx="0">
+            <a:schemeClr val="accent1"/>
+          </a:fillRef>
+          <a:effectRef idx="1">
+            <a:schemeClr val="accent1"/>
+          </a:effectRef>
+          <a:fontRef idx="minor">
+            <a:schemeClr val="tx1"/>
+          </a:fontRef>
+        </p:style>
+      </p:cxnSp>
+      <p:sp>
+        <p:nvSpPr>
+          <p:cNvPr id="65" name="TextBox 64">
+            <a:extLst>
+              <a:ext uri="{FF2B5EF4-FFF2-40B4-BE49-F238E27FC236}">
+                <a16:creationId xmlns:a16="http://schemas.microsoft.com/office/drawing/2014/main" id="{F33CA4C8-42F2-8841-9D7E-34282BE393D7}"/>
+              </a:ext>
+            </a:extLst>
+          </p:cNvPr>
+          <p:cNvSpPr txBox="1"/>
+          <p:nvPr/>
+        </p:nvSpPr>
+        <p:spPr>
+          <a:xfrm>
+            <a:off x="5105400" y="4143345"/>
+            <a:ext cx="511679" cy="200055"/>
+          </a:xfrm>
+          <a:prstGeom prst="rect">
+            <a:avLst/>
+          </a:prstGeom>
+          <a:noFill/>
+        </p:spPr>
+        <p:txBody>
+          <a:bodyPr wrap="none" rtlCol="0">
+            <a:spAutoFit/>
+          </a:bodyPr>
+          <a:lstStyle/>
+          <a:p>
+            <a:r>
+              <a:rPr lang="en-US" sz="700" dirty="0">
+                <a:latin typeface="Courier New" panose="02070309020205020404" pitchFamily="49" charset="0"/>
+                <a:cs typeface="Courier New" panose="02070309020205020404" pitchFamily="49" charset="0"/>
+              </a:rPr>
+              <a:t>V2.out</a:t>
+            </a:r>
+          </a:p>
+        </p:txBody>
+      </p:sp>
+    </p:spTree>
+    <p:extLst>
+      <p:ext uri="{BB962C8B-B14F-4D97-AF65-F5344CB8AC3E}">
+        <p14:creationId xmlns:p14="http://schemas.microsoft.com/office/powerpoint/2010/main" val="2515599621"/>
+      </p:ext>
+    </p:extLst>
+  </p:cSld>
+  <p:clrMapOvr>
+    <a:masterClrMapping/>
+  </p:clrMapOvr>
+  <p:timing>
+    <p:tnLst>
+      <p:par>
+        <p:cTn id="1" dur="indefinite" restart="never" nodeType="tmRoot">
+          <p:childTnLst>
+            <p:seq concurrent="1" nextAc="seek">
+              <p:cTn id="2" dur="indefinite" nodeType="mainSeq">
+                <p:childTnLst>
+                  <p:par>
+                    <p:cTn id="3" fill="hold">
+                      <p:stCondLst>
+                        <p:cond delay="indefinite"/>
+                      </p:stCondLst>
+                      <p:childTnLst>
+                        <p:par>
+                          <p:cTn id="4" fill="hold">
+                            <p:stCondLst>
+                              <p:cond delay="0"/>
+                            </p:stCondLst>
+                            <p:childTnLst>
+                              <p:par>
+                                <p:cTn id="5" presetID="1" presetClass="entr" presetSubtype="0" fill="hold" nodeType="clickEffect">
+                                  <p:stCondLst>
+                                    <p:cond delay="0"/>
+                                  </p:stCondLst>
+                                  <p:childTnLst>
+                                    <p:set>
+                                      <p:cBhvr>
+                                        <p:cTn id="6" dur="1" fill="hold">
+                                          <p:stCondLst>
+                                            <p:cond delay="0"/>
+                                          </p:stCondLst>
+                                        </p:cTn>
+                                        <p:tgtEl>
+                                          <p:spTgt spid="59"/>
+                                        </p:tgtEl>
+                                        <p:attrNameLst>
+                                          <p:attrName>style.visibility</p:attrName>
+                                        </p:attrNameLst>
+                                      </p:cBhvr>
+                                      <p:to>
+                                        <p:strVal val="visible"/>
+                                      </p:to>
+                                    </p:set>
+                                  </p:childTnLst>
+                                </p:cTn>
+                              </p:par>
+                              <p:par>
+                                <p:cTn id="7" presetID="1" presetClass="entr" presetSubtype="0" fill="hold" grpId="0" nodeType="withEffect">
+                                  <p:stCondLst>
+                                    <p:cond delay="0"/>
+                                  </p:stCondLst>
+                                  <p:childTnLst>
+                                    <p:set>
+                                      <p:cBhvr>
+                                        <p:cTn id="8" dur="1" fill="hold">
+                                          <p:stCondLst>
+                                            <p:cond delay="0"/>
+                                          </p:stCondLst>
+                                        </p:cTn>
+                                        <p:tgtEl>
+                                          <p:spTgt spid="6"/>
+                                        </p:tgtEl>
+                                        <p:attrNameLst>
+                                          <p:attrName>style.visibility</p:attrName>
+                                        </p:attrNameLst>
+                                      </p:cBhvr>
+                                      <p:to>
+                                        <p:strVal val="visible"/>
+                                      </p:to>
+                                    </p:set>
+                                  </p:childTnLst>
+                                </p:cTn>
+                              </p:par>
+                              <p:par>
+                                <p:cTn id="9" presetID="1" presetClass="entr" presetSubtype="0" fill="hold" nodeType="withEffect">
+                                  <p:stCondLst>
+                                    <p:cond delay="0"/>
+                                  </p:stCondLst>
+                                  <p:childTnLst>
+                                    <p:set>
+                                      <p:cBhvr>
+                                        <p:cTn id="10" dur="1" fill="hold">
+                                          <p:stCondLst>
+                                            <p:cond delay="0"/>
+                                          </p:stCondLst>
+                                        </p:cTn>
+                                        <p:tgtEl>
+                                          <p:spTgt spid="18"/>
+                                        </p:tgtEl>
+                                        <p:attrNameLst>
+                                          <p:attrName>style.visibility</p:attrName>
+                                        </p:attrNameLst>
+                                      </p:cBhvr>
+                                      <p:to>
+                                        <p:strVal val="visible"/>
+                                      </p:to>
+                                    </p:set>
+                                  </p:childTnLst>
+                                </p:cTn>
+                              </p:par>
+                            </p:childTnLst>
+                          </p:cTn>
+                        </p:par>
+                      </p:childTnLst>
+                    </p:cTn>
+                  </p:par>
+                  <p:par>
+                    <p:cTn id="11" fill="hold">
+                      <p:stCondLst>
+                        <p:cond delay="indefinite"/>
+                      </p:stCondLst>
+                      <p:childTnLst>
+                        <p:par>
+                          <p:cTn id="12" fill="hold">
+                            <p:stCondLst>
+                              <p:cond delay="0"/>
+                            </p:stCondLst>
+                            <p:childTnLst>
+                              <p:par>
+                                <p:cTn id="13" presetID="1" presetClass="entr" presetSubtype="0" fill="hold" nodeType="clickEffect">
+                                  <p:stCondLst>
+                                    <p:cond delay="0"/>
+                                  </p:stCondLst>
+                                  <p:childTnLst>
+                                    <p:set>
+                                      <p:cBhvr>
+                                        <p:cTn id="14" dur="1" fill="hold">
+                                          <p:stCondLst>
+                                            <p:cond delay="0"/>
+                                          </p:stCondLst>
+                                        </p:cTn>
+                                        <p:tgtEl>
+                                          <p:spTgt spid="61"/>
+                                        </p:tgtEl>
+                                        <p:attrNameLst>
+                                          <p:attrName>style.visibility</p:attrName>
+                                        </p:attrNameLst>
+                                      </p:cBhvr>
+                                      <p:to>
+                                        <p:strVal val="visible"/>
+                                      </p:to>
+                                    </p:set>
+                                  </p:childTnLst>
+                                </p:cTn>
+                              </p:par>
+                              <p:par>
+                                <p:cTn id="15" presetID="1" presetClass="entr" presetSubtype="0" fill="hold" grpId="0" nodeType="withEffect">
+                                  <p:stCondLst>
+                                    <p:cond delay="0"/>
+                                  </p:stCondLst>
+                                  <p:childTnLst>
+                                    <p:set>
+                                      <p:cBhvr>
+                                        <p:cTn id="16" dur="1" fill="hold">
+                                          <p:stCondLst>
+                                            <p:cond delay="0"/>
+                                          </p:stCondLst>
+                                        </p:cTn>
+                                        <p:tgtEl>
+                                          <p:spTgt spid="8"/>
+                                        </p:tgtEl>
+                                        <p:attrNameLst>
+                                          <p:attrName>style.visibility</p:attrName>
+                                        </p:attrNameLst>
+                                      </p:cBhvr>
+                                      <p:to>
+                                        <p:strVal val="visible"/>
+                                      </p:to>
+                                    </p:set>
+                                  </p:childTnLst>
+                                </p:cTn>
+                              </p:par>
+                              <p:par>
+                                <p:cTn id="17" presetID="1" presetClass="entr" presetSubtype="0" fill="hold" grpId="0" nodeType="withEffect">
+                                  <p:stCondLst>
+                                    <p:cond delay="0"/>
+                                  </p:stCondLst>
+                                  <p:childTnLst>
+                                    <p:set>
+                                      <p:cBhvr>
+                                        <p:cTn id="18" dur="1" fill="hold">
+                                          <p:stCondLst>
+                                            <p:cond delay="0"/>
+                                          </p:stCondLst>
+                                        </p:cTn>
+                                        <p:tgtEl>
+                                          <p:spTgt spid="57"/>
+                                        </p:tgtEl>
+                                        <p:attrNameLst>
+                                          <p:attrName>style.visibility</p:attrName>
+                                        </p:attrNameLst>
+                                      </p:cBhvr>
+                                      <p:to>
+                                        <p:strVal val="visible"/>
+                                      </p:to>
+                                    </p:set>
+                                  </p:childTnLst>
+                                </p:cTn>
+                              </p:par>
+                            </p:childTnLst>
+                          </p:cTn>
+                        </p:par>
+                      </p:childTnLst>
+                    </p:cTn>
+                  </p:par>
+                </p:childTnLst>
+              </p:cTn>
+              <p:prevCondLst>
+                <p:cond evt="onPrev" delay="0">
+                  <p:tgtEl>
+                    <p:sldTgt/>
+                  </p:tgtEl>
+                </p:cond>
+              </p:prevCondLst>
+              <p:nextCondLst>
+                <p:cond evt="onNext" delay="0">
+                  <p:tgtEl>
+                    <p:sldTgt/>
+                  </p:tgtEl>
+                </p:cond>
+              </p:nextCondLst>
+            </p:seq>
+          </p:childTnLst>
+        </p:cTn>
+      </p:par>
+    </p:tnLst>
+    <p:bldLst>
+      <p:bldP spid="6" grpId="0" animBg="1"/>
+      <p:bldP spid="8" grpId="0" animBg="1"/>
+      <p:bldP spid="57" grpId="0"/>
+    </p:bldLst>
+  </p:timing>
+</p:sld>
+</file>
+
+<file path=ppt/slides/slide13.xml><?xml version="1.0" encoding="utf-8"?>
+<p:sld xmlns:a="http://schemas.openxmlformats.org/drawingml/2006/main" xmlns:r="http://schemas.openxmlformats.org/officeDocument/2006/relationships" xmlns:p="http://schemas.openxmlformats.org/presentationml/2006/main">
+  <p:cSld>
+    <p:spTree>
+      <p:nvGrpSpPr>
+        <p:cNvPr id="1" name=""/>
+        <p:cNvGrpSpPr/>
+        <p:nvPr/>
+      </p:nvGrpSpPr>
+      <p:grpSpPr>
+        <a:xfrm>
+          <a:off x="0" y="0"/>
+          <a:ext cx="0" cy="0"/>
+          <a:chOff x="0" y="0"/>
+          <a:chExt cx="0" cy="0"/>
+        </a:xfrm>
+      </p:grpSpPr>
+      <p:sp>
+        <p:nvSpPr>
+          <p:cNvPr id="2" name="Title 1">
+            <a:extLst>
+              <a:ext uri="{FF2B5EF4-FFF2-40B4-BE49-F238E27FC236}">
+                <a16:creationId xmlns:a16="http://schemas.microsoft.com/office/drawing/2014/main" id="{135F8993-F114-E140-AFC4-E3FD18754FA2}"/>
+              </a:ext>
+            </a:extLst>
+          </p:cNvPr>
+          <p:cNvSpPr>
+            <a:spLocks noGrp="1"/>
+          </p:cNvSpPr>
+          <p:nvPr>
+            <p:ph type="title"/>
+          </p:nvPr>
+        </p:nvSpPr>
+        <p:spPr/>
+        <p:txBody>
+          <a:bodyPr/>
+          <a:lstStyle/>
+          <a:p>
+            <a:r>
+              <a:rPr lang="en-US" dirty="0"/>
+              <a:t>Vessel, Flow -&gt; Species, Reactions</a:t>
+            </a:r>
+          </a:p>
+        </p:txBody>
+      </p:sp>
+      <p:sp>
+        <p:nvSpPr>
+          <p:cNvPr id="4" name="Content Placeholder 3">
+            <a:extLst>
+              <a:ext uri="{FF2B5EF4-FFF2-40B4-BE49-F238E27FC236}">
+                <a16:creationId xmlns:a16="http://schemas.microsoft.com/office/drawing/2014/main" id="{92200BC7-209E-3A42-92C9-0703385EAECD}"/>
+              </a:ext>
+            </a:extLst>
+          </p:cNvPr>
+          <p:cNvSpPr>
+            <a:spLocks noGrp="1"/>
+          </p:cNvSpPr>
+          <p:nvPr>
+            <p:ph idx="1"/>
+          </p:nvPr>
+        </p:nvSpPr>
+        <p:spPr/>
+        <p:txBody>
+          <a:bodyPr/>
+          <a:lstStyle/>
+          <a:p>
+            <a:r>
+              <a:rPr lang="en-US" dirty="0"/>
+              <a:t>Relate to reactions</a:t>
+            </a:r>
+          </a:p>
+          <a:p>
+            <a:r>
+              <a:rPr lang="en-US" dirty="0"/>
+              <a:t>Show units</a:t>
+            </a:r>
+          </a:p>
+          <a:p>
+            <a:r>
+              <a:rPr lang="en-US" dirty="0"/>
+              <a:t>Conceptual model relates to metabolism</a:t>
+            </a:r>
+          </a:p>
+          <a:p>
+            <a:pPr lvl="1"/>
+            <a:r>
+              <a:rPr lang="en-US" dirty="0"/>
+              <a:t>But box is for enzyme, not function</a:t>
+            </a:r>
+          </a:p>
+        </p:txBody>
+      </p:sp>
+      <p:sp>
+        <p:nvSpPr>
+          <p:cNvPr id="3" name="Slide Number Placeholder 2">
+            <a:extLst>
+              <a:ext uri="{FF2B5EF4-FFF2-40B4-BE49-F238E27FC236}">
+                <a16:creationId xmlns:a16="http://schemas.microsoft.com/office/drawing/2014/main" id="{6AE73094-3E46-ED49-9E9A-35137BF524A0}"/>
+              </a:ext>
+            </a:extLst>
+          </p:cNvPr>
+          <p:cNvSpPr>
+            <a:spLocks noGrp="1"/>
+          </p:cNvSpPr>
+          <p:nvPr>
+            <p:ph type="sldNum" sz="quarter" idx="11"/>
+          </p:nvPr>
+        </p:nvSpPr>
+        <p:spPr/>
+        <p:txBody>
+          <a:bodyPr/>
+          <a:lstStyle/>
+          <a:p>
+            <a:pPr>
+              <a:defRPr/>
+            </a:pPr>
+            <a:fld id="{2E4304A7-0FB2-4094-BC1E-DB17183AD0C1}" type="slidenum">
+              <a:rPr lang="en-US" altLang="x-none" smtClean="0"/>
+              <a:pPr>
+                <a:defRPr/>
+              </a:pPr>
+              <a:t>13</a:t>
+            </a:fld>
+            <a:endParaRPr lang="en-US" altLang="x-none"/>
+          </a:p>
+        </p:txBody>
+      </p:sp>
+    </p:spTree>
+    <p:extLst>
+      <p:ext uri="{BB962C8B-B14F-4D97-AF65-F5344CB8AC3E}">
+        <p14:creationId xmlns:p14="http://schemas.microsoft.com/office/powerpoint/2010/main" val="3587580789"/>
+      </p:ext>
+    </p:extLst>
+  </p:cSld>
+  <p:clrMapOvr>
+    <a:masterClrMapping/>
+  </p:clrMapOvr>
+</p:sld>
+</file>
+
+<file path=ppt/slides/slide14.xml><?xml version="1.0" encoding="utf-8"?>
+<p:sld xmlns:a="http://schemas.openxmlformats.org/drawingml/2006/main" xmlns:r="http://schemas.openxmlformats.org/officeDocument/2006/relationships" xmlns:p="http://schemas.openxmlformats.org/presentationml/2006/main">
+  <p:cSld>
+    <p:spTree>
+      <p:nvGrpSpPr>
+        <p:cNvPr id="1" name=""/>
+        <p:cNvGrpSpPr/>
+        <p:nvPr/>
+      </p:nvGrpSpPr>
+      <p:grpSpPr>
+        <a:xfrm>
+          <a:off x="0" y="0"/>
+          <a:ext cx="0" cy="0"/>
+          <a:chOff x="0" y="0"/>
+          <a:chExt cx="0" cy="0"/>
+        </a:xfrm>
+      </p:grpSpPr>
+      <p:sp>
+        <p:nvSpPr>
+          <p:cNvPr id="2" name="Title 1">
+            <a:extLst>
+              <a:ext uri="{FF2B5EF4-FFF2-40B4-BE49-F238E27FC236}">
+                <a16:creationId xmlns:a16="http://schemas.microsoft.com/office/drawing/2014/main" id="{CE07A838-8E7B-204D-A79D-84E74F3DAA5D}"/>
+              </a:ext>
+            </a:extLst>
+          </p:cNvPr>
+          <p:cNvSpPr>
+            <a:spLocks noGrp="1"/>
+          </p:cNvSpPr>
+          <p:nvPr>
+            <p:ph type="title"/>
+          </p:nvPr>
+        </p:nvSpPr>
+        <p:spPr/>
+        <p:txBody>
+          <a:bodyPr/>
+          <a:lstStyle/>
+          <a:p>
+            <a:r>
+              <a:rPr lang="en-US" dirty="0"/>
+              <a:t>Dimensional Analysis</a:t>
+            </a:r>
+          </a:p>
+        </p:txBody>
+      </p:sp>
+      <p:sp>
+        <p:nvSpPr>
+          <p:cNvPr id="3" name="Content Placeholder 2">
+            <a:extLst>
+              <a:ext uri="{FF2B5EF4-FFF2-40B4-BE49-F238E27FC236}">
+                <a16:creationId xmlns:a16="http://schemas.microsoft.com/office/drawing/2014/main" id="{923ECA41-2814-D642-845B-4E1E0D078353}"/>
+              </a:ext>
+            </a:extLst>
+          </p:cNvPr>
+          <p:cNvSpPr>
+            <a:spLocks noGrp="1"/>
+          </p:cNvSpPr>
+          <p:nvPr>
+            <p:ph idx="1"/>
+          </p:nvPr>
+        </p:nvSpPr>
+        <p:spPr/>
+        <p:txBody>
+          <a:bodyPr/>
+          <a:lstStyle/>
+          <a:p>
+            <a:endParaRPr lang="en-US"/>
+          </a:p>
+        </p:txBody>
+      </p:sp>
+      <p:sp>
+        <p:nvSpPr>
+          <p:cNvPr id="4" name="Slide Number Placeholder 3">
+            <a:extLst>
+              <a:ext uri="{FF2B5EF4-FFF2-40B4-BE49-F238E27FC236}">
+                <a16:creationId xmlns:a16="http://schemas.microsoft.com/office/drawing/2014/main" id="{1F57BB29-7C9A-2A4A-88F9-249D37DC8CF3}"/>
+              </a:ext>
+            </a:extLst>
+          </p:cNvPr>
+          <p:cNvSpPr>
+            <a:spLocks noGrp="1"/>
+          </p:cNvSpPr>
+          <p:nvPr>
+            <p:ph type="sldNum" sz="quarter" idx="11"/>
+          </p:nvPr>
+        </p:nvSpPr>
+        <p:spPr/>
+        <p:txBody>
+          <a:bodyPr/>
+          <a:lstStyle/>
+          <a:p>
+            <a:pPr>
+              <a:defRPr/>
+            </a:pPr>
+            <a:fld id="{3EF4E9CC-9D91-476E-91FD-5BEEC1642931}" type="slidenum">
+              <a:rPr lang="en-US" altLang="x-none" smtClean="0"/>
+              <a:pPr>
+                <a:defRPr/>
+              </a:pPr>
+              <a:t>14</a:t>
+            </a:fld>
+            <a:endParaRPr lang="en-US" altLang="x-none"/>
+          </a:p>
+        </p:txBody>
+      </p:sp>
+    </p:spTree>
+    <p:extLst>
+      <p:ext uri="{BB962C8B-B14F-4D97-AF65-F5344CB8AC3E}">
+        <p14:creationId xmlns:p14="http://schemas.microsoft.com/office/powerpoint/2010/main" val="1885624253"/>
+      </p:ext>
+    </p:extLst>
+  </p:cSld>
+  <p:clrMapOvr>
+    <a:masterClrMapping/>
+  </p:clrMapOvr>
+</p:sld>
+</file>
+
+<file path=ppt/slides/slide15.xml><?xml version="1.0" encoding="utf-8"?>
+<p:sld xmlns:a="http://schemas.openxmlformats.org/drawingml/2006/main" xmlns:r="http://schemas.openxmlformats.org/officeDocument/2006/relationships" xmlns:p="http://schemas.openxmlformats.org/presentationml/2006/main">
+  <p:cSld>
+    <p:spTree>
+      <p:nvGrpSpPr>
+        <p:cNvPr id="1" name=""/>
+        <p:cNvGrpSpPr/>
+        <p:nvPr/>
+      </p:nvGrpSpPr>
+      <p:grpSpPr>
+        <a:xfrm>
+          <a:off x="0" y="0"/>
+          <a:ext cx="0" cy="0"/>
+          <a:chOff x="0" y="0"/>
+          <a:chExt cx="0" cy="0"/>
+        </a:xfrm>
+      </p:grpSpPr>
+      <p:sp>
+        <p:nvSpPr>
+          <p:cNvPr id="2" name="Title 1">
+            <a:extLst>
+              <a:ext uri="{FF2B5EF4-FFF2-40B4-BE49-F238E27FC236}">
+                <a16:creationId xmlns:a16="http://schemas.microsoft.com/office/drawing/2014/main" id="{A2219C4F-8550-FA4A-8AE7-A0226F9A4231}"/>
+              </a:ext>
+            </a:extLst>
+          </p:cNvPr>
+          <p:cNvSpPr>
+            <a:spLocks noGrp="1"/>
+          </p:cNvSpPr>
+          <p:nvPr>
+            <p:ph type="title"/>
+          </p:nvPr>
+        </p:nvSpPr>
+        <p:spPr/>
+        <p:txBody>
+          <a:bodyPr/>
+          <a:lstStyle/>
+          <a:p>
+            <a:r>
+              <a:rPr lang="en-US" dirty="0"/>
+              <a:t>Lac Operon</a:t>
+            </a:r>
+          </a:p>
+        </p:txBody>
+      </p:sp>
+      <p:sp>
+        <p:nvSpPr>
+          <p:cNvPr id="3" name="Content Placeholder 2">
+            <a:extLst>
+              <a:ext uri="{FF2B5EF4-FFF2-40B4-BE49-F238E27FC236}">
+                <a16:creationId xmlns:a16="http://schemas.microsoft.com/office/drawing/2014/main" id="{FB057087-B2E9-1C44-8F5E-8255F5419354}"/>
+              </a:ext>
+            </a:extLst>
+          </p:cNvPr>
+          <p:cNvSpPr>
+            <a:spLocks noGrp="1"/>
+          </p:cNvSpPr>
+          <p:nvPr>
+            <p:ph idx="1"/>
+          </p:nvPr>
+        </p:nvSpPr>
+        <p:spPr/>
+        <p:txBody>
+          <a:bodyPr/>
+          <a:lstStyle/>
+          <a:p>
+            <a:endParaRPr lang="en-US"/>
+          </a:p>
+        </p:txBody>
+      </p:sp>
+      <p:sp>
+        <p:nvSpPr>
+          <p:cNvPr id="4" name="Slide Number Placeholder 3">
+            <a:extLst>
+              <a:ext uri="{FF2B5EF4-FFF2-40B4-BE49-F238E27FC236}">
+                <a16:creationId xmlns:a16="http://schemas.microsoft.com/office/drawing/2014/main" id="{452BFC8F-7BDF-974F-8CD1-374A3CC93FB0}"/>
+              </a:ext>
+            </a:extLst>
+          </p:cNvPr>
+          <p:cNvSpPr>
+            <a:spLocks noGrp="1"/>
+          </p:cNvSpPr>
+          <p:nvPr>
+            <p:ph type="sldNum" sz="quarter" idx="11"/>
+          </p:nvPr>
+        </p:nvSpPr>
+        <p:spPr/>
+        <p:txBody>
+          <a:bodyPr/>
+          <a:lstStyle/>
+          <a:p>
+            <a:pPr>
+              <a:defRPr/>
+            </a:pPr>
+            <a:fld id="{3EF4E9CC-9D91-476E-91FD-5BEEC1642931}" type="slidenum">
+              <a:rPr lang="en-US" altLang="x-none" smtClean="0"/>
+              <a:pPr>
+                <a:defRPr/>
+              </a:pPr>
+              <a:t>15</a:t>
+            </a:fld>
+            <a:endParaRPr lang="en-US" altLang="x-none"/>
+          </a:p>
+        </p:txBody>
+      </p:sp>
+    </p:spTree>
+    <p:extLst>
+      <p:ext uri="{BB962C8B-B14F-4D97-AF65-F5344CB8AC3E}">
+        <p14:creationId xmlns:p14="http://schemas.microsoft.com/office/powerpoint/2010/main" val="1104880093"/>
+      </p:ext>
+    </p:extLst>
+  </p:cSld>
+  <p:clrMapOvr>
+    <a:masterClrMapping/>
+  </p:clrMapOvr>
+</p:sld>
+</file>
+
+<file path=ppt/slides/slide16.xml><?xml version="1.0" encoding="utf-8"?>
+<p:sld xmlns:a="http://schemas.openxmlformats.org/drawingml/2006/main" xmlns:r="http://schemas.openxmlformats.org/officeDocument/2006/relationships" xmlns:p="http://schemas.openxmlformats.org/presentationml/2006/main">
+  <p:cSld>
+    <p:spTree>
+      <p:nvGrpSpPr>
+        <p:cNvPr id="1" name=""/>
+        <p:cNvGrpSpPr/>
+        <p:nvPr/>
+      </p:nvGrpSpPr>
+      <p:grpSpPr>
+        <a:xfrm>
+          <a:off x="0" y="0"/>
+          <a:ext cx="0" cy="0"/>
+          <a:chOff x="0" y="0"/>
+          <a:chExt cx="0" cy="0"/>
+        </a:xfrm>
+      </p:grpSpPr>
+      <p:sp>
+        <p:nvSpPr>
+          <p:cNvPr id="2" name="Title 1">
+            <a:extLst>
+              <a:ext uri="{FF2B5EF4-FFF2-40B4-BE49-F238E27FC236}">
+                <a16:creationId xmlns:a16="http://schemas.microsoft.com/office/drawing/2014/main" id="{59715073-6596-A14F-8BFA-309667E0E449}"/>
+              </a:ext>
+            </a:extLst>
+          </p:cNvPr>
+          <p:cNvSpPr>
+            <a:spLocks noGrp="1"/>
+          </p:cNvSpPr>
+          <p:nvPr>
+            <p:ph type="title"/>
+          </p:nvPr>
+        </p:nvSpPr>
+        <p:spPr/>
+        <p:txBody>
+          <a:bodyPr/>
+          <a:lstStyle/>
+          <a:p>
+            <a:r>
+              <a:rPr lang="en-US" dirty="0"/>
+              <a:t>Technical Models With Differentials</a:t>
+            </a:r>
+          </a:p>
+        </p:txBody>
+      </p:sp>
+      <p:sp>
+        <p:nvSpPr>
+          <p:cNvPr id="3" name="Content Placeholder 2">
+            <a:extLst>
+              <a:ext uri="{FF2B5EF4-FFF2-40B4-BE49-F238E27FC236}">
+                <a16:creationId xmlns:a16="http://schemas.microsoft.com/office/drawing/2014/main" id="{6F777A9B-02DD-5F4C-A54A-9C036E2C1E1F}"/>
+              </a:ext>
+            </a:extLst>
+          </p:cNvPr>
+          <p:cNvSpPr>
+            <a:spLocks noGrp="1"/>
+          </p:cNvSpPr>
+          <p:nvPr>
+            <p:ph idx="1"/>
+          </p:nvPr>
+        </p:nvSpPr>
+        <p:spPr/>
+        <p:txBody>
+          <a:bodyPr/>
+          <a:lstStyle/>
+          <a:p>
+            <a:endParaRPr lang="en-US"/>
+          </a:p>
+        </p:txBody>
+      </p:sp>
+      <p:sp>
+        <p:nvSpPr>
+          <p:cNvPr id="4" name="Slide Number Placeholder 3">
+            <a:extLst>
+              <a:ext uri="{FF2B5EF4-FFF2-40B4-BE49-F238E27FC236}">
+                <a16:creationId xmlns:a16="http://schemas.microsoft.com/office/drawing/2014/main" id="{EC9AA53A-9083-2F4C-B78A-3E1C616F81B1}"/>
+              </a:ext>
+            </a:extLst>
+          </p:cNvPr>
+          <p:cNvSpPr>
+            <a:spLocks noGrp="1"/>
+          </p:cNvSpPr>
+          <p:nvPr>
+            <p:ph type="sldNum" sz="quarter" idx="11"/>
+          </p:nvPr>
+        </p:nvSpPr>
+        <p:spPr/>
+        <p:txBody>
+          <a:bodyPr/>
+          <a:lstStyle/>
+          <a:p>
+            <a:pPr>
+              <a:defRPr/>
+            </a:pPr>
+            <a:fld id="{3EF4E9CC-9D91-476E-91FD-5BEEC1642931}" type="slidenum">
+              <a:rPr lang="en-US" altLang="x-none" smtClean="0"/>
+              <a:pPr>
+                <a:defRPr/>
+              </a:pPr>
+              <a:t>16</a:t>
+            </a:fld>
+            <a:endParaRPr lang="en-US" altLang="x-none"/>
+          </a:p>
+        </p:txBody>
+      </p:sp>
+    </p:spTree>
+    <p:extLst>
+      <p:ext uri="{BB962C8B-B14F-4D97-AF65-F5344CB8AC3E}">
+        <p14:creationId xmlns:p14="http://schemas.microsoft.com/office/powerpoint/2010/main" val="460372896"/>
+      </p:ext>
+    </p:extLst>
+  </p:cSld>
+  <p:clrMapOvr>
+    <a:masterClrMapping/>
+  </p:clrMapOvr>
+</p:sld>
+</file>
+
+<file path=ppt/slides/slide17.xml><?xml version="1.0" encoding="utf-8"?>
+<p:sld xmlns:a="http://schemas.openxmlformats.org/drawingml/2006/main" xmlns:r="http://schemas.openxmlformats.org/officeDocument/2006/relationships" xmlns:p="http://schemas.openxmlformats.org/presentationml/2006/main">
+  <p:cSld>
+    <p:spTree>
+      <p:nvGrpSpPr>
+        <p:cNvPr id="1" name=""/>
+        <p:cNvGrpSpPr/>
+        <p:nvPr/>
+      </p:nvGrpSpPr>
+      <p:grpSpPr>
+        <a:xfrm>
+          <a:off x="0" y="0"/>
+          <a:ext cx="0" cy="0"/>
+          <a:chOff x="0" y="0"/>
+          <a:chExt cx="0" cy="0"/>
+        </a:xfrm>
+      </p:grpSpPr>
+      <p:sp>
+        <p:nvSpPr>
+          <p:cNvPr id="2" name="Title 1">
+            <a:extLst>
+              <a:ext uri="{FF2B5EF4-FFF2-40B4-BE49-F238E27FC236}">
+                <a16:creationId xmlns:a16="http://schemas.microsoft.com/office/drawing/2014/main" id="{59715073-6596-A14F-8BFA-309667E0E449}"/>
+              </a:ext>
+            </a:extLst>
+          </p:cNvPr>
+          <p:cNvSpPr>
+            <a:spLocks noGrp="1"/>
+          </p:cNvSpPr>
+          <p:nvPr>
+            <p:ph type="title"/>
+          </p:nvPr>
+        </p:nvSpPr>
+        <p:spPr/>
+        <p:txBody>
+          <a:bodyPr/>
+          <a:lstStyle/>
+          <a:p>
+            <a:r>
+              <a:rPr lang="en-US" dirty="0"/>
+              <a:t>Technical Models With Stochastics</a:t>
+            </a:r>
+          </a:p>
+        </p:txBody>
+      </p:sp>
+      <p:sp>
+        <p:nvSpPr>
+          <p:cNvPr id="3" name="Content Placeholder 2">
+            <a:extLst>
+              <a:ext uri="{FF2B5EF4-FFF2-40B4-BE49-F238E27FC236}">
+                <a16:creationId xmlns:a16="http://schemas.microsoft.com/office/drawing/2014/main" id="{6F777A9B-02DD-5F4C-A54A-9C036E2C1E1F}"/>
+              </a:ext>
+            </a:extLst>
+          </p:cNvPr>
+          <p:cNvSpPr>
+            <a:spLocks noGrp="1"/>
+          </p:cNvSpPr>
+          <p:nvPr>
+            <p:ph idx="1"/>
+          </p:nvPr>
+        </p:nvSpPr>
+        <p:spPr/>
+        <p:txBody>
+          <a:bodyPr/>
+          <a:lstStyle/>
+          <a:p>
+            <a:endParaRPr lang="en-US"/>
+          </a:p>
+        </p:txBody>
+      </p:sp>
+      <p:sp>
+        <p:nvSpPr>
+          <p:cNvPr id="4" name="Slide Number Placeholder 3">
+            <a:extLst>
+              <a:ext uri="{FF2B5EF4-FFF2-40B4-BE49-F238E27FC236}">
+                <a16:creationId xmlns:a16="http://schemas.microsoft.com/office/drawing/2014/main" id="{EC9AA53A-9083-2F4C-B78A-3E1C616F81B1}"/>
+              </a:ext>
+            </a:extLst>
+          </p:cNvPr>
+          <p:cNvSpPr>
+            <a:spLocks noGrp="1"/>
+          </p:cNvSpPr>
+          <p:nvPr>
+            <p:ph type="sldNum" sz="quarter" idx="11"/>
+          </p:nvPr>
+        </p:nvSpPr>
+        <p:spPr/>
+        <p:txBody>
+          <a:bodyPr/>
+          <a:lstStyle/>
+          <a:p>
+            <a:pPr>
+              <a:defRPr/>
+            </a:pPr>
+            <a:fld id="{3EF4E9CC-9D91-476E-91FD-5BEEC1642931}" type="slidenum">
+              <a:rPr lang="en-US" altLang="x-none" smtClean="0"/>
+              <a:pPr>
+                <a:defRPr/>
+              </a:pPr>
+              <a:t>17</a:t>
+            </a:fld>
+            <a:endParaRPr lang="en-US" altLang="x-none"/>
+          </a:p>
+        </p:txBody>
+      </p:sp>
+    </p:spTree>
+    <p:extLst>
+      <p:ext uri="{BB962C8B-B14F-4D97-AF65-F5344CB8AC3E}">
+        <p14:creationId xmlns:p14="http://schemas.microsoft.com/office/powerpoint/2010/main" val="2499795613"/>
+      </p:ext>
+    </p:extLst>
+  </p:cSld>
+  <p:clrMapOvr>
+    <a:masterClrMapping/>
+  </p:clrMapOvr>
+</p:sld>
+</file>
+
+<file path=ppt/slides/slide18.xml><?xml version="1.0" encoding="utf-8"?>
+<p:sld xmlns:a="http://schemas.openxmlformats.org/drawingml/2006/main" xmlns:r="http://schemas.openxmlformats.org/officeDocument/2006/relationships" xmlns:p="http://schemas.openxmlformats.org/presentationml/2006/main">
+  <p:cSld>
+    <p:spTree>
+      <p:nvGrpSpPr>
+        <p:cNvPr id="1" name=""/>
+        <p:cNvGrpSpPr/>
+        <p:nvPr/>
+      </p:nvGrpSpPr>
+      <p:grpSpPr>
+        <a:xfrm>
+          <a:off x="0" y="0"/>
+          <a:ext cx="0" cy="0"/>
+          <a:chOff x="0" y="0"/>
+          <a:chExt cx="0" cy="0"/>
+        </a:xfrm>
+      </p:grpSpPr>
+      <p:sp>
+        <p:nvSpPr>
           <p:cNvPr id="4" name="Title 3">
             <a:extLst>
               <a:ext uri="{FF2B5EF4-FFF2-40B4-BE49-F238E27FC236}">
@@ -5476,7 +10042,7 @@
               <a:pPr>
                 <a:defRPr/>
               </a:pPr>
-              <a:t>10</a:t>
+              <a:t>18</a:t>
             </a:fld>
             <a:endParaRPr lang="en-US" altLang="x-none"/>
           </a:p>
@@ -6025,7 +10591,7 @@
           <a:p>
             <a:r>
               <a:rPr lang="en-US" dirty="0"/>
-              <a:t>Running Example: Public Water Hydraulics</a:t>
+              <a:t>Running Example: Hydraulic Engineering</a:t>
             </a:r>
           </a:p>
         </p:txBody>
@@ -6608,7 +11174,7 @@
           <a:p>
             <a:r>
               <a:rPr lang="en-US" dirty="0"/>
-              <a:t>The Hydraulics Problem</a:t>
+              <a:t>The Problem</a:t>
             </a:r>
           </a:p>
         </p:txBody>
@@ -11356,8 +15922,8 @@
             </a:avLst>
           </a:prstGeom>
           <a:ln>
-            <a:headEnd type="none" w="med" len="med"/>
-            <a:tailEnd type="arrow" w="med" len="med"/>
+            <a:headEnd type="arrow" w="med" len="med"/>
+            <a:tailEnd type="none" w="med" len="med"/>
           </a:ln>
         </p:spPr>
         <p:style>
@@ -11399,8 +15965,8 @@
             <a:avLst/>
           </a:prstGeom>
           <a:ln>
-            <a:headEnd type="none" w="med" len="med"/>
-            <a:tailEnd type="arrow" w="med" len="med"/>
+            <a:headEnd type="arrow" w="med" len="med"/>
+            <a:tailEnd type="none" w="med" len="med"/>
           </a:ln>
         </p:spPr>
         <p:style>
@@ -11608,6 +16174,92 @@
           </a:fontRef>
         </p:style>
       </p:cxnSp>
+      <p:sp>
+        <p:nvSpPr>
+          <p:cNvPr id="58" name="TextBox 57">
+            <a:extLst>
+              <a:ext uri="{FF2B5EF4-FFF2-40B4-BE49-F238E27FC236}">
+                <a16:creationId xmlns:a16="http://schemas.microsoft.com/office/drawing/2014/main" id="{DE30F505-7C23-8248-8FE5-F2CB6DDEC089}"/>
+              </a:ext>
+            </a:extLst>
+          </p:cNvPr>
+          <p:cNvSpPr txBox="1"/>
+          <p:nvPr/>
+        </p:nvSpPr>
+        <p:spPr>
+          <a:xfrm>
+            <a:off x="7502604" y="4191000"/>
+            <a:ext cx="1107996" cy="646331"/>
+          </a:xfrm>
+          <a:prstGeom prst="rect">
+            <a:avLst/>
+          </a:prstGeom>
+          <a:noFill/>
+        </p:spPr>
+        <p:txBody>
+          <a:bodyPr wrap="none" rtlCol="0">
+            <a:spAutoFit/>
+          </a:bodyPr>
+          <a:lstStyle/>
+          <a:p>
+            <a:pPr algn="ctr"/>
+            <a:r>
+              <a:rPr lang="en-US" dirty="0"/>
+              <a:t>unknown</a:t>
+            </a:r>
+          </a:p>
+          <a:p>
+            <a:pPr algn="ctr"/>
+            <a:r>
+              <a:rPr lang="en-US" dirty="0"/>
+              <a:t>function</a:t>
+            </a:r>
+          </a:p>
+        </p:txBody>
+      </p:sp>
+      <p:sp>
+        <p:nvSpPr>
+          <p:cNvPr id="59" name="TextBox 58">
+            <a:extLst>
+              <a:ext uri="{FF2B5EF4-FFF2-40B4-BE49-F238E27FC236}">
+                <a16:creationId xmlns:a16="http://schemas.microsoft.com/office/drawing/2014/main" id="{304008D5-BDE0-914D-B56D-90DD92ED34ED}"/>
+              </a:ext>
+            </a:extLst>
+          </p:cNvPr>
+          <p:cNvSpPr txBox="1"/>
+          <p:nvPr/>
+        </p:nvSpPr>
+        <p:spPr>
+          <a:xfrm>
+            <a:off x="7666599" y="5607874"/>
+            <a:ext cx="1107996" cy="646331"/>
+          </a:xfrm>
+          <a:prstGeom prst="rect">
+            <a:avLst/>
+          </a:prstGeom>
+          <a:noFill/>
+        </p:spPr>
+        <p:txBody>
+          <a:bodyPr wrap="none" rtlCol="0">
+            <a:spAutoFit/>
+          </a:bodyPr>
+          <a:lstStyle/>
+          <a:p>
+            <a:pPr algn="ctr"/>
+            <a:r>
+              <a:rPr lang="en-US" dirty="0"/>
+              <a:t>unknown</a:t>
+            </a:r>
+          </a:p>
+          <a:p>
+            <a:pPr algn="ctr"/>
+            <a:r>
+              <a:rPr lang="en-US" dirty="0"/>
+              <a:t>function</a:t>
+            </a:r>
+          </a:p>
+        </p:txBody>
+      </p:sp>
     </p:spTree>
     <p:extLst>
       <p:ext uri="{BB962C8B-B14F-4D97-AF65-F5344CB8AC3E}">
@@ -12124,6 +16776,33 @@
                                   </p:childTnLst>
                                 </p:cTn>
                               </p:par>
+                              <p:par>
+                                <p:cTn id="43" presetID="1" presetClass="entr" presetSubtype="0" fill="hold" grpId="0" nodeType="withEffect">
+                                  <p:stCondLst>
+                                    <p:cond delay="0"/>
+                                  </p:stCondLst>
+                                  <p:childTnLst>
+                                    <p:set>
+                                      <p:cBhvr>
+                                        <p:cTn id="44" dur="1" fill="hold">
+                                          <p:stCondLst>
+                                            <p:cond delay="0"/>
+                                          </p:stCondLst>
+                                        </p:cTn>
+                                        <p:tgtEl>
+                                          <p:spTgt spid="58"/>
+                                        </p:tgtEl>
+                                        <p:attrNameLst>
+                                          <p:attrName>style.visibility</p:attrName>
+                                        </p:attrNameLst>
+                                      </p:cBhvr>
+                                      <p:to>
+                                        <p:strVal val="visible"/>
+                                      </p:to>
+                                    </p:set>
+                                  </p:childTnLst>
+                                </p:cTn>
+                              </p:par>
                             </p:childTnLst>
                           </p:cTn>
                         </p:par>
@@ -12131,26 +16810,26 @@
                     </p:cTn>
                   </p:par>
                   <p:par>
-                    <p:cTn id="43" fill="hold">
+                    <p:cTn id="45" fill="hold">
                       <p:stCondLst>
                         <p:cond delay="indefinite"/>
                       </p:stCondLst>
                       <p:childTnLst>
                         <p:par>
-                          <p:cTn id="44" fill="hold">
+                          <p:cTn id="46" fill="hold">
                             <p:stCondLst>
                               <p:cond delay="0"/>
                             </p:stCondLst>
                             <p:childTnLst>
                               <p:par>
-                                <p:cTn id="45" presetID="1" presetClass="entr" presetSubtype="0" fill="hold" grpId="0" nodeType="clickEffect">
+                                <p:cTn id="47" presetID="1" presetClass="entr" presetSubtype="0" fill="hold" grpId="0" nodeType="clickEffect">
                                   <p:stCondLst>
                                     <p:cond delay="0"/>
                                   </p:stCondLst>
                                   <p:childTnLst>
                                     <p:set>
                                       <p:cBhvr>
-                                        <p:cTn id="46" dur="1" fill="hold">
+                                        <p:cTn id="48" dur="1" fill="hold">
                                           <p:stCondLst>
                                             <p:cond delay="0"/>
                                           </p:stCondLst>
@@ -12170,34 +16849,7 @@
                                 </p:cTn>
                               </p:par>
                               <p:par>
-                                <p:cTn id="47" presetID="1" presetClass="entr" presetSubtype="0" fill="hold" nodeType="withEffect">
-                                  <p:stCondLst>
-                                    <p:cond delay="0"/>
-                                  </p:stCondLst>
-                                  <p:childTnLst>
-                                    <p:set>
-                                      <p:cBhvr>
-                                        <p:cTn id="48" dur="1" fill="hold">
-                                          <p:stCondLst>
-                                            <p:cond delay="0"/>
-                                          </p:stCondLst>
-                                        </p:cTn>
-                                        <p:tgtEl>
-                                          <p:spTgt spid="27"/>
-                                        </p:tgtEl>
-                                        <p:attrNameLst>
-                                          <p:attrName>style.visibility</p:attrName>
-                                        </p:attrNameLst>
-                                      </p:cBhvr>
-                                      <p:to>
-                                        <p:strVal val="visible"/>
-                                      </p:to>
-                                    </p:set>
-                                  </p:childTnLst>
-                                </p:cTn>
-                              </p:par>
-                              <p:par>
-                                <p:cTn id="49" presetID="1" presetClass="entr" presetSubtype="0" fill="hold" grpId="0" nodeType="withEffect">
+                                <p:cTn id="49" presetID="1" presetClass="entr" presetSubtype="0" fill="hold" nodeType="withEffect">
                                   <p:stCondLst>
                                     <p:cond delay="0"/>
                                   </p:stCondLst>
@@ -12210,7 +16862,7 @@
                                           </p:stCondLst>
                                         </p:cTn>
                                         <p:tgtEl>
-                                          <p:spTgt spid="41"/>
+                                          <p:spTgt spid="27"/>
                                         </p:tgtEl>
                                         <p:attrNameLst>
                                           <p:attrName>style.visibility</p:attrName>
@@ -12237,7 +16889,7 @@
                                           </p:stCondLst>
                                         </p:cTn>
                                         <p:tgtEl>
-                                          <p:spTgt spid="46"/>
+                                          <p:spTgt spid="41"/>
                                         </p:tgtEl>
                                         <p:attrNameLst>
                                           <p:attrName>style.visibility</p:attrName>
@@ -12264,6 +16916,33 @@
                                           </p:stCondLst>
                                         </p:cTn>
                                         <p:tgtEl>
+                                          <p:spTgt spid="46"/>
+                                        </p:tgtEl>
+                                        <p:attrNameLst>
+                                          <p:attrName>style.visibility</p:attrName>
+                                        </p:attrNameLst>
+                                      </p:cBhvr>
+                                      <p:to>
+                                        <p:strVal val="visible"/>
+                                      </p:to>
+                                    </p:set>
+                                  </p:childTnLst>
+                                </p:cTn>
+                              </p:par>
+                              <p:par>
+                                <p:cTn id="55" presetID="1" presetClass="entr" presetSubtype="0" fill="hold" grpId="0" nodeType="withEffect">
+                                  <p:stCondLst>
+                                    <p:cond delay="0"/>
+                                  </p:stCondLst>
+                                  <p:childTnLst>
+                                    <p:set>
+                                      <p:cBhvr>
+                                        <p:cTn id="56" dur="1" fill="hold">
+                                          <p:stCondLst>
+                                            <p:cond delay="0"/>
+                                          </p:stCondLst>
+                                        </p:cTn>
+                                        <p:tgtEl>
                                           <p:spTgt spid="47"/>
                                         </p:tgtEl>
                                         <p:attrNameLst>
@@ -12284,26 +16963,26 @@
                     </p:cTn>
                   </p:par>
                   <p:par>
-                    <p:cTn id="55" fill="hold">
+                    <p:cTn id="57" fill="hold">
                       <p:stCondLst>
                         <p:cond delay="indefinite"/>
                       </p:stCondLst>
                       <p:childTnLst>
                         <p:par>
-                          <p:cTn id="56" fill="hold">
+                          <p:cTn id="58" fill="hold">
                             <p:stCondLst>
                               <p:cond delay="0"/>
                             </p:stCondLst>
                             <p:childTnLst>
                               <p:par>
-                                <p:cTn id="57" presetID="1" presetClass="entr" presetSubtype="0" fill="hold" grpId="0" nodeType="clickEffect">
+                                <p:cTn id="59" presetID="1" presetClass="entr" presetSubtype="0" fill="hold" grpId="0" nodeType="clickEffect">
                                   <p:stCondLst>
                                     <p:cond delay="0"/>
                                   </p:stCondLst>
                                   <p:childTnLst>
                                     <p:set>
                                       <p:cBhvr>
-                                        <p:cTn id="58" dur="1" fill="hold">
+                                        <p:cTn id="60" dur="1" fill="hold">
                                           <p:stCondLst>
                                             <p:cond delay="0"/>
                                           </p:stCondLst>
@@ -12323,34 +17002,7 @@
                                 </p:cTn>
                               </p:par>
                               <p:par>
-                                <p:cTn id="59" presetID="1" presetClass="entr" presetSubtype="0" fill="hold" grpId="0" nodeType="withEffect">
-                                  <p:stCondLst>
-                                    <p:cond delay="0"/>
-                                  </p:stCondLst>
-                                  <p:childTnLst>
-                                    <p:set>
-                                      <p:cBhvr>
-                                        <p:cTn id="60" dur="1" fill="hold">
-                                          <p:stCondLst>
-                                            <p:cond delay="0"/>
-                                          </p:stCondLst>
-                                        </p:cTn>
-                                        <p:tgtEl>
-                                          <p:spTgt spid="48"/>
-                                        </p:tgtEl>
-                                        <p:attrNameLst>
-                                          <p:attrName>style.visibility</p:attrName>
-                                        </p:attrNameLst>
-                                      </p:cBhvr>
-                                      <p:to>
-                                        <p:strVal val="visible"/>
-                                      </p:to>
-                                    </p:set>
-                                  </p:childTnLst>
-                                </p:cTn>
-                              </p:par>
-                              <p:par>
-                                <p:cTn id="61" presetID="1" presetClass="entr" presetSubtype="0" fill="hold" nodeType="withEffect">
+                                <p:cTn id="61" presetID="1" presetClass="entr" presetSubtype="0" fill="hold" grpId="0" nodeType="withEffect">
                                   <p:stCondLst>
                                     <p:cond delay="0"/>
                                   </p:stCondLst>
@@ -12363,7 +17015,7 @@
                                           </p:stCondLst>
                                         </p:cTn>
                                         <p:tgtEl>
-                                          <p:spTgt spid="49"/>
+                                          <p:spTgt spid="48"/>
                                         </p:tgtEl>
                                         <p:attrNameLst>
                                           <p:attrName>style.visibility</p:attrName>
@@ -12390,7 +17042,7 @@
                                           </p:stCondLst>
                                         </p:cTn>
                                         <p:tgtEl>
-                                          <p:spTgt spid="50"/>
+                                          <p:spTgt spid="49"/>
                                         </p:tgtEl>
                                         <p:attrNameLst>
                                           <p:attrName>style.visibility</p:attrName>
@@ -12417,7 +17069,61 @@
                                           </p:stCondLst>
                                         </p:cTn>
                                         <p:tgtEl>
+                                          <p:spTgt spid="50"/>
+                                        </p:tgtEl>
+                                        <p:attrNameLst>
+                                          <p:attrName>style.visibility</p:attrName>
+                                        </p:attrNameLst>
+                                      </p:cBhvr>
+                                      <p:to>
+                                        <p:strVal val="visible"/>
+                                      </p:to>
+                                    </p:set>
+                                  </p:childTnLst>
+                                </p:cTn>
+                              </p:par>
+                              <p:par>
+                                <p:cTn id="67" presetID="1" presetClass="entr" presetSubtype="0" fill="hold" nodeType="withEffect">
+                                  <p:stCondLst>
+                                    <p:cond delay="0"/>
+                                  </p:stCondLst>
+                                  <p:childTnLst>
+                                    <p:set>
+                                      <p:cBhvr>
+                                        <p:cTn id="68" dur="1" fill="hold">
+                                          <p:stCondLst>
+                                            <p:cond delay="0"/>
+                                          </p:stCondLst>
+                                        </p:cTn>
+                                        <p:tgtEl>
                                           <p:spTgt spid="51"/>
+                                        </p:tgtEl>
+                                        <p:attrNameLst>
+                                          <p:attrName>style.visibility</p:attrName>
+                                        </p:attrNameLst>
+                                      </p:cBhvr>
+                                      <p:to>
+                                        <p:strVal val="visible"/>
+                                      </p:to>
+                                    </p:set>
+                                  </p:childTnLst>
+                                </p:cTn>
+                              </p:par>
+                              <p:par>
+                                <p:cTn id="69" presetID="1" presetClass="entr" presetSubtype="0" fill="hold" grpId="0" nodeType="withEffect">
+                                  <p:stCondLst>
+                                    <p:cond delay="0"/>
+                                  </p:stCondLst>
+                                  <p:childTnLst>
+                                    <p:set>
+                                      <p:cBhvr>
+                                        <p:cTn id="70" dur="1" fill="hold">
+                                          <p:stCondLst>
+                                            <p:cond delay="0"/>
+                                          </p:stCondLst>
+                                        </p:cTn>
+                                        <p:tgtEl>
+                                          <p:spTgt spid="59"/>
                                         </p:tgtEl>
                                         <p:attrNameLst>
                                           <p:attrName>style.visibility</p:attrName>
@@ -12473,6 +17179,8 @@
       <p:bldP spid="37" grpId="0"/>
       <p:bldP spid="10" grpId="0" animBg="1"/>
       <p:bldP spid="48" grpId="0" animBg="1"/>
+      <p:bldP spid="58" grpId="0"/>
+      <p:bldP spid="59" grpId="0"/>
     </p:bldLst>
   </p:timing>
 </p:sld>
@@ -12513,7 +17221,7 @@
         </p:nvSpPr>
         <p:spPr>
           <a:xfrm>
-            <a:off x="152401" y="228600"/>
+            <a:off x="152401" y="304800"/>
             <a:ext cx="6096000" cy="838200"/>
           </a:xfrm>
         </p:spPr>
@@ -12522,8 +17230,8 @@
           <a:lstStyle/>
           <a:p>
             <a:r>
-              <a:rPr lang="en-US" dirty="0"/>
-              <a:t>A system is an assembly of elements.</a:t>
+              <a:rPr lang="en-US" sz="3200" dirty="0"/>
+              <a:t>Conceptual Model</a:t>
             </a:r>
           </a:p>
         </p:txBody>
@@ -12577,8 +17285,8 @@
         </p:nvSpPr>
         <p:spPr>
           <a:xfrm>
-            <a:off x="381000" y="1654314"/>
-            <a:ext cx="7162800" cy="707886"/>
+            <a:off x="248641" y="892314"/>
+            <a:ext cx="5999759" cy="707886"/>
           </a:xfrm>
           <a:prstGeom prst="rect">
             <a:avLst/>
@@ -12593,7 +17301,7 @@
           <a:p>
             <a:r>
               <a:rPr lang="en-US" sz="2000" i="1" dirty="0"/>
-              <a:t>An assembly specifies how the inputs of one element relate to the outputs of other elements.</a:t>
+              <a:t>A conceptual model specifies how the inputs of one element relate to the outputs of other elements.</a:t>
             </a:r>
           </a:p>
         </p:txBody>
@@ -12861,41 +17569,6 @@
       </p:grpSp>
       <p:sp>
         <p:nvSpPr>
-          <p:cNvPr id="15" name="TextBox 14">
-            <a:extLst>
-              <a:ext uri="{FF2B5EF4-FFF2-40B4-BE49-F238E27FC236}">
-                <a16:creationId xmlns:a16="http://schemas.microsoft.com/office/drawing/2014/main" id="{358A3726-6871-6946-86D7-84BF2C81A78B}"/>
-              </a:ext>
-            </a:extLst>
-          </p:cNvPr>
-          <p:cNvSpPr txBox="1"/>
-          <p:nvPr/>
-        </p:nvSpPr>
-        <p:spPr>
-          <a:xfrm>
-            <a:off x="533400" y="2590800"/>
-            <a:ext cx="7674024" cy="369332"/>
-          </a:xfrm>
-          <a:prstGeom prst="rect">
-            <a:avLst/>
-          </a:prstGeom>
-          <a:noFill/>
-        </p:spPr>
-        <p:txBody>
-          <a:bodyPr wrap="none" rtlCol="0">
-            <a:spAutoFit/>
-          </a:bodyPr>
-          <a:lstStyle/>
-          <a:p>
-            <a:r>
-              <a:rPr lang="en-US" dirty="0"/>
-              <a:t>Simplifications: (a) Aggregate all streams for lake (dam) into a single flow.</a:t>
-            </a:r>
-          </a:p>
-        </p:txBody>
-      </p:sp>
-      <p:sp>
-        <p:nvSpPr>
           <p:cNvPr id="17" name="Rectangle 16">
             <a:extLst>
               <a:ext uri="{FF2B5EF4-FFF2-40B4-BE49-F238E27FC236}">
@@ -12908,7 +17581,7 @@
         </p:nvSpPr>
         <p:spPr>
           <a:xfrm>
-            <a:off x="2148141" y="5105400"/>
+            <a:off x="2148141" y="4126467"/>
             <a:ext cx="669871" cy="533400"/>
           </a:xfrm>
           <a:prstGeom prst="rect">
@@ -12963,7 +17636,7 @@
         </p:nvSpPr>
         <p:spPr>
           <a:xfrm>
-            <a:off x="1752600" y="3048000"/>
+            <a:off x="1752600" y="2069067"/>
             <a:ext cx="1011815" cy="369332"/>
           </a:xfrm>
           <a:prstGeom prst="rect">
@@ -13001,7 +17674,7 @@
         </p:nvSpPr>
         <p:spPr>
           <a:xfrm>
-            <a:off x="2094352" y="4431268"/>
+            <a:off x="2094352" y="3452335"/>
             <a:ext cx="873957" cy="369332"/>
           </a:xfrm>
           <a:prstGeom prst="rect">
@@ -13039,7 +17712,7 @@
         </p:nvGrpSpPr>
         <p:grpSpPr>
           <a:xfrm>
-            <a:off x="2137174" y="3658204"/>
+            <a:off x="2137174" y="2679271"/>
             <a:ext cx="669871" cy="533400"/>
             <a:chOff x="674832" y="3582004"/>
             <a:chExt cx="669871" cy="533400"/>
@@ -13154,7 +17827,7 @@
         </p:nvCxnSpPr>
         <p:spPr>
           <a:xfrm rot="16200000" flipH="1">
-            <a:off x="2244873" y="3430967"/>
+            <a:off x="2244873" y="2452034"/>
             <a:ext cx="240872" cy="213602"/>
           </a:xfrm>
           <a:prstGeom prst="bentConnector3">
@@ -13198,7 +17871,7 @@
         </p:nvCxnSpPr>
         <p:spPr>
           <a:xfrm rot="16200000" flipH="1">
-            <a:off x="2381888" y="4281825"/>
+            <a:off x="2381888" y="3302892"/>
             <a:ext cx="239664" cy="59221"/>
           </a:xfrm>
           <a:prstGeom prst="bentConnector3">
@@ -13242,7 +17915,7 @@
         </p:nvCxnSpPr>
         <p:spPr>
           <a:xfrm rot="5400000">
-            <a:off x="2354804" y="4928873"/>
+            <a:off x="2354804" y="3949940"/>
             <a:ext cx="304800" cy="48254"/>
           </a:xfrm>
           <a:prstGeom prst="bentConnector3">
@@ -13282,7 +17955,7 @@
         </p:nvSpPr>
         <p:spPr>
           <a:xfrm>
-            <a:off x="228600" y="5117068"/>
+            <a:off x="228600" y="4138135"/>
             <a:ext cx="1425390" cy="369332"/>
           </a:xfrm>
           <a:prstGeom prst="rect">
@@ -13323,15 +17996,15 @@
         </p:nvCxnSpPr>
         <p:spPr>
           <a:xfrm>
-            <a:off x="1653990" y="5301734"/>
+            <a:off x="1653990" y="4322801"/>
             <a:ext cx="494151" cy="70366"/>
           </a:xfrm>
           <a:prstGeom prst="bentConnector3">
             <a:avLst/>
           </a:prstGeom>
           <a:ln>
-            <a:headEnd type="none" w="med" len="med"/>
-            <a:tailEnd type="arrow" w="med" len="med"/>
+            <a:headEnd type="arrow" w="med" len="med"/>
+            <a:tailEnd type="none" w="med" len="med"/>
           </a:ln>
         </p:spPr>
         <p:style>
@@ -13363,7 +18036,7 @@
         </p:nvSpPr>
         <p:spPr>
           <a:xfrm>
-            <a:off x="1828800" y="6014204"/>
+            <a:off x="1828800" y="5029200"/>
             <a:ext cx="1011815" cy="369332"/>
           </a:xfrm>
           <a:prstGeom prst="rect">
@@ -13399,21 +18072,20 @@
           <p:cNvCxnSpPr>
             <a:cxnSpLocks/>
             <a:stCxn id="17" idx="2"/>
-            <a:endCxn id="37" idx="0"/>
           </p:cNvCxnSpPr>
           <p:nvPr/>
         </p:nvCxnSpPr>
         <p:spPr>
           <a:xfrm rot="5400000">
-            <a:off x="2221191" y="5752318"/>
+            <a:off x="2221191" y="4773385"/>
             <a:ext cx="375404" cy="148369"/>
           </a:xfrm>
           <a:prstGeom prst="bentConnector3">
             <a:avLst/>
           </a:prstGeom>
           <a:ln>
-            <a:headEnd type="none" w="med" len="med"/>
-            <a:tailEnd type="arrow" w="med" len="med"/>
+            <a:headEnd type="arrow" w="med" len="med"/>
+            <a:tailEnd type="none" w="med" len="med"/>
           </a:ln>
         </p:spPr>
         <p:style>
@@ -13445,7 +18117,7 @@
         </p:nvGrpSpPr>
         <p:grpSpPr>
           <a:xfrm>
-            <a:off x="3760812" y="3124396"/>
+            <a:off x="3760812" y="2145463"/>
             <a:ext cx="669871" cy="533400"/>
             <a:chOff x="674832" y="3582004"/>
             <a:chExt cx="669871" cy="533400"/>
@@ -13556,7 +18228,7 @@
         </p:nvSpPr>
         <p:spPr>
           <a:xfrm>
-            <a:off x="3392295" y="3938293"/>
+            <a:off x="3392295" y="2959360"/>
             <a:ext cx="736099" cy="369332"/>
           </a:xfrm>
           <a:prstGeom prst="rect">
@@ -13594,6 +18266,7 @@
             </a:extLst>
           </p:cNvPr>
           <p:cNvCxnSpPr>
+            <a:cxnSpLocks/>
             <a:stCxn id="37" idx="3"/>
             <a:endCxn id="41" idx="1"/>
           </p:cNvCxnSpPr>
@@ -13601,8 +18274,8 @@
         </p:nvCxnSpPr>
         <p:spPr>
           <a:xfrm flipV="1">
-            <a:off x="2840615" y="3391096"/>
-            <a:ext cx="920197" cy="2807774"/>
+            <a:off x="2840615" y="2412163"/>
+            <a:ext cx="920197" cy="2801703"/>
           </a:xfrm>
           <a:prstGeom prst="bentConnector3">
             <a:avLst/>
@@ -13643,7 +18316,7 @@
         </p:nvCxnSpPr>
         <p:spPr>
           <a:xfrm rot="5400000">
-            <a:off x="3787799" y="3630343"/>
+            <a:off x="3787799" y="2651410"/>
             <a:ext cx="280497" cy="335403"/>
           </a:xfrm>
           <a:prstGeom prst="bentConnector3">
@@ -13683,7 +18356,7 @@
         </p:nvSpPr>
         <p:spPr>
           <a:xfrm>
-            <a:off x="3858620" y="4560936"/>
+            <a:off x="3858620" y="3582003"/>
             <a:ext cx="669871" cy="533400"/>
           </a:xfrm>
           <a:prstGeom prst="rect">
@@ -13738,7 +18411,7 @@
         </p:nvSpPr>
         <p:spPr>
           <a:xfrm>
-            <a:off x="4515649" y="3901678"/>
+            <a:off x="4515649" y="2922745"/>
             <a:ext cx="1425390" cy="369332"/>
           </a:xfrm>
           <a:prstGeom prst="rect">
@@ -13784,7 +18457,7 @@
         </p:nvCxnSpPr>
         <p:spPr>
           <a:xfrm rot="5400000">
-            <a:off x="4600105" y="4199397"/>
+            <a:off x="4600105" y="3220464"/>
             <a:ext cx="556626" cy="699853"/>
           </a:xfrm>
           <a:prstGeom prst="bentConnector2">
@@ -13824,7 +18497,7 @@
         </p:nvSpPr>
         <p:spPr>
           <a:xfrm>
-            <a:off x="3505200" y="5469740"/>
+            <a:off x="3505200" y="4490807"/>
             <a:ext cx="873957" cy="369332"/>
           </a:xfrm>
           <a:prstGeom prst="rect">
@@ -13869,7 +18542,7 @@
         </p:nvCxnSpPr>
         <p:spPr>
           <a:xfrm rot="5400000">
-            <a:off x="3880166" y="5156350"/>
+            <a:off x="3880166" y="4177417"/>
             <a:ext cx="375404" cy="251377"/>
           </a:xfrm>
           <a:prstGeom prst="bentConnector3">
@@ -13912,7 +18585,7 @@
         </p:nvCxnSpPr>
         <p:spPr>
           <a:xfrm rot="16200000" flipH="1">
-            <a:off x="3850295" y="4217674"/>
+            <a:off x="3850295" y="3238741"/>
             <a:ext cx="253311" cy="433211"/>
           </a:xfrm>
           <a:prstGeom prst="bentConnector3">
@@ -14104,7 +18777,7 @@
         </p:nvSpPr>
         <p:spPr>
           <a:xfrm>
-            <a:off x="8153400" y="1752600"/>
+            <a:off x="7320087" y="1312448"/>
             <a:ext cx="460382" cy="369332"/>
           </a:xfrm>
           <a:prstGeom prst="rect">
@@ -14142,7 +18815,7 @@
         </p:nvGrpSpPr>
         <p:grpSpPr>
           <a:xfrm>
-            <a:off x="6569128" y="3124200"/>
+            <a:off x="6569128" y="2145267"/>
             <a:ext cx="669871" cy="533400"/>
             <a:chOff x="674832" y="3582004"/>
             <a:chExt cx="669871" cy="533400"/>
@@ -14253,7 +18926,7 @@
         </p:nvSpPr>
         <p:spPr>
           <a:xfrm>
-            <a:off x="7686287" y="3130274"/>
+            <a:off x="7686287" y="2151341"/>
             <a:ext cx="1011815" cy="369332"/>
           </a:xfrm>
           <a:prstGeom prst="rect">
@@ -14295,7 +18968,7 @@
         </p:nvCxnSpPr>
         <p:spPr>
           <a:xfrm rot="10800000" flipV="1">
-            <a:off x="7238999" y="3314940"/>
+            <a:off x="7238999" y="2336007"/>
             <a:ext cx="447288" cy="75960"/>
           </a:xfrm>
           <a:prstGeom prst="bentConnector3">
@@ -14340,7 +19013,7 @@
         </p:nvCxnSpPr>
         <p:spPr>
           <a:xfrm flipV="1">
-            <a:off x="4379157" y="3390900"/>
+            <a:off x="4379157" y="2411967"/>
             <a:ext cx="2189971" cy="2263506"/>
           </a:xfrm>
           <a:prstGeom prst="bentConnector3">
@@ -14382,7 +19055,7 @@
         </p:nvSpPr>
         <p:spPr>
           <a:xfrm>
-            <a:off x="6605530" y="4648200"/>
+            <a:off x="6605530" y="3669267"/>
             <a:ext cx="669871" cy="533400"/>
           </a:xfrm>
           <a:prstGeom prst="rect">
@@ -14437,7 +19110,7 @@
         </p:nvSpPr>
         <p:spPr>
           <a:xfrm>
-            <a:off x="6517442" y="3956091"/>
+            <a:off x="6517442" y="2977158"/>
             <a:ext cx="873957" cy="369332"/>
           </a:xfrm>
           <a:prstGeom prst="rect">
@@ -14478,7 +19151,7 @@
         </p:nvCxnSpPr>
         <p:spPr>
           <a:xfrm rot="16200000" flipH="1">
-            <a:off x="6779997" y="3781666"/>
+            <a:off x="6779997" y="2802733"/>
             <a:ext cx="298491" cy="50357"/>
           </a:xfrm>
           <a:prstGeom prst="bentConnector3">
@@ -14522,7 +19195,7 @@
         </p:nvCxnSpPr>
         <p:spPr>
           <a:xfrm rot="5400000">
-            <a:off x="6786056" y="4479834"/>
+            <a:off x="6786056" y="3500901"/>
             <a:ext cx="322777" cy="13955"/>
           </a:xfrm>
           <a:prstGeom prst="bentConnector3">
@@ -14562,7 +19235,7 @@
         </p:nvSpPr>
         <p:spPr>
           <a:xfrm>
-            <a:off x="7490010" y="4392928"/>
+            <a:off x="7490010" y="3413995"/>
             <a:ext cx="1425390" cy="369332"/>
           </a:xfrm>
           <a:prstGeom prst="rect">
@@ -14581,7 +19254,7 @@
                 <a:latin typeface="Courier New" panose="02070309020205020404" pitchFamily="49" charset="0"/>
                 <a:cs typeface="Courier New" panose="02070309020205020404" pitchFamily="49" charset="0"/>
               </a:rPr>
-              <a:t>V1.height</a:t>
+              <a:t>V2.height</a:t>
             </a:r>
           </a:p>
         </p:txBody>
@@ -14604,7 +19277,7 @@
         </p:nvCxnSpPr>
         <p:spPr>
           <a:xfrm rot="10800000" flipV="1">
-            <a:off x="7275402" y="4577594"/>
+            <a:off x="7275402" y="3598661"/>
             <a:ext cx="214609" cy="337306"/>
           </a:xfrm>
           <a:prstGeom prst="bentConnector3">
@@ -14613,8 +19286,8 @@
             </a:avLst>
           </a:prstGeom>
           <a:ln>
-            <a:headEnd type="none" w="med" len="med"/>
-            <a:tailEnd type="arrow" w="med" len="med"/>
+            <a:headEnd type="arrow" w="med" len="med"/>
+            <a:tailEnd type="none" w="med" len="med"/>
           </a:ln>
         </p:spPr>
         <p:style>
@@ -14646,7 +19319,7 @@
         </p:nvSpPr>
         <p:spPr>
           <a:xfrm>
-            <a:off x="6453686" y="5562600"/>
+            <a:off x="6453686" y="4583667"/>
             <a:ext cx="1011815" cy="369332"/>
           </a:xfrm>
           <a:prstGeom prst="rect">
@@ -14665,7 +19338,7 @@
                 <a:latin typeface="Courier New" panose="02070309020205020404" pitchFamily="49" charset="0"/>
                 <a:cs typeface="Courier New" panose="02070309020205020404" pitchFamily="49" charset="0"/>
               </a:rPr>
-              <a:t>V1.out</a:t>
+              <a:t>V2.out</a:t>
             </a:r>
           </a:p>
         </p:txBody>
@@ -14688,15 +19361,15 @@
         </p:nvCxnSpPr>
         <p:spPr>
           <a:xfrm rot="16200000" flipH="1">
-            <a:off x="6759530" y="5362536"/>
+            <a:off x="6759530" y="4383603"/>
             <a:ext cx="381000" cy="19128"/>
           </a:xfrm>
           <a:prstGeom prst="bentConnector3">
             <a:avLst/>
           </a:prstGeom>
           <a:ln>
-            <a:headEnd type="none" w="med" len="med"/>
-            <a:tailEnd type="arrow" w="med" len="med"/>
+            <a:headEnd type="arrow" w="med" len="med"/>
+            <a:tailEnd type="none" w="med" len="med"/>
           </a:ln>
         </p:spPr>
         <p:style>
@@ -14714,6 +19387,347 @@
           </a:fontRef>
         </p:style>
       </p:cxnSp>
+      <p:sp>
+        <p:nvSpPr>
+          <p:cNvPr id="105" name="Oval 104">
+            <a:extLst>
+              <a:ext uri="{FF2B5EF4-FFF2-40B4-BE49-F238E27FC236}">
+                <a16:creationId xmlns:a16="http://schemas.microsoft.com/office/drawing/2014/main" id="{CD2036CE-47F0-7F4E-B24B-96A03020C638}"/>
+              </a:ext>
+            </a:extLst>
+          </p:cNvPr>
+          <p:cNvSpPr/>
+          <p:nvPr/>
+        </p:nvSpPr>
+        <p:spPr>
+          <a:xfrm>
+            <a:off x="7696200" y="2069067"/>
+            <a:ext cx="1038168" cy="533398"/>
+          </a:xfrm>
+          <a:prstGeom prst="ellipse">
+            <a:avLst/>
+          </a:prstGeom>
+          <a:noFill/>
+          <a:ln w="38100">
+            <a:solidFill>
+              <a:srgbClr val="002060"/>
+            </a:solidFill>
+          </a:ln>
+        </p:spPr>
+        <p:style>
+          <a:lnRef idx="1">
+            <a:schemeClr val="accent1"/>
+          </a:lnRef>
+          <a:fillRef idx="3">
+            <a:schemeClr val="accent1"/>
+          </a:fillRef>
+          <a:effectRef idx="2">
+            <a:schemeClr val="accent1"/>
+          </a:effectRef>
+          <a:fontRef idx="minor">
+            <a:schemeClr val="lt1"/>
+          </a:fontRef>
+        </p:style>
+        <p:txBody>
+          <a:bodyPr rtlCol="0" anchor="ctr"/>
+          <a:lstStyle/>
+          <a:p>
+            <a:pPr algn="ctr"/>
+            <a:endParaRPr lang="en-US"/>
+          </a:p>
+        </p:txBody>
+      </p:sp>
+      <p:sp>
+        <p:nvSpPr>
+          <p:cNvPr id="106" name="Oval 105">
+            <a:extLst>
+              <a:ext uri="{FF2B5EF4-FFF2-40B4-BE49-F238E27FC236}">
+                <a16:creationId xmlns:a16="http://schemas.microsoft.com/office/drawing/2014/main" id="{7348645E-0FD4-2A46-81D4-9928E7DB49B1}"/>
+              </a:ext>
+            </a:extLst>
+          </p:cNvPr>
+          <p:cNvSpPr/>
+          <p:nvPr/>
+        </p:nvSpPr>
+        <p:spPr>
+          <a:xfrm>
+            <a:off x="1705032" y="2057400"/>
+            <a:ext cx="1038168" cy="392667"/>
+          </a:xfrm>
+          <a:prstGeom prst="ellipse">
+            <a:avLst/>
+          </a:prstGeom>
+          <a:noFill/>
+          <a:ln w="38100">
+            <a:solidFill>
+              <a:srgbClr val="002060"/>
+            </a:solidFill>
+          </a:ln>
+        </p:spPr>
+        <p:style>
+          <a:lnRef idx="1">
+            <a:schemeClr val="accent1"/>
+          </a:lnRef>
+          <a:fillRef idx="3">
+            <a:schemeClr val="accent1"/>
+          </a:fillRef>
+          <a:effectRef idx="2">
+            <a:schemeClr val="accent1"/>
+          </a:effectRef>
+          <a:fontRef idx="minor">
+            <a:schemeClr val="lt1"/>
+          </a:fontRef>
+        </p:style>
+        <p:txBody>
+          <a:bodyPr rtlCol="0" anchor="ctr"/>
+          <a:lstStyle/>
+          <a:p>
+            <a:pPr algn="ctr"/>
+            <a:endParaRPr lang="en-US"/>
+          </a:p>
+        </p:txBody>
+      </p:sp>
+      <p:sp>
+        <p:nvSpPr>
+          <p:cNvPr id="107" name="Oval 106">
+            <a:extLst>
+              <a:ext uri="{FF2B5EF4-FFF2-40B4-BE49-F238E27FC236}">
+                <a16:creationId xmlns:a16="http://schemas.microsoft.com/office/drawing/2014/main" id="{E266ED61-A14E-4941-B41C-AF352202DBD9}"/>
+              </a:ext>
+            </a:extLst>
+          </p:cNvPr>
+          <p:cNvSpPr/>
+          <p:nvPr/>
+        </p:nvSpPr>
+        <p:spPr>
+          <a:xfrm>
+            <a:off x="7550278" y="3344325"/>
+            <a:ext cx="1365122" cy="533398"/>
+          </a:xfrm>
+          <a:prstGeom prst="ellipse">
+            <a:avLst/>
+          </a:prstGeom>
+          <a:noFill/>
+          <a:ln w="38100">
+            <a:solidFill>
+              <a:srgbClr val="FF0000"/>
+            </a:solidFill>
+          </a:ln>
+        </p:spPr>
+        <p:style>
+          <a:lnRef idx="1">
+            <a:schemeClr val="accent1"/>
+          </a:lnRef>
+          <a:fillRef idx="3">
+            <a:schemeClr val="accent1"/>
+          </a:fillRef>
+          <a:effectRef idx="2">
+            <a:schemeClr val="accent1"/>
+          </a:effectRef>
+          <a:fontRef idx="minor">
+            <a:schemeClr val="lt1"/>
+          </a:fontRef>
+        </p:style>
+        <p:txBody>
+          <a:bodyPr rtlCol="0" anchor="ctr"/>
+          <a:lstStyle/>
+          <a:p>
+            <a:pPr algn="ctr"/>
+            <a:endParaRPr lang="en-US"/>
+          </a:p>
+        </p:txBody>
+      </p:sp>
+      <p:sp>
+        <p:nvSpPr>
+          <p:cNvPr id="108" name="Oval 107">
+            <a:extLst>
+              <a:ext uri="{FF2B5EF4-FFF2-40B4-BE49-F238E27FC236}">
+                <a16:creationId xmlns:a16="http://schemas.microsoft.com/office/drawing/2014/main" id="{B460AD49-F3C5-A54F-9C1E-457628E85474}"/>
+              </a:ext>
+            </a:extLst>
+          </p:cNvPr>
+          <p:cNvSpPr/>
+          <p:nvPr/>
+        </p:nvSpPr>
+        <p:spPr>
+          <a:xfrm>
+            <a:off x="301749" y="4056102"/>
+            <a:ext cx="1298451" cy="533398"/>
+          </a:xfrm>
+          <a:prstGeom prst="ellipse">
+            <a:avLst/>
+          </a:prstGeom>
+          <a:noFill/>
+          <a:ln w="38100">
+            <a:solidFill>
+              <a:srgbClr val="FF0000"/>
+            </a:solidFill>
+          </a:ln>
+        </p:spPr>
+        <p:style>
+          <a:lnRef idx="1">
+            <a:schemeClr val="accent1"/>
+          </a:lnRef>
+          <a:fillRef idx="3">
+            <a:schemeClr val="accent1"/>
+          </a:fillRef>
+          <a:effectRef idx="2">
+            <a:schemeClr val="accent1"/>
+          </a:effectRef>
+          <a:fontRef idx="minor">
+            <a:schemeClr val="lt1"/>
+          </a:fontRef>
+        </p:style>
+        <p:txBody>
+          <a:bodyPr rtlCol="0" anchor="ctr"/>
+          <a:lstStyle/>
+          <a:p>
+            <a:pPr algn="ctr"/>
+            <a:endParaRPr lang="en-US"/>
+          </a:p>
+        </p:txBody>
+      </p:sp>
+      <p:sp>
+        <p:nvSpPr>
+          <p:cNvPr id="109" name="TextBox 108">
+            <a:extLst>
+              <a:ext uri="{FF2B5EF4-FFF2-40B4-BE49-F238E27FC236}">
+                <a16:creationId xmlns:a16="http://schemas.microsoft.com/office/drawing/2014/main" id="{1835A0FD-DBE6-5A4C-BF2B-F3DFAC51603C}"/>
+              </a:ext>
+            </a:extLst>
+          </p:cNvPr>
+          <p:cNvSpPr txBox="1"/>
+          <p:nvPr/>
+        </p:nvSpPr>
+        <p:spPr>
+          <a:xfrm>
+            <a:off x="3657600" y="5695890"/>
+            <a:ext cx="3079689" cy="400110"/>
+          </a:xfrm>
+          <a:prstGeom prst="rect">
+            <a:avLst/>
+          </a:prstGeom>
+          <a:solidFill>
+            <a:schemeClr val="bg1">
+              <a:lumMod val="95000"/>
+            </a:schemeClr>
+          </a:solidFill>
+        </p:spPr>
+        <p:txBody>
+          <a:bodyPr wrap="none" rtlCol="0">
+            <a:spAutoFit/>
+          </a:bodyPr>
+          <a:lstStyle/>
+          <a:p>
+            <a:r>
+              <a:rPr lang="en-US" sz="2000" dirty="0">
+                <a:solidFill>
+                  <a:srgbClr val="002060"/>
+                </a:solidFill>
+              </a:rPr>
+              <a:t>Given </a:t>
+            </a:r>
+            <a:r>
+              <a:rPr lang="en-US" sz="2000" dirty="0">
+                <a:solidFill>
+                  <a:srgbClr val="002060"/>
+                </a:solidFill>
+                <a:latin typeface="Courier New" panose="02070309020205020404" pitchFamily="49" charset="0"/>
+                <a:cs typeface="Courier New" panose="02070309020205020404" pitchFamily="49" charset="0"/>
+              </a:rPr>
+              <a:t>F1.out, F2.out</a:t>
+            </a:r>
+          </a:p>
+        </p:txBody>
+      </p:sp>
+      <p:sp>
+        <p:nvSpPr>
+          <p:cNvPr id="110" name="TextBox 109">
+            <a:extLst>
+              <a:ext uri="{FF2B5EF4-FFF2-40B4-BE49-F238E27FC236}">
+                <a16:creationId xmlns:a16="http://schemas.microsoft.com/office/drawing/2014/main" id="{6358FB37-92D9-3541-90CA-7554C91180D0}"/>
+              </a:ext>
+            </a:extLst>
+          </p:cNvPr>
+          <p:cNvSpPr txBox="1"/>
+          <p:nvPr/>
+        </p:nvSpPr>
+        <p:spPr>
+          <a:xfrm>
+            <a:off x="3657600" y="6153090"/>
+            <a:ext cx="3833101" cy="400110"/>
+          </a:xfrm>
+          <a:prstGeom prst="rect">
+            <a:avLst/>
+          </a:prstGeom>
+          <a:solidFill>
+            <a:schemeClr val="bg1">
+              <a:lumMod val="95000"/>
+            </a:schemeClr>
+          </a:solidFill>
+        </p:spPr>
+        <p:txBody>
+          <a:bodyPr wrap="none" rtlCol="0">
+            <a:spAutoFit/>
+          </a:bodyPr>
+          <a:lstStyle/>
+          <a:p>
+            <a:r>
+              <a:rPr lang="en-US" sz="2000" dirty="0">
+                <a:solidFill>
+                  <a:srgbClr val="FF0000"/>
+                </a:solidFill>
+              </a:rPr>
+              <a:t>Find </a:t>
+            </a:r>
+            <a:r>
+              <a:rPr lang="en-US" sz="2000" dirty="0">
+                <a:solidFill>
+                  <a:srgbClr val="FF0000"/>
+                </a:solidFill>
+                <a:latin typeface="Courier New" panose="02070309020205020404" pitchFamily="49" charset="0"/>
+                <a:cs typeface="Courier New" panose="02070309020205020404" pitchFamily="49" charset="0"/>
+              </a:rPr>
+              <a:t>V1.height, V2.height</a:t>
+            </a:r>
+          </a:p>
+        </p:txBody>
+      </p:sp>
+      <p:sp>
+        <p:nvSpPr>
+          <p:cNvPr id="112" name="TextBox 111">
+            <a:extLst>
+              <a:ext uri="{FF2B5EF4-FFF2-40B4-BE49-F238E27FC236}">
+                <a16:creationId xmlns:a16="http://schemas.microsoft.com/office/drawing/2014/main" id="{44000E30-D6AC-3E4E-900B-0747C0EF837B}"/>
+              </a:ext>
+            </a:extLst>
+          </p:cNvPr>
+          <p:cNvSpPr txBox="1"/>
+          <p:nvPr/>
+        </p:nvSpPr>
+        <p:spPr>
+          <a:xfrm>
+            <a:off x="3567514" y="5334000"/>
+            <a:ext cx="2576346" cy="400110"/>
+          </a:xfrm>
+          <a:prstGeom prst="rect">
+            <a:avLst/>
+          </a:prstGeom>
+          <a:noFill/>
+        </p:spPr>
+        <p:txBody>
+          <a:bodyPr wrap="none" rtlCol="0">
+            <a:spAutoFit/>
+          </a:bodyPr>
+          <a:lstStyle/>
+          <a:p>
+            <a:r>
+              <a:rPr lang="en-US" sz="2000" b="1" dirty="0"/>
+              <a:t>Modeling objective</a:t>
+            </a:r>
+          </a:p>
+        </p:txBody>
+      </p:sp>
     </p:spTree>
     <p:extLst>
       <p:ext uri="{BB962C8B-B14F-4D97-AF65-F5344CB8AC3E}">
@@ -14879,21 +19893,39 @@
                                   </p:childTnLst>
                                 </p:cTn>
                               </p:par>
+                            </p:childTnLst>
+                          </p:cTn>
+                        </p:par>
+                      </p:childTnLst>
+                    </p:cTn>
+                  </p:par>
+                  <p:par>
+                    <p:cTn id="15" fill="hold">
+                      <p:stCondLst>
+                        <p:cond delay="indefinite"/>
+                      </p:stCondLst>
+                      <p:childTnLst>
+                        <p:par>
+                          <p:cTn id="16" fill="hold">
+                            <p:stCondLst>
+                              <p:cond delay="0"/>
+                            </p:stCondLst>
+                            <p:childTnLst>
                               <p:par>
-                                <p:cTn id="15" presetID="1" presetClass="entr" presetSubtype="0" fill="hold" grpId="0" nodeType="withEffect">
+                                <p:cTn id="17" presetID="1" presetClass="entr" presetSubtype="0" fill="hold" grpId="0" nodeType="clickEffect">
                                   <p:stCondLst>
                                     <p:cond delay="0"/>
                                   </p:stCondLst>
                                   <p:childTnLst>
                                     <p:set>
                                       <p:cBhvr>
-                                        <p:cTn id="16" dur="1" fill="hold">
+                                        <p:cTn id="18" dur="1" fill="hold">
                                           <p:stCondLst>
                                             <p:cond delay="0"/>
                                           </p:stCondLst>
                                         </p:cTn>
                                         <p:tgtEl>
-                                          <p:spTgt spid="15"/>
+                                          <p:spTgt spid="17"/>
                                         </p:tgtEl>
                                         <p:attrNameLst>
                                           <p:attrName>style.visibility</p:attrName>
@@ -14906,26 +19938,8 @@
                                   </p:childTnLst>
                                 </p:cTn>
                               </p:par>
-                            </p:childTnLst>
-                          </p:cTn>
-                        </p:par>
-                      </p:childTnLst>
-                    </p:cTn>
-                  </p:par>
-                  <p:par>
-                    <p:cTn id="17" fill="hold">
-                      <p:stCondLst>
-                        <p:cond delay="indefinite"/>
-                      </p:stCondLst>
-                      <p:childTnLst>
-                        <p:par>
-                          <p:cTn id="18" fill="hold">
-                            <p:stCondLst>
-                              <p:cond delay="0"/>
-                            </p:stCondLst>
-                            <p:childTnLst>
                               <p:par>
-                                <p:cTn id="19" presetID="1" presetClass="entr" presetSubtype="0" fill="hold" grpId="0" nodeType="clickEffect">
+                                <p:cTn id="19" presetID="1" presetClass="entr" presetSubtype="0" fill="hold" grpId="0" nodeType="withEffect">
                                   <p:stCondLst>
                                     <p:cond delay="0"/>
                                   </p:stCondLst>
@@ -14938,7 +19952,7 @@
                                           </p:stCondLst>
                                         </p:cTn>
                                         <p:tgtEl>
-                                          <p:spTgt spid="17"/>
+                                          <p:spTgt spid="21"/>
                                         </p:tgtEl>
                                         <p:attrNameLst>
                                           <p:attrName>style.visibility</p:attrName>
@@ -14965,7 +19979,7 @@
                                           </p:stCondLst>
                                         </p:cTn>
                                         <p:tgtEl>
-                                          <p:spTgt spid="21"/>
+                                          <p:spTgt spid="23"/>
                                         </p:tgtEl>
                                         <p:attrNameLst>
                                           <p:attrName>style.visibility</p:attrName>
@@ -14979,7 +19993,7 @@
                                 </p:cTn>
                               </p:par>
                               <p:par>
-                                <p:cTn id="23" presetID="1" presetClass="entr" presetSubtype="0" fill="hold" grpId="0" nodeType="withEffect">
+                                <p:cTn id="23" presetID="1" presetClass="entr" presetSubtype="0" fill="hold" nodeType="withEffect">
                                   <p:stCondLst>
                                     <p:cond delay="0"/>
                                   </p:stCondLst>
@@ -14992,7 +20006,7 @@
                                           </p:stCondLst>
                                         </p:cTn>
                                         <p:tgtEl>
-                                          <p:spTgt spid="23"/>
+                                          <p:spTgt spid="26"/>
                                         </p:tgtEl>
                                         <p:attrNameLst>
                                           <p:attrName>style.visibility</p:attrName>
@@ -15019,7 +20033,7 @@
                                           </p:stCondLst>
                                         </p:cTn>
                                         <p:tgtEl>
-                                          <p:spTgt spid="26"/>
+                                          <p:spTgt spid="28"/>
                                         </p:tgtEl>
                                         <p:attrNameLst>
                                           <p:attrName>style.visibility</p:attrName>
@@ -15046,7 +20060,7 @@
                                           </p:stCondLst>
                                         </p:cTn>
                                         <p:tgtEl>
-                                          <p:spTgt spid="28"/>
+                                          <p:spTgt spid="30"/>
                                         </p:tgtEl>
                                         <p:attrNameLst>
                                           <p:attrName>style.visibility</p:attrName>
@@ -15073,33 +20087,6 @@
                                           </p:stCondLst>
                                         </p:cTn>
                                         <p:tgtEl>
-                                          <p:spTgt spid="30"/>
-                                        </p:tgtEl>
-                                        <p:attrNameLst>
-                                          <p:attrName>style.visibility</p:attrName>
-                                        </p:attrNameLst>
-                                      </p:cBhvr>
-                                      <p:to>
-                                        <p:strVal val="visible"/>
-                                      </p:to>
-                                    </p:set>
-                                  </p:childTnLst>
-                                </p:cTn>
-                              </p:par>
-                              <p:par>
-                                <p:cTn id="31" presetID="1" presetClass="entr" presetSubtype="0" fill="hold" nodeType="withEffect">
-                                  <p:stCondLst>
-                                    <p:cond delay="0"/>
-                                  </p:stCondLst>
-                                  <p:childTnLst>
-                                    <p:set>
-                                      <p:cBhvr>
-                                        <p:cTn id="32" dur="1" fill="hold">
-                                          <p:stCondLst>
-                                            <p:cond delay="0"/>
-                                          </p:stCondLst>
-                                        </p:cTn>
-                                        <p:tgtEl>
                                           <p:spTgt spid="32"/>
                                         </p:tgtEl>
                                         <p:attrNameLst>
@@ -15114,14 +20101,14 @@
                                 </p:cTn>
                               </p:par>
                               <p:par>
-                                <p:cTn id="33" presetID="1" presetClass="entr" presetSubtype="0" fill="hold" grpId="0" nodeType="withEffect">
+                                <p:cTn id="31" presetID="1" presetClass="entr" presetSubtype="0" fill="hold" grpId="0" nodeType="withEffect">
                                   <p:stCondLst>
                                     <p:cond delay="0"/>
                                   </p:stCondLst>
                                   <p:childTnLst>
                                     <p:set>
                                       <p:cBhvr>
-                                        <p:cTn id="34" dur="1" fill="hold">
+                                        <p:cTn id="32" dur="1" fill="hold">
                                           <p:stCondLst>
                                             <p:cond delay="0"/>
                                           </p:stCondLst>
@@ -15141,14 +20128,14 @@
                                 </p:cTn>
                               </p:par>
                               <p:par>
-                                <p:cTn id="35" presetID="1" presetClass="entr" presetSubtype="0" fill="hold" nodeType="withEffect">
+                                <p:cTn id="33" presetID="1" presetClass="entr" presetSubtype="0" fill="hold" nodeType="withEffect">
                                   <p:stCondLst>
                                     <p:cond delay="0"/>
                                   </p:stCondLst>
                                   <p:childTnLst>
                                     <p:set>
                                       <p:cBhvr>
-                                        <p:cTn id="36" dur="1" fill="hold">
+                                        <p:cTn id="34" dur="1" fill="hold">
                                           <p:stCondLst>
                                             <p:cond delay="0"/>
                                           </p:stCondLst>
@@ -15168,14 +20155,14 @@
                                 </p:cTn>
                               </p:par>
                               <p:par>
-                                <p:cTn id="37" presetID="1" presetClass="entr" presetSubtype="0" fill="hold" grpId="0" nodeType="withEffect">
+                                <p:cTn id="35" presetID="1" presetClass="entr" presetSubtype="0" fill="hold" grpId="0" nodeType="withEffect">
                                   <p:stCondLst>
                                     <p:cond delay="0"/>
                                   </p:stCondLst>
                                   <p:childTnLst>
                                     <p:set>
                                       <p:cBhvr>
-                                        <p:cTn id="38" dur="1" fill="hold">
+                                        <p:cTn id="36" dur="1" fill="hold">
                                           <p:stCondLst>
                                             <p:cond delay="0"/>
                                           </p:stCondLst>
@@ -15195,14 +20182,14 @@
                                 </p:cTn>
                               </p:par>
                               <p:par>
-                                <p:cTn id="39" presetID="1" presetClass="entr" presetSubtype="0" fill="hold" nodeType="withEffect">
+                                <p:cTn id="37" presetID="1" presetClass="entr" presetSubtype="0" fill="hold" nodeType="withEffect">
                                   <p:stCondLst>
                                     <p:cond delay="0"/>
                                   </p:stCondLst>
                                   <p:childTnLst>
                                     <p:set>
                                       <p:cBhvr>
-                                        <p:cTn id="40" dur="1" fill="hold">
+                                        <p:cTn id="38" dur="1" fill="hold">
                                           <p:stCondLst>
                                             <p:cond delay="0"/>
                                           </p:stCondLst>
@@ -15228,26 +20215,26 @@
                     </p:cTn>
                   </p:par>
                   <p:par>
-                    <p:cTn id="41" fill="hold">
+                    <p:cTn id="39" fill="hold">
                       <p:stCondLst>
                         <p:cond delay="indefinite"/>
                       </p:stCondLst>
                       <p:childTnLst>
                         <p:par>
-                          <p:cTn id="42" fill="hold">
+                          <p:cTn id="40" fill="hold">
                             <p:stCondLst>
                               <p:cond delay="0"/>
                             </p:stCondLst>
                             <p:childTnLst>
                               <p:par>
-                                <p:cTn id="43" presetID="1" presetClass="entr" presetSubtype="0" fill="hold" nodeType="clickEffect">
+                                <p:cTn id="41" presetID="1" presetClass="entr" presetSubtype="0" fill="hold" nodeType="clickEffect">
                                   <p:stCondLst>
                                     <p:cond delay="0"/>
                                   </p:stCondLst>
                                   <p:childTnLst>
                                     <p:set>
                                       <p:cBhvr>
-                                        <p:cTn id="44" dur="1" fill="hold">
+                                        <p:cTn id="42" dur="1" fill="hold">
                                           <p:stCondLst>
                                             <p:cond delay="0"/>
                                           </p:stCondLst>
@@ -15267,14 +20254,14 @@
                                 </p:cTn>
                               </p:par>
                               <p:par>
-                                <p:cTn id="45" presetID="1" presetClass="entr" presetSubtype="0" fill="hold" grpId="0" nodeType="withEffect">
+                                <p:cTn id="43" presetID="1" presetClass="entr" presetSubtype="0" fill="hold" grpId="0" nodeType="withEffect">
                                   <p:stCondLst>
                                     <p:cond delay="0"/>
                                   </p:stCondLst>
                                   <p:childTnLst>
                                     <p:set>
                                       <p:cBhvr>
-                                        <p:cTn id="46" dur="1" fill="hold">
+                                        <p:cTn id="44" dur="1" fill="hold">
                                           <p:stCondLst>
                                             <p:cond delay="0"/>
                                           </p:stCondLst>
@@ -15294,14 +20281,14 @@
                                 </p:cTn>
                               </p:par>
                               <p:par>
-                                <p:cTn id="47" presetID="1" presetClass="entr" presetSubtype="0" fill="hold" nodeType="withEffect">
+                                <p:cTn id="45" presetID="1" presetClass="entr" presetSubtype="0" fill="hold" nodeType="withEffect">
                                   <p:stCondLst>
                                     <p:cond delay="0"/>
                                   </p:stCondLst>
                                   <p:childTnLst>
                                     <p:set>
                                       <p:cBhvr>
-                                        <p:cTn id="48" dur="1" fill="hold">
+                                        <p:cTn id="46" dur="1" fill="hold">
                                           <p:stCondLst>
                                             <p:cond delay="0"/>
                                           </p:stCondLst>
@@ -15321,14 +20308,14 @@
                                 </p:cTn>
                               </p:par>
                               <p:par>
-                                <p:cTn id="49" presetID="1" presetClass="entr" presetSubtype="0" fill="hold" grpId="0" nodeType="withEffect">
+                                <p:cTn id="47" presetID="1" presetClass="entr" presetSubtype="0" fill="hold" grpId="0" nodeType="withEffect">
                                   <p:stCondLst>
                                     <p:cond delay="0"/>
                                   </p:stCondLst>
                                   <p:childTnLst>
                                     <p:set>
                                       <p:cBhvr>
-                                        <p:cTn id="50" dur="1" fill="hold">
+                                        <p:cTn id="48" dur="1" fill="hold">
                                           <p:stCondLst>
                                             <p:cond delay="0"/>
                                           </p:stCondLst>
@@ -15348,14 +20335,14 @@
                                 </p:cTn>
                               </p:par>
                               <p:par>
-                                <p:cTn id="51" presetID="1" presetClass="entr" presetSubtype="0" fill="hold" nodeType="withEffect">
+                                <p:cTn id="49" presetID="1" presetClass="entr" presetSubtype="0" fill="hold" nodeType="withEffect">
                                   <p:stCondLst>
                                     <p:cond delay="0"/>
                                   </p:stCondLst>
                                   <p:childTnLst>
                                     <p:set>
                                       <p:cBhvr>
-                                        <p:cTn id="52" dur="1" fill="hold">
+                                        <p:cTn id="50" dur="1" fill="hold">
                                           <p:stCondLst>
                                             <p:cond delay="0"/>
                                           </p:stCondLst>
@@ -15375,7 +20362,34 @@
                                 </p:cTn>
                               </p:par>
                               <p:par>
-                                <p:cTn id="53" presetID="1" presetClass="entr" presetSubtype="0" fill="hold" grpId="0" nodeType="withEffect">
+                                <p:cTn id="51" presetID="1" presetClass="entr" presetSubtype="0" fill="hold" grpId="0" nodeType="withEffect">
+                                  <p:stCondLst>
+                                    <p:cond delay="0"/>
+                                  </p:stCondLst>
+                                  <p:childTnLst>
+                                    <p:set>
+                                      <p:cBhvr>
+                                        <p:cTn id="52" dur="1" fill="hold">
+                                          <p:stCondLst>
+                                            <p:cond delay="0"/>
+                                          </p:stCondLst>
+                                        </p:cTn>
+                                        <p:tgtEl>
+                                          <p:spTgt spid="51"/>
+                                        </p:tgtEl>
+                                        <p:attrNameLst>
+                                          <p:attrName>style.visibility</p:attrName>
+                                        </p:attrNameLst>
+                                      </p:cBhvr>
+                                      <p:to>
+                                        <p:strVal val="visible"/>
+                                      </p:to>
+                                    </p:set>
+                                  </p:childTnLst>
+                                </p:cTn>
+                              </p:par>
+                              <p:par>
+                                <p:cTn id="53" presetID="1" presetClass="entr" presetSubtype="0" fill="hold" nodeType="withEffect">
                                   <p:stCondLst>
                                     <p:cond delay="0"/>
                                   </p:stCondLst>
@@ -15388,7 +20402,7 @@
                                           </p:stCondLst>
                                         </p:cTn>
                                         <p:tgtEl>
-                                          <p:spTgt spid="51"/>
+                                          <p:spTgt spid="52"/>
                                         </p:tgtEl>
                                         <p:attrNameLst>
                                           <p:attrName>style.visibility</p:attrName>
@@ -15415,33 +20429,6 @@
                                           </p:stCondLst>
                                         </p:cTn>
                                         <p:tgtEl>
-                                          <p:spTgt spid="52"/>
-                                        </p:tgtEl>
-                                        <p:attrNameLst>
-                                          <p:attrName>style.visibility</p:attrName>
-                                        </p:attrNameLst>
-                                      </p:cBhvr>
-                                      <p:to>
-                                        <p:strVal val="visible"/>
-                                      </p:to>
-                                    </p:set>
-                                  </p:childTnLst>
-                                </p:cTn>
-                              </p:par>
-                              <p:par>
-                                <p:cTn id="57" presetID="1" presetClass="entr" presetSubtype="0" fill="hold" nodeType="withEffect">
-                                  <p:stCondLst>
-                                    <p:cond delay="0"/>
-                                  </p:stCondLst>
-                                  <p:childTnLst>
-                                    <p:set>
-                                      <p:cBhvr>
-                                        <p:cTn id="58" dur="1" fill="hold">
-                                          <p:stCondLst>
-                                            <p:cond delay="0"/>
-                                          </p:stCondLst>
-                                        </p:cTn>
-                                        <p:tgtEl>
                                           <p:spTgt spid="57"/>
                                         </p:tgtEl>
                                         <p:attrNameLst>
@@ -15456,14 +20443,14 @@
                                 </p:cTn>
                               </p:par>
                               <p:par>
-                                <p:cTn id="59" presetID="1" presetClass="entr" presetSubtype="0" fill="hold" grpId="0" nodeType="withEffect">
+                                <p:cTn id="57" presetID="1" presetClass="entr" presetSubtype="0" fill="hold" grpId="0" nodeType="withEffect">
                                   <p:stCondLst>
                                     <p:cond delay="0"/>
                                   </p:stCondLst>
                                   <p:childTnLst>
                                     <p:set>
                                       <p:cBhvr>
-                                        <p:cTn id="60" dur="1" fill="hold">
+                                        <p:cTn id="58" dur="1" fill="hold">
                                           <p:stCondLst>
                                             <p:cond delay="0"/>
                                           </p:stCondLst>
@@ -15483,14 +20470,14 @@
                                 </p:cTn>
                               </p:par>
                               <p:par>
-                                <p:cTn id="61" presetID="1" presetClass="entr" presetSubtype="0" fill="hold" nodeType="withEffect">
+                                <p:cTn id="59" presetID="1" presetClass="entr" presetSubtype="0" fill="hold" nodeType="withEffect">
                                   <p:stCondLst>
                                     <p:cond delay="0"/>
                                   </p:stCondLst>
                                   <p:childTnLst>
                                     <p:set>
                                       <p:cBhvr>
-                                        <p:cTn id="62" dur="1" fill="hold">
+                                        <p:cTn id="60" dur="1" fill="hold">
                                           <p:stCondLst>
                                             <p:cond delay="0"/>
                                           </p:stCondLst>
@@ -15516,26 +20503,26 @@
                     </p:cTn>
                   </p:par>
                   <p:par>
-                    <p:cTn id="63" fill="hold">
+                    <p:cTn id="61" fill="hold">
                       <p:stCondLst>
                         <p:cond delay="indefinite"/>
                       </p:stCondLst>
                       <p:childTnLst>
                         <p:par>
-                          <p:cTn id="64" fill="hold">
+                          <p:cTn id="62" fill="hold">
                             <p:stCondLst>
                               <p:cond delay="0"/>
                             </p:stCondLst>
                             <p:childTnLst>
                               <p:par>
-                                <p:cTn id="65" presetID="1" presetClass="entr" presetSubtype="0" fill="hold" nodeType="clickEffect">
+                                <p:cTn id="63" presetID="1" presetClass="entr" presetSubtype="0" fill="hold" nodeType="clickEffect">
                                   <p:stCondLst>
                                     <p:cond delay="0"/>
                                   </p:stCondLst>
                                   <p:childTnLst>
                                     <p:set>
                                       <p:cBhvr>
-                                        <p:cTn id="66" dur="1" fill="hold">
+                                        <p:cTn id="64" dur="1" fill="hold">
                                           <p:stCondLst>
                                             <p:cond delay="0"/>
                                           </p:stCondLst>
@@ -15555,14 +20542,14 @@
                                 </p:cTn>
                               </p:par>
                               <p:par>
-                                <p:cTn id="67" presetID="1" presetClass="entr" presetSubtype="0" fill="hold" grpId="0" nodeType="withEffect">
+                                <p:cTn id="65" presetID="1" presetClass="entr" presetSubtype="0" fill="hold" grpId="0" nodeType="withEffect">
                                   <p:stCondLst>
                                     <p:cond delay="0"/>
                                   </p:stCondLst>
                                   <p:childTnLst>
                                     <p:set>
                                       <p:cBhvr>
-                                        <p:cTn id="68" dur="1" fill="hold">
+                                        <p:cTn id="66" dur="1" fill="hold">
                                           <p:stCondLst>
                                             <p:cond delay="0"/>
                                           </p:stCondLst>
@@ -15582,7 +20569,34 @@
                                 </p:cTn>
                               </p:par>
                               <p:par>
-                                <p:cTn id="69" presetID="1" presetClass="entr" presetSubtype="0" fill="hold" nodeType="withEffect">
+                                <p:cTn id="67" presetID="1" presetClass="entr" presetSubtype="0" fill="hold" nodeType="withEffect">
+                                  <p:stCondLst>
+                                    <p:cond delay="0"/>
+                                  </p:stCondLst>
+                                  <p:childTnLst>
+                                    <p:set>
+                                      <p:cBhvr>
+                                        <p:cTn id="68" dur="1" fill="hold">
+                                          <p:stCondLst>
+                                            <p:cond delay="0"/>
+                                          </p:stCondLst>
+                                        </p:cTn>
+                                        <p:tgtEl>
+                                          <p:spTgt spid="78"/>
+                                        </p:tgtEl>
+                                        <p:attrNameLst>
+                                          <p:attrName>style.visibility</p:attrName>
+                                        </p:attrNameLst>
+                                      </p:cBhvr>
+                                      <p:to>
+                                        <p:strVal val="visible"/>
+                                      </p:to>
+                                    </p:set>
+                                  </p:childTnLst>
+                                </p:cTn>
+                              </p:par>
+                              <p:par>
+                                <p:cTn id="69" presetID="1" presetClass="entr" presetSubtype="0" fill="hold" grpId="0" nodeType="withEffect">
                                   <p:stCondLst>
                                     <p:cond delay="0"/>
                                   </p:stCondLst>
@@ -15595,7 +20609,7 @@
                                           </p:stCondLst>
                                         </p:cTn>
                                         <p:tgtEl>
-                                          <p:spTgt spid="78"/>
+                                          <p:spTgt spid="85"/>
                                         </p:tgtEl>
                                         <p:attrNameLst>
                                           <p:attrName>style.visibility</p:attrName>
@@ -15622,7 +20636,7 @@
                                           </p:stCondLst>
                                         </p:cTn>
                                         <p:tgtEl>
-                                          <p:spTgt spid="85"/>
+                                          <p:spTgt spid="87"/>
                                         </p:tgtEl>
                                         <p:attrNameLst>
                                           <p:attrName>style.visibility</p:attrName>
@@ -15636,7 +20650,7 @@
                                 </p:cTn>
                               </p:par>
                               <p:par>
-                                <p:cTn id="73" presetID="1" presetClass="entr" presetSubtype="0" fill="hold" grpId="0" nodeType="withEffect">
+                                <p:cTn id="73" presetID="1" presetClass="entr" presetSubtype="0" fill="hold" nodeType="withEffect">
                                   <p:stCondLst>
                                     <p:cond delay="0"/>
                                   </p:stCondLst>
@@ -15649,7 +20663,7 @@
                                           </p:stCondLst>
                                         </p:cTn>
                                         <p:tgtEl>
-                                          <p:spTgt spid="87"/>
+                                          <p:spTgt spid="89"/>
                                         </p:tgtEl>
                                         <p:attrNameLst>
                                           <p:attrName>style.visibility</p:attrName>
@@ -15676,33 +20690,6 @@
                                           </p:stCondLst>
                                         </p:cTn>
                                         <p:tgtEl>
-                                          <p:spTgt spid="89"/>
-                                        </p:tgtEl>
-                                        <p:attrNameLst>
-                                          <p:attrName>style.visibility</p:attrName>
-                                        </p:attrNameLst>
-                                      </p:cBhvr>
-                                      <p:to>
-                                        <p:strVal val="visible"/>
-                                      </p:to>
-                                    </p:set>
-                                  </p:childTnLst>
-                                </p:cTn>
-                              </p:par>
-                              <p:par>
-                                <p:cTn id="77" presetID="1" presetClass="entr" presetSubtype="0" fill="hold" nodeType="withEffect">
-                                  <p:stCondLst>
-                                    <p:cond delay="0"/>
-                                  </p:stCondLst>
-                                  <p:childTnLst>
-                                    <p:set>
-                                      <p:cBhvr>
-                                        <p:cTn id="78" dur="1" fill="hold">
-                                          <p:stCondLst>
-                                            <p:cond delay="0"/>
-                                          </p:stCondLst>
-                                        </p:cTn>
-                                        <p:tgtEl>
                                           <p:spTgt spid="91"/>
                                         </p:tgtEl>
                                         <p:attrNameLst>
@@ -15717,14 +20704,14 @@
                                 </p:cTn>
                               </p:par>
                               <p:par>
-                                <p:cTn id="79" presetID="1" presetClass="entr" presetSubtype="0" fill="hold" grpId="0" nodeType="withEffect">
+                                <p:cTn id="77" presetID="1" presetClass="entr" presetSubtype="0" fill="hold" grpId="0" nodeType="withEffect">
                                   <p:stCondLst>
                                     <p:cond delay="0"/>
                                   </p:stCondLst>
                                   <p:childTnLst>
                                     <p:set>
                                       <p:cBhvr>
-                                        <p:cTn id="80" dur="1" fill="hold">
+                                        <p:cTn id="78" dur="1" fill="hold">
                                           <p:stCondLst>
                                             <p:cond delay="0"/>
                                           </p:stCondLst>
@@ -15744,14 +20731,14 @@
                                 </p:cTn>
                               </p:par>
                               <p:par>
-                                <p:cTn id="81" presetID="1" presetClass="entr" presetSubtype="0" fill="hold" nodeType="withEffect">
+                                <p:cTn id="79" presetID="1" presetClass="entr" presetSubtype="0" fill="hold" nodeType="withEffect">
                                   <p:stCondLst>
                                     <p:cond delay="0"/>
                                   </p:stCondLst>
                                   <p:childTnLst>
                                     <p:set>
                                       <p:cBhvr>
-                                        <p:cTn id="82" dur="1" fill="hold">
+                                        <p:cTn id="80" dur="1" fill="hold">
                                           <p:stCondLst>
                                             <p:cond delay="0"/>
                                           </p:stCondLst>
@@ -15771,7 +20758,34 @@
                                 </p:cTn>
                               </p:par>
                               <p:par>
-                                <p:cTn id="83" presetID="1" presetClass="entr" presetSubtype="0" fill="hold" grpId="0" nodeType="withEffect">
+                                <p:cTn id="81" presetID="1" presetClass="entr" presetSubtype="0" fill="hold" grpId="0" nodeType="withEffect">
+                                  <p:stCondLst>
+                                    <p:cond delay="0"/>
+                                  </p:stCondLst>
+                                  <p:childTnLst>
+                                    <p:set>
+                                      <p:cBhvr>
+                                        <p:cTn id="82" dur="1" fill="hold">
+                                          <p:stCondLst>
+                                            <p:cond delay="0"/>
+                                          </p:stCondLst>
+                                        </p:cTn>
+                                        <p:tgtEl>
+                                          <p:spTgt spid="99"/>
+                                        </p:tgtEl>
+                                        <p:attrNameLst>
+                                          <p:attrName>style.visibility</p:attrName>
+                                        </p:attrNameLst>
+                                      </p:cBhvr>
+                                      <p:to>
+                                        <p:strVal val="visible"/>
+                                      </p:to>
+                                    </p:set>
+                                  </p:childTnLst>
+                                </p:cTn>
+                              </p:par>
+                              <p:par>
+                                <p:cTn id="83" presetID="1" presetClass="entr" presetSubtype="0" fill="hold" nodeType="withEffect">
                                   <p:stCondLst>
                                     <p:cond delay="0"/>
                                   </p:stCondLst>
@@ -15784,7 +20798,7 @@
                                           </p:stCondLst>
                                         </p:cTn>
                                         <p:tgtEl>
-                                          <p:spTgt spid="99"/>
+                                          <p:spTgt spid="100"/>
                                         </p:tgtEl>
                                         <p:attrNameLst>
                                           <p:attrName>style.visibility</p:attrName>
@@ -15811,7 +20825,52 @@
                                           </p:stCondLst>
                                         </p:cTn>
                                         <p:tgtEl>
-                                          <p:spTgt spid="100"/>
+                                          <p:spTgt spid="82"/>
+                                        </p:tgtEl>
+                                        <p:attrNameLst>
+                                          <p:attrName>style.visibility</p:attrName>
+                                        </p:attrNameLst>
+                                      </p:cBhvr>
+                                      <p:to>
+                                        <p:strVal val="visible"/>
+                                      </p:to>
+                                    </p:set>
+                                  </p:childTnLst>
+                                </p:cTn>
+                              </p:par>
+                            </p:childTnLst>
+                          </p:cTn>
+                        </p:par>
+                      </p:childTnLst>
+                    </p:cTn>
+                  </p:par>
+                  <p:par>
+                    <p:cTn id="87" fill="hold">
+                      <p:stCondLst>
+                        <p:cond delay="indefinite"/>
+                      </p:stCondLst>
+                      <p:childTnLst>
+                        <p:par>
+                          <p:cTn id="88" fill="hold">
+                            <p:stCondLst>
+                              <p:cond delay="0"/>
+                            </p:stCondLst>
+                            <p:childTnLst>
+                              <p:par>
+                                <p:cTn id="89" presetID="1" presetClass="entr" presetSubtype="0" fill="hold" grpId="0" nodeType="clickEffect">
+                                  <p:stCondLst>
+                                    <p:cond delay="0"/>
+                                  </p:stCondLst>
+                                  <p:childTnLst>
+                                    <p:set>
+                                      <p:cBhvr>
+                                        <p:cTn id="90" dur="1" fill="hold">
+                                          <p:stCondLst>
+                                            <p:cond delay="0"/>
+                                          </p:stCondLst>
+                                        </p:cTn>
+                                        <p:tgtEl>
+                                          <p:spTgt spid="109"/>
                                         </p:tgtEl>
                                         <p:attrNameLst>
                                           <p:attrName>style.visibility</p:attrName>
@@ -15825,20 +20884,173 @@
                                 </p:cTn>
                               </p:par>
                               <p:par>
-                                <p:cTn id="87" presetID="1" presetClass="entr" presetSubtype="0" fill="hold" nodeType="withEffect">
+                                <p:cTn id="91" presetID="1" presetClass="entr" presetSubtype="0" fill="hold" grpId="0" nodeType="withEffect">
                                   <p:stCondLst>
                                     <p:cond delay="0"/>
                                   </p:stCondLst>
                                   <p:childTnLst>
                                     <p:set>
                                       <p:cBhvr>
-                                        <p:cTn id="88" dur="1" fill="hold">
+                                        <p:cTn id="92" dur="1" fill="hold">
                                           <p:stCondLst>
                                             <p:cond delay="0"/>
                                           </p:stCondLst>
                                         </p:cTn>
                                         <p:tgtEl>
-                                          <p:spTgt spid="82"/>
+                                          <p:spTgt spid="106"/>
+                                        </p:tgtEl>
+                                        <p:attrNameLst>
+                                          <p:attrName>style.visibility</p:attrName>
+                                        </p:attrNameLst>
+                                      </p:cBhvr>
+                                      <p:to>
+                                        <p:strVal val="visible"/>
+                                      </p:to>
+                                    </p:set>
+                                  </p:childTnLst>
+                                </p:cTn>
+                              </p:par>
+                              <p:par>
+                                <p:cTn id="93" presetID="1" presetClass="entr" presetSubtype="0" fill="hold" grpId="0" nodeType="withEffect">
+                                  <p:stCondLst>
+                                    <p:cond delay="0"/>
+                                  </p:stCondLst>
+                                  <p:childTnLst>
+                                    <p:set>
+                                      <p:cBhvr>
+                                        <p:cTn id="94" dur="1" fill="hold">
+                                          <p:stCondLst>
+                                            <p:cond delay="0"/>
+                                          </p:stCondLst>
+                                        </p:cTn>
+                                        <p:tgtEl>
+                                          <p:spTgt spid="105"/>
+                                        </p:tgtEl>
+                                        <p:attrNameLst>
+                                          <p:attrName>style.visibility</p:attrName>
+                                        </p:attrNameLst>
+                                      </p:cBhvr>
+                                      <p:to>
+                                        <p:strVal val="visible"/>
+                                      </p:to>
+                                    </p:set>
+                                  </p:childTnLst>
+                                </p:cTn>
+                              </p:par>
+                              <p:par>
+                                <p:cTn id="95" presetID="1" presetClass="entr" presetSubtype="0" fill="hold" grpId="0" nodeType="withEffect">
+                                  <p:stCondLst>
+                                    <p:cond delay="0"/>
+                                  </p:stCondLst>
+                                  <p:childTnLst>
+                                    <p:set>
+                                      <p:cBhvr>
+                                        <p:cTn id="96" dur="1" fill="hold">
+                                          <p:stCondLst>
+                                            <p:cond delay="0"/>
+                                          </p:stCondLst>
+                                        </p:cTn>
+                                        <p:tgtEl>
+                                          <p:spTgt spid="112"/>
+                                        </p:tgtEl>
+                                        <p:attrNameLst>
+                                          <p:attrName>style.visibility</p:attrName>
+                                        </p:attrNameLst>
+                                      </p:cBhvr>
+                                      <p:to>
+                                        <p:strVal val="visible"/>
+                                      </p:to>
+                                    </p:set>
+                                  </p:childTnLst>
+                                </p:cTn>
+                              </p:par>
+                            </p:childTnLst>
+                          </p:cTn>
+                        </p:par>
+                      </p:childTnLst>
+                    </p:cTn>
+                  </p:par>
+                  <p:par>
+                    <p:cTn id="97" fill="hold">
+                      <p:stCondLst>
+                        <p:cond delay="indefinite"/>
+                      </p:stCondLst>
+                      <p:childTnLst>
+                        <p:par>
+                          <p:cTn id="98" fill="hold">
+                            <p:stCondLst>
+                              <p:cond delay="0"/>
+                            </p:stCondLst>
+                            <p:childTnLst>
+                              <p:par>
+                                <p:cTn id="99" presetID="1" presetClass="entr" presetSubtype="0" fill="hold" grpId="0" nodeType="clickEffect">
+                                  <p:stCondLst>
+                                    <p:cond delay="0"/>
+                                  </p:stCondLst>
+                                  <p:childTnLst>
+                                    <p:set>
+                                      <p:cBhvr>
+                                        <p:cTn id="100" dur="1" fill="hold">
+                                          <p:stCondLst>
+                                            <p:cond delay="0"/>
+                                          </p:stCondLst>
+                                        </p:cTn>
+                                        <p:tgtEl>
+                                          <p:spTgt spid="108"/>
+                                        </p:tgtEl>
+                                        <p:attrNameLst>
+                                          <p:attrName>style.visibility</p:attrName>
+                                        </p:attrNameLst>
+                                      </p:cBhvr>
+                                      <p:to>
+                                        <p:strVal val="visible"/>
+                                      </p:to>
+                                    </p:set>
+                                  </p:childTnLst>
+                                </p:cTn>
+                              </p:par>
+                              <p:par>
+                                <p:cTn id="101" presetID="1" presetClass="entr" presetSubtype="0" fill="hold" grpId="0" nodeType="withEffect">
+                                  <p:stCondLst>
+                                    <p:cond delay="0"/>
+                                  </p:stCondLst>
+                                  <p:childTnLst>
+                                    <p:set>
+                                      <p:cBhvr>
+                                        <p:cTn id="102" dur="1" fill="hold">
+                                          <p:stCondLst>
+                                            <p:cond delay="0"/>
+                                          </p:stCondLst>
+                                        </p:cTn>
+                                        <p:tgtEl>
+                                          <p:spTgt spid="107"/>
+                                        </p:tgtEl>
+                                        <p:attrNameLst>
+                                          <p:attrName>style.visibility</p:attrName>
+                                        </p:attrNameLst>
+                                      </p:cBhvr>
+                                      <p:to>
+                                        <p:strVal val="visible"/>
+                                      </p:to>
+                                    </p:set>
+                                  </p:childTnLst>
+                                </p:cTn>
+                              </p:par>
+                              <p:par>
+                                <p:cTn id="103" presetID="1" presetClass="entr" presetSubtype="0" fill="hold" grpId="0" nodeType="withEffect">
+                                  <p:stCondLst>
+                                    <p:cond delay="0"/>
+                                  </p:stCondLst>
+                                  <p:childTnLst>
+                                    <p:set>
+                                      <p:cBhvr>
+                                        <p:cTn id="104" dur="1" fill="hold">
+                                          <p:stCondLst>
+                                            <p:cond delay="0"/>
+                                          </p:stCondLst>
+                                        </p:cTn>
+                                        <p:tgtEl>
+                                          <p:spTgt spid="110"/>
                                         </p:tgtEl>
                                         <p:attrNameLst>
                                           <p:attrName>style.visibility</p:attrName>
@@ -15879,7 +21091,6 @@
       </p:par>
     </p:tnLst>
     <p:bldLst>
-      <p:bldP spid="15" grpId="0"/>
       <p:bldP spid="17" grpId="0" animBg="1"/>
       <p:bldP spid="21" grpId="0"/>
       <p:bldP spid="23" grpId="0"/>
@@ -15899,6 +21110,13 @@
       <p:bldP spid="87" grpId="0"/>
       <p:bldP spid="94" grpId="0"/>
       <p:bldP spid="99" grpId="0"/>
+      <p:bldP spid="105" grpId="0" animBg="1"/>
+      <p:bldP spid="106" grpId="0" animBg="1"/>
+      <p:bldP spid="107" grpId="0" animBg="1"/>
+      <p:bldP spid="108" grpId="0" animBg="1"/>
+      <p:bldP spid="109" grpId="0" animBg="1"/>
+      <p:bldP spid="110" grpId="0" animBg="1"/>
+      <p:bldP spid="112" grpId="0"/>
     </p:bldLst>
   </p:timing>
 </p:sld>

--- a/Lectures/CSE 599V Lecture 2- Modeling Essentials.pptx
+++ b/Lectures/CSE 599V Lecture 2- Modeling Essentials.pptx
@@ -9619,33 +9619,8 @@
           <a:p>
             <a:r>
               <a:rPr lang="en-US" dirty="0"/>
-              <a:t>Lac Operon</a:t>
-            </a:r>
-          </a:p>
-        </p:txBody>
-      </p:sp>
-      <p:sp>
-        <p:nvSpPr>
-          <p:cNvPr id="3" name="Content Placeholder 2">
-            <a:extLst>
-              <a:ext uri="{FF2B5EF4-FFF2-40B4-BE49-F238E27FC236}">
-                <a16:creationId xmlns:a16="http://schemas.microsoft.com/office/drawing/2014/main" id="{FB057087-B2E9-1C44-8F5E-8255F5419354}"/>
-              </a:ext>
-            </a:extLst>
-          </p:cNvPr>
-          <p:cNvSpPr>
-            <a:spLocks noGrp="1"/>
-          </p:cNvSpPr>
-          <p:nvPr>
-            <p:ph idx="1"/>
-          </p:nvPr>
-        </p:nvSpPr>
-        <p:spPr/>
-        <p:txBody>
-          <a:bodyPr/>
-          <a:lstStyle/>
-          <a:p>
-            <a:endParaRPr lang="en-US"/>
+              <a:t>Lac Operon*</a:t>
+            </a:r>
           </a:p>
         </p:txBody>
       </p:sp>
@@ -9681,6 +9656,189 @@
               <a:t>15</a:t>
             </a:fld>
             <a:endParaRPr lang="en-US" altLang="x-none"/>
+          </a:p>
+        </p:txBody>
+      </p:sp>
+      <p:pic>
+        <p:nvPicPr>
+          <p:cNvPr id="6" name="Picture 5">
+            <a:extLst>
+              <a:ext uri="{FF2B5EF4-FFF2-40B4-BE49-F238E27FC236}">
+                <a16:creationId xmlns:a16="http://schemas.microsoft.com/office/drawing/2014/main" id="{45164E94-5AB4-3D46-9813-B497AE6B7E45}"/>
+              </a:ext>
+            </a:extLst>
+          </p:cNvPr>
+          <p:cNvPicPr>
+            <a:picLocks noChangeAspect="1"/>
+          </p:cNvPicPr>
+          <p:nvPr/>
+        </p:nvPicPr>
+        <p:blipFill>
+          <a:blip r:embed="rId2"/>
+          <a:stretch>
+            <a:fillRect/>
+          </a:stretch>
+        </p:blipFill>
+        <p:spPr>
+          <a:xfrm>
+            <a:off x="407425" y="1219200"/>
+            <a:ext cx="8298425" cy="4072578"/>
+          </a:xfrm>
+          <a:prstGeom prst="rect">
+            <a:avLst/>
+          </a:prstGeom>
+        </p:spPr>
+      </p:pic>
+      <p:sp>
+        <p:nvSpPr>
+          <p:cNvPr id="7" name="TextBox 6">
+            <a:extLst>
+              <a:ext uri="{FF2B5EF4-FFF2-40B4-BE49-F238E27FC236}">
+                <a16:creationId xmlns:a16="http://schemas.microsoft.com/office/drawing/2014/main" id="{65446740-EDDC-114F-9665-C4010DD2FB72}"/>
+              </a:ext>
+            </a:extLst>
+          </p:cNvPr>
+          <p:cNvSpPr txBox="1"/>
+          <p:nvPr/>
+        </p:nvSpPr>
+        <p:spPr>
+          <a:xfrm>
+            <a:off x="1905000" y="5943600"/>
+            <a:ext cx="2993384" cy="276999"/>
+          </a:xfrm>
+          <a:prstGeom prst="rect">
+            <a:avLst/>
+          </a:prstGeom>
+          <a:noFill/>
+        </p:spPr>
+        <p:txBody>
+          <a:bodyPr wrap="none" rtlCol="0">
+            <a:spAutoFit/>
+          </a:bodyPr>
+          <a:lstStyle/>
+          <a:p>
+            <a:r>
+              <a:rPr lang="en-US" sz="1200" dirty="0"/>
+              <a:t>*</a:t>
+            </a:r>
+            <a:r>
+              <a:rPr lang="en-US" sz="1200" dirty="0" err="1"/>
+              <a:t>Vilar</a:t>
+            </a:r>
+            <a:r>
+              <a:rPr lang="en-US" sz="1200" dirty="0"/>
+              <a:t> et al., 2003. Journal of Cell Biology.</a:t>
+            </a:r>
+          </a:p>
+        </p:txBody>
+      </p:sp>
+      <p:sp>
+        <p:nvSpPr>
+          <p:cNvPr id="8" name="Rectangle 7">
+            <a:extLst>
+              <a:ext uri="{FF2B5EF4-FFF2-40B4-BE49-F238E27FC236}">
+                <a16:creationId xmlns:a16="http://schemas.microsoft.com/office/drawing/2014/main" id="{D7EFF2FA-298F-F34D-8AE5-80AB8190830F}"/>
+              </a:ext>
+            </a:extLst>
+          </p:cNvPr>
+          <p:cNvSpPr/>
+          <p:nvPr/>
+        </p:nvSpPr>
+        <p:spPr>
+          <a:xfrm>
+            <a:off x="5562600" y="4267200"/>
+            <a:ext cx="3143250" cy="1295400"/>
+          </a:xfrm>
+          <a:prstGeom prst="rect">
+            <a:avLst/>
+          </a:prstGeom>
+          <a:solidFill>
+            <a:schemeClr val="bg1"/>
+          </a:solidFill>
+          <a:ln>
+            <a:noFill/>
+          </a:ln>
+          <a:effectLst>
+            <a:outerShdw dist="23000" sx="1000" sy="1000" rotWithShape="0">
+              <a:srgbClr val="000000"/>
+            </a:outerShdw>
+          </a:effectLst>
+        </p:spPr>
+        <p:style>
+          <a:lnRef idx="1">
+            <a:schemeClr val="accent1"/>
+          </a:lnRef>
+          <a:fillRef idx="3">
+            <a:schemeClr val="accent1"/>
+          </a:fillRef>
+          <a:effectRef idx="2">
+            <a:schemeClr val="accent1"/>
+          </a:effectRef>
+          <a:fontRef idx="minor">
+            <a:schemeClr val="lt1"/>
+          </a:fontRef>
+        </p:style>
+        <p:txBody>
+          <a:bodyPr rtlCol="0" anchor="ctr"/>
+          <a:lstStyle/>
+          <a:p>
+            <a:pPr algn="ctr"/>
+            <a:endParaRPr lang="en-US"/>
+          </a:p>
+        </p:txBody>
+      </p:sp>
+      <p:sp>
+        <p:nvSpPr>
+          <p:cNvPr id="9" name="Rectangle 8">
+            <a:extLst>
+              <a:ext uri="{FF2B5EF4-FFF2-40B4-BE49-F238E27FC236}">
+                <a16:creationId xmlns:a16="http://schemas.microsoft.com/office/drawing/2014/main" id="{AB6FF7E3-AB1A-7E42-B8D8-0567F2D5DCAC}"/>
+              </a:ext>
+            </a:extLst>
+          </p:cNvPr>
+          <p:cNvSpPr/>
+          <p:nvPr/>
+        </p:nvSpPr>
+        <p:spPr>
+          <a:xfrm>
+            <a:off x="6248400" y="3514569"/>
+            <a:ext cx="2457450" cy="1295400"/>
+          </a:xfrm>
+          <a:prstGeom prst="rect">
+            <a:avLst/>
+          </a:prstGeom>
+          <a:solidFill>
+            <a:schemeClr val="bg1"/>
+          </a:solidFill>
+          <a:ln>
+            <a:noFill/>
+          </a:ln>
+          <a:effectLst>
+            <a:outerShdw dist="23000" sx="1000" sy="1000" rotWithShape="0">
+              <a:srgbClr val="000000"/>
+            </a:outerShdw>
+          </a:effectLst>
+        </p:spPr>
+        <p:style>
+          <a:lnRef idx="1">
+            <a:schemeClr val="accent1"/>
+          </a:lnRef>
+          <a:fillRef idx="3">
+            <a:schemeClr val="accent1"/>
+          </a:fillRef>
+          <a:effectRef idx="2">
+            <a:schemeClr val="accent1"/>
+          </a:effectRef>
+          <a:fontRef idx="minor">
+            <a:schemeClr val="lt1"/>
+          </a:fontRef>
+        </p:style>
+        <p:txBody>
+          <a:bodyPr rtlCol="0" anchor="ctr"/>
+          <a:lstStyle/>
+          <a:p>
+            <a:pPr algn="ctr"/>
+            <a:endParaRPr lang="en-US"/>
           </a:p>
         </p:txBody>
       </p:sp>
